--- a/courseMaterial/Objective-3-Primitives Data Types & String/1-Data Types [Autosaved].pptx
+++ b/courseMaterial/Objective-3-Primitives Data Types & String/1-Data Types [Autosaved].pptx
@@ -5,10 +5,10 @@
     <p:sldMasterId id="2147483648" r:id="rId4"/>
   </p:sldMasterIdLst>
   <p:notesMasterIdLst>
-    <p:notesMasterId r:id="rId18"/>
+    <p:notesMasterId r:id="rId19"/>
   </p:notesMasterIdLst>
   <p:handoutMasterIdLst>
-    <p:handoutMasterId r:id="rId19"/>
+    <p:handoutMasterId r:id="rId20"/>
   </p:handoutMasterIdLst>
   <p:sldIdLst>
     <p:sldId id="256" r:id="rId5"/>
@@ -22,8 +22,9 @@
     <p:sldId id="263" r:id="rId13"/>
     <p:sldId id="264" r:id="rId14"/>
     <p:sldId id="273" r:id="rId15"/>
-    <p:sldId id="265" r:id="rId16"/>
-    <p:sldId id="268" r:id="rId17"/>
+    <p:sldId id="274" r:id="rId16"/>
+    <p:sldId id="265" r:id="rId17"/>
+    <p:sldId id="268" r:id="rId18"/>
   </p:sldIdLst>
   <p:sldSz cx="12192000" cy="6858000"/>
   <p:notesSz cx="6858000" cy="9144000"/>
@@ -124,10 +125,10 @@
   </p:defaultTextStyle>
   <p:extLst>
     <p:ext uri="{EFAFB233-063F-42B5-8137-9DF3F51BA10A}">
-      <p15:sldGuideLst xmlns:p15="http://schemas.microsoft.com/office/powerpoint/2012/main" xmlns=""/>
+      <p15:sldGuideLst xmlns="" xmlns:p15="http://schemas.microsoft.com/office/powerpoint/2012/main"/>
     </p:ext>
     <p:ext uri="{2D200454-40CA-4A62-9FC3-DE9A4176ACB9}">
-      <p15:notesGuideLst xmlns:p15="http://schemas.microsoft.com/office/powerpoint/2012/main" xmlns=""/>
+      <p15:notesGuideLst xmlns="" xmlns:p15="http://schemas.microsoft.com/office/powerpoint/2012/main"/>
     </p:ext>
   </p:extLst>
 </p:presentation>
@@ -160,7 +161,7 @@
           <p:cNvPr id="2" name="Header Placeholder 1">
             <a:extLst>
               <a:ext uri="{FF2B5EF4-FFF2-40B4-BE49-F238E27FC236}">
-                <a16:creationId xmlns:a16="http://schemas.microsoft.com/office/drawing/2014/main" xmlns="" id="{2BC10188-DC2C-458D-AB41-143A0BE9A310}"/>
+                <a16:creationId xmlns="" xmlns:a16="http://schemas.microsoft.com/office/drawing/2014/main" id="{2BC10188-DC2C-458D-AB41-143A0BE9A310}"/>
               </a:ext>
             </a:extLst>
           </p:cNvPr>
@@ -197,7 +198,7 @@
           <p:cNvPr id="3" name="Date Placeholder 2">
             <a:extLst>
               <a:ext uri="{FF2B5EF4-FFF2-40B4-BE49-F238E27FC236}">
-                <a16:creationId xmlns:a16="http://schemas.microsoft.com/office/drawing/2014/main" xmlns="" id="{C9634E15-7196-43FC-B912-C4D8B4A2CE79}"/>
+                <a16:creationId xmlns="" xmlns:a16="http://schemas.microsoft.com/office/drawing/2014/main" id="{C9634E15-7196-43FC-B912-C4D8B4A2CE79}"/>
               </a:ext>
             </a:extLst>
           </p:cNvPr>
@@ -228,7 +229,7 @@
             <a:fld id="{68416927-5E9C-4E77-85FE-EE4C81C1DE39}" type="datetimeFigureOut">
               <a:rPr lang="en-US" smtClean="0"/>
               <a:pPr/>
-              <a:t>4/19/2020</a:t>
+              <a:t>4/26/2020</a:t>
             </a:fld>
             <a:endParaRPr lang="en-US" dirty="0"/>
           </a:p>
@@ -239,7 +240,7 @@
           <p:cNvPr id="4" name="Footer Placeholder 3">
             <a:extLst>
               <a:ext uri="{FF2B5EF4-FFF2-40B4-BE49-F238E27FC236}">
-                <a16:creationId xmlns:a16="http://schemas.microsoft.com/office/drawing/2014/main" xmlns="" id="{89EA2570-D5B6-41CB-96C2-FFC9944668E5}"/>
+                <a16:creationId xmlns="" xmlns:a16="http://schemas.microsoft.com/office/drawing/2014/main" id="{89EA2570-D5B6-41CB-96C2-FFC9944668E5}"/>
               </a:ext>
             </a:extLst>
           </p:cNvPr>
@@ -276,7 +277,7 @@
           <p:cNvPr id="5" name="Slide Number Placeholder 4">
             <a:extLst>
               <a:ext uri="{FF2B5EF4-FFF2-40B4-BE49-F238E27FC236}">
-                <a16:creationId xmlns:a16="http://schemas.microsoft.com/office/drawing/2014/main" xmlns="" id="{15C31B37-7A69-4C30-9B63-29F8242FC246}"/>
+                <a16:creationId xmlns="" xmlns:a16="http://schemas.microsoft.com/office/drawing/2014/main" id="{15C31B37-7A69-4C30-9B63-29F8242FC246}"/>
               </a:ext>
             </a:extLst>
           </p:cNvPr>
@@ -316,7 +317,7 @@
     </p:spTree>
     <p:extLst>
       <p:ext uri="{BB962C8B-B14F-4D97-AF65-F5344CB8AC3E}">
-        <p14:creationId xmlns:p14="http://schemas.microsoft.com/office/powerpoint/2010/main" xmlns="" val="2413100067"/>
+        <p14:creationId xmlns="" xmlns:p14="http://schemas.microsoft.com/office/powerpoint/2010/main" val="2413100067"/>
       </p:ext>
     </p:extLst>
   </p:cSld>
@@ -407,7 +408,7 @@
             <a:fld id="{FA798B7E-6604-4F74-86DB-B30627D56244}" type="datetimeFigureOut">
               <a:rPr lang="en-US" smtClean="0"/>
               <a:pPr/>
-              <a:t>4/19/2020</a:t>
+              <a:t>4/26/2020</a:t>
             </a:fld>
             <a:endParaRPr lang="en-US" dirty="0"/>
           </a:p>
@@ -575,7 +576,7 @@
     </p:spTree>
     <p:extLst>
       <p:ext uri="{BB962C8B-B14F-4D97-AF65-F5344CB8AC3E}">
-        <p14:creationId xmlns:p14="http://schemas.microsoft.com/office/powerpoint/2010/main" xmlns="" val="2075933273"/>
+        <p14:creationId xmlns="" xmlns:p14="http://schemas.microsoft.com/office/powerpoint/2010/main" val="2075933273"/>
       </p:ext>
     </p:extLst>
   </p:cSld>
@@ -697,7 +698,7 @@
           <p:cNvPr id="2" name="Title 1">
             <a:extLst>
               <a:ext uri="{FF2B5EF4-FFF2-40B4-BE49-F238E27FC236}">
-                <a16:creationId xmlns:a16="http://schemas.microsoft.com/office/drawing/2014/main" xmlns="" id="{E5798B13-3B32-4354-B2B5-3165F2F6E65F}"/>
+                <a16:creationId xmlns="" xmlns:a16="http://schemas.microsoft.com/office/drawing/2014/main" id="{E5798B13-3B32-4354-B2B5-3165F2F6E65F}"/>
               </a:ext>
             </a:extLst>
           </p:cNvPr>
@@ -740,7 +741,7 @@
           <p:cNvPr id="4" name="Text Placeholder 3">
             <a:extLst>
               <a:ext uri="{FF2B5EF4-FFF2-40B4-BE49-F238E27FC236}">
-                <a16:creationId xmlns:a16="http://schemas.microsoft.com/office/drawing/2014/main" xmlns="" id="{16BB88CF-DF4F-4857-8602-72BCF5DDCDA1}"/>
+                <a16:creationId xmlns="" xmlns:a16="http://schemas.microsoft.com/office/drawing/2014/main" id="{16BB88CF-DF4F-4857-8602-72BCF5DDCDA1}"/>
               </a:ext>
             </a:extLst>
           </p:cNvPr>
@@ -811,7 +812,7 @@
           <p:cNvPr id="12" name="Straight Connector 11">
             <a:extLst>
               <a:ext uri="{FF2B5EF4-FFF2-40B4-BE49-F238E27FC236}">
-                <a16:creationId xmlns:a16="http://schemas.microsoft.com/office/drawing/2014/main" xmlns="" id="{A7EEBB7C-1679-4665-8688-1FA973E73DC1}"/>
+                <a16:creationId xmlns="" xmlns:a16="http://schemas.microsoft.com/office/drawing/2014/main" id="{A7EEBB7C-1679-4665-8688-1FA973E73DC1}"/>
               </a:ext>
             </a:extLst>
           </p:cNvPr>
@@ -863,7 +864,7 @@
           <p:cNvPr id="7" name="Rectangle 6">
             <a:extLst>
               <a:ext uri="{FF2B5EF4-FFF2-40B4-BE49-F238E27FC236}">
-                <a16:creationId xmlns:a16="http://schemas.microsoft.com/office/drawing/2014/main" xmlns="" id="{F1E3214F-3A93-4A1C-920D-D86BE35A58FB}"/>
+                <a16:creationId xmlns="" xmlns:a16="http://schemas.microsoft.com/office/drawing/2014/main" id="{F1E3214F-3A93-4A1C-920D-D86BE35A58FB}"/>
               </a:ext>
             </a:extLst>
           </p:cNvPr>
@@ -918,7 +919,7 @@
           <p:cNvPr id="3" name="Slide Number Placeholder 2">
             <a:extLst>
               <a:ext uri="{FF2B5EF4-FFF2-40B4-BE49-F238E27FC236}">
-                <a16:creationId xmlns:a16="http://schemas.microsoft.com/office/drawing/2014/main" xmlns="" id="{213E97E5-C83B-444A-8C07-35D699E7C342}"/>
+                <a16:creationId xmlns="" xmlns:a16="http://schemas.microsoft.com/office/drawing/2014/main" id="{213E97E5-C83B-444A-8C07-35D699E7C342}"/>
               </a:ext>
             </a:extLst>
           </p:cNvPr>
@@ -950,7 +951,7 @@
     </p:spTree>
     <p:extLst>
       <p:ext uri="{BB962C8B-B14F-4D97-AF65-F5344CB8AC3E}">
-        <p14:creationId xmlns:p14="http://schemas.microsoft.com/office/powerpoint/2010/main" xmlns="" val="2226532245"/>
+        <p14:creationId xmlns="" xmlns:p14="http://schemas.microsoft.com/office/powerpoint/2010/main" val="2226532245"/>
       </p:ext>
     </p:extLst>
   </p:cSld>
@@ -982,7 +983,7 @@
           <p:cNvPr id="2" name="Title 1">
             <a:extLst>
               <a:ext uri="{FF2B5EF4-FFF2-40B4-BE49-F238E27FC236}">
-                <a16:creationId xmlns:a16="http://schemas.microsoft.com/office/drawing/2014/main" xmlns="" id="{0D1AB651-5612-4E6A-9B35-A555D082EC2F}"/>
+                <a16:creationId xmlns="" xmlns:a16="http://schemas.microsoft.com/office/drawing/2014/main" id="{0D1AB651-5612-4E6A-9B35-A555D082EC2F}"/>
               </a:ext>
             </a:extLst>
           </p:cNvPr>
@@ -1011,7 +1012,7 @@
           <p:cNvPr id="3" name="Content Placeholder 2">
             <a:extLst>
               <a:ext uri="{FF2B5EF4-FFF2-40B4-BE49-F238E27FC236}">
-                <a16:creationId xmlns:a16="http://schemas.microsoft.com/office/drawing/2014/main" xmlns="" id="{881389A2-D77B-40CA-AD1E-0178AEFAD15A}"/>
+                <a16:creationId xmlns="" xmlns:a16="http://schemas.microsoft.com/office/drawing/2014/main" id="{881389A2-D77B-40CA-AD1E-0178AEFAD15A}"/>
               </a:ext>
             </a:extLst>
           </p:cNvPr>
@@ -1092,7 +1093,7 @@
           <p:cNvPr id="4" name="Content Placeholder 3">
             <a:extLst>
               <a:ext uri="{FF2B5EF4-FFF2-40B4-BE49-F238E27FC236}">
-                <a16:creationId xmlns:a16="http://schemas.microsoft.com/office/drawing/2014/main" xmlns="" id="{A1DCA993-CBEA-48C5-BD35-50ABDFF64065}"/>
+                <a16:creationId xmlns="" xmlns:a16="http://schemas.microsoft.com/office/drawing/2014/main" id="{A1DCA993-CBEA-48C5-BD35-50ABDFF64065}"/>
               </a:ext>
             </a:extLst>
           </p:cNvPr>
@@ -1173,7 +1174,7 @@
           <p:cNvPr id="5" name="Slide Number Placeholder 4">
             <a:extLst>
               <a:ext uri="{FF2B5EF4-FFF2-40B4-BE49-F238E27FC236}">
-                <a16:creationId xmlns:a16="http://schemas.microsoft.com/office/drawing/2014/main" xmlns="" id="{B88ED8E0-95EC-469F-9B7E-562FBDFDE6CC}"/>
+                <a16:creationId xmlns="" xmlns:a16="http://schemas.microsoft.com/office/drawing/2014/main" id="{B88ED8E0-95EC-469F-9B7E-562FBDFDE6CC}"/>
               </a:ext>
             </a:extLst>
           </p:cNvPr>
@@ -1205,7 +1206,7 @@
     </p:spTree>
     <p:extLst>
       <p:ext uri="{BB962C8B-B14F-4D97-AF65-F5344CB8AC3E}">
-        <p14:creationId xmlns:p14="http://schemas.microsoft.com/office/powerpoint/2010/main" xmlns="" val="646344805"/>
+        <p14:creationId xmlns="" xmlns:p14="http://schemas.microsoft.com/office/powerpoint/2010/main" val="646344805"/>
       </p:ext>
     </p:extLst>
   </p:cSld>
@@ -1237,7 +1238,7 @@
           <p:cNvPr id="2" name="Title 1">
             <a:extLst>
               <a:ext uri="{FF2B5EF4-FFF2-40B4-BE49-F238E27FC236}">
-                <a16:creationId xmlns:a16="http://schemas.microsoft.com/office/drawing/2014/main" xmlns="" id="{EF776F88-2A37-410D-A685-E455AF3D07B4}"/>
+                <a16:creationId xmlns="" xmlns:a16="http://schemas.microsoft.com/office/drawing/2014/main" id="{EF776F88-2A37-410D-A685-E455AF3D07B4}"/>
               </a:ext>
             </a:extLst>
           </p:cNvPr>
@@ -1271,7 +1272,7 @@
           <p:cNvPr id="3" name="Text Placeholder 2">
             <a:extLst>
               <a:ext uri="{FF2B5EF4-FFF2-40B4-BE49-F238E27FC236}">
-                <a16:creationId xmlns:a16="http://schemas.microsoft.com/office/drawing/2014/main" xmlns="" id="{6C764B46-B015-44F7-8DC0-AFB8D275E486}"/>
+                <a16:creationId xmlns="" xmlns:a16="http://schemas.microsoft.com/office/drawing/2014/main" id="{6C764B46-B015-44F7-8DC0-AFB8D275E486}"/>
               </a:ext>
             </a:extLst>
           </p:cNvPr>
@@ -1342,7 +1343,7 @@
           <p:cNvPr id="4" name="Content Placeholder 3">
             <a:extLst>
               <a:ext uri="{FF2B5EF4-FFF2-40B4-BE49-F238E27FC236}">
-                <a16:creationId xmlns:a16="http://schemas.microsoft.com/office/drawing/2014/main" xmlns="" id="{2D3C8232-2077-497A-9142-B787E2B03A73}"/>
+                <a16:creationId xmlns="" xmlns:a16="http://schemas.microsoft.com/office/drawing/2014/main" id="{2D3C8232-2077-497A-9142-B787E2B03A73}"/>
               </a:ext>
             </a:extLst>
           </p:cNvPr>
@@ -1423,7 +1424,7 @@
           <p:cNvPr id="5" name="Text Placeholder 4">
             <a:extLst>
               <a:ext uri="{FF2B5EF4-FFF2-40B4-BE49-F238E27FC236}">
-                <a16:creationId xmlns:a16="http://schemas.microsoft.com/office/drawing/2014/main" xmlns="" id="{AAF6077C-D913-4FD0-B6E0-6D70BEFD40E6}"/>
+                <a16:creationId xmlns="" xmlns:a16="http://schemas.microsoft.com/office/drawing/2014/main" id="{AAF6077C-D913-4FD0-B6E0-6D70BEFD40E6}"/>
               </a:ext>
             </a:extLst>
           </p:cNvPr>
@@ -1494,7 +1495,7 @@
           <p:cNvPr id="6" name="Content Placeholder 5">
             <a:extLst>
               <a:ext uri="{FF2B5EF4-FFF2-40B4-BE49-F238E27FC236}">
-                <a16:creationId xmlns:a16="http://schemas.microsoft.com/office/drawing/2014/main" xmlns="" id="{43905DBB-3AA9-4435-AC97-732293FDE7EF}"/>
+                <a16:creationId xmlns="" xmlns:a16="http://schemas.microsoft.com/office/drawing/2014/main" id="{43905DBB-3AA9-4435-AC97-732293FDE7EF}"/>
               </a:ext>
             </a:extLst>
           </p:cNvPr>
@@ -1575,7 +1576,7 @@
           <p:cNvPr id="7" name="Slide Number Placeholder 6">
             <a:extLst>
               <a:ext uri="{FF2B5EF4-FFF2-40B4-BE49-F238E27FC236}">
-                <a16:creationId xmlns:a16="http://schemas.microsoft.com/office/drawing/2014/main" xmlns="" id="{1954C901-FCAF-4DFB-A621-6A969641CA73}"/>
+                <a16:creationId xmlns="" xmlns:a16="http://schemas.microsoft.com/office/drawing/2014/main" id="{1954C901-FCAF-4DFB-A621-6A969641CA73}"/>
               </a:ext>
             </a:extLst>
           </p:cNvPr>
@@ -1607,7 +1608,7 @@
     </p:spTree>
     <p:extLst>
       <p:ext uri="{BB962C8B-B14F-4D97-AF65-F5344CB8AC3E}">
-        <p14:creationId xmlns:p14="http://schemas.microsoft.com/office/powerpoint/2010/main" xmlns="" val="2292145525"/>
+        <p14:creationId xmlns="" xmlns:p14="http://schemas.microsoft.com/office/powerpoint/2010/main" val="2292145525"/>
       </p:ext>
     </p:extLst>
   </p:cSld>
@@ -1639,7 +1640,7 @@
           <p:cNvPr id="2" name="Title 1">
             <a:extLst>
               <a:ext uri="{FF2B5EF4-FFF2-40B4-BE49-F238E27FC236}">
-                <a16:creationId xmlns:a16="http://schemas.microsoft.com/office/drawing/2014/main" xmlns="" id="{99AF2623-2255-4BBA-9577-B3A3FD2AE8E8}"/>
+                <a16:creationId xmlns="" xmlns:a16="http://schemas.microsoft.com/office/drawing/2014/main" id="{99AF2623-2255-4BBA-9577-B3A3FD2AE8E8}"/>
               </a:ext>
             </a:extLst>
           </p:cNvPr>
@@ -1668,7 +1669,7 @@
           <p:cNvPr id="3" name="Slide Number Placeholder 2">
             <a:extLst>
               <a:ext uri="{FF2B5EF4-FFF2-40B4-BE49-F238E27FC236}">
-                <a16:creationId xmlns:a16="http://schemas.microsoft.com/office/drawing/2014/main" xmlns="" id="{5259F0F0-5E7C-4FC9-8E90-6ADCD7A714B6}"/>
+                <a16:creationId xmlns="" xmlns:a16="http://schemas.microsoft.com/office/drawing/2014/main" id="{5259F0F0-5E7C-4FC9-8E90-6ADCD7A714B6}"/>
               </a:ext>
             </a:extLst>
           </p:cNvPr>
@@ -1700,7 +1701,7 @@
     </p:spTree>
     <p:extLst>
       <p:ext uri="{BB962C8B-B14F-4D97-AF65-F5344CB8AC3E}">
-        <p14:creationId xmlns:p14="http://schemas.microsoft.com/office/powerpoint/2010/main" xmlns="" val="3105532259"/>
+        <p14:creationId xmlns="" xmlns:p14="http://schemas.microsoft.com/office/powerpoint/2010/main" val="3105532259"/>
       </p:ext>
     </p:extLst>
   </p:cSld>
@@ -1732,7 +1733,7 @@
           <p:cNvPr id="2" name="Slide Number Placeholder 1">
             <a:extLst>
               <a:ext uri="{FF2B5EF4-FFF2-40B4-BE49-F238E27FC236}">
-                <a16:creationId xmlns:a16="http://schemas.microsoft.com/office/drawing/2014/main" xmlns="" id="{0A9D3FFB-BE14-4D90-A515-10EDD1BEE6F1}"/>
+                <a16:creationId xmlns="" xmlns:a16="http://schemas.microsoft.com/office/drawing/2014/main" id="{0A9D3FFB-BE14-4D90-A515-10EDD1BEE6F1}"/>
               </a:ext>
             </a:extLst>
           </p:cNvPr>
@@ -1764,7 +1765,7 @@
     </p:spTree>
     <p:extLst>
       <p:ext uri="{BB962C8B-B14F-4D97-AF65-F5344CB8AC3E}">
-        <p14:creationId xmlns:p14="http://schemas.microsoft.com/office/powerpoint/2010/main" xmlns="" val="3627673970"/>
+        <p14:creationId xmlns="" xmlns:p14="http://schemas.microsoft.com/office/powerpoint/2010/main" val="3627673970"/>
       </p:ext>
     </p:extLst>
   </p:cSld>
@@ -1796,7 +1797,7 @@
           <p:cNvPr id="2" name="Title 1">
             <a:extLst>
               <a:ext uri="{FF2B5EF4-FFF2-40B4-BE49-F238E27FC236}">
-                <a16:creationId xmlns:a16="http://schemas.microsoft.com/office/drawing/2014/main" xmlns="" id="{A2451E51-BE82-4B1B-9CB6-89C26464DBE2}"/>
+                <a16:creationId xmlns="" xmlns:a16="http://schemas.microsoft.com/office/drawing/2014/main" id="{A2451E51-BE82-4B1B-9CB6-89C26464DBE2}"/>
               </a:ext>
             </a:extLst>
           </p:cNvPr>
@@ -1834,7 +1835,7 @@
           <p:cNvPr id="3" name="Content Placeholder 2">
             <a:extLst>
               <a:ext uri="{FF2B5EF4-FFF2-40B4-BE49-F238E27FC236}">
-                <a16:creationId xmlns:a16="http://schemas.microsoft.com/office/drawing/2014/main" xmlns="" id="{04CCBF8C-3CF7-47E6-9AB0-15584178B449}"/>
+                <a16:creationId xmlns="" xmlns:a16="http://schemas.microsoft.com/office/drawing/2014/main" id="{04CCBF8C-3CF7-47E6-9AB0-15584178B449}"/>
               </a:ext>
             </a:extLst>
           </p:cNvPr>
@@ -1925,7 +1926,7 @@
           <p:cNvPr id="4" name="Text Placeholder 3">
             <a:extLst>
               <a:ext uri="{FF2B5EF4-FFF2-40B4-BE49-F238E27FC236}">
-                <a16:creationId xmlns:a16="http://schemas.microsoft.com/office/drawing/2014/main" xmlns="" id="{3D07DA3C-0298-45CF-AFC3-41031C0763E3}"/>
+                <a16:creationId xmlns="" xmlns:a16="http://schemas.microsoft.com/office/drawing/2014/main" id="{3D07DA3C-0298-45CF-AFC3-41031C0763E3}"/>
               </a:ext>
             </a:extLst>
           </p:cNvPr>
@@ -1996,7 +1997,7 @@
           <p:cNvPr id="5" name="Slide Number Placeholder 4">
             <a:extLst>
               <a:ext uri="{FF2B5EF4-FFF2-40B4-BE49-F238E27FC236}">
-                <a16:creationId xmlns:a16="http://schemas.microsoft.com/office/drawing/2014/main" xmlns="" id="{F7C4FF87-D01E-416B-9EF8-E107C4EDDC42}"/>
+                <a16:creationId xmlns="" xmlns:a16="http://schemas.microsoft.com/office/drawing/2014/main" id="{F7C4FF87-D01E-416B-9EF8-E107C4EDDC42}"/>
               </a:ext>
             </a:extLst>
           </p:cNvPr>
@@ -2028,7 +2029,7 @@
     </p:spTree>
     <p:extLst>
       <p:ext uri="{BB962C8B-B14F-4D97-AF65-F5344CB8AC3E}">
-        <p14:creationId xmlns:p14="http://schemas.microsoft.com/office/powerpoint/2010/main" xmlns="" val="398533459"/>
+        <p14:creationId xmlns="" xmlns:p14="http://schemas.microsoft.com/office/powerpoint/2010/main" val="398533459"/>
       </p:ext>
     </p:extLst>
   </p:cSld>
@@ -2060,7 +2061,7 @@
           <p:cNvPr id="2" name="Title 1">
             <a:extLst>
               <a:ext uri="{FF2B5EF4-FFF2-40B4-BE49-F238E27FC236}">
-                <a16:creationId xmlns:a16="http://schemas.microsoft.com/office/drawing/2014/main" xmlns="" id="{E5798B13-3B32-4354-B2B5-3165F2F6E65F}"/>
+                <a16:creationId xmlns="" xmlns:a16="http://schemas.microsoft.com/office/drawing/2014/main" id="{E5798B13-3B32-4354-B2B5-3165F2F6E65F}"/>
               </a:ext>
             </a:extLst>
           </p:cNvPr>
@@ -2103,7 +2104,7 @@
           <p:cNvPr id="4" name="Text Placeholder 3">
             <a:extLst>
               <a:ext uri="{FF2B5EF4-FFF2-40B4-BE49-F238E27FC236}">
-                <a16:creationId xmlns:a16="http://schemas.microsoft.com/office/drawing/2014/main" xmlns="" id="{16BB88CF-DF4F-4857-8602-72BCF5DDCDA1}"/>
+                <a16:creationId xmlns="" xmlns:a16="http://schemas.microsoft.com/office/drawing/2014/main" id="{16BB88CF-DF4F-4857-8602-72BCF5DDCDA1}"/>
               </a:ext>
             </a:extLst>
           </p:cNvPr>
@@ -2174,7 +2175,7 @@
           <p:cNvPr id="12" name="Straight Connector 11">
             <a:extLst>
               <a:ext uri="{FF2B5EF4-FFF2-40B4-BE49-F238E27FC236}">
-                <a16:creationId xmlns:a16="http://schemas.microsoft.com/office/drawing/2014/main" xmlns="" id="{A7EEBB7C-1679-4665-8688-1FA973E73DC1}"/>
+                <a16:creationId xmlns="" xmlns:a16="http://schemas.microsoft.com/office/drawing/2014/main" id="{A7EEBB7C-1679-4665-8688-1FA973E73DC1}"/>
               </a:ext>
             </a:extLst>
           </p:cNvPr>
@@ -2226,7 +2227,7 @@
           <p:cNvPr id="7" name="Rectangle 6">
             <a:extLst>
               <a:ext uri="{FF2B5EF4-FFF2-40B4-BE49-F238E27FC236}">
-                <a16:creationId xmlns:a16="http://schemas.microsoft.com/office/drawing/2014/main" xmlns="" id="{F1E3214F-3A93-4A1C-920D-D86BE35A58FB}"/>
+                <a16:creationId xmlns="" xmlns:a16="http://schemas.microsoft.com/office/drawing/2014/main" id="{F1E3214F-3A93-4A1C-920D-D86BE35A58FB}"/>
               </a:ext>
             </a:extLst>
           </p:cNvPr>
@@ -2281,7 +2282,7 @@
           <p:cNvPr id="3" name="Slide Number Placeholder 2">
             <a:extLst>
               <a:ext uri="{FF2B5EF4-FFF2-40B4-BE49-F238E27FC236}">
-                <a16:creationId xmlns:a16="http://schemas.microsoft.com/office/drawing/2014/main" xmlns="" id="{213E97E5-C83B-444A-8C07-35D699E7C342}"/>
+                <a16:creationId xmlns="" xmlns:a16="http://schemas.microsoft.com/office/drawing/2014/main" id="{213E97E5-C83B-444A-8C07-35D699E7C342}"/>
               </a:ext>
             </a:extLst>
           </p:cNvPr>
@@ -2315,7 +2316,7 @@
           <p:cNvPr id="8" name="Picture Placeholder 2">
             <a:extLst>
               <a:ext uri="{FF2B5EF4-FFF2-40B4-BE49-F238E27FC236}">
-                <a16:creationId xmlns:a16="http://schemas.microsoft.com/office/drawing/2014/main" xmlns="" id="{2641ECAC-0557-4843-8433-067E4414E2F5}"/>
+                <a16:creationId xmlns="" xmlns:a16="http://schemas.microsoft.com/office/drawing/2014/main" id="{2641ECAC-0557-4843-8433-067E4414E2F5}"/>
               </a:ext>
             </a:extLst>
           </p:cNvPr>
@@ -2391,7 +2392,7 @@
     </p:spTree>
     <p:extLst>
       <p:ext uri="{BB962C8B-B14F-4D97-AF65-F5344CB8AC3E}">
-        <p14:creationId xmlns:p14="http://schemas.microsoft.com/office/powerpoint/2010/main" xmlns="" val="3394383312"/>
+        <p14:creationId xmlns="" xmlns:p14="http://schemas.microsoft.com/office/powerpoint/2010/main" val="3394383312"/>
       </p:ext>
     </p:extLst>
   </p:cSld>
@@ -2434,7 +2435,7 @@
           <p:cNvPr id="2" name="Title 1">
             <a:extLst>
               <a:ext uri="{FF2B5EF4-FFF2-40B4-BE49-F238E27FC236}">
-                <a16:creationId xmlns:a16="http://schemas.microsoft.com/office/drawing/2014/main" xmlns="" id="{FE91AD08-4E28-4191-9B62-EAD61608E5CF}"/>
+                <a16:creationId xmlns="" xmlns:a16="http://schemas.microsoft.com/office/drawing/2014/main" id="{FE91AD08-4E28-4191-9B62-EAD61608E5CF}"/>
               </a:ext>
             </a:extLst>
           </p:cNvPr>
@@ -2482,7 +2483,7 @@
           <p:cNvPr id="3" name="Content Placeholder 2">
             <a:extLst>
               <a:ext uri="{FF2B5EF4-FFF2-40B4-BE49-F238E27FC236}">
-                <a16:creationId xmlns:a16="http://schemas.microsoft.com/office/drawing/2014/main" xmlns="" id="{90BF853D-76DB-46F3-AF6C-1E77C8E06AA9}"/>
+                <a16:creationId xmlns="" xmlns:a16="http://schemas.microsoft.com/office/drawing/2014/main" id="{90BF853D-76DB-46F3-AF6C-1E77C8E06AA9}"/>
               </a:ext>
             </a:extLst>
           </p:cNvPr>
@@ -2563,7 +2564,7 @@
           <p:cNvPr id="4" name="Slide Number Placeholder 3">
             <a:extLst>
               <a:ext uri="{FF2B5EF4-FFF2-40B4-BE49-F238E27FC236}">
-                <a16:creationId xmlns:a16="http://schemas.microsoft.com/office/drawing/2014/main" xmlns="" id="{0660D61A-B9FD-4DFF-AC42-4069DAFE238C}"/>
+                <a16:creationId xmlns="" xmlns:a16="http://schemas.microsoft.com/office/drawing/2014/main" id="{0660D61A-B9FD-4DFF-AC42-4069DAFE238C}"/>
               </a:ext>
             </a:extLst>
           </p:cNvPr>
@@ -2595,7 +2596,7 @@
     </p:spTree>
     <p:extLst>
       <p:ext uri="{BB962C8B-B14F-4D97-AF65-F5344CB8AC3E}">
-        <p14:creationId xmlns:p14="http://schemas.microsoft.com/office/powerpoint/2010/main" xmlns="" val="3839236654"/>
+        <p14:creationId xmlns="" xmlns:p14="http://schemas.microsoft.com/office/powerpoint/2010/main" val="3839236654"/>
       </p:ext>
     </p:extLst>
   </p:cSld>
@@ -2638,7 +2639,7 @@
           <p:cNvPr id="2" name="Title 1">
             <a:extLst>
               <a:ext uri="{FF2B5EF4-FFF2-40B4-BE49-F238E27FC236}">
-                <a16:creationId xmlns:a16="http://schemas.microsoft.com/office/drawing/2014/main" xmlns="" id="{FE91AD08-4E28-4191-9B62-EAD61608E5CF}"/>
+                <a16:creationId xmlns="" xmlns:a16="http://schemas.microsoft.com/office/drawing/2014/main" id="{FE91AD08-4E28-4191-9B62-EAD61608E5CF}"/>
               </a:ext>
             </a:extLst>
           </p:cNvPr>
@@ -2688,7 +2689,7 @@
           <p:cNvPr id="3" name="Content Placeholder 2">
             <a:extLst>
               <a:ext uri="{FF2B5EF4-FFF2-40B4-BE49-F238E27FC236}">
-                <a16:creationId xmlns:a16="http://schemas.microsoft.com/office/drawing/2014/main" xmlns="" id="{90BF853D-76DB-46F3-AF6C-1E77C8E06AA9}"/>
+                <a16:creationId xmlns="" xmlns:a16="http://schemas.microsoft.com/office/drawing/2014/main" id="{90BF853D-76DB-46F3-AF6C-1E77C8E06AA9}"/>
               </a:ext>
             </a:extLst>
           </p:cNvPr>
@@ -2769,7 +2770,7 @@
           <p:cNvPr id="4" name="Slide Number Placeholder 3">
             <a:extLst>
               <a:ext uri="{FF2B5EF4-FFF2-40B4-BE49-F238E27FC236}">
-                <a16:creationId xmlns:a16="http://schemas.microsoft.com/office/drawing/2014/main" xmlns="" id="{0660D61A-B9FD-4DFF-AC42-4069DAFE238C}"/>
+                <a16:creationId xmlns="" xmlns:a16="http://schemas.microsoft.com/office/drawing/2014/main" id="{0660D61A-B9FD-4DFF-AC42-4069DAFE238C}"/>
               </a:ext>
             </a:extLst>
           </p:cNvPr>
@@ -2801,7 +2802,7 @@
     </p:spTree>
     <p:extLst>
       <p:ext uri="{BB962C8B-B14F-4D97-AF65-F5344CB8AC3E}">
-        <p14:creationId xmlns:p14="http://schemas.microsoft.com/office/powerpoint/2010/main" xmlns="" val="1594571051"/>
+        <p14:creationId xmlns="" xmlns:p14="http://schemas.microsoft.com/office/powerpoint/2010/main" val="1594571051"/>
       </p:ext>
     </p:extLst>
   </p:cSld>
@@ -2833,7 +2834,7 @@
           <p:cNvPr id="7" name="Picture Placeholder 2">
             <a:extLst>
               <a:ext uri="{FF2B5EF4-FFF2-40B4-BE49-F238E27FC236}">
-                <a16:creationId xmlns:a16="http://schemas.microsoft.com/office/drawing/2014/main" xmlns="" id="{6D3C5ED2-B01D-4104-B193-BC78D76A4646}"/>
+                <a16:creationId xmlns="" xmlns:a16="http://schemas.microsoft.com/office/drawing/2014/main" id="{6D3C5ED2-B01D-4104-B193-BC78D76A4646}"/>
               </a:ext>
             </a:extLst>
           </p:cNvPr>
@@ -2906,7 +2907,7 @@
           <p:cNvPr id="2" name="Title 1">
             <a:extLst>
               <a:ext uri="{FF2B5EF4-FFF2-40B4-BE49-F238E27FC236}">
-                <a16:creationId xmlns:a16="http://schemas.microsoft.com/office/drawing/2014/main" xmlns="" id="{FE91AD08-4E28-4191-9B62-EAD61608E5CF}"/>
+                <a16:creationId xmlns="" xmlns:a16="http://schemas.microsoft.com/office/drawing/2014/main" id="{FE91AD08-4E28-4191-9B62-EAD61608E5CF}"/>
               </a:ext>
             </a:extLst>
           </p:cNvPr>
@@ -2953,7 +2954,7 @@
           <p:cNvPr id="3" name="Content Placeholder 2">
             <a:extLst>
               <a:ext uri="{FF2B5EF4-FFF2-40B4-BE49-F238E27FC236}">
-                <a16:creationId xmlns:a16="http://schemas.microsoft.com/office/drawing/2014/main" xmlns="" id="{90BF853D-76DB-46F3-AF6C-1E77C8E06AA9}"/>
+                <a16:creationId xmlns="" xmlns:a16="http://schemas.microsoft.com/office/drawing/2014/main" id="{90BF853D-76DB-46F3-AF6C-1E77C8E06AA9}"/>
               </a:ext>
             </a:extLst>
           </p:cNvPr>
@@ -3034,7 +3035,7 @@
           <p:cNvPr id="4" name="Slide Number Placeholder 3">
             <a:extLst>
               <a:ext uri="{FF2B5EF4-FFF2-40B4-BE49-F238E27FC236}">
-                <a16:creationId xmlns:a16="http://schemas.microsoft.com/office/drawing/2014/main" xmlns="" id="{0660D61A-B9FD-4DFF-AC42-4069DAFE238C}"/>
+                <a16:creationId xmlns="" xmlns:a16="http://schemas.microsoft.com/office/drawing/2014/main" id="{0660D61A-B9FD-4DFF-AC42-4069DAFE238C}"/>
               </a:ext>
             </a:extLst>
           </p:cNvPr>
@@ -3071,7 +3072,7 @@
     </p:spTree>
     <p:extLst>
       <p:ext uri="{BB962C8B-B14F-4D97-AF65-F5344CB8AC3E}">
-        <p14:creationId xmlns:p14="http://schemas.microsoft.com/office/powerpoint/2010/main" xmlns="" val="1797904098"/>
+        <p14:creationId xmlns="" xmlns:p14="http://schemas.microsoft.com/office/powerpoint/2010/main" val="1797904098"/>
       </p:ext>
     </p:extLst>
   </p:cSld>
@@ -3103,7 +3104,7 @@
           <p:cNvPr id="2" name="Title 1">
             <a:extLst>
               <a:ext uri="{FF2B5EF4-FFF2-40B4-BE49-F238E27FC236}">
-                <a16:creationId xmlns:a16="http://schemas.microsoft.com/office/drawing/2014/main" xmlns="" id="{FE91AD08-4E28-4191-9B62-EAD61608E5CF}"/>
+                <a16:creationId xmlns="" xmlns:a16="http://schemas.microsoft.com/office/drawing/2014/main" id="{FE91AD08-4E28-4191-9B62-EAD61608E5CF}"/>
               </a:ext>
             </a:extLst>
           </p:cNvPr>
@@ -3163,7 +3164,7 @@
           <p:cNvPr id="3" name="Content Placeholder 2">
             <a:extLst>
               <a:ext uri="{FF2B5EF4-FFF2-40B4-BE49-F238E27FC236}">
-                <a16:creationId xmlns:a16="http://schemas.microsoft.com/office/drawing/2014/main" xmlns="" id="{90BF853D-76DB-46F3-AF6C-1E77C8E06AA9}"/>
+                <a16:creationId xmlns="" xmlns:a16="http://schemas.microsoft.com/office/drawing/2014/main" id="{90BF853D-76DB-46F3-AF6C-1E77C8E06AA9}"/>
               </a:ext>
             </a:extLst>
           </p:cNvPr>
@@ -3244,7 +3245,7 @@
           <p:cNvPr id="14" name="Slide Number Placeholder 13">
             <a:extLst>
               <a:ext uri="{FF2B5EF4-FFF2-40B4-BE49-F238E27FC236}">
-                <a16:creationId xmlns:a16="http://schemas.microsoft.com/office/drawing/2014/main" xmlns="" id="{7746CAFB-2B99-470B-B55B-9BF378E3A04B}"/>
+                <a16:creationId xmlns="" xmlns:a16="http://schemas.microsoft.com/office/drawing/2014/main" id="{7746CAFB-2B99-470B-B55B-9BF378E3A04B}"/>
               </a:ext>
             </a:extLst>
           </p:cNvPr>
@@ -3276,7 +3277,7 @@
     </p:spTree>
     <p:extLst>
       <p:ext uri="{BB962C8B-B14F-4D97-AF65-F5344CB8AC3E}">
-        <p14:creationId xmlns:p14="http://schemas.microsoft.com/office/powerpoint/2010/main" xmlns="" val="1160496352"/>
+        <p14:creationId xmlns="" xmlns:p14="http://schemas.microsoft.com/office/powerpoint/2010/main" val="1160496352"/>
       </p:ext>
     </p:extLst>
   </p:cSld>
@@ -3308,7 +3309,7 @@
           <p:cNvPr id="17" name="Title 16">
             <a:extLst>
               <a:ext uri="{FF2B5EF4-FFF2-40B4-BE49-F238E27FC236}">
-                <a16:creationId xmlns:a16="http://schemas.microsoft.com/office/drawing/2014/main" xmlns="" id="{65237DA4-112F-40B2-8C8C-EB23506D9C45}"/>
+                <a16:creationId xmlns="" xmlns:a16="http://schemas.microsoft.com/office/drawing/2014/main" id="{65237DA4-112F-40B2-8C8C-EB23506D9C45}"/>
               </a:ext>
             </a:extLst>
           </p:cNvPr>
@@ -3367,7 +3368,7 @@
           <p:cNvPr id="3" name="Content Placeholder 2">
             <a:extLst>
               <a:ext uri="{FF2B5EF4-FFF2-40B4-BE49-F238E27FC236}">
-                <a16:creationId xmlns:a16="http://schemas.microsoft.com/office/drawing/2014/main" xmlns="" id="{90BF853D-76DB-46F3-AF6C-1E77C8E06AA9}"/>
+                <a16:creationId xmlns="" xmlns:a16="http://schemas.microsoft.com/office/drawing/2014/main" id="{90BF853D-76DB-46F3-AF6C-1E77C8E06AA9}"/>
               </a:ext>
             </a:extLst>
           </p:cNvPr>
@@ -3430,7 +3431,7 @@
           <p:cNvPr id="14" name="Slide Number Placeholder 13">
             <a:extLst>
               <a:ext uri="{FF2B5EF4-FFF2-40B4-BE49-F238E27FC236}">
-                <a16:creationId xmlns:a16="http://schemas.microsoft.com/office/drawing/2014/main" xmlns="" id="{7746CAFB-2B99-470B-B55B-9BF378E3A04B}"/>
+                <a16:creationId xmlns="" xmlns:a16="http://schemas.microsoft.com/office/drawing/2014/main" id="{7746CAFB-2B99-470B-B55B-9BF378E3A04B}"/>
               </a:ext>
             </a:extLst>
           </p:cNvPr>
@@ -3479,7 +3480,7 @@
     </p:spTree>
     <p:extLst>
       <p:ext uri="{BB962C8B-B14F-4D97-AF65-F5344CB8AC3E}">
-        <p14:creationId xmlns:p14="http://schemas.microsoft.com/office/powerpoint/2010/main" xmlns="" val="364498605"/>
+        <p14:creationId xmlns="" xmlns:p14="http://schemas.microsoft.com/office/powerpoint/2010/main" val="364498605"/>
       </p:ext>
     </p:extLst>
   </p:cSld>
@@ -3511,7 +3512,7 @@
           <p:cNvPr id="4" name="Slide Number Placeholder 3">
             <a:extLst>
               <a:ext uri="{FF2B5EF4-FFF2-40B4-BE49-F238E27FC236}">
-                <a16:creationId xmlns:a16="http://schemas.microsoft.com/office/drawing/2014/main" xmlns="" id="{0660D61A-B9FD-4DFF-AC42-4069DAFE238C}"/>
+                <a16:creationId xmlns="" xmlns:a16="http://schemas.microsoft.com/office/drawing/2014/main" id="{0660D61A-B9FD-4DFF-AC42-4069DAFE238C}"/>
               </a:ext>
             </a:extLst>
           </p:cNvPr>
@@ -3545,7 +3546,7 @@
           <p:cNvPr id="5" name="Content Placeholder 2">
             <a:extLst>
               <a:ext uri="{FF2B5EF4-FFF2-40B4-BE49-F238E27FC236}">
-                <a16:creationId xmlns:a16="http://schemas.microsoft.com/office/drawing/2014/main" xmlns="" id="{D68E6EF2-4B2F-4D0D-9505-CE92872972F7}"/>
+                <a16:creationId xmlns="" xmlns:a16="http://schemas.microsoft.com/office/drawing/2014/main" id="{D68E6EF2-4B2F-4D0D-9505-CE92872972F7}"/>
               </a:ext>
             </a:extLst>
           </p:cNvPr>
@@ -3608,7 +3609,7 @@
           <p:cNvPr id="6" name="Title 1">
             <a:extLst>
               <a:ext uri="{FF2B5EF4-FFF2-40B4-BE49-F238E27FC236}">
-                <a16:creationId xmlns:a16="http://schemas.microsoft.com/office/drawing/2014/main" xmlns="" id="{D91A21B9-BA54-413B-940E-027C32E4D429}"/>
+                <a16:creationId xmlns="" xmlns:a16="http://schemas.microsoft.com/office/drawing/2014/main" id="{D91A21B9-BA54-413B-940E-027C32E4D429}"/>
               </a:ext>
             </a:extLst>
           </p:cNvPr>
@@ -3654,7 +3655,7 @@
     </p:spTree>
     <p:extLst>
       <p:ext uri="{BB962C8B-B14F-4D97-AF65-F5344CB8AC3E}">
-        <p14:creationId xmlns:p14="http://schemas.microsoft.com/office/powerpoint/2010/main" xmlns="" val="3610051244"/>
+        <p14:creationId xmlns="" xmlns:p14="http://schemas.microsoft.com/office/powerpoint/2010/main" val="3610051244"/>
       </p:ext>
     </p:extLst>
   </p:cSld>
@@ -3686,7 +3687,7 @@
           <p:cNvPr id="2" name="Title 1">
             <a:extLst>
               <a:ext uri="{FF2B5EF4-FFF2-40B4-BE49-F238E27FC236}">
-                <a16:creationId xmlns:a16="http://schemas.microsoft.com/office/drawing/2014/main" xmlns="" id="{9722BDA7-8BE9-42D5-ACF1-0F51423A206E}"/>
+                <a16:creationId xmlns="" xmlns:a16="http://schemas.microsoft.com/office/drawing/2014/main" id="{9722BDA7-8BE9-42D5-ACF1-0F51423A206E}"/>
               </a:ext>
             </a:extLst>
           </p:cNvPr>
@@ -3724,7 +3725,7 @@
           <p:cNvPr id="3" name="Text Placeholder 2">
             <a:extLst>
               <a:ext uri="{FF2B5EF4-FFF2-40B4-BE49-F238E27FC236}">
-                <a16:creationId xmlns:a16="http://schemas.microsoft.com/office/drawing/2014/main" xmlns="" id="{71CEF73F-3CCA-4312-8E9C-2B4629DA1F66}"/>
+                <a16:creationId xmlns="" xmlns:a16="http://schemas.microsoft.com/office/drawing/2014/main" id="{71CEF73F-3CCA-4312-8E9C-2B4629DA1F66}"/>
               </a:ext>
             </a:extLst>
           </p:cNvPr>
@@ -3849,7 +3850,7 @@
           <p:cNvPr id="4" name="Slide Number Placeholder 3">
             <a:extLst>
               <a:ext uri="{FF2B5EF4-FFF2-40B4-BE49-F238E27FC236}">
-                <a16:creationId xmlns:a16="http://schemas.microsoft.com/office/drawing/2014/main" xmlns="" id="{293BF716-502C-4821-A3A0-19C2C508EED1}"/>
+                <a16:creationId xmlns="" xmlns:a16="http://schemas.microsoft.com/office/drawing/2014/main" id="{293BF716-502C-4821-A3A0-19C2C508EED1}"/>
               </a:ext>
             </a:extLst>
           </p:cNvPr>
@@ -3881,7 +3882,7 @@
     </p:spTree>
     <p:extLst>
       <p:ext uri="{BB962C8B-B14F-4D97-AF65-F5344CB8AC3E}">
-        <p14:creationId xmlns:p14="http://schemas.microsoft.com/office/powerpoint/2010/main" xmlns="" val="2665983131"/>
+        <p14:creationId xmlns="" xmlns:p14="http://schemas.microsoft.com/office/powerpoint/2010/main" val="2665983131"/>
       </p:ext>
     </p:extLst>
   </p:cSld>
@@ -3924,7 +3925,7 @@
           <p:cNvPr id="5" name="Picture 4">
             <a:extLst>
               <a:ext uri="{FF2B5EF4-FFF2-40B4-BE49-F238E27FC236}">
-                <a16:creationId xmlns:a16="http://schemas.microsoft.com/office/drawing/2014/main" xmlns="" id="{448E4AFE-E166-4B84-B0C8-9205038D8033}"/>
+                <a16:creationId xmlns="" xmlns:a16="http://schemas.microsoft.com/office/drawing/2014/main" id="{448E4AFE-E166-4B84-B0C8-9205038D8033}"/>
               </a:ext>
             </a:extLst>
           </p:cNvPr>
@@ -3937,7 +3938,7 @@
           <a:blip r:embed="rId16" cstate="screen">
             <a:extLst>
               <a:ext uri="{28A0092B-C50C-407E-A947-70E740481C1C}">
-                <a14:useLocalDpi xmlns:a14="http://schemas.microsoft.com/office/drawing/2010/main" xmlns=""/>
+                <a14:useLocalDpi xmlns="" xmlns:a14="http://schemas.microsoft.com/office/drawing/2010/main"/>
               </a:ext>
             </a:extLst>
           </a:blip>
@@ -3960,7 +3961,7 @@
           <p:cNvPr id="2" name="Title Placeholder 1">
             <a:extLst>
               <a:ext uri="{FF2B5EF4-FFF2-40B4-BE49-F238E27FC236}">
-                <a16:creationId xmlns:a16="http://schemas.microsoft.com/office/drawing/2014/main" xmlns="" id="{6C617517-B672-49BA-AC6E-AB66D0639A58}"/>
+                <a16:creationId xmlns="" xmlns:a16="http://schemas.microsoft.com/office/drawing/2014/main" id="{6C617517-B672-49BA-AC6E-AB66D0639A58}"/>
               </a:ext>
             </a:extLst>
           </p:cNvPr>
@@ -3999,7 +4000,7 @@
           <p:cNvPr id="3" name="Text Placeholder 2">
             <a:extLst>
               <a:ext uri="{FF2B5EF4-FFF2-40B4-BE49-F238E27FC236}">
-                <a16:creationId xmlns:a16="http://schemas.microsoft.com/office/drawing/2014/main" xmlns="" id="{6EC92C27-7843-4B22-9200-B7304E6AE4CD}"/>
+                <a16:creationId xmlns="" xmlns:a16="http://schemas.microsoft.com/office/drawing/2014/main" id="{6EC92C27-7843-4B22-9200-B7304E6AE4CD}"/>
               </a:ext>
             </a:extLst>
           </p:cNvPr>
@@ -4067,7 +4068,7 @@
           <p:cNvPr id="6" name="Slide Number Placeholder 5">
             <a:extLst>
               <a:ext uri="{FF2B5EF4-FFF2-40B4-BE49-F238E27FC236}">
-                <a16:creationId xmlns:a16="http://schemas.microsoft.com/office/drawing/2014/main" xmlns="" id="{52DB4F10-F75B-41A8-B994-BFF68949E59A}"/>
+                <a16:creationId xmlns="" xmlns:a16="http://schemas.microsoft.com/office/drawing/2014/main" id="{52DB4F10-F75B-41A8-B994-BFF68949E59A}"/>
               </a:ext>
             </a:extLst>
           </p:cNvPr>
@@ -4123,7 +4124,7 @@
           <p:cNvPr id="7" name="Rectangle 6">
             <a:extLst>
               <a:ext uri="{FF2B5EF4-FFF2-40B4-BE49-F238E27FC236}">
-                <a16:creationId xmlns:a16="http://schemas.microsoft.com/office/drawing/2014/main" xmlns="" id="{512D21E2-8DEB-4F43-A26E-B8DA900A9230}"/>
+                <a16:creationId xmlns="" xmlns:a16="http://schemas.microsoft.com/office/drawing/2014/main" id="{512D21E2-8DEB-4F43-A26E-B8DA900A9230}"/>
               </a:ext>
             </a:extLst>
           </p:cNvPr>
@@ -4186,7 +4187,7 @@
           <p:cNvPr id="8" name="Rectangle 7">
             <a:extLst>
               <a:ext uri="{FF2B5EF4-FFF2-40B4-BE49-F238E27FC236}">
-                <a16:creationId xmlns:a16="http://schemas.microsoft.com/office/drawing/2014/main" xmlns="" id="{35CD3143-7FD1-40EA-AA4A-47C72380AEC2}"/>
+                <a16:creationId xmlns="" xmlns:a16="http://schemas.microsoft.com/office/drawing/2014/main" id="{35CD3143-7FD1-40EA-AA4A-47C72380AEC2}"/>
               </a:ext>
             </a:extLst>
           </p:cNvPr>
@@ -4236,7 +4237,7 @@
     </p:spTree>
     <p:extLst>
       <p:ext uri="{BB962C8B-B14F-4D97-AF65-F5344CB8AC3E}">
-        <p14:creationId xmlns:p14="http://schemas.microsoft.com/office/powerpoint/2010/main" xmlns="" val="3853920126"/>
+        <p14:creationId xmlns="" xmlns:p14="http://schemas.microsoft.com/office/powerpoint/2010/main" val="3853920126"/>
       </p:ext>
     </p:extLst>
   </p:cSld>
@@ -4566,7 +4567,7 @@
           <p:cNvPr id="4" name="Title 3">
             <a:extLst>
               <a:ext uri="{FF2B5EF4-FFF2-40B4-BE49-F238E27FC236}">
-                <a16:creationId xmlns:a16="http://schemas.microsoft.com/office/drawing/2014/main" xmlns="" id="{E10C5037-DA4A-44E2-A9FB-84B1498768A7}"/>
+                <a16:creationId xmlns="" xmlns:a16="http://schemas.microsoft.com/office/drawing/2014/main" id="{E10C5037-DA4A-44E2-A9FB-84B1498768A7}"/>
               </a:ext>
             </a:extLst>
           </p:cNvPr>
@@ -4592,11 +4593,7 @@
             <a:pPr algn="ctr"/>
             <a:r>
               <a:rPr lang="en-US" dirty="0" smtClean="0"/>
-              <a:t>Data </a:t>
-            </a:r>
-            <a:r>
-              <a:rPr lang="en-US" dirty="0" smtClean="0"/>
-              <a:t>Types</a:t>
+              <a:t>Data Types</a:t>
             </a:r>
             <a:endParaRPr lang="en-US" dirty="0"/>
           </a:p>
@@ -4607,7 +4604,7 @@
           <p:cNvPr id="15" name="Slide Number Placeholder 14">
             <a:extLst>
               <a:ext uri="{FF2B5EF4-FFF2-40B4-BE49-F238E27FC236}">
-                <a16:creationId xmlns:a16="http://schemas.microsoft.com/office/drawing/2014/main" xmlns="" id="{26F5C050-EB87-421A-8A5C-E6CB30102699}"/>
+                <a16:creationId xmlns="" xmlns:a16="http://schemas.microsoft.com/office/drawing/2014/main" id="{26F5C050-EB87-421A-8A5C-E6CB30102699}"/>
               </a:ext>
             </a:extLst>
           </p:cNvPr>
@@ -4641,7 +4638,7 @@
           <p:cNvPr id="29" name="Picture Placeholder 28" descr="Young student drawing on a whiteboard">
             <a:extLst>
               <a:ext uri="{FF2B5EF4-FFF2-40B4-BE49-F238E27FC236}">
-                <a16:creationId xmlns:a16="http://schemas.microsoft.com/office/drawing/2014/main" xmlns="" id="{AE2FE2E9-1D1E-404B-A659-DD19B5D66B5B}"/>
+                <a16:creationId xmlns="" xmlns:a16="http://schemas.microsoft.com/office/drawing/2014/main" id="{AE2FE2E9-1D1E-404B-A659-DD19B5D66B5B}"/>
               </a:ext>
             </a:extLst>
           </p:cNvPr>
@@ -4656,7 +4653,7 @@
           <a:blip r:embed="rId2" cstate="screen">
             <a:extLst>
               <a:ext uri="{28A0092B-C50C-407E-A947-70E740481C1C}">
-                <a14:useLocalDpi xmlns:a14="http://schemas.microsoft.com/office/drawing/2010/main" xmlns=""/>
+                <a14:useLocalDpi xmlns="" xmlns:a14="http://schemas.microsoft.com/office/drawing/2010/main"/>
               </a:ext>
             </a:extLst>
           </a:blip>
@@ -4675,7 +4672,7 @@
     </p:spTree>
     <p:extLst>
       <p:ext uri="{BB962C8B-B14F-4D97-AF65-F5344CB8AC3E}">
-        <p14:creationId xmlns:p14="http://schemas.microsoft.com/office/powerpoint/2010/main" xmlns="" val="1136250268"/>
+        <p14:creationId xmlns="" xmlns:p14="http://schemas.microsoft.com/office/powerpoint/2010/main" val="1136250268"/>
       </p:ext>
     </p:extLst>
   </p:cSld>
@@ -4714,7 +4711,7 @@
           <p:cNvPr id="2" name="Title 1">
             <a:extLst>
               <a:ext uri="{FF2B5EF4-FFF2-40B4-BE49-F238E27FC236}">
-                <a16:creationId xmlns:a16="http://schemas.microsoft.com/office/drawing/2014/main" xmlns="" id="{E199600F-A17E-4354-A7AB-0CC2A43A9354}"/>
+                <a16:creationId xmlns="" xmlns:a16="http://schemas.microsoft.com/office/drawing/2014/main" id="{E199600F-A17E-4354-A7AB-0CC2A43A9354}"/>
               </a:ext>
             </a:extLst>
           </p:cNvPr>
@@ -4738,11 +4735,7 @@
             <a:pPr algn="ctr"/>
             <a:r>
               <a:rPr lang="en-US" dirty="0" smtClean="0"/>
-              <a:t>Few </a:t>
-            </a:r>
-            <a:r>
-              <a:rPr lang="en-US" dirty="0" smtClean="0"/>
-              <a:t>points to ponder</a:t>
+              <a:t>Few points to ponder</a:t>
             </a:r>
             <a:endParaRPr lang="en-US" dirty="0"/>
           </a:p>
@@ -4753,7 +4746,7 @@
           <p:cNvPr id="3" name="Content Placeholder 2">
             <a:extLst>
               <a:ext uri="{FF2B5EF4-FFF2-40B4-BE49-F238E27FC236}">
-                <a16:creationId xmlns:a16="http://schemas.microsoft.com/office/drawing/2014/main" xmlns="" id="{FA6A4B49-27C8-46B6-8B11-AD7E8F615E2C}"/>
+                <a16:creationId xmlns="" xmlns:a16="http://schemas.microsoft.com/office/drawing/2014/main" id="{FA6A4B49-27C8-46B6-8B11-AD7E8F615E2C}"/>
               </a:ext>
             </a:extLst>
           </p:cNvPr>
@@ -4812,7 +4805,7 @@
           <p:cNvPr id="4" name="Slide Number Placeholder 3">
             <a:extLst>
               <a:ext uri="{FF2B5EF4-FFF2-40B4-BE49-F238E27FC236}">
-                <a16:creationId xmlns:a16="http://schemas.microsoft.com/office/drawing/2014/main" xmlns="" id="{62B4CE3A-8C88-45AA-A849-57E5A7AC22C1}"/>
+                <a16:creationId xmlns="" xmlns:a16="http://schemas.microsoft.com/office/drawing/2014/main" id="{62B4CE3A-8C88-45AA-A849-57E5A7AC22C1}"/>
               </a:ext>
             </a:extLst>
           </p:cNvPr>
@@ -4851,10 +4844,10 @@
           <p:cNvPr id="11" name="Rectangle 10">
             <a:extLst>
               <a:ext uri="{FF2B5EF4-FFF2-40B4-BE49-F238E27FC236}">
-                <a16:creationId xmlns:a16="http://schemas.microsoft.com/office/drawing/2014/main" xmlns="" id="{5F253864-26FA-4AB1-9F0A-4F57D870EE85}"/>
+                <a16:creationId xmlns="" xmlns:a16="http://schemas.microsoft.com/office/drawing/2014/main" id="{5F253864-26FA-4AB1-9F0A-4F57D870EE85}"/>
               </a:ext>
               <a:ext uri="{C183D7F6-B498-43B3-948B-1728B52AA6E4}">
-                <adec:decorative xmlns="" xmlns:adec="http://schemas.microsoft.com/office/drawing/2017/decorative" val="1"/>
+                <adec:decorative xmlns:adec="http://schemas.microsoft.com/office/drawing/2017/decorative" xmlns="" val="1"/>
               </a:ext>
             </a:extLst>
           </p:cNvPr>
@@ -4907,7 +4900,7 @@
     </p:spTree>
     <p:extLst>
       <p:ext uri="{BB962C8B-B14F-4D97-AF65-F5344CB8AC3E}">
-        <p14:creationId xmlns:p14="http://schemas.microsoft.com/office/powerpoint/2010/main" xmlns="" val="1136810995"/>
+        <p14:creationId xmlns="" xmlns:p14="http://schemas.microsoft.com/office/powerpoint/2010/main" val="1136810995"/>
       </p:ext>
     </p:extLst>
   </p:cSld>
@@ -4946,7 +4939,7 @@
           <p:cNvPr id="2" name="Title 1">
             <a:extLst>
               <a:ext uri="{FF2B5EF4-FFF2-40B4-BE49-F238E27FC236}">
-                <a16:creationId xmlns:a16="http://schemas.microsoft.com/office/drawing/2014/main" xmlns="" id="{E199600F-A17E-4354-A7AB-0CC2A43A9354}"/>
+                <a16:creationId xmlns="" xmlns:a16="http://schemas.microsoft.com/office/drawing/2014/main" id="{E199600F-A17E-4354-A7AB-0CC2A43A9354}"/>
               </a:ext>
             </a:extLst>
           </p:cNvPr>
@@ -4970,11 +4963,7 @@
             <a:pPr algn="ctr"/>
             <a:r>
               <a:rPr lang="en-US" dirty="0" smtClean="0"/>
-              <a:t>Widening </a:t>
-            </a:r>
-            <a:r>
-              <a:rPr lang="en-US" dirty="0" smtClean="0"/>
-              <a:t>&amp; Narrowing Conversions.</a:t>
+              <a:t>Widening &amp; Narrowing Conversions.</a:t>
             </a:r>
             <a:endParaRPr lang="en-US" dirty="0"/>
           </a:p>
@@ -4985,7 +4974,7 @@
           <p:cNvPr id="3" name="Content Placeholder 2">
             <a:extLst>
               <a:ext uri="{FF2B5EF4-FFF2-40B4-BE49-F238E27FC236}">
-                <a16:creationId xmlns:a16="http://schemas.microsoft.com/office/drawing/2014/main" xmlns="" id="{FA6A4B49-27C8-46B6-8B11-AD7E8F615E2C}"/>
+                <a16:creationId xmlns="" xmlns:a16="http://schemas.microsoft.com/office/drawing/2014/main" id="{FA6A4B49-27C8-46B6-8B11-AD7E8F615E2C}"/>
               </a:ext>
             </a:extLst>
           </p:cNvPr>
@@ -5010,13 +4999,49 @@
           <a:p>
             <a:r>
               <a:rPr lang="en-US" dirty="0" smtClean="0"/>
-              <a:t>Assigning value to a higher data type from lower data type is called as widening conversion. Since the larger data type can hold values of a lower data type hence the compiler allows this conversion to happen implicitly. As a result its referred to as implicit widening conversions.</a:t>
-            </a:r>
-          </a:p>
-          <a:p>
+              <a:t>Assigning value to a higher data type from lower data type is called as </a:t>
+            </a:r>
+            <a:r>
+              <a:rPr lang="en-US" b="1" i="1" dirty="0" smtClean="0">
+                <a:solidFill>
+                  <a:srgbClr val="FFFF00"/>
+                </a:solidFill>
+              </a:rPr>
+              <a:t>widening conversion</a:t>
+            </a:r>
             <a:r>
               <a:rPr lang="en-US" dirty="0" smtClean="0"/>
-              <a:t>On the other hand assigning a value from a lower data type to a higher data type is referred to as narrowing conversions. Since this type of conversion may result in a loss of information hence compiler does not allow such types of conversion implicitly. In order to make this assignment possible we need to explicitly tell the compiler to make that assignment. This explicit telling to the compiler happens by the way of ‘cast’.</a:t>
+              <a:t>. Since the larger data type can hold values of a lower data type hence the compiler allows this conversion to happen implicitly. As a result its referred to as implicit widening conversions.</a:t>
+            </a:r>
+          </a:p>
+          <a:p>
+            <a:r>
+              <a:rPr lang="en-US" dirty="0" smtClean="0"/>
+              <a:t>On the other hand assigning a value from a lower data type to a higher data type is referred to as </a:t>
+            </a:r>
+            <a:r>
+              <a:rPr lang="en-US" b="1" i="1" dirty="0" smtClean="0">
+                <a:solidFill>
+                  <a:srgbClr val="FFFF00"/>
+                </a:solidFill>
+              </a:rPr>
+              <a:t>narrowing conversions</a:t>
+            </a:r>
+            <a:r>
+              <a:rPr lang="en-US" dirty="0" smtClean="0"/>
+              <a:t>. Since this type of conversion may result in a loss of information hence compiler does not allow such types of conversion implicitly. In order to make this assignment possible we need to explicitly tell the compiler to make that assignment. This explicit telling to the compiler happens by the way of ‘</a:t>
+            </a:r>
+            <a:r>
+              <a:rPr lang="en-US" b="1" i="1" dirty="0" smtClean="0">
+                <a:solidFill>
+                  <a:srgbClr val="FFFF00"/>
+                </a:solidFill>
+              </a:rPr>
+              <a:t>cast</a:t>
+            </a:r>
+            <a:r>
+              <a:rPr lang="en-US" dirty="0" smtClean="0"/>
+              <a:t>’.</a:t>
             </a:r>
           </a:p>
           <a:p>
@@ -5041,7 +5066,7 @@
           <p:cNvPr id="4" name="Slide Number Placeholder 3">
             <a:extLst>
               <a:ext uri="{FF2B5EF4-FFF2-40B4-BE49-F238E27FC236}">
-                <a16:creationId xmlns:a16="http://schemas.microsoft.com/office/drawing/2014/main" xmlns="" id="{62B4CE3A-8C88-45AA-A849-57E5A7AC22C1}"/>
+                <a16:creationId xmlns="" xmlns:a16="http://schemas.microsoft.com/office/drawing/2014/main" id="{62B4CE3A-8C88-45AA-A849-57E5A7AC22C1}"/>
               </a:ext>
             </a:extLst>
           </p:cNvPr>
@@ -5080,10 +5105,10 @@
           <p:cNvPr id="11" name="Rectangle 10">
             <a:extLst>
               <a:ext uri="{FF2B5EF4-FFF2-40B4-BE49-F238E27FC236}">
-                <a16:creationId xmlns:a16="http://schemas.microsoft.com/office/drawing/2014/main" xmlns="" id="{5F253864-26FA-4AB1-9F0A-4F57D870EE85}"/>
+                <a16:creationId xmlns="" xmlns:a16="http://schemas.microsoft.com/office/drawing/2014/main" id="{5F253864-26FA-4AB1-9F0A-4F57D870EE85}"/>
               </a:ext>
               <a:ext uri="{C183D7F6-B498-43B3-948B-1728B52AA6E4}">
-                <adec:decorative xmlns="" xmlns:adec="http://schemas.microsoft.com/office/drawing/2017/decorative" val="1"/>
+                <adec:decorative xmlns:adec="http://schemas.microsoft.com/office/drawing/2017/decorative" xmlns="" val="1"/>
               </a:ext>
             </a:extLst>
           </p:cNvPr>
@@ -5136,7 +5161,7 @@
     </p:spTree>
     <p:extLst>
       <p:ext uri="{BB962C8B-B14F-4D97-AF65-F5344CB8AC3E}">
-        <p14:creationId xmlns:p14="http://schemas.microsoft.com/office/powerpoint/2010/main" xmlns="" val="1677225965"/>
+        <p14:creationId xmlns="" xmlns:p14="http://schemas.microsoft.com/office/powerpoint/2010/main" val="1677225965"/>
       </p:ext>
     </p:extLst>
   </p:cSld>
@@ -5172,13 +5197,7 @@
       </p:grpSpPr>
       <p:sp>
         <p:nvSpPr>
-          <p:cNvPr id="2" name="Title 1">
-            <a:extLst>
-              <a:ext uri="{FF2B5EF4-FFF2-40B4-BE49-F238E27FC236}">
-                <a16:creationId xmlns:a16="http://schemas.microsoft.com/office/drawing/2014/main" xmlns="" id="{E199600F-A17E-4354-A7AB-0CC2A43A9354}"/>
-              </a:ext>
-            </a:extLst>
-          </p:cNvPr>
+          <p:cNvPr id="2" name="Title 1"/>
           <p:cNvSpPr>
             <a:spLocks noGrp="1"/>
           </p:cNvSpPr>
@@ -5188,8 +5207,8 @@
         </p:nvSpPr>
         <p:spPr>
           <a:xfrm>
-            <a:off x="838199" y="611080"/>
-            <a:ext cx="10515600" cy="833663"/>
+            <a:off x="838200" y="611076"/>
+            <a:ext cx="10565674" cy="833663"/>
           </a:xfrm>
         </p:spPr>
         <p:txBody>
@@ -5199,139 +5218,29 @@
             <a:pPr algn="ctr"/>
             <a:r>
               <a:rPr lang="en-US" dirty="0" smtClean="0"/>
-              <a:t>Compile </a:t>
-            </a:r>
-            <a:r>
-              <a:rPr lang="en-US" dirty="0" smtClean="0"/>
-              <a:t>time constants</a:t>
-            </a:r>
-            <a:endParaRPr lang="en-US" dirty="0"/>
-          </a:p>
-        </p:txBody>
-      </p:sp>
-      <p:sp>
-        <p:nvSpPr>
-          <p:cNvPr id="3" name="Content Placeholder 2">
-            <a:extLst>
-              <a:ext uri="{FF2B5EF4-FFF2-40B4-BE49-F238E27FC236}">
-                <a16:creationId xmlns:a16="http://schemas.microsoft.com/office/drawing/2014/main" xmlns="" id="{FA6A4B49-27C8-46B6-8B11-AD7E8F615E2C}"/>
-              </a:ext>
-            </a:extLst>
-          </p:cNvPr>
-          <p:cNvSpPr>
-            <a:spLocks noGrp="1"/>
-          </p:cNvSpPr>
-          <p:nvPr>
-            <p:ph idx="1"/>
+              <a:t>Automatic Type Conversion</a:t>
+            </a:r>
+            <a:endParaRPr lang="en-IN" dirty="0"/>
+          </a:p>
+        </p:txBody>
+      </p:sp>
+      <p:sp>
+        <p:nvSpPr>
+          <p:cNvPr id="4" name="Slide Number Placeholder 3"/>
+          <p:cNvSpPr>
+            <a:spLocks noGrp="1"/>
+          </p:cNvSpPr>
+          <p:nvPr>
+            <p:ph type="sldNum" sz="quarter" idx="10"/>
           </p:nvPr>
         </p:nvSpPr>
         <p:spPr/>
-        <p:txBody>
-          <a:bodyPr>
-            <a:normAutofit fontScale="92500" lnSpcReduction="20000"/>
-          </a:bodyPr>
-          <a:lstStyle/>
-          <a:p>
-            <a:r>
-              <a:rPr lang="en-US" dirty="0" smtClean="0"/>
-              <a:t>Compile time constants are variables whose values do not change throughout the course of the program. Hence compiler can definitely know the value of such a value at any point in the program.</a:t>
-            </a:r>
-          </a:p>
-          <a:p>
-            <a:r>
-              <a:rPr lang="en-US" dirty="0" smtClean="0"/>
-              <a:t>Since the value of such a variable is known at the compile time hence compiler allows implicit narrowing in cases where larger data type value lies within the range of lower data type value.</a:t>
-            </a:r>
-          </a:p>
-          <a:p>
-            <a:r>
-              <a:rPr lang="en-US" dirty="0" smtClean="0"/>
-              <a:t>A compile time constant in java is declared using the final keyword.</a:t>
-            </a:r>
-          </a:p>
-          <a:p>
-            <a:r>
-              <a:rPr lang="en-US" dirty="0" smtClean="0"/>
-              <a:t>Ex. final </a:t>
-            </a:r>
-            <a:r>
-              <a:rPr lang="en-US" dirty="0" err="1" smtClean="0"/>
-              <a:t>int</a:t>
-            </a:r>
-            <a:r>
-              <a:rPr lang="en-US" dirty="0" smtClean="0"/>
-              <a:t> </a:t>
-            </a:r>
-            <a:r>
-              <a:rPr lang="en-US" dirty="0" err="1" smtClean="0"/>
-              <a:t>constantInt</a:t>
-            </a:r>
-            <a:r>
-              <a:rPr lang="en-US" dirty="0" smtClean="0"/>
-              <a:t> = 10;</a:t>
-            </a:r>
-          </a:p>
-          <a:p>
-            <a:r>
-              <a:rPr lang="en-US" dirty="0" smtClean="0"/>
-              <a:t>In the above </a:t>
-            </a:r>
-            <a:r>
-              <a:rPr lang="en-US" dirty="0"/>
-              <a:t>example value of </a:t>
-            </a:r>
-            <a:r>
-              <a:rPr lang="en-US" dirty="0" err="1" smtClean="0"/>
-              <a:t>constantInt</a:t>
-            </a:r>
-            <a:r>
-              <a:rPr lang="en-US" dirty="0" smtClean="0"/>
-              <a:t> is set as final , hence  it is a constant variable and it will hold the value 10 throughout the life time of the program</a:t>
-            </a:r>
-          </a:p>
-          <a:p>
-            <a:r>
-              <a:rPr lang="en-US" dirty="0" smtClean="0"/>
-              <a:t>Wherever the constant variable is used in a program the compiler replaces it with exact value of the constant variable. This is depicted in the picture </a:t>
-            </a:r>
-            <a:r>
-              <a:rPr lang="en-US" smtClean="0"/>
-              <a:t>as shown.</a:t>
-            </a:r>
-          </a:p>
-          <a:p>
-            <a:endParaRPr lang="en-US" dirty="0" smtClean="0"/>
-          </a:p>
-        </p:txBody>
-      </p:sp>
-      <p:sp>
-        <p:nvSpPr>
-          <p:cNvPr id="4" name="Slide Number Placeholder 3">
-            <a:extLst>
-              <a:ext uri="{FF2B5EF4-FFF2-40B4-BE49-F238E27FC236}">
-                <a16:creationId xmlns:a16="http://schemas.microsoft.com/office/drawing/2014/main" xmlns="" id="{62B4CE3A-8C88-45AA-A849-57E5A7AC22C1}"/>
-              </a:ext>
-            </a:extLst>
-          </p:cNvPr>
-          <p:cNvSpPr>
-            <a:spLocks noGrp="1"/>
-          </p:cNvSpPr>
-          <p:nvPr>
-            <p:ph type="sldNum" sz="quarter" idx="10"/>
-          </p:nvPr>
-        </p:nvSpPr>
-        <p:spPr>
-          <a:xfrm>
-            <a:off x="11353800" y="6361475"/>
-            <a:ext cx="838200" cy="360000"/>
-          </a:xfrm>
-        </p:spPr>
         <p:txBody>
           <a:bodyPr/>
           <a:lstStyle/>
           <a:p>
             <a:r>
-              <a:rPr lang="en-US" dirty="0"/>
+              <a:rPr lang="en-US" smtClean="0"/>
               <a:t>PAGE </a:t>
             </a:r>
             <a:fld id="{4A9B5881-4007-4345-955A-79C2656F0C49}" type="slidenum">
@@ -5343,141 +5252,35 @@
           </a:p>
         </p:txBody>
       </p:sp>
-      <p:sp>
-        <p:nvSpPr>
-          <p:cNvPr id="11" name="Rectangle 10">
-            <a:extLst>
-              <a:ext uri="{FF2B5EF4-FFF2-40B4-BE49-F238E27FC236}">
-                <a16:creationId xmlns:a16="http://schemas.microsoft.com/office/drawing/2014/main" xmlns="" id="{5F253864-26FA-4AB1-9F0A-4F57D870EE85}"/>
-              </a:ext>
-              <a:ext uri="{C183D7F6-B498-43B3-948B-1728B52AA6E4}">
-                <adec:decorative xmlns="" xmlns:adec="http://schemas.microsoft.com/office/drawing/2017/decorative" val="1"/>
-              </a:ext>
-            </a:extLst>
-          </p:cNvPr>
-          <p:cNvSpPr/>
-          <p:nvPr/>
-        </p:nvSpPr>
-        <p:spPr>
-          <a:xfrm>
-            <a:off x="6249555" y="6562004"/>
-            <a:ext cx="2552123" cy="159471"/>
-          </a:xfrm>
-          <a:prstGeom prst="rect">
-            <a:avLst/>
-          </a:prstGeom>
-          <a:solidFill>
-            <a:schemeClr val="tx1">
-              <a:lumMod val="85000"/>
-              <a:lumOff val="15000"/>
-            </a:schemeClr>
-          </a:solidFill>
-          <a:ln>
-            <a:noFill/>
-          </a:ln>
-        </p:spPr>
-        <p:style>
-          <a:lnRef idx="2">
-            <a:schemeClr val="accent1">
-              <a:shade val="50000"/>
-            </a:schemeClr>
-          </a:lnRef>
-          <a:fillRef idx="1">
-            <a:schemeClr val="accent1"/>
-          </a:fillRef>
-          <a:effectRef idx="0">
-            <a:schemeClr val="accent1"/>
-          </a:effectRef>
-          <a:fontRef idx="minor">
-            <a:schemeClr val="lt1"/>
-          </a:fontRef>
-        </p:style>
-        <p:txBody>
-          <a:bodyPr anchor="ctr"/>
-          <a:lstStyle/>
-          <a:p>
-            <a:pPr algn="ctr"/>
-            <a:endParaRPr lang="en-US" sz="1200" dirty="0"/>
-          </a:p>
-        </p:txBody>
-      </p:sp>
       <p:pic>
         <p:nvPicPr>
-          <p:cNvPr id="5" name="Picture 4"/>
+          <p:cNvPr id="6" name="Picture 5" descr="Automatic Type Conversion.png"/>
           <p:cNvPicPr>
             <a:picLocks noChangeAspect="1"/>
           </p:cNvPicPr>
           <p:nvPr/>
         </p:nvPicPr>
         <p:blipFill>
-          <a:blip r:embed="rId2">
-            <a:extLst>
-              <a:ext uri="{28A0092B-C50C-407E-A947-70E740481C1C}">
-                <a14:useLocalDpi xmlns:a14="http://schemas.microsoft.com/office/drawing/2010/main" xmlns="" val="0"/>
-              </a:ext>
-            </a:extLst>
-          </a:blip>
+          <a:blip r:embed="rId2"/>
           <a:stretch>
             <a:fillRect/>
           </a:stretch>
         </p:blipFill>
         <p:spPr>
           <a:xfrm>
-            <a:off x="7836384" y="1825625"/>
-            <a:ext cx="3594285" cy="2044411"/>
+            <a:off x="1410790" y="2013239"/>
+            <a:ext cx="9379130" cy="4320686"/>
           </a:xfrm>
           <a:prstGeom prst="rect">
             <a:avLst/>
           </a:prstGeom>
         </p:spPr>
       </p:pic>
-      <p:pic>
-        <p:nvPicPr>
-          <p:cNvPr id="7" name="Picture 6"/>
-          <p:cNvPicPr>
-            <a:picLocks noChangeAspect="1"/>
-          </p:cNvPicPr>
-          <p:nvPr/>
-        </p:nvPicPr>
-        <p:blipFill>
-          <a:blip r:embed="rId3">
-            <a:extLst>
-              <a:ext uri="{28A0092B-C50C-407E-A947-70E740481C1C}">
-                <a14:useLocalDpi xmlns:a14="http://schemas.microsoft.com/office/drawing/2010/main" xmlns="" val="0"/>
-              </a:ext>
-            </a:extLst>
-          </a:blip>
-          <a:stretch>
-            <a:fillRect/>
-          </a:stretch>
-        </p:blipFill>
-        <p:spPr>
-          <a:xfrm>
-            <a:off x="7836384" y="4442691"/>
-            <a:ext cx="3594285" cy="1734272"/>
-          </a:xfrm>
-          <a:prstGeom prst="rect">
-            <a:avLst/>
-          </a:prstGeom>
-        </p:spPr>
-      </p:pic>
     </p:spTree>
-    <p:extLst>
-      <p:ext uri="{BB962C8B-B14F-4D97-AF65-F5344CB8AC3E}">
-        <p14:creationId xmlns:p14="http://schemas.microsoft.com/office/powerpoint/2010/main" xmlns="" val="2944664186"/>
-      </p:ext>
-    </p:extLst>
   </p:cSld>
   <p:clrMapOvr>
     <a:masterClrMapping/>
   </p:clrMapOvr>
-  <p:timing>
-    <p:tnLst>
-      <p:par>
-        <p:cTn id="1" dur="indefinite" restart="never" nodeType="tmRoot"/>
-      </p:par>
-    </p:tnLst>
-  </p:timing>
 </p:sld>
 </file>
 
@@ -5503,7 +5306,7 @@
           <p:cNvPr id="2" name="Title 1">
             <a:extLst>
               <a:ext uri="{FF2B5EF4-FFF2-40B4-BE49-F238E27FC236}">
-                <a16:creationId xmlns:a16="http://schemas.microsoft.com/office/drawing/2014/main" xmlns="" id="{C8F58AE6-56F6-44E8-8BBF-23277B1773E4}"/>
+                <a16:creationId xmlns="" xmlns:a16="http://schemas.microsoft.com/office/drawing/2014/main" id="{E199600F-A17E-4354-A7AB-0CC2A43A9354}"/>
               </a:ext>
             </a:extLst>
           </p:cNvPr>
@@ -5514,7 +5317,12 @@
             <p:ph type="title"/>
           </p:nvPr>
         </p:nvSpPr>
-        <p:spPr/>
+        <p:spPr>
+          <a:xfrm>
+            <a:off x="838199" y="611080"/>
+            <a:ext cx="10515600" cy="833663"/>
+          </a:xfrm>
+        </p:spPr>
         <p:txBody>
           <a:bodyPr/>
           <a:lstStyle/>
@@ -5522,47 +5330,113 @@
             <a:pPr algn="ctr"/>
             <a:r>
               <a:rPr lang="en-US" dirty="0" smtClean="0"/>
-              <a:t>Questions ??</a:t>
+              <a:t>Compile time constants</a:t>
             </a:r>
             <a:endParaRPr lang="en-US" dirty="0"/>
           </a:p>
         </p:txBody>
       </p:sp>
-      <p:pic>
-        <p:nvPicPr>
-          <p:cNvPr id="3" name="Content Placeholder 2"/>
-          <p:cNvPicPr>
-            <a:picLocks noGrp="1" noChangeAspect="1"/>
-          </p:cNvPicPr>
+      <p:sp>
+        <p:nvSpPr>
+          <p:cNvPr id="3" name="Content Placeholder 2">
+            <a:extLst>
+              <a:ext uri="{FF2B5EF4-FFF2-40B4-BE49-F238E27FC236}">
+                <a16:creationId xmlns="" xmlns:a16="http://schemas.microsoft.com/office/drawing/2014/main" id="{FA6A4B49-27C8-46B6-8B11-AD7E8F615E2C}"/>
+              </a:ext>
+            </a:extLst>
+          </p:cNvPr>
+          <p:cNvSpPr>
+            <a:spLocks noGrp="1"/>
+          </p:cNvSpPr>
           <p:nvPr>
             <p:ph idx="1"/>
           </p:nvPr>
-        </p:nvPicPr>
-        <p:blipFill>
-          <a:blip r:embed="rId2">
-            <a:extLst>
-              <a:ext uri="{28A0092B-C50C-407E-A947-70E740481C1C}">
-                <a14:useLocalDpi xmlns:a14="http://schemas.microsoft.com/office/drawing/2010/main" xmlns="" val="0"/>
-              </a:ext>
-            </a:extLst>
-          </a:blip>
-          <a:stretch>
-            <a:fillRect/>
-          </a:stretch>
-        </p:blipFill>
-        <p:spPr>
-          <a:xfrm>
-            <a:off x="4705350" y="1487686"/>
-            <a:ext cx="6648450" cy="3739753"/>
-          </a:xfrm>
-        </p:spPr>
-      </p:pic>
-      <p:sp>
-        <p:nvSpPr>
-          <p:cNvPr id="20" name="Slide Number Placeholder 19">
-            <a:extLst>
-              <a:ext uri="{FF2B5EF4-FFF2-40B4-BE49-F238E27FC236}">
-                <a16:creationId xmlns:a16="http://schemas.microsoft.com/office/drawing/2014/main" xmlns="" id="{3AEC0301-E9AA-4478-9E23-C372DBDCE653}"/>
+        </p:nvSpPr>
+        <p:spPr/>
+        <p:txBody>
+          <a:bodyPr>
+            <a:normAutofit fontScale="92500" lnSpcReduction="20000"/>
+          </a:bodyPr>
+          <a:lstStyle/>
+          <a:p>
+            <a:r>
+              <a:rPr lang="en-US" dirty="0" smtClean="0"/>
+              <a:t>Compile time constants are variables whose values do not change throughout the course of the program. Hence compiler can definitely know the value of such a value at any point in the program.</a:t>
+            </a:r>
+          </a:p>
+          <a:p>
+            <a:r>
+              <a:rPr lang="en-US" dirty="0" smtClean="0"/>
+              <a:t>Since the value of such a variable is known at the compile time hence compiler allows implicit narrowing in cases where larger data type value lies within the range of lower data type value.</a:t>
+            </a:r>
+          </a:p>
+          <a:p>
+            <a:r>
+              <a:rPr lang="en-US" dirty="0" smtClean="0"/>
+              <a:t>A compile time constant in java is declared using the final keyword.</a:t>
+            </a:r>
+          </a:p>
+          <a:p>
+            <a:r>
+              <a:rPr lang="en-US" dirty="0" smtClean="0"/>
+              <a:t>Ex. final </a:t>
+            </a:r>
+            <a:r>
+              <a:rPr lang="en-US" dirty="0" err="1" smtClean="0"/>
+              <a:t>int</a:t>
+            </a:r>
+            <a:r>
+              <a:rPr lang="en-US" dirty="0" smtClean="0"/>
+              <a:t> </a:t>
+            </a:r>
+            <a:r>
+              <a:rPr lang="en-US" dirty="0" err="1" smtClean="0"/>
+              <a:t>constantInt</a:t>
+            </a:r>
+            <a:r>
+              <a:rPr lang="en-US" dirty="0" smtClean="0"/>
+              <a:t> = 10;</a:t>
+            </a:r>
+          </a:p>
+          <a:p>
+            <a:r>
+              <a:rPr lang="en-US" dirty="0" smtClean="0"/>
+              <a:t>In the above </a:t>
+            </a:r>
+            <a:r>
+              <a:rPr lang="en-US" dirty="0"/>
+              <a:t>example value of </a:t>
+            </a:r>
+            <a:r>
+              <a:rPr lang="en-US" dirty="0" err="1" smtClean="0"/>
+              <a:t>constantInt</a:t>
+            </a:r>
+            <a:r>
+              <a:rPr lang="en-US" dirty="0" smtClean="0"/>
+              <a:t> is set as final , hence  it is a constant variable and it will hold the value 10 throughout the life time of the program</a:t>
+            </a:r>
+          </a:p>
+          <a:p>
+            <a:r>
+              <a:rPr lang="en-US" dirty="0" smtClean="0"/>
+              <a:t>Wherever the constant variable is used in a program the compiler replaces it with exact value of the constant variable. This is depicted in the picture </a:t>
+            </a:r>
+            <a:r>
+              <a:rPr lang="en-US" smtClean="0"/>
+              <a:t>as shown.</a:t>
+            </a:r>
+          </a:p>
+          <a:p>
+            <a:endParaRPr lang="en-US" dirty="0" smtClean="0"/>
+          </a:p>
+        </p:txBody>
+      </p:sp>
+      <p:sp>
+        <p:nvSpPr>
+          <p:cNvPr id="4" name="Slide Number Placeholder 3">
+            <a:extLst>
+              <a:ext uri="{FF2B5EF4-FFF2-40B4-BE49-F238E27FC236}">
+                <a16:creationId xmlns="" xmlns:a16="http://schemas.microsoft.com/office/drawing/2014/main" id="{62B4CE3A-8C88-45AA-A849-57E5A7AC22C1}"/>
               </a:ext>
             </a:extLst>
           </p:cNvPr>
@@ -5575,7 +5449,7 @@
         </p:nvSpPr>
         <p:spPr>
           <a:xfrm>
-            <a:off x="10717695" y="6363134"/>
+            <a:off x="11353800" y="6361475"/>
             <a:ext cx="838200" cy="360000"/>
           </a:xfrm>
         </p:spPr>
@@ -5598,13 +5472,13 @@
       </p:sp>
       <p:sp>
         <p:nvSpPr>
-          <p:cNvPr id="10" name="Isosceles Triangle 9">
-            <a:extLst>
-              <a:ext uri="{FF2B5EF4-FFF2-40B4-BE49-F238E27FC236}">
-                <a16:creationId xmlns:a16="http://schemas.microsoft.com/office/drawing/2014/main" xmlns="" id="{792980D7-ED01-4955-83DB-59BA18C94FBA}"/>
+          <p:cNvPr id="11" name="Rectangle 10">
+            <a:extLst>
+              <a:ext uri="{FF2B5EF4-FFF2-40B4-BE49-F238E27FC236}">
+                <a16:creationId xmlns="" xmlns:a16="http://schemas.microsoft.com/office/drawing/2014/main" id="{5F253864-26FA-4AB1-9F0A-4F57D870EE85}"/>
               </a:ext>
               <a:ext uri="{C183D7F6-B498-43B3-948B-1728B52AA6E4}">
-                <adec:decorative xmlns="" xmlns:adec="http://schemas.microsoft.com/office/drawing/2017/decorative" val="1"/>
+                <adec:decorative xmlns:adec="http://schemas.microsoft.com/office/drawing/2017/decorative" xmlns="" val="1"/>
               </a:ext>
             </a:extLst>
           </p:cNvPr>
@@ -5612,15 +5486,18 @@
           <p:nvPr/>
         </p:nvSpPr>
         <p:spPr>
-          <a:xfrm rot="10800000">
-            <a:off x="10006315" y="6271566"/>
-            <a:ext cx="142847" cy="91567"/>
-          </a:xfrm>
-          <a:prstGeom prst="triangle">
+          <a:xfrm>
+            <a:off x="6249555" y="6562004"/>
+            <a:ext cx="2552123" cy="159471"/>
+          </a:xfrm>
+          <a:prstGeom prst="rect">
             <a:avLst/>
           </a:prstGeom>
           <a:solidFill>
-            <a:schemeClr val="bg1"/>
+            <a:schemeClr val="tx1">
+              <a:lumMod val="85000"/>
+              <a:lumOff val="15000"/>
+            </a:schemeClr>
           </a:solidFill>
           <a:ln>
             <a:noFill/>
@@ -5643,6 +5520,256 @@
           </a:fontRef>
         </p:style>
         <p:txBody>
+          <a:bodyPr anchor="ctr"/>
+          <a:lstStyle/>
+          <a:p>
+            <a:pPr algn="ctr"/>
+            <a:endParaRPr lang="en-US" sz="1200" dirty="0"/>
+          </a:p>
+        </p:txBody>
+      </p:sp>
+      <p:pic>
+        <p:nvPicPr>
+          <p:cNvPr id="5" name="Picture 4"/>
+          <p:cNvPicPr>
+            <a:picLocks noChangeAspect="1"/>
+          </p:cNvPicPr>
+          <p:nvPr/>
+        </p:nvPicPr>
+        <p:blipFill>
+          <a:blip r:embed="rId2">
+            <a:extLst>
+              <a:ext uri="{28A0092B-C50C-407E-A947-70E740481C1C}">
+                <a14:useLocalDpi xmlns="" xmlns:a14="http://schemas.microsoft.com/office/drawing/2010/main" val="0"/>
+              </a:ext>
+            </a:extLst>
+          </a:blip>
+          <a:stretch>
+            <a:fillRect/>
+          </a:stretch>
+        </p:blipFill>
+        <p:spPr>
+          <a:xfrm>
+            <a:off x="7836384" y="1825625"/>
+            <a:ext cx="3594285" cy="2044411"/>
+          </a:xfrm>
+          <a:prstGeom prst="rect">
+            <a:avLst/>
+          </a:prstGeom>
+        </p:spPr>
+      </p:pic>
+      <p:pic>
+        <p:nvPicPr>
+          <p:cNvPr id="7" name="Picture 6"/>
+          <p:cNvPicPr>
+            <a:picLocks noChangeAspect="1"/>
+          </p:cNvPicPr>
+          <p:nvPr/>
+        </p:nvPicPr>
+        <p:blipFill>
+          <a:blip r:embed="rId3">
+            <a:extLst>
+              <a:ext uri="{28A0092B-C50C-407E-A947-70E740481C1C}">
+                <a14:useLocalDpi xmlns="" xmlns:a14="http://schemas.microsoft.com/office/drawing/2010/main" val="0"/>
+              </a:ext>
+            </a:extLst>
+          </a:blip>
+          <a:stretch>
+            <a:fillRect/>
+          </a:stretch>
+        </p:blipFill>
+        <p:spPr>
+          <a:xfrm>
+            <a:off x="7836384" y="4442691"/>
+            <a:ext cx="3594285" cy="1734272"/>
+          </a:xfrm>
+          <a:prstGeom prst="rect">
+            <a:avLst/>
+          </a:prstGeom>
+        </p:spPr>
+      </p:pic>
+    </p:spTree>
+    <p:extLst>
+      <p:ext uri="{BB962C8B-B14F-4D97-AF65-F5344CB8AC3E}">
+        <p14:creationId xmlns="" xmlns:p14="http://schemas.microsoft.com/office/powerpoint/2010/main" val="2944664186"/>
+      </p:ext>
+    </p:extLst>
+  </p:cSld>
+  <p:clrMapOvr>
+    <a:masterClrMapping/>
+  </p:clrMapOvr>
+  <p:timing>
+    <p:tnLst>
+      <p:par>
+        <p:cTn id="1" dur="indefinite" restart="never" nodeType="tmRoot"/>
+      </p:par>
+    </p:tnLst>
+  </p:timing>
+</p:sld>
+</file>
+
+<file path=ppt/slides/slide14.xml><?xml version="1.0" encoding="utf-8"?>
+<p:sld xmlns:a="http://schemas.openxmlformats.org/drawingml/2006/main" xmlns:r="http://schemas.openxmlformats.org/officeDocument/2006/relationships" xmlns:p="http://schemas.openxmlformats.org/presentationml/2006/main">
+  <p:cSld>
+    <p:spTree>
+      <p:nvGrpSpPr>
+        <p:cNvPr id="1" name=""/>
+        <p:cNvGrpSpPr/>
+        <p:nvPr/>
+      </p:nvGrpSpPr>
+      <p:grpSpPr>
+        <a:xfrm>
+          <a:off x="0" y="0"/>
+          <a:ext cx="0" cy="0"/>
+          <a:chOff x="0" y="0"/>
+          <a:chExt cx="0" cy="0"/>
+        </a:xfrm>
+      </p:grpSpPr>
+      <p:sp>
+        <p:nvSpPr>
+          <p:cNvPr id="2" name="Title 1">
+            <a:extLst>
+              <a:ext uri="{FF2B5EF4-FFF2-40B4-BE49-F238E27FC236}">
+                <a16:creationId xmlns="" xmlns:a16="http://schemas.microsoft.com/office/drawing/2014/main" id="{C8F58AE6-56F6-44E8-8BBF-23277B1773E4}"/>
+              </a:ext>
+            </a:extLst>
+          </p:cNvPr>
+          <p:cNvSpPr>
+            <a:spLocks noGrp="1"/>
+          </p:cNvSpPr>
+          <p:nvPr>
+            <p:ph type="title"/>
+          </p:nvPr>
+        </p:nvSpPr>
+        <p:spPr/>
+        <p:txBody>
+          <a:bodyPr/>
+          <a:lstStyle/>
+          <a:p>
+            <a:pPr algn="ctr"/>
+            <a:r>
+              <a:rPr lang="en-US" dirty="0" smtClean="0"/>
+              <a:t>Questions ??</a:t>
+            </a:r>
+            <a:endParaRPr lang="en-US" dirty="0"/>
+          </a:p>
+        </p:txBody>
+      </p:sp>
+      <p:pic>
+        <p:nvPicPr>
+          <p:cNvPr id="3" name="Content Placeholder 2"/>
+          <p:cNvPicPr>
+            <a:picLocks noGrp="1" noChangeAspect="1"/>
+          </p:cNvPicPr>
+          <p:nvPr>
+            <p:ph idx="1"/>
+          </p:nvPr>
+        </p:nvPicPr>
+        <p:blipFill>
+          <a:blip r:embed="rId2">
+            <a:extLst>
+              <a:ext uri="{28A0092B-C50C-407E-A947-70E740481C1C}">
+                <a14:useLocalDpi xmlns="" xmlns:a14="http://schemas.microsoft.com/office/drawing/2010/main" val="0"/>
+              </a:ext>
+            </a:extLst>
+          </a:blip>
+          <a:stretch>
+            <a:fillRect/>
+          </a:stretch>
+        </p:blipFill>
+        <p:spPr>
+          <a:xfrm>
+            <a:off x="4705350" y="1487686"/>
+            <a:ext cx="6648450" cy="3739753"/>
+          </a:xfrm>
+        </p:spPr>
+      </p:pic>
+      <p:sp>
+        <p:nvSpPr>
+          <p:cNvPr id="20" name="Slide Number Placeholder 19">
+            <a:extLst>
+              <a:ext uri="{FF2B5EF4-FFF2-40B4-BE49-F238E27FC236}">
+                <a16:creationId xmlns="" xmlns:a16="http://schemas.microsoft.com/office/drawing/2014/main" id="{3AEC0301-E9AA-4478-9E23-C372DBDCE653}"/>
+              </a:ext>
+            </a:extLst>
+          </p:cNvPr>
+          <p:cNvSpPr>
+            <a:spLocks noGrp="1"/>
+          </p:cNvSpPr>
+          <p:nvPr>
+            <p:ph type="sldNum" sz="quarter" idx="10"/>
+          </p:nvPr>
+        </p:nvSpPr>
+        <p:spPr>
+          <a:xfrm>
+            <a:off x="10717695" y="6363134"/>
+            <a:ext cx="838200" cy="360000"/>
+          </a:xfrm>
+        </p:spPr>
+        <p:txBody>
+          <a:bodyPr/>
+          <a:lstStyle/>
+          <a:p>
+            <a:r>
+              <a:rPr lang="en-US" dirty="0"/>
+              <a:t>PAGE </a:t>
+            </a:r>
+            <a:fld id="{4A9B5881-4007-4345-955A-79C2656F0C49}" type="slidenum">
+              <a:rPr lang="en-US" smtClean="0"/>
+              <a:pPr/>
+              <a:t>14</a:t>
+            </a:fld>
+            <a:endParaRPr lang="en-US" dirty="0"/>
+          </a:p>
+        </p:txBody>
+      </p:sp>
+      <p:sp>
+        <p:nvSpPr>
+          <p:cNvPr id="10" name="Isosceles Triangle 9">
+            <a:extLst>
+              <a:ext uri="{FF2B5EF4-FFF2-40B4-BE49-F238E27FC236}">
+                <a16:creationId xmlns="" xmlns:a16="http://schemas.microsoft.com/office/drawing/2014/main" id="{792980D7-ED01-4955-83DB-59BA18C94FBA}"/>
+              </a:ext>
+              <a:ext uri="{C183D7F6-B498-43B3-948B-1728B52AA6E4}">
+                <adec:decorative xmlns:adec="http://schemas.microsoft.com/office/drawing/2017/decorative" xmlns="" val="1"/>
+              </a:ext>
+            </a:extLst>
+          </p:cNvPr>
+          <p:cNvSpPr/>
+          <p:nvPr/>
+        </p:nvSpPr>
+        <p:spPr>
+          <a:xfrm rot="10800000">
+            <a:off x="10006315" y="6271566"/>
+            <a:ext cx="142847" cy="91567"/>
+          </a:xfrm>
+          <a:prstGeom prst="triangle">
+            <a:avLst/>
+          </a:prstGeom>
+          <a:solidFill>
+            <a:schemeClr val="bg1"/>
+          </a:solidFill>
+          <a:ln>
+            <a:noFill/>
+          </a:ln>
+        </p:spPr>
+        <p:style>
+          <a:lnRef idx="2">
+            <a:schemeClr val="accent1">
+              <a:shade val="50000"/>
+            </a:schemeClr>
+          </a:lnRef>
+          <a:fillRef idx="1">
+            <a:schemeClr val="accent1"/>
+          </a:fillRef>
+          <a:effectRef idx="0">
+            <a:schemeClr val="accent1"/>
+          </a:effectRef>
+          <a:fontRef idx="minor">
+            <a:schemeClr val="lt1"/>
+          </a:fontRef>
+        </p:style>
+        <p:txBody>
           <a:bodyPr rtlCol="0" anchor="ctr"/>
           <a:lstStyle/>
           <a:p>
@@ -5682,7 +5809,7 @@
     </p:spTree>
     <p:extLst>
       <p:ext uri="{BB962C8B-B14F-4D97-AF65-F5344CB8AC3E}">
-        <p14:creationId xmlns:p14="http://schemas.microsoft.com/office/powerpoint/2010/main" xmlns="" val="1704949556"/>
+        <p14:creationId xmlns="" xmlns:p14="http://schemas.microsoft.com/office/powerpoint/2010/main" val="1704949556"/>
       </p:ext>
     </p:extLst>
   </p:cSld>
@@ -5721,7 +5848,7 @@
           <p:cNvPr id="2" name="Title 1">
             <a:extLst>
               <a:ext uri="{FF2B5EF4-FFF2-40B4-BE49-F238E27FC236}">
-                <a16:creationId xmlns:a16="http://schemas.microsoft.com/office/drawing/2014/main" xmlns="" id="{E199600F-A17E-4354-A7AB-0CC2A43A9354}"/>
+                <a16:creationId xmlns="" xmlns:a16="http://schemas.microsoft.com/office/drawing/2014/main" id="{E199600F-A17E-4354-A7AB-0CC2A43A9354}"/>
               </a:ext>
             </a:extLst>
           </p:cNvPr>
@@ -5745,11 +5872,7 @@
             <a:pPr algn="ctr"/>
             <a:r>
               <a:rPr lang="en-US" dirty="0" smtClean="0"/>
-              <a:t>Exam </a:t>
-            </a:r>
-            <a:r>
-              <a:rPr lang="en-US" dirty="0" smtClean="0"/>
-              <a:t>Objectives</a:t>
+              <a:t>Exam Objectives</a:t>
             </a:r>
             <a:endParaRPr lang="en-US" dirty="0"/>
           </a:p>
@@ -5760,7 +5883,7 @@
           <p:cNvPr id="3" name="Content Placeholder 2">
             <a:extLst>
               <a:ext uri="{FF2B5EF4-FFF2-40B4-BE49-F238E27FC236}">
-                <a16:creationId xmlns:a16="http://schemas.microsoft.com/office/drawing/2014/main" xmlns="" id="{FA6A4B49-27C8-46B6-8B11-AD7E8F615E2C}"/>
+                <a16:creationId xmlns="" xmlns:a16="http://schemas.microsoft.com/office/drawing/2014/main" id="{FA6A4B49-27C8-46B6-8B11-AD7E8F615E2C}"/>
               </a:ext>
             </a:extLst>
           </p:cNvPr>
@@ -5771,7 +5894,12 @@
             <p:ph idx="1"/>
           </p:nvPr>
         </p:nvSpPr>
-        <p:spPr/>
+        <p:spPr>
+          <a:xfrm>
+            <a:off x="838200" y="1825625"/>
+            <a:ext cx="5640977" cy="4351338"/>
+          </a:xfrm>
+        </p:spPr>
         <p:txBody>
           <a:bodyPr>
             <a:normAutofit/>
@@ -5786,11 +5914,7 @@
           <a:p>
             <a:r>
               <a:rPr lang="en-IN" sz="2400" b="1" dirty="0" smtClean="0"/>
-              <a:t>Working With Java Primitive Data </a:t>
-            </a:r>
-            <a:r>
-              <a:rPr lang="en-IN" sz="2400" b="1" dirty="0" smtClean="0"/>
-              <a:t>Types</a:t>
+              <a:t>Working With Java Primitive Data Types</a:t>
             </a:r>
           </a:p>
           <a:p>
@@ -5828,7 +5952,7 @@
           <p:cNvPr id="4" name="Slide Number Placeholder 3">
             <a:extLst>
               <a:ext uri="{FF2B5EF4-FFF2-40B4-BE49-F238E27FC236}">
-                <a16:creationId xmlns:a16="http://schemas.microsoft.com/office/drawing/2014/main" xmlns="" id="{62B4CE3A-8C88-45AA-A849-57E5A7AC22C1}"/>
+                <a16:creationId xmlns="" xmlns:a16="http://schemas.microsoft.com/office/drawing/2014/main" id="{62B4CE3A-8C88-45AA-A849-57E5A7AC22C1}"/>
               </a:ext>
             </a:extLst>
           </p:cNvPr>
@@ -5867,10 +5991,10 @@
           <p:cNvPr id="11" name="Rectangle 10">
             <a:extLst>
               <a:ext uri="{FF2B5EF4-FFF2-40B4-BE49-F238E27FC236}">
-                <a16:creationId xmlns:a16="http://schemas.microsoft.com/office/drawing/2014/main" xmlns="" id="{5F253864-26FA-4AB1-9F0A-4F57D870EE85}"/>
+                <a16:creationId xmlns="" xmlns:a16="http://schemas.microsoft.com/office/drawing/2014/main" id="{5F253864-26FA-4AB1-9F0A-4F57D870EE85}"/>
               </a:ext>
               <a:ext uri="{C183D7F6-B498-43B3-948B-1728B52AA6E4}">
-                <adec:decorative xmlns="" xmlns:adec="http://schemas.microsoft.com/office/drawing/2017/decorative" val="1"/>
+                <adec:decorative xmlns:adec="http://schemas.microsoft.com/office/drawing/2017/decorative" xmlns="" val="1"/>
               </a:ext>
             </a:extLst>
           </p:cNvPr>
@@ -5922,28 +6046,22 @@
       </p:sp>
       <p:pic>
         <p:nvPicPr>
-          <p:cNvPr id="6" name="Picture 5"/>
+          <p:cNvPr id="7" name="Picture 6" descr="lesson-planning-1-638.png"/>
           <p:cNvPicPr>
             <a:picLocks noChangeAspect="1"/>
           </p:cNvPicPr>
           <p:nvPr/>
         </p:nvPicPr>
         <p:blipFill>
-          <a:blip r:embed="rId2" cstate="print">
-            <a:extLst>
-              <a:ext uri="{28A0092B-C50C-407E-A947-70E740481C1C}">
-                <a14:useLocalDpi xmlns:a14="http://schemas.microsoft.com/office/drawing/2010/main" xmlns="" val="0"/>
-              </a:ext>
-            </a:extLst>
-          </a:blip>
+          <a:blip r:embed="rId2"/>
           <a:stretch>
             <a:fillRect/>
           </a:stretch>
         </p:blipFill>
         <p:spPr>
           <a:xfrm>
-            <a:off x="7777018" y="1670939"/>
-            <a:ext cx="3576781" cy="4464339"/>
+            <a:off x="6531429" y="1787840"/>
+            <a:ext cx="4836793" cy="4562475"/>
           </a:xfrm>
           <a:prstGeom prst="rect">
             <a:avLst/>
@@ -5953,7 +6071,7 @@
     </p:spTree>
     <p:extLst>
       <p:ext uri="{BB962C8B-B14F-4D97-AF65-F5344CB8AC3E}">
-        <p14:creationId xmlns:p14="http://schemas.microsoft.com/office/powerpoint/2010/main" xmlns="" val="1281103274"/>
+        <p14:creationId xmlns="" xmlns:p14="http://schemas.microsoft.com/office/powerpoint/2010/main" val="1281103274"/>
       </p:ext>
     </p:extLst>
   </p:cSld>
@@ -5992,7 +6110,7 @@
           <p:cNvPr id="2" name="Title 1">
             <a:extLst>
               <a:ext uri="{FF2B5EF4-FFF2-40B4-BE49-F238E27FC236}">
-                <a16:creationId xmlns:a16="http://schemas.microsoft.com/office/drawing/2014/main" xmlns="" id="{E199600F-A17E-4354-A7AB-0CC2A43A9354}"/>
+                <a16:creationId xmlns="" xmlns:a16="http://schemas.microsoft.com/office/drawing/2014/main" id="{E199600F-A17E-4354-A7AB-0CC2A43A9354}"/>
               </a:ext>
             </a:extLst>
           </p:cNvPr>
@@ -6016,11 +6134,7 @@
             <a:pPr algn="ctr"/>
             <a:r>
               <a:rPr lang="en-US" dirty="0" smtClean="0"/>
-              <a:t>Data </a:t>
-            </a:r>
-            <a:r>
-              <a:rPr lang="en-US" dirty="0" smtClean="0"/>
-              <a:t>&amp; Types</a:t>
+              <a:t>Data &amp; Types</a:t>
             </a:r>
             <a:endParaRPr lang="en-US" dirty="0"/>
           </a:p>
@@ -6136,7 +6250,7 @@
           <p:cNvPr id="4" name="Slide Number Placeholder 3">
             <a:extLst>
               <a:ext uri="{FF2B5EF4-FFF2-40B4-BE49-F238E27FC236}">
-                <a16:creationId xmlns:a16="http://schemas.microsoft.com/office/drawing/2014/main" xmlns="" id="{62B4CE3A-8C88-45AA-A849-57E5A7AC22C1}"/>
+                <a16:creationId xmlns="" xmlns:a16="http://schemas.microsoft.com/office/drawing/2014/main" id="{62B4CE3A-8C88-45AA-A849-57E5A7AC22C1}"/>
               </a:ext>
             </a:extLst>
           </p:cNvPr>
@@ -6170,10 +6284,10 @@
           <p:cNvPr id="11" name="Rectangle 10">
             <a:extLst>
               <a:ext uri="{FF2B5EF4-FFF2-40B4-BE49-F238E27FC236}">
-                <a16:creationId xmlns:a16="http://schemas.microsoft.com/office/drawing/2014/main" xmlns="" id="{5F253864-26FA-4AB1-9F0A-4F57D870EE85}"/>
+                <a16:creationId xmlns="" xmlns:a16="http://schemas.microsoft.com/office/drawing/2014/main" id="{5F253864-26FA-4AB1-9F0A-4F57D870EE85}"/>
               </a:ext>
               <a:ext uri="{C183D7F6-B498-43B3-948B-1728B52AA6E4}">
-                <adec:decorative xmlns="" xmlns:adec="http://schemas.microsoft.com/office/drawing/2017/decorative" val="1"/>
+                <adec:decorative xmlns:adec="http://schemas.microsoft.com/office/drawing/2017/decorative" xmlns="" val="1"/>
               </a:ext>
             </a:extLst>
           </p:cNvPr>
@@ -6226,7 +6340,7 @@
     </p:spTree>
     <p:extLst>
       <p:ext uri="{BB962C8B-B14F-4D97-AF65-F5344CB8AC3E}">
-        <p14:creationId xmlns:p14="http://schemas.microsoft.com/office/powerpoint/2010/main" xmlns="" val="1287735390"/>
+        <p14:creationId xmlns="" xmlns:p14="http://schemas.microsoft.com/office/powerpoint/2010/main" val="1287735390"/>
       </p:ext>
     </p:extLst>
   </p:cSld>
@@ -6265,7 +6379,7 @@
           <p:cNvPr id="2" name="Title 1">
             <a:extLst>
               <a:ext uri="{FF2B5EF4-FFF2-40B4-BE49-F238E27FC236}">
-                <a16:creationId xmlns:a16="http://schemas.microsoft.com/office/drawing/2014/main" xmlns="" id="{E199600F-A17E-4354-A7AB-0CC2A43A9354}"/>
+                <a16:creationId xmlns="" xmlns:a16="http://schemas.microsoft.com/office/drawing/2014/main" id="{E199600F-A17E-4354-A7AB-0CC2A43A9354}"/>
               </a:ext>
             </a:extLst>
           </p:cNvPr>
@@ -6300,7 +6414,7 @@
           <p:cNvPr id="3" name="Content Placeholder 2">
             <a:extLst>
               <a:ext uri="{FF2B5EF4-FFF2-40B4-BE49-F238E27FC236}">
-                <a16:creationId xmlns:a16="http://schemas.microsoft.com/office/drawing/2014/main" xmlns="" id="{FA6A4B49-27C8-46B6-8B11-AD7E8F615E2C}"/>
+                <a16:creationId xmlns="" xmlns:a16="http://schemas.microsoft.com/office/drawing/2014/main" id="{FA6A4B49-27C8-46B6-8B11-AD7E8F615E2C}"/>
               </a:ext>
             </a:extLst>
           </p:cNvPr>
@@ -6330,7 +6444,7 @@
           <p:cNvPr id="4" name="Slide Number Placeholder 3">
             <a:extLst>
               <a:ext uri="{FF2B5EF4-FFF2-40B4-BE49-F238E27FC236}">
-                <a16:creationId xmlns:a16="http://schemas.microsoft.com/office/drawing/2014/main" xmlns="" id="{62B4CE3A-8C88-45AA-A849-57E5A7AC22C1}"/>
+                <a16:creationId xmlns="" xmlns:a16="http://schemas.microsoft.com/office/drawing/2014/main" id="{62B4CE3A-8C88-45AA-A849-57E5A7AC22C1}"/>
               </a:ext>
             </a:extLst>
           </p:cNvPr>
@@ -6369,10 +6483,10 @@
           <p:cNvPr id="11" name="Rectangle 10">
             <a:extLst>
               <a:ext uri="{FF2B5EF4-FFF2-40B4-BE49-F238E27FC236}">
-                <a16:creationId xmlns:a16="http://schemas.microsoft.com/office/drawing/2014/main" xmlns="" id="{5F253864-26FA-4AB1-9F0A-4F57D870EE85}"/>
+                <a16:creationId xmlns="" xmlns:a16="http://schemas.microsoft.com/office/drawing/2014/main" id="{5F253864-26FA-4AB1-9F0A-4F57D870EE85}"/>
               </a:ext>
               <a:ext uri="{C183D7F6-B498-43B3-948B-1728B52AA6E4}">
-                <adec:decorative xmlns="" xmlns:adec="http://schemas.microsoft.com/office/drawing/2017/decorative" val="1"/>
+                <adec:decorative xmlns:adec="http://schemas.microsoft.com/office/drawing/2017/decorative" xmlns="" val="1"/>
               </a:ext>
             </a:extLst>
           </p:cNvPr>
@@ -6434,7 +6548,7 @@
           <a:blip r:embed="rId2">
             <a:extLst>
               <a:ext uri="{28A0092B-C50C-407E-A947-70E740481C1C}">
-                <a14:useLocalDpi xmlns:a14="http://schemas.microsoft.com/office/drawing/2010/main" xmlns="" val="0"/>
+                <a14:useLocalDpi xmlns="" xmlns:a14="http://schemas.microsoft.com/office/drawing/2010/main" val="0"/>
               </a:ext>
             </a:extLst>
           </a:blip>
@@ -6455,7 +6569,7 @@
     </p:spTree>
     <p:extLst>
       <p:ext uri="{BB962C8B-B14F-4D97-AF65-F5344CB8AC3E}">
-        <p14:creationId xmlns:p14="http://schemas.microsoft.com/office/powerpoint/2010/main" xmlns="" val="1894288286"/>
+        <p14:creationId xmlns="" xmlns:p14="http://schemas.microsoft.com/office/powerpoint/2010/main" val="1894288286"/>
       </p:ext>
     </p:extLst>
   </p:cSld>
@@ -6494,7 +6608,7 @@
           <p:cNvPr id="2" name="Title 1">
             <a:extLst>
               <a:ext uri="{FF2B5EF4-FFF2-40B4-BE49-F238E27FC236}">
-                <a16:creationId xmlns:a16="http://schemas.microsoft.com/office/drawing/2014/main" xmlns="" id="{E199600F-A17E-4354-A7AB-0CC2A43A9354}"/>
+                <a16:creationId xmlns="" xmlns:a16="http://schemas.microsoft.com/office/drawing/2014/main" id="{E199600F-A17E-4354-A7AB-0CC2A43A9354}"/>
               </a:ext>
             </a:extLst>
           </p:cNvPr>
@@ -6518,11 +6632,7 @@
             <a:pPr algn="ctr"/>
             <a:r>
               <a:rPr lang="en-US" dirty="0" smtClean="0"/>
-              <a:t>Integral </a:t>
-            </a:r>
-            <a:r>
-              <a:rPr lang="en-US" dirty="0" smtClean="0"/>
-              <a:t>Data Types</a:t>
+              <a:t>Integral Data Types</a:t>
             </a:r>
             <a:endParaRPr lang="en-US" dirty="0"/>
           </a:p>
@@ -6533,7 +6643,7 @@
           <p:cNvPr id="3" name="Content Placeholder 2">
             <a:extLst>
               <a:ext uri="{FF2B5EF4-FFF2-40B4-BE49-F238E27FC236}">
-                <a16:creationId xmlns:a16="http://schemas.microsoft.com/office/drawing/2014/main" xmlns="" id="{FA6A4B49-27C8-46B6-8B11-AD7E8F615E2C}"/>
+                <a16:creationId xmlns="" xmlns:a16="http://schemas.microsoft.com/office/drawing/2014/main" id="{FA6A4B49-27C8-46B6-8B11-AD7E8F615E2C}"/>
               </a:ext>
             </a:extLst>
           </p:cNvPr>
@@ -6620,7 +6730,7 @@
           <p:cNvPr id="4" name="Slide Number Placeholder 3">
             <a:extLst>
               <a:ext uri="{FF2B5EF4-FFF2-40B4-BE49-F238E27FC236}">
-                <a16:creationId xmlns:a16="http://schemas.microsoft.com/office/drawing/2014/main" xmlns="" id="{62B4CE3A-8C88-45AA-A849-57E5A7AC22C1}"/>
+                <a16:creationId xmlns="" xmlns:a16="http://schemas.microsoft.com/office/drawing/2014/main" id="{62B4CE3A-8C88-45AA-A849-57E5A7AC22C1}"/>
               </a:ext>
             </a:extLst>
           </p:cNvPr>
@@ -6659,10 +6769,10 @@
           <p:cNvPr id="11" name="Rectangle 10">
             <a:extLst>
               <a:ext uri="{FF2B5EF4-FFF2-40B4-BE49-F238E27FC236}">
-                <a16:creationId xmlns:a16="http://schemas.microsoft.com/office/drawing/2014/main" xmlns="" id="{5F253864-26FA-4AB1-9F0A-4F57D870EE85}"/>
+                <a16:creationId xmlns="" xmlns:a16="http://schemas.microsoft.com/office/drawing/2014/main" id="{5F253864-26FA-4AB1-9F0A-4F57D870EE85}"/>
               </a:ext>
               <a:ext uri="{C183D7F6-B498-43B3-948B-1728B52AA6E4}">
-                <adec:decorative xmlns="" xmlns:adec="http://schemas.microsoft.com/office/drawing/2017/decorative" val="1"/>
+                <adec:decorative xmlns:adec="http://schemas.microsoft.com/office/drawing/2017/decorative" xmlns="" val="1"/>
               </a:ext>
             </a:extLst>
           </p:cNvPr>
@@ -6724,7 +6834,7 @@
           <a:blip r:embed="rId2">
             <a:extLst>
               <a:ext uri="{28A0092B-C50C-407E-A947-70E740481C1C}">
-                <a14:useLocalDpi xmlns:a14="http://schemas.microsoft.com/office/drawing/2010/main" xmlns="" val="0"/>
+                <a14:useLocalDpi xmlns="" xmlns:a14="http://schemas.microsoft.com/office/drawing/2010/main" val="0"/>
               </a:ext>
             </a:extLst>
           </a:blip>
@@ -6745,7 +6855,7 @@
     </p:spTree>
     <p:extLst>
       <p:ext uri="{BB962C8B-B14F-4D97-AF65-F5344CB8AC3E}">
-        <p14:creationId xmlns:p14="http://schemas.microsoft.com/office/powerpoint/2010/main" xmlns="" val="1533683092"/>
+        <p14:creationId xmlns="" xmlns:p14="http://schemas.microsoft.com/office/powerpoint/2010/main" val="1533683092"/>
       </p:ext>
     </p:extLst>
   </p:cSld>
@@ -6784,7 +6894,7 @@
           <p:cNvPr id="2" name="Title 1">
             <a:extLst>
               <a:ext uri="{FF2B5EF4-FFF2-40B4-BE49-F238E27FC236}">
-                <a16:creationId xmlns:a16="http://schemas.microsoft.com/office/drawing/2014/main" xmlns="" id="{E199600F-A17E-4354-A7AB-0CC2A43A9354}"/>
+                <a16:creationId xmlns="" xmlns:a16="http://schemas.microsoft.com/office/drawing/2014/main" id="{E199600F-A17E-4354-A7AB-0CC2A43A9354}"/>
               </a:ext>
             </a:extLst>
           </p:cNvPr>
@@ -6808,11 +6918,7 @@
             <a:pPr algn="ctr"/>
             <a:r>
               <a:rPr lang="en-US" dirty="0" smtClean="0"/>
-              <a:t>Char</a:t>
-            </a:r>
-            <a:r>
-              <a:rPr lang="en-US" dirty="0" smtClean="0"/>
-              <a:t>: A special case.</a:t>
+              <a:t>Char: A special case.</a:t>
             </a:r>
             <a:endParaRPr lang="en-US" dirty="0"/>
           </a:p>
@@ -6823,7 +6929,7 @@
           <p:cNvPr id="3" name="Content Placeholder 2">
             <a:extLst>
               <a:ext uri="{FF2B5EF4-FFF2-40B4-BE49-F238E27FC236}">
-                <a16:creationId xmlns:a16="http://schemas.microsoft.com/office/drawing/2014/main" xmlns="" id="{FA6A4B49-27C8-46B6-8B11-AD7E8F615E2C}"/>
+                <a16:creationId xmlns="" xmlns:a16="http://schemas.microsoft.com/office/drawing/2014/main" id="{FA6A4B49-27C8-46B6-8B11-AD7E8F615E2C}"/>
               </a:ext>
             </a:extLst>
           </p:cNvPr>
@@ -6884,7 +6990,7 @@
           <p:cNvPr id="4" name="Slide Number Placeholder 3">
             <a:extLst>
               <a:ext uri="{FF2B5EF4-FFF2-40B4-BE49-F238E27FC236}">
-                <a16:creationId xmlns:a16="http://schemas.microsoft.com/office/drawing/2014/main" xmlns="" id="{62B4CE3A-8C88-45AA-A849-57E5A7AC22C1}"/>
+                <a16:creationId xmlns="" xmlns:a16="http://schemas.microsoft.com/office/drawing/2014/main" id="{62B4CE3A-8C88-45AA-A849-57E5A7AC22C1}"/>
               </a:ext>
             </a:extLst>
           </p:cNvPr>
@@ -6923,10 +7029,10 @@
           <p:cNvPr id="11" name="Rectangle 10">
             <a:extLst>
               <a:ext uri="{FF2B5EF4-FFF2-40B4-BE49-F238E27FC236}">
-                <a16:creationId xmlns:a16="http://schemas.microsoft.com/office/drawing/2014/main" xmlns="" id="{5F253864-26FA-4AB1-9F0A-4F57D870EE85}"/>
+                <a16:creationId xmlns="" xmlns:a16="http://schemas.microsoft.com/office/drawing/2014/main" id="{5F253864-26FA-4AB1-9F0A-4F57D870EE85}"/>
               </a:ext>
               <a:ext uri="{C183D7F6-B498-43B3-948B-1728B52AA6E4}">
-                <adec:decorative xmlns="" xmlns:adec="http://schemas.microsoft.com/office/drawing/2017/decorative" val="1"/>
+                <adec:decorative xmlns:adec="http://schemas.microsoft.com/office/drawing/2017/decorative" xmlns="" val="1"/>
               </a:ext>
             </a:extLst>
           </p:cNvPr>
@@ -6988,7 +7094,7 @@
           <a:blip r:embed="rId2">
             <a:extLst>
               <a:ext uri="{28A0092B-C50C-407E-A947-70E740481C1C}">
-                <a14:useLocalDpi xmlns:a14="http://schemas.microsoft.com/office/drawing/2010/main" xmlns="" val="0"/>
+                <a14:useLocalDpi xmlns="" xmlns:a14="http://schemas.microsoft.com/office/drawing/2010/main" val="0"/>
               </a:ext>
             </a:extLst>
           </a:blip>
@@ -7009,7 +7115,7 @@
     </p:spTree>
     <p:extLst>
       <p:ext uri="{BB962C8B-B14F-4D97-AF65-F5344CB8AC3E}">
-        <p14:creationId xmlns:p14="http://schemas.microsoft.com/office/powerpoint/2010/main" xmlns="" val="4068483233"/>
+        <p14:creationId xmlns="" xmlns:p14="http://schemas.microsoft.com/office/powerpoint/2010/main" val="4068483233"/>
       </p:ext>
     </p:extLst>
   </p:cSld>
@@ -7048,7 +7154,7 @@
           <p:cNvPr id="2" name="Title 1">
             <a:extLst>
               <a:ext uri="{FF2B5EF4-FFF2-40B4-BE49-F238E27FC236}">
-                <a16:creationId xmlns:a16="http://schemas.microsoft.com/office/drawing/2014/main" xmlns="" id="{E199600F-A17E-4354-A7AB-0CC2A43A9354}"/>
+                <a16:creationId xmlns="" xmlns:a16="http://schemas.microsoft.com/office/drawing/2014/main" id="{E199600F-A17E-4354-A7AB-0CC2A43A9354}"/>
               </a:ext>
             </a:extLst>
           </p:cNvPr>
@@ -7072,11 +7178,7 @@
             <a:pPr algn="ctr"/>
             <a:r>
               <a:rPr lang="en-US" dirty="0" smtClean="0"/>
-              <a:t>Floating </a:t>
-            </a:r>
-            <a:r>
-              <a:rPr lang="en-US" dirty="0" smtClean="0"/>
-              <a:t>Data Types</a:t>
+              <a:t>Floating Data Types</a:t>
             </a:r>
             <a:endParaRPr lang="en-US" dirty="0"/>
           </a:p>
@@ -7087,7 +7189,7 @@
           <p:cNvPr id="3" name="Content Placeholder 2">
             <a:extLst>
               <a:ext uri="{FF2B5EF4-FFF2-40B4-BE49-F238E27FC236}">
-                <a16:creationId xmlns:a16="http://schemas.microsoft.com/office/drawing/2014/main" xmlns="" id="{FA6A4B49-27C8-46B6-8B11-AD7E8F615E2C}"/>
+                <a16:creationId xmlns="" xmlns:a16="http://schemas.microsoft.com/office/drawing/2014/main" id="{FA6A4B49-27C8-46B6-8B11-AD7E8F615E2C}"/>
               </a:ext>
             </a:extLst>
           </p:cNvPr>
@@ -7159,7 +7261,7 @@
           <p:cNvPr id="4" name="Slide Number Placeholder 3">
             <a:extLst>
               <a:ext uri="{FF2B5EF4-FFF2-40B4-BE49-F238E27FC236}">
-                <a16:creationId xmlns:a16="http://schemas.microsoft.com/office/drawing/2014/main" xmlns="" id="{62B4CE3A-8C88-45AA-A849-57E5A7AC22C1}"/>
+                <a16:creationId xmlns="" xmlns:a16="http://schemas.microsoft.com/office/drawing/2014/main" id="{62B4CE3A-8C88-45AA-A849-57E5A7AC22C1}"/>
               </a:ext>
             </a:extLst>
           </p:cNvPr>
@@ -7198,10 +7300,10 @@
           <p:cNvPr id="11" name="Rectangle 10">
             <a:extLst>
               <a:ext uri="{FF2B5EF4-FFF2-40B4-BE49-F238E27FC236}">
-                <a16:creationId xmlns:a16="http://schemas.microsoft.com/office/drawing/2014/main" xmlns="" id="{5F253864-26FA-4AB1-9F0A-4F57D870EE85}"/>
+                <a16:creationId xmlns="" xmlns:a16="http://schemas.microsoft.com/office/drawing/2014/main" id="{5F253864-26FA-4AB1-9F0A-4F57D870EE85}"/>
               </a:ext>
               <a:ext uri="{C183D7F6-B498-43B3-948B-1728B52AA6E4}">
-                <adec:decorative xmlns="" xmlns:adec="http://schemas.microsoft.com/office/drawing/2017/decorative" val="1"/>
+                <adec:decorative xmlns:adec="http://schemas.microsoft.com/office/drawing/2017/decorative" xmlns="" val="1"/>
               </a:ext>
             </a:extLst>
           </p:cNvPr>
@@ -7263,7 +7365,7 @@
           <a:blip r:embed="rId2">
             <a:extLst>
               <a:ext uri="{28A0092B-C50C-407E-A947-70E740481C1C}">
-                <a14:useLocalDpi xmlns:a14="http://schemas.microsoft.com/office/drawing/2010/main" xmlns="" val="0"/>
+                <a14:useLocalDpi xmlns="" xmlns:a14="http://schemas.microsoft.com/office/drawing/2010/main" val="0"/>
               </a:ext>
             </a:extLst>
           </a:blip>
@@ -7284,7 +7386,7 @@
     </p:spTree>
     <p:extLst>
       <p:ext uri="{BB962C8B-B14F-4D97-AF65-F5344CB8AC3E}">
-        <p14:creationId xmlns:p14="http://schemas.microsoft.com/office/powerpoint/2010/main" xmlns="" val="134744934"/>
+        <p14:creationId xmlns="" xmlns:p14="http://schemas.microsoft.com/office/powerpoint/2010/main" val="134744934"/>
       </p:ext>
     </p:extLst>
   </p:cSld>
@@ -7323,7 +7425,7 @@
           <p:cNvPr id="2" name="Title 1">
             <a:extLst>
               <a:ext uri="{FF2B5EF4-FFF2-40B4-BE49-F238E27FC236}">
-                <a16:creationId xmlns:a16="http://schemas.microsoft.com/office/drawing/2014/main" xmlns="" id="{E199600F-A17E-4354-A7AB-0CC2A43A9354}"/>
+                <a16:creationId xmlns="" xmlns:a16="http://schemas.microsoft.com/office/drawing/2014/main" id="{E199600F-A17E-4354-A7AB-0CC2A43A9354}"/>
               </a:ext>
             </a:extLst>
           </p:cNvPr>
@@ -7347,11 +7449,7 @@
             <a:pPr algn="ctr"/>
             <a:r>
               <a:rPr lang="en-US" dirty="0" smtClean="0"/>
-              <a:t>Boolean </a:t>
-            </a:r>
-            <a:r>
-              <a:rPr lang="en-US" dirty="0" smtClean="0"/>
-              <a:t>Data type</a:t>
+              <a:t>Boolean Data type</a:t>
             </a:r>
             <a:endParaRPr lang="en-US" dirty="0"/>
           </a:p>
@@ -7362,7 +7460,7 @@
           <p:cNvPr id="3" name="Content Placeholder 2">
             <a:extLst>
               <a:ext uri="{FF2B5EF4-FFF2-40B4-BE49-F238E27FC236}">
-                <a16:creationId xmlns:a16="http://schemas.microsoft.com/office/drawing/2014/main" xmlns="" id="{FA6A4B49-27C8-46B6-8B11-AD7E8F615E2C}"/>
+                <a16:creationId xmlns="" xmlns:a16="http://schemas.microsoft.com/office/drawing/2014/main" id="{FA6A4B49-27C8-46B6-8B11-AD7E8F615E2C}"/>
               </a:ext>
             </a:extLst>
           </p:cNvPr>
@@ -7439,7 +7537,7 @@
           <p:cNvPr id="4" name="Slide Number Placeholder 3">
             <a:extLst>
               <a:ext uri="{FF2B5EF4-FFF2-40B4-BE49-F238E27FC236}">
-                <a16:creationId xmlns:a16="http://schemas.microsoft.com/office/drawing/2014/main" xmlns="" id="{62B4CE3A-8C88-45AA-A849-57E5A7AC22C1}"/>
+                <a16:creationId xmlns="" xmlns:a16="http://schemas.microsoft.com/office/drawing/2014/main" id="{62B4CE3A-8C88-45AA-A849-57E5A7AC22C1}"/>
               </a:ext>
             </a:extLst>
           </p:cNvPr>
@@ -7478,10 +7576,10 @@
           <p:cNvPr id="11" name="Rectangle 10">
             <a:extLst>
               <a:ext uri="{FF2B5EF4-FFF2-40B4-BE49-F238E27FC236}">
-                <a16:creationId xmlns:a16="http://schemas.microsoft.com/office/drawing/2014/main" xmlns="" id="{5F253864-26FA-4AB1-9F0A-4F57D870EE85}"/>
+                <a16:creationId xmlns="" xmlns:a16="http://schemas.microsoft.com/office/drawing/2014/main" id="{5F253864-26FA-4AB1-9F0A-4F57D870EE85}"/>
               </a:ext>
               <a:ext uri="{C183D7F6-B498-43B3-948B-1728B52AA6E4}">
-                <adec:decorative xmlns="" xmlns:adec="http://schemas.microsoft.com/office/drawing/2017/decorative" val="1"/>
+                <adec:decorative xmlns:adec="http://schemas.microsoft.com/office/drawing/2017/decorative" xmlns="" val="1"/>
               </a:ext>
             </a:extLst>
           </p:cNvPr>
@@ -7543,7 +7641,7 @@
           <a:blip r:embed="rId2">
             <a:extLst>
               <a:ext uri="{28A0092B-C50C-407E-A947-70E740481C1C}">
-                <a14:useLocalDpi xmlns:a14="http://schemas.microsoft.com/office/drawing/2010/main" xmlns="" val="0"/>
+                <a14:useLocalDpi xmlns="" xmlns:a14="http://schemas.microsoft.com/office/drawing/2010/main" val="0"/>
               </a:ext>
             </a:extLst>
           </a:blip>
@@ -7564,7 +7662,7 @@
     </p:spTree>
     <p:extLst>
       <p:ext uri="{BB962C8B-B14F-4D97-AF65-F5344CB8AC3E}">
-        <p14:creationId xmlns:p14="http://schemas.microsoft.com/office/powerpoint/2010/main" xmlns="" val="2966179024"/>
+        <p14:creationId xmlns="" xmlns:p14="http://schemas.microsoft.com/office/powerpoint/2010/main" val="2966179024"/>
       </p:ext>
     </p:extLst>
   </p:cSld>
@@ -7603,7 +7701,7 @@
           <p:cNvPr id="2" name="Title 1">
             <a:extLst>
               <a:ext uri="{FF2B5EF4-FFF2-40B4-BE49-F238E27FC236}">
-                <a16:creationId xmlns:a16="http://schemas.microsoft.com/office/drawing/2014/main" xmlns="" id="{E199600F-A17E-4354-A7AB-0CC2A43A9354}"/>
+                <a16:creationId xmlns="" xmlns:a16="http://schemas.microsoft.com/office/drawing/2014/main" id="{E199600F-A17E-4354-A7AB-0CC2A43A9354}"/>
               </a:ext>
             </a:extLst>
           </p:cNvPr>
@@ -7627,11 +7725,7 @@
             <a:pPr algn="ctr"/>
             <a:r>
               <a:rPr lang="en-US" dirty="0" smtClean="0"/>
-              <a:t>Class </a:t>
-            </a:r>
-            <a:r>
-              <a:rPr lang="en-US" dirty="0" smtClean="0"/>
-              <a:t>: Complex Data types</a:t>
+              <a:t>Class : Complex Data types</a:t>
             </a:r>
             <a:endParaRPr lang="en-US" dirty="0"/>
           </a:p>
@@ -7642,7 +7736,7 @@
           <p:cNvPr id="3" name="Content Placeholder 2">
             <a:extLst>
               <a:ext uri="{FF2B5EF4-FFF2-40B4-BE49-F238E27FC236}">
-                <a16:creationId xmlns:a16="http://schemas.microsoft.com/office/drawing/2014/main" xmlns="" id="{FA6A4B49-27C8-46B6-8B11-AD7E8F615E2C}"/>
+                <a16:creationId xmlns="" xmlns:a16="http://schemas.microsoft.com/office/drawing/2014/main" id="{FA6A4B49-27C8-46B6-8B11-AD7E8F615E2C}"/>
               </a:ext>
             </a:extLst>
           </p:cNvPr>
@@ -7701,7 +7795,7 @@
           <p:cNvPr id="4" name="Slide Number Placeholder 3">
             <a:extLst>
               <a:ext uri="{FF2B5EF4-FFF2-40B4-BE49-F238E27FC236}">
-                <a16:creationId xmlns:a16="http://schemas.microsoft.com/office/drawing/2014/main" xmlns="" id="{62B4CE3A-8C88-45AA-A849-57E5A7AC22C1}"/>
+                <a16:creationId xmlns="" xmlns:a16="http://schemas.microsoft.com/office/drawing/2014/main" id="{62B4CE3A-8C88-45AA-A849-57E5A7AC22C1}"/>
               </a:ext>
             </a:extLst>
           </p:cNvPr>
@@ -7740,10 +7834,10 @@
           <p:cNvPr id="11" name="Rectangle 10">
             <a:extLst>
               <a:ext uri="{FF2B5EF4-FFF2-40B4-BE49-F238E27FC236}">
-                <a16:creationId xmlns:a16="http://schemas.microsoft.com/office/drawing/2014/main" xmlns="" id="{5F253864-26FA-4AB1-9F0A-4F57D870EE85}"/>
+                <a16:creationId xmlns="" xmlns:a16="http://schemas.microsoft.com/office/drawing/2014/main" id="{5F253864-26FA-4AB1-9F0A-4F57D870EE85}"/>
               </a:ext>
               <a:ext uri="{C183D7F6-B498-43B3-948B-1728B52AA6E4}">
-                <adec:decorative xmlns="" xmlns:adec="http://schemas.microsoft.com/office/drawing/2017/decorative" val="1"/>
+                <adec:decorative xmlns:adec="http://schemas.microsoft.com/office/drawing/2017/decorative" xmlns="" val="1"/>
               </a:ext>
             </a:extLst>
           </p:cNvPr>
@@ -7805,7 +7899,7 @@
           <a:blip r:embed="rId2">
             <a:extLst>
               <a:ext uri="{28A0092B-C50C-407E-A947-70E740481C1C}">
-                <a14:useLocalDpi xmlns:a14="http://schemas.microsoft.com/office/drawing/2010/main" xmlns="" val="0"/>
+                <a14:useLocalDpi xmlns="" xmlns:a14="http://schemas.microsoft.com/office/drawing/2010/main" val="0"/>
               </a:ext>
             </a:extLst>
           </a:blip>
@@ -7835,7 +7929,7 @@
           <a:blip r:embed="rId3">
             <a:extLst>
               <a:ext uri="{28A0092B-C50C-407E-A947-70E740481C1C}">
-                <a14:useLocalDpi xmlns:a14="http://schemas.microsoft.com/office/drawing/2010/main" xmlns="" val="0"/>
+                <a14:useLocalDpi xmlns="" xmlns:a14="http://schemas.microsoft.com/office/drawing/2010/main" val="0"/>
               </a:ext>
             </a:extLst>
           </a:blip>
@@ -7856,7 +7950,7 @@
     </p:spTree>
     <p:extLst>
       <p:ext uri="{BB962C8B-B14F-4D97-AF65-F5344CB8AC3E}">
-        <p14:creationId xmlns:p14="http://schemas.microsoft.com/office/powerpoint/2010/main" xmlns="" val="650196804"/>
+        <p14:creationId xmlns="" xmlns:p14="http://schemas.microsoft.com/office/powerpoint/2010/main" val="650196804"/>
       </p:ext>
     </p:extLst>
   </p:cSld>
@@ -8068,7 +8162,7 @@
   <a:extraClrSchemeLst/>
   <a:extLst>
     <a:ext uri="{05A4C25C-085E-4340-85A3-A5531E510DB2}">
-      <thm15:themeFamily xmlns:thm15="http://schemas.microsoft.com/office/thememl/2012/main" xmlns="" name="Classic-Corporate_Teach a Course_Win32_SB - v2" id="{AAA48AC2-5F99-4B13-8624-B64D50F70391}" vid="{7E93EDBA-CDC2-40D2-AD59-7619D791F782}"/>
+      <thm15:themeFamily xmlns="" xmlns:thm15="http://schemas.microsoft.com/office/thememl/2012/main" name="Classic-Corporate_Teach a Course_Win32_SB - v2" id="{AAA48AC2-5F99-4B13-8624-B64D50F70391}" vid="{7E93EDBA-CDC2-40D2-AD59-7619D791F782}"/>
     </a:ext>
   </a:extLst>
 </a:theme>
@@ -8363,7 +8457,7 @@
   <a:extraClrSchemeLst/>
   <a:extLst>
     <a:ext uri="{05A4C25C-085E-4340-85A3-A5531E510DB2}">
-      <thm15:themeFamily xmlns:thm15="http://schemas.microsoft.com/office/thememl/2012/main" xmlns="" name="Office Theme" id="{62F939B6-93AF-4DB8-9C6B-D6C7DFDC589F}" vid="{4A3C46E8-61CC-4603-A589-7422A47A8E4A}"/>
+      <thm15:themeFamily xmlns="" xmlns:thm15="http://schemas.microsoft.com/office/thememl/2012/main" name="Office Theme" id="{62F939B6-93AF-4DB8-9C6B-D6C7DFDC589F}" vid="{4A3C46E8-61CC-4603-A589-7422A47A8E4A}"/>
     </a:ext>
   </a:extLst>
 </a:theme>
@@ -8658,7 +8752,7 @@
   <a:extraClrSchemeLst/>
   <a:extLst>
     <a:ext uri="{05A4C25C-085E-4340-85A3-A5531E510DB2}">
-      <thm15:themeFamily xmlns:thm15="http://schemas.microsoft.com/office/thememl/2012/main" xmlns="" name="Office Theme" id="{62F939B6-93AF-4DB8-9C6B-D6C7DFDC589F}" vid="{4A3C46E8-61CC-4603-A589-7422A47A8E4A}"/>
+      <thm15:themeFamily xmlns="" xmlns:thm15="http://schemas.microsoft.com/office/thememl/2012/main" name="Office Theme" id="{62F939B6-93AF-4DB8-9C6B-D6C7DFDC589F}" vid="{4A3C46E8-61CC-4603-A589-7422A47A8E4A}"/>
     </a:ext>
   </a:extLst>
 </a:theme>
@@ -8751,24 +8845,6 @@
 </file>
 
 <file path=customXml/item1.xml><?xml version="1.0" encoding="utf-8"?>
-<?mso-contentType ?>
-<FormTemplates xmlns="http://schemas.microsoft.com/sharepoint/v3/contenttype/forms">
-  <Display>DocumentLibraryForm</Display>
-  <Edit>DocumentLibraryForm</Edit>
-  <New>DocumentLibraryForm</New>
-</FormTemplates>
-</file>
-
-<file path=customXml/item2.xml><?xml version="1.0" encoding="utf-8"?>
-<p:properties xmlns:p="http://schemas.microsoft.com/office/2006/metadata/properties" xmlns:xsi="http://www.w3.org/2001/XMLSchema-instance" xmlns:pc="http://schemas.microsoft.com/office/infopath/2007/PartnerControls">
-  <documentManagement>
-    <Status xmlns="71af3243-3dd4-4a8d-8c0d-dd76da1f02a5">Not started</Status>
-    <MediaServiceKeyPoints xmlns="71af3243-3dd4-4a8d-8c0d-dd76da1f02a5" xsi:nil="true"/>
-  </documentManagement>
-</p:properties>
-</file>
-
-<file path=customXml/item3.xml><?xml version="1.0" encoding="utf-8"?>
 <ct:contentTypeSchema xmlns:ct="http://schemas.microsoft.com/office/2006/metadata/contentType" xmlns:ma="http://schemas.microsoft.com/office/2006/metadata/properties/metaAttributes" ct:_="" ma:_="" ma:contentTypeName="Document" ma:contentTypeID="0x01010079F111ED35F8CC479449609E8A0923A6" ma:contentTypeVersion="12" ma:contentTypeDescription="Create a new document." ma:contentTypeScope="" ma:versionID="fa6e671f1cd7e4d96ff9652be322dd5e">
   <xsd:schema xmlns:xsd="http://www.w3.org/2001/XMLSchema" xmlns:xs="http://www.w3.org/2001/XMLSchema" xmlns:p="http://schemas.microsoft.com/office/2006/metadata/properties" xmlns:ns2="71af3243-3dd4-4a8d-8c0d-dd76da1f02a5" xmlns:ns3="16c05727-aa75-4e4a-9b5f-8a80a1165891" targetNamespace="http://schemas.microsoft.com/office/2006/metadata/properties" ma:root="true" ma:fieldsID="4e2496f70b101db0b8013f30a071bbf7" ns2:_="" ns3:_="">
     <xsd:import namespace="71af3243-3dd4-4a8d-8c0d-dd76da1f02a5"/>
@@ -8989,25 +9065,25 @@
 </ct:contentTypeSchema>
 </file>
 
-<file path=customXml/itemProps1.xml><?xml version="1.0" encoding="utf-8"?>
-<ds:datastoreItem xmlns:ds="http://schemas.openxmlformats.org/officeDocument/2006/customXml" ds:itemID="{EBB7C387-AFDC-4FE3-A658-984B7F35F155}">
-  <ds:schemaRefs>
-    <ds:schemaRef ds:uri="http://schemas.microsoft.com/sharepoint/v3/contenttype/forms"/>
-  </ds:schemaRefs>
-</ds:datastoreItem>
+<file path=customXml/item2.xml><?xml version="1.0" encoding="utf-8"?>
+<p:properties xmlns:p="http://schemas.microsoft.com/office/2006/metadata/properties" xmlns:xsi="http://www.w3.org/2001/XMLSchema-instance" xmlns:pc="http://schemas.microsoft.com/office/infopath/2007/PartnerControls">
+  <documentManagement>
+    <Status xmlns="71af3243-3dd4-4a8d-8c0d-dd76da1f02a5">Not started</Status>
+    <MediaServiceKeyPoints xmlns="71af3243-3dd4-4a8d-8c0d-dd76da1f02a5" xsi:nil="true"/>
+  </documentManagement>
+</p:properties>
 </file>
 
-<file path=customXml/itemProps2.xml><?xml version="1.0" encoding="utf-8"?>
-<ds:datastoreItem xmlns:ds="http://schemas.openxmlformats.org/officeDocument/2006/customXml" ds:itemID="{F4E32C0B-4052-44CB-9341-8AD8B2CC4712}">
-  <ds:schemaRefs>
-    <ds:schemaRef ds:uri="http://schemas.microsoft.com/office/2006/metadata/properties"/>
-    <ds:schemaRef ds:uri="http://schemas.microsoft.com/office/infopath/2007/PartnerControls"/>
-    <ds:schemaRef ds:uri="71af3243-3dd4-4a8d-8c0d-dd76da1f02a5"/>
-  </ds:schemaRefs>
-</ds:datastoreItem>
+<file path=customXml/item3.xml><?xml version="1.0" encoding="utf-8"?>
+<?mso-contentType ?>
+<FormTemplates xmlns="http://schemas.microsoft.com/sharepoint/v3/contenttype/forms">
+  <Display>DocumentLibraryForm</Display>
+  <Edit>DocumentLibraryForm</Edit>
+  <New>DocumentLibraryForm</New>
+</FormTemplates>
 </file>
 
-<file path=customXml/itemProps3.xml><?xml version="1.0" encoding="utf-8"?>
+<file path=customXml/itemProps1.xml><?xml version="1.0" encoding="utf-8"?>
 <ds:datastoreItem xmlns:ds="http://schemas.openxmlformats.org/officeDocument/2006/customXml" ds:itemID="{D6766BD6-F648-49AA-B7EC-13E75CECB99A}">
   <ds:schemaRefs>
     <ds:schemaRef ds:uri="http://schemas.microsoft.com/office/2006/metadata/contentType"/>
@@ -9024,4 +9100,22 @@
     <ds:schemaRef ds:uri="http://schemas.microsoft.com/internal/obd"/>
   </ds:schemaRefs>
 </ds:datastoreItem>
+</file>
+
+<file path=customXml/itemProps2.xml><?xml version="1.0" encoding="utf-8"?>
+<ds:datastoreItem xmlns:ds="http://schemas.openxmlformats.org/officeDocument/2006/customXml" ds:itemID="{F4E32C0B-4052-44CB-9341-8AD8B2CC4712}">
+  <ds:schemaRefs>
+    <ds:schemaRef ds:uri="http://schemas.microsoft.com/office/2006/metadata/properties"/>
+    <ds:schemaRef ds:uri="http://schemas.microsoft.com/office/infopath/2007/PartnerControls"/>
+    <ds:schemaRef ds:uri="71af3243-3dd4-4a8d-8c0d-dd76da1f02a5"/>
+  </ds:schemaRefs>
+</ds:datastoreItem>
+</file>
+
+<file path=customXml/itemProps3.xml><?xml version="1.0" encoding="utf-8"?>
+<ds:datastoreItem xmlns:ds="http://schemas.openxmlformats.org/officeDocument/2006/customXml" ds:itemID="{EBB7C387-AFDC-4FE3-A658-984B7F35F155}">
+  <ds:schemaRefs>
+    <ds:schemaRef ds:uri="http://schemas.microsoft.com/sharepoint/v3/contenttype/forms"/>
+  </ds:schemaRefs>
+</ds:datastoreItem>
 </file>
--- a/courseMaterial/Objective-3-Primitives Data Types & String/1-Data Types [Autosaved].pptx
+++ b/courseMaterial/Objective-3-Primitives Data Types & String/1-Data Types [Autosaved].pptx
@@ -247,7 +247,7 @@
             <a:fld id="{68416927-5E9C-4E77-85FE-EE4C81C1DE39}" type="datetimeFigureOut">
               <a:rPr lang="en-US" smtClean="0"/>
               <a:pPr/>
-              <a:t>5/17/2020</a:t>
+              <a:t>5/18/2020</a:t>
             </a:fld>
             <a:endParaRPr lang="en-US" dirty="0"/>
           </a:p>
@@ -426,7 +426,7 @@
             <a:fld id="{FA798B7E-6604-4F74-86DB-B30627D56244}" type="datetimeFigureOut">
               <a:rPr lang="en-US" smtClean="0"/>
               <a:pPr/>
-              <a:t>5/17/2020</a:t>
+              <a:t>5/18/2020</a:t>
             </a:fld>
             <a:endParaRPr lang="en-US" dirty="0"/>
           </a:p>
@@ -4906,7 +4906,7 @@
                 <a16:creationId xmlns:a16="http://schemas.microsoft.com/office/drawing/2014/main" id="{5F253864-26FA-4AB1-9F0A-4F57D870EE85}"/>
               </a:ext>
               <a:ext uri="{C183D7F6-B498-43B3-948B-1728B52AA6E4}">
-                <adec:decorative xmlns:adec="http://schemas.microsoft.com/office/drawing/2017/decorative" xmlns="" val="1"/>
+                <adec:decorative xmlns="" xmlns:adec="http://schemas.microsoft.com/office/drawing/2017/decorative" val="1"/>
               </a:ext>
             </a:extLst>
           </p:cNvPr>
@@ -5151,7 +5151,7 @@
                 <a16:creationId xmlns:a16="http://schemas.microsoft.com/office/drawing/2014/main" id="{5F253864-26FA-4AB1-9F0A-4F57D870EE85}"/>
               </a:ext>
               <a:ext uri="{C183D7F6-B498-43B3-948B-1728B52AA6E4}">
-                <adec:decorative xmlns:adec="http://schemas.microsoft.com/office/drawing/2017/decorative" xmlns="" val="1"/>
+                <adec:decorative xmlns="" xmlns:adec="http://schemas.microsoft.com/office/drawing/2017/decorative" val="1"/>
               </a:ext>
             </a:extLst>
           </p:cNvPr>
@@ -5371,7 +5371,7 @@
                 <a16:creationId xmlns:a16="http://schemas.microsoft.com/office/drawing/2014/main" id="{5F253864-26FA-4AB1-9F0A-4F57D870EE85}"/>
               </a:ext>
               <a:ext uri="{C183D7F6-B498-43B3-948B-1728B52AA6E4}">
-                <adec:decorative xmlns:adec="http://schemas.microsoft.com/office/drawing/2017/decorative" xmlns="" val="1"/>
+                <adec:decorative xmlns="" xmlns:adec="http://schemas.microsoft.com/office/drawing/2017/decorative" val="1"/>
               </a:ext>
             </a:extLst>
           </p:cNvPr>
@@ -5760,7 +5760,7 @@
                 <a16:creationId xmlns:a16="http://schemas.microsoft.com/office/drawing/2014/main" id="{5F253864-26FA-4AB1-9F0A-4F57D870EE85}"/>
               </a:ext>
               <a:ext uri="{C183D7F6-B498-43B3-948B-1728B52AA6E4}">
-                <adec:decorative xmlns:adec="http://schemas.microsoft.com/office/drawing/2017/decorative" xmlns="" val="1"/>
+                <adec:decorative xmlns="" xmlns:adec="http://schemas.microsoft.com/office/drawing/2017/decorative" val="1"/>
               </a:ext>
             </a:extLst>
           </p:cNvPr>
@@ -6011,7 +6011,7 @@
                 <a16:creationId xmlns:a16="http://schemas.microsoft.com/office/drawing/2014/main" id="{5F253864-26FA-4AB1-9F0A-4F57D870EE85}"/>
               </a:ext>
               <a:ext uri="{C183D7F6-B498-43B3-948B-1728B52AA6E4}">
-                <adec:decorative xmlns:adec="http://schemas.microsoft.com/office/drawing/2017/decorative" xmlns="" val="1"/>
+                <adec:decorative xmlns="" xmlns:adec="http://schemas.microsoft.com/office/drawing/2017/decorative" val="1"/>
               </a:ext>
             </a:extLst>
           </p:cNvPr>
@@ -6272,7 +6272,7 @@
                 <a16:creationId xmlns:a16="http://schemas.microsoft.com/office/drawing/2014/main" id="{5F253864-26FA-4AB1-9F0A-4F57D870EE85}"/>
               </a:ext>
               <a:ext uri="{C183D7F6-B498-43B3-948B-1728B52AA6E4}">
-                <adec:decorative xmlns:adec="http://schemas.microsoft.com/office/drawing/2017/decorative" xmlns="" val="1"/>
+                <adec:decorative xmlns="" xmlns:adec="http://schemas.microsoft.com/office/drawing/2017/decorative" val="1"/>
               </a:ext>
             </a:extLst>
           </p:cNvPr>
@@ -6465,15 +6465,7 @@
           <a:p>
             <a:r>
               <a:rPr lang="en-US" dirty="0" smtClean="0"/>
-              <a:t>Figure showing 3 types of assignments. It also </a:t>
-            </a:r>
-            <a:r>
-              <a:rPr lang="en-US" smtClean="0"/>
-              <a:t>shows narrowing/widening </a:t>
-            </a:r>
-            <a:r>
-              <a:rPr lang="en-US" dirty="0" smtClean="0"/>
-              <a:t>, implicit/explicit.</a:t>
+              <a:t>Figure showing 3 types of assignments. It also shows narrowing/widening , implicit/explicit.</a:t>
             </a:r>
           </a:p>
           <a:p>
@@ -6528,7 +6520,7 @@
                 <a16:creationId xmlns:a16="http://schemas.microsoft.com/office/drawing/2014/main" id="{5F253864-26FA-4AB1-9F0A-4F57D870EE85}"/>
               </a:ext>
               <a:ext uri="{C183D7F6-B498-43B3-948B-1728B52AA6E4}">
-                <adec:decorative xmlns:adec="http://schemas.microsoft.com/office/drawing/2017/decorative" xmlns="" val="1"/>
+                <adec:decorative xmlns="" xmlns:adec="http://schemas.microsoft.com/office/drawing/2017/decorative" val="1"/>
               </a:ext>
             </a:extLst>
           </p:cNvPr>
@@ -6672,11 +6664,57 @@
           </a:bodyPr>
           <a:lstStyle/>
           <a:p>
+            <a:endParaRPr lang="en-US" sz="2400" dirty="0" smtClean="0"/>
+          </a:p>
+          <a:p>
+            <a:endParaRPr lang="en-US" sz="2400" dirty="0"/>
+          </a:p>
+          <a:p>
             <a:r>
               <a:rPr lang="en-US" sz="2400" dirty="0" smtClean="0"/>
-              <a:t>Assig</a:t>
-            </a:r>
-            <a:endParaRPr lang="en-US" sz="2400" dirty="0" smtClean="0"/>
+              <a:t>Assignment can 3 possibilities :</a:t>
+            </a:r>
+          </a:p>
+          <a:p>
+            <a:pPr lvl="1"/>
+            <a:r>
+              <a:rPr lang="en-US" sz="2200" dirty="0" smtClean="0"/>
+              <a:t>Both sides are of equal capacity.</a:t>
+            </a:r>
+          </a:p>
+          <a:p>
+            <a:pPr lvl="1"/>
+            <a:r>
+              <a:rPr lang="en-US" sz="2200" dirty="0" smtClean="0"/>
+              <a:t>Left hand side is larger capacity and righ</a:t>
+            </a:r>
+            <a:r>
+              <a:rPr lang="en-US" sz="2200" dirty="0" smtClean="0"/>
+              <a:t>t hand side is smaller</a:t>
+            </a:r>
+            <a:r>
+              <a:rPr lang="en-US" sz="2200" dirty="0" smtClean="0"/>
+              <a:t>.</a:t>
+            </a:r>
+          </a:p>
+          <a:p>
+            <a:pPr lvl="1"/>
+            <a:r>
+              <a:rPr lang="en-US" sz="2200" dirty="0" smtClean="0"/>
+              <a:t>Right hand side is larger capacity and left hand side is smaller.</a:t>
+            </a:r>
+          </a:p>
+          <a:p>
+            <a:r>
+              <a:rPr lang="en-US" sz="2400" dirty="0" smtClean="0"/>
+              <a:t>Case 2 is referred to as widening.</a:t>
+            </a:r>
+          </a:p>
+          <a:p>
+            <a:r>
+              <a:rPr lang="en-US" sz="2400" dirty="0" smtClean="0"/>
+              <a:t>Case 3 is referred to as narrowing.</a:t>
+            </a:r>
           </a:p>
         </p:txBody>
       </p:sp>
@@ -6722,7 +6760,7 @@
                 <a16:creationId xmlns:a16="http://schemas.microsoft.com/office/drawing/2014/main" id="{5F253864-26FA-4AB1-9F0A-4F57D870EE85}"/>
               </a:ext>
               <a:ext uri="{C183D7F6-B498-43B3-948B-1728B52AA6E4}">
-                <adec:decorative xmlns:adec="http://schemas.microsoft.com/office/drawing/2017/decorative" xmlns="" val="1"/>
+                <adec:decorative xmlns="" xmlns:adec="http://schemas.microsoft.com/office/drawing/2017/decorative" val="1"/>
               </a:ext>
             </a:extLst>
           </p:cNvPr>
@@ -6983,7 +7021,7 @@
                 <a16:creationId xmlns:a16="http://schemas.microsoft.com/office/drawing/2014/main" id="{5F253864-26FA-4AB1-9F0A-4F57D870EE85}"/>
               </a:ext>
               <a:ext uri="{C183D7F6-B498-43B3-948B-1728B52AA6E4}">
-                <adec:decorative xmlns:adec="http://schemas.microsoft.com/office/drawing/2017/decorative" xmlns="" val="1"/>
+                <adec:decorative xmlns="" xmlns:adec="http://schemas.microsoft.com/office/drawing/2017/decorative" val="1"/>
               </a:ext>
             </a:extLst>
           </p:cNvPr>
@@ -7336,7 +7374,7 @@
                 <a16:creationId xmlns:a16="http://schemas.microsoft.com/office/drawing/2014/main" id="{5F253864-26FA-4AB1-9F0A-4F57D870EE85}"/>
               </a:ext>
               <a:ext uri="{C183D7F6-B498-43B3-948B-1728B52AA6E4}">
-                <adec:decorative xmlns:adec="http://schemas.microsoft.com/office/drawing/2017/decorative" xmlns="" val="1"/>
+                <adec:decorative xmlns="" xmlns:adec="http://schemas.microsoft.com/office/drawing/2017/decorative" val="1"/>
               </a:ext>
             </a:extLst>
           </p:cNvPr>
@@ -7620,7 +7658,7 @@
                 <a16:creationId xmlns:a16="http://schemas.microsoft.com/office/drawing/2014/main" id="{5F253864-26FA-4AB1-9F0A-4F57D870EE85}"/>
               </a:ext>
               <a:ext uri="{C183D7F6-B498-43B3-948B-1728B52AA6E4}">
-                <adec:decorative xmlns:adec="http://schemas.microsoft.com/office/drawing/2017/decorative" xmlns="" val="1"/>
+                <adec:decorative xmlns="" xmlns:adec="http://schemas.microsoft.com/office/drawing/2017/decorative" val="1"/>
               </a:ext>
             </a:extLst>
           </p:cNvPr>
@@ -7873,7 +7911,7 @@
                 <a16:creationId xmlns:a16="http://schemas.microsoft.com/office/drawing/2014/main" id="{792980D7-ED01-4955-83DB-59BA18C94FBA}"/>
               </a:ext>
               <a:ext uri="{C183D7F6-B498-43B3-948B-1728B52AA6E4}">
-                <adec:decorative xmlns:adec="http://schemas.microsoft.com/office/drawing/2017/decorative" xmlns="" val="1"/>
+                <adec:decorative xmlns="" xmlns:adec="http://schemas.microsoft.com/office/drawing/2017/decorative" val="1"/>
               </a:ext>
             </a:extLst>
           </p:cNvPr>
@@ -8097,7 +8135,7 @@
                 <a16:creationId xmlns:a16="http://schemas.microsoft.com/office/drawing/2014/main" id="{5F253864-26FA-4AB1-9F0A-4F57D870EE85}"/>
               </a:ext>
               <a:ext uri="{C183D7F6-B498-43B3-948B-1728B52AA6E4}">
-                <adec:decorative xmlns:adec="http://schemas.microsoft.com/office/drawing/2017/decorative" xmlns="" val="1"/>
+                <adec:decorative xmlns="" xmlns:adec="http://schemas.microsoft.com/office/drawing/2017/decorative" val="1"/>
               </a:ext>
             </a:extLst>
           </p:cNvPr>
@@ -8390,7 +8428,7 @@
                 <a16:creationId xmlns:a16="http://schemas.microsoft.com/office/drawing/2014/main" id="{5F253864-26FA-4AB1-9F0A-4F57D870EE85}"/>
               </a:ext>
               <a:ext uri="{C183D7F6-B498-43B3-948B-1728B52AA6E4}">
-                <adec:decorative xmlns:adec="http://schemas.microsoft.com/office/drawing/2017/decorative" xmlns="" val="1"/>
+                <adec:decorative xmlns="" xmlns:adec="http://schemas.microsoft.com/office/drawing/2017/decorative" val="1"/>
               </a:ext>
             </a:extLst>
           </p:cNvPr>
@@ -8589,7 +8627,7 @@
                 <a16:creationId xmlns:a16="http://schemas.microsoft.com/office/drawing/2014/main" id="{5F253864-26FA-4AB1-9F0A-4F57D870EE85}"/>
               </a:ext>
               <a:ext uri="{C183D7F6-B498-43B3-948B-1728B52AA6E4}">
-                <adec:decorative xmlns:adec="http://schemas.microsoft.com/office/drawing/2017/decorative" xmlns="" val="1"/>
+                <adec:decorative xmlns="" xmlns:adec="http://schemas.microsoft.com/office/drawing/2017/decorative" val="1"/>
               </a:ext>
             </a:extLst>
           </p:cNvPr>
@@ -8884,7 +8922,7 @@
                 <a16:creationId xmlns:a16="http://schemas.microsoft.com/office/drawing/2014/main" id="{5F253864-26FA-4AB1-9F0A-4F57D870EE85}"/>
               </a:ext>
               <a:ext uri="{C183D7F6-B498-43B3-948B-1728B52AA6E4}">
-                <adec:decorative xmlns:adec="http://schemas.microsoft.com/office/drawing/2017/decorative" xmlns="" val="1"/>
+                <adec:decorative xmlns="" xmlns:adec="http://schemas.microsoft.com/office/drawing/2017/decorative" val="1"/>
               </a:ext>
             </a:extLst>
           </p:cNvPr>
@@ -9145,7 +9183,7 @@
                 <a16:creationId xmlns:a16="http://schemas.microsoft.com/office/drawing/2014/main" id="{5F253864-26FA-4AB1-9F0A-4F57D870EE85}"/>
               </a:ext>
               <a:ext uri="{C183D7F6-B498-43B3-948B-1728B52AA6E4}">
-                <adec:decorative xmlns:adec="http://schemas.microsoft.com/office/drawing/2017/decorative" xmlns="" val="1"/>
+                <adec:decorative xmlns="" xmlns:adec="http://schemas.microsoft.com/office/drawing/2017/decorative" val="1"/>
               </a:ext>
             </a:extLst>
           </p:cNvPr>
@@ -9421,7 +9459,7 @@
                 <a16:creationId xmlns:a16="http://schemas.microsoft.com/office/drawing/2014/main" id="{5F253864-26FA-4AB1-9F0A-4F57D870EE85}"/>
               </a:ext>
               <a:ext uri="{C183D7F6-B498-43B3-948B-1728B52AA6E4}">
-                <adec:decorative xmlns:adec="http://schemas.microsoft.com/office/drawing/2017/decorative" xmlns="" val="1"/>
+                <adec:decorative xmlns="" xmlns:adec="http://schemas.microsoft.com/office/drawing/2017/decorative" val="1"/>
               </a:ext>
             </a:extLst>
           </p:cNvPr>
@@ -9697,7 +9735,7 @@
                 <a16:creationId xmlns:a16="http://schemas.microsoft.com/office/drawing/2014/main" id="{5F253864-26FA-4AB1-9F0A-4F57D870EE85}"/>
               </a:ext>
               <a:ext uri="{C183D7F6-B498-43B3-948B-1728B52AA6E4}">
-                <adec:decorative xmlns:adec="http://schemas.microsoft.com/office/drawing/2017/decorative" xmlns="" val="1"/>
+                <adec:decorative xmlns="" xmlns:adec="http://schemas.microsoft.com/office/drawing/2017/decorative" val="1"/>
               </a:ext>
             </a:extLst>
           </p:cNvPr>
@@ -10675,15 +10713,6 @@
 </file>
 
 <file path=customXml/item1.xml><?xml version="1.0" encoding="utf-8"?>
-<?mso-contentType ?>
-<FormTemplates xmlns="http://schemas.microsoft.com/sharepoint/v3/contenttype/forms">
-  <Display>DocumentLibraryForm</Display>
-  <Edit>DocumentLibraryForm</Edit>
-  <New>DocumentLibraryForm</New>
-</FormTemplates>
-</file>
-
-<file path=customXml/item2.xml><?xml version="1.0" encoding="utf-8"?>
 <ct:contentTypeSchema xmlns:ct="http://schemas.microsoft.com/office/2006/metadata/contentType" xmlns:ma="http://schemas.microsoft.com/office/2006/metadata/properties/metaAttributes" ct:_="" ma:_="" ma:contentTypeName="Document" ma:contentTypeID="0x01010079F111ED35F8CC479449609E8A0923A6" ma:contentTypeVersion="12" ma:contentTypeDescription="Create a new document." ma:contentTypeScope="" ma:versionID="fa6e671f1cd7e4d96ff9652be322dd5e">
   <xsd:schema xmlns:xsd="http://www.w3.org/2001/XMLSchema" xmlns:xs="http://www.w3.org/2001/XMLSchema" xmlns:p="http://schemas.microsoft.com/office/2006/metadata/properties" xmlns:ns2="71af3243-3dd4-4a8d-8c0d-dd76da1f02a5" xmlns:ns3="16c05727-aa75-4e4a-9b5f-8a80a1165891" targetNamespace="http://schemas.microsoft.com/office/2006/metadata/properties" ma:root="true" ma:fieldsID="4e2496f70b101db0b8013f30a071bbf7" ns2:_="" ns3:_="">
     <xsd:import namespace="71af3243-3dd4-4a8d-8c0d-dd76da1f02a5"/>
@@ -10904,6 +10933,15 @@
 </ct:contentTypeSchema>
 </file>
 
+<file path=customXml/item2.xml><?xml version="1.0" encoding="utf-8"?>
+<?mso-contentType ?>
+<FormTemplates xmlns="http://schemas.microsoft.com/sharepoint/v3/contenttype/forms">
+  <Display>DocumentLibraryForm</Display>
+  <Edit>DocumentLibraryForm</Edit>
+  <New>DocumentLibraryForm</New>
+</FormTemplates>
+</file>
+
 <file path=customXml/item3.xml><?xml version="1.0" encoding="utf-8"?>
 <p:properties xmlns:p="http://schemas.microsoft.com/office/2006/metadata/properties" xmlns:xsi="http://www.w3.org/2001/XMLSchema-instance" xmlns:pc="http://schemas.microsoft.com/office/infopath/2007/PartnerControls">
   <documentManagement>
@@ -10914,14 +10952,6 @@
 </file>
 
 <file path=customXml/itemProps1.xml><?xml version="1.0" encoding="utf-8"?>
-<ds:datastoreItem xmlns:ds="http://schemas.openxmlformats.org/officeDocument/2006/customXml" ds:itemID="{EBB7C387-AFDC-4FE3-A658-984B7F35F155}">
-  <ds:schemaRefs>
-    <ds:schemaRef ds:uri="http://schemas.microsoft.com/sharepoint/v3/contenttype/forms"/>
-  </ds:schemaRefs>
-</ds:datastoreItem>
-</file>
-
-<file path=customXml/itemProps2.xml><?xml version="1.0" encoding="utf-8"?>
 <ds:datastoreItem xmlns:ds="http://schemas.openxmlformats.org/officeDocument/2006/customXml" ds:itemID="{D6766BD6-F648-49AA-B7EC-13E75CECB99A}">
   <ds:schemaRefs>
     <ds:schemaRef ds:uri="http://schemas.microsoft.com/office/2006/metadata/contentType"/>
@@ -10940,6 +10970,14 @@
 </ds:datastoreItem>
 </file>
 
+<file path=customXml/itemProps2.xml><?xml version="1.0" encoding="utf-8"?>
+<ds:datastoreItem xmlns:ds="http://schemas.openxmlformats.org/officeDocument/2006/customXml" ds:itemID="{EBB7C387-AFDC-4FE3-A658-984B7F35F155}">
+  <ds:schemaRefs>
+    <ds:schemaRef ds:uri="http://schemas.microsoft.com/sharepoint/v3/contenttype/forms"/>
+  </ds:schemaRefs>
+</ds:datastoreItem>
+</file>
+
 <file path=customXml/itemProps3.xml><?xml version="1.0" encoding="utf-8"?>
 <ds:datastoreItem xmlns:ds="http://schemas.openxmlformats.org/officeDocument/2006/customXml" ds:itemID="{F4E32C0B-4052-44CB-9341-8AD8B2CC4712}">
   <ds:schemaRefs>

--- a/courseMaterial/Objective-3-Primitives Data Types & String/1-Data Types [Autosaved].pptx
+++ b/courseMaterial/Objective-3-Primitives Data Types & String/1-Data Types [Autosaved].pptx
@@ -5,33 +5,26 @@
     <p:sldMasterId id="2147483648" r:id="rId4"/>
   </p:sldMasterIdLst>
   <p:notesMasterIdLst>
-    <p:notesMasterId r:id="rId26"/>
+    <p:notesMasterId r:id="rId19"/>
   </p:notesMasterIdLst>
   <p:handoutMasterIdLst>
-    <p:handoutMasterId r:id="rId27"/>
+    <p:handoutMasterId r:id="rId20"/>
   </p:handoutMasterIdLst>
   <p:sldIdLst>
     <p:sldId id="256" r:id="rId5"/>
     <p:sldId id="261" r:id="rId6"/>
-    <p:sldId id="258" r:id="rId7"/>
-    <p:sldId id="257" r:id="rId8"/>
-    <p:sldId id="275" r:id="rId9"/>
-    <p:sldId id="259" r:id="rId10"/>
-    <p:sldId id="272" r:id="rId11"/>
-    <p:sldId id="270" r:id="rId12"/>
-    <p:sldId id="271" r:id="rId13"/>
-    <p:sldId id="263" r:id="rId14"/>
-    <p:sldId id="276" r:id="rId15"/>
-    <p:sldId id="277" r:id="rId16"/>
-    <p:sldId id="281" r:id="rId17"/>
-    <p:sldId id="279" r:id="rId18"/>
-    <p:sldId id="280" r:id="rId19"/>
-    <p:sldId id="283" r:id="rId20"/>
-    <p:sldId id="282" r:id="rId21"/>
-    <p:sldId id="273" r:id="rId22"/>
-    <p:sldId id="274" r:id="rId23"/>
-    <p:sldId id="265" r:id="rId24"/>
-    <p:sldId id="268" r:id="rId25"/>
+    <p:sldId id="257" r:id="rId7"/>
+    <p:sldId id="258" r:id="rId8"/>
+    <p:sldId id="259" r:id="rId9"/>
+    <p:sldId id="272" r:id="rId10"/>
+    <p:sldId id="270" r:id="rId11"/>
+    <p:sldId id="271" r:id="rId12"/>
+    <p:sldId id="263" r:id="rId13"/>
+    <p:sldId id="264" r:id="rId14"/>
+    <p:sldId id="273" r:id="rId15"/>
+    <p:sldId id="274" r:id="rId16"/>
+    <p:sldId id="265" r:id="rId17"/>
+    <p:sldId id="268" r:id="rId18"/>
   </p:sldIdLst>
   <p:sldSz cx="12192000" cy="6858000"/>
   <p:notesSz cx="6858000" cy="9144000"/>
@@ -132,21 +125,10 @@
   </p:defaultTextStyle>
   <p:extLst>
     <p:ext uri="{EFAFB233-063F-42B5-8137-9DF3F51BA10A}">
-      <p15:sldGuideLst xmlns:p15="http://schemas.microsoft.com/office/powerpoint/2012/main">
-        <p15:guide id="1" orient="horz" pos="2160">
-          <p15:clr>
-            <a:srgbClr val="A4A3A4"/>
-          </p15:clr>
-        </p15:guide>
-        <p15:guide id="2" pos="3840">
-          <p15:clr>
-            <a:srgbClr val="A4A3A4"/>
-          </p15:clr>
-        </p15:guide>
-      </p15:sldGuideLst>
+      <p15:sldGuideLst xmlns="" xmlns:p15="http://schemas.microsoft.com/office/powerpoint/2012/main"/>
     </p:ext>
     <p:ext uri="{2D200454-40CA-4A62-9FC3-DE9A4176ACB9}">
-      <p15:notesGuideLst xmlns:p15="http://schemas.microsoft.com/office/powerpoint/2012/main"/>
+      <p15:notesGuideLst xmlns="" xmlns:p15="http://schemas.microsoft.com/office/powerpoint/2012/main"/>
     </p:ext>
   </p:extLst>
 </p:presentation>
@@ -179,7 +161,7 @@
           <p:cNvPr id="2" name="Header Placeholder 1">
             <a:extLst>
               <a:ext uri="{FF2B5EF4-FFF2-40B4-BE49-F238E27FC236}">
-                <a16:creationId xmlns:a16="http://schemas.microsoft.com/office/drawing/2014/main" id="{2BC10188-DC2C-458D-AB41-143A0BE9A310}"/>
+                <a16:creationId xmlns="" xmlns:a16="http://schemas.microsoft.com/office/drawing/2014/main" id="{2BC10188-DC2C-458D-AB41-143A0BE9A310}"/>
               </a:ext>
             </a:extLst>
           </p:cNvPr>
@@ -216,7 +198,7 @@
           <p:cNvPr id="3" name="Date Placeholder 2">
             <a:extLst>
               <a:ext uri="{FF2B5EF4-FFF2-40B4-BE49-F238E27FC236}">
-                <a16:creationId xmlns:a16="http://schemas.microsoft.com/office/drawing/2014/main" id="{C9634E15-7196-43FC-B912-C4D8B4A2CE79}"/>
+                <a16:creationId xmlns="" xmlns:a16="http://schemas.microsoft.com/office/drawing/2014/main" id="{C9634E15-7196-43FC-B912-C4D8B4A2CE79}"/>
               </a:ext>
             </a:extLst>
           </p:cNvPr>
@@ -247,7 +229,7 @@
             <a:fld id="{68416927-5E9C-4E77-85FE-EE4C81C1DE39}" type="datetimeFigureOut">
               <a:rPr lang="en-US" smtClean="0"/>
               <a:pPr/>
-              <a:t>5/18/2020</a:t>
+              <a:t>4/26/2020</a:t>
             </a:fld>
             <a:endParaRPr lang="en-US" dirty="0"/>
           </a:p>
@@ -258,7 +240,7 @@
           <p:cNvPr id="4" name="Footer Placeholder 3">
             <a:extLst>
               <a:ext uri="{FF2B5EF4-FFF2-40B4-BE49-F238E27FC236}">
-                <a16:creationId xmlns:a16="http://schemas.microsoft.com/office/drawing/2014/main" id="{89EA2570-D5B6-41CB-96C2-FFC9944668E5}"/>
+                <a16:creationId xmlns="" xmlns:a16="http://schemas.microsoft.com/office/drawing/2014/main" id="{89EA2570-D5B6-41CB-96C2-FFC9944668E5}"/>
               </a:ext>
             </a:extLst>
           </p:cNvPr>
@@ -295,7 +277,7 @@
           <p:cNvPr id="5" name="Slide Number Placeholder 4">
             <a:extLst>
               <a:ext uri="{FF2B5EF4-FFF2-40B4-BE49-F238E27FC236}">
-                <a16:creationId xmlns:a16="http://schemas.microsoft.com/office/drawing/2014/main" id="{15C31B37-7A69-4C30-9B63-29F8242FC246}"/>
+                <a16:creationId xmlns="" xmlns:a16="http://schemas.microsoft.com/office/drawing/2014/main" id="{15C31B37-7A69-4C30-9B63-29F8242FC246}"/>
               </a:ext>
             </a:extLst>
           </p:cNvPr>
@@ -335,7 +317,7 @@
     </p:spTree>
     <p:extLst>
       <p:ext uri="{BB962C8B-B14F-4D97-AF65-F5344CB8AC3E}">
-        <p14:creationId xmlns:p14="http://schemas.microsoft.com/office/powerpoint/2010/main" val="2413100067"/>
+        <p14:creationId xmlns="" xmlns:p14="http://schemas.microsoft.com/office/powerpoint/2010/main" val="2413100067"/>
       </p:ext>
     </p:extLst>
   </p:cSld>
@@ -426,7 +408,7 @@
             <a:fld id="{FA798B7E-6604-4F74-86DB-B30627D56244}" type="datetimeFigureOut">
               <a:rPr lang="en-US" smtClean="0"/>
               <a:pPr/>
-              <a:t>5/18/2020</a:t>
+              <a:t>4/26/2020</a:t>
             </a:fld>
             <a:endParaRPr lang="en-US" dirty="0"/>
           </a:p>
@@ -594,7 +576,7 @@
     </p:spTree>
     <p:extLst>
       <p:ext uri="{BB962C8B-B14F-4D97-AF65-F5344CB8AC3E}">
-        <p14:creationId xmlns:p14="http://schemas.microsoft.com/office/powerpoint/2010/main" val="2075933273"/>
+        <p14:creationId xmlns="" xmlns:p14="http://schemas.microsoft.com/office/powerpoint/2010/main" val="2075933273"/>
       </p:ext>
     </p:extLst>
   </p:cSld>
@@ -716,7 +698,7 @@
           <p:cNvPr id="2" name="Title 1">
             <a:extLst>
               <a:ext uri="{FF2B5EF4-FFF2-40B4-BE49-F238E27FC236}">
-                <a16:creationId xmlns:a16="http://schemas.microsoft.com/office/drawing/2014/main" id="{E5798B13-3B32-4354-B2B5-3165F2F6E65F}"/>
+                <a16:creationId xmlns="" xmlns:a16="http://schemas.microsoft.com/office/drawing/2014/main" id="{E5798B13-3B32-4354-B2B5-3165F2F6E65F}"/>
               </a:ext>
             </a:extLst>
           </p:cNvPr>
@@ -759,7 +741,7 @@
           <p:cNvPr id="4" name="Text Placeholder 3">
             <a:extLst>
               <a:ext uri="{FF2B5EF4-FFF2-40B4-BE49-F238E27FC236}">
-                <a16:creationId xmlns:a16="http://schemas.microsoft.com/office/drawing/2014/main" id="{16BB88CF-DF4F-4857-8602-72BCF5DDCDA1}"/>
+                <a16:creationId xmlns="" xmlns:a16="http://schemas.microsoft.com/office/drawing/2014/main" id="{16BB88CF-DF4F-4857-8602-72BCF5DDCDA1}"/>
               </a:ext>
             </a:extLst>
           </p:cNvPr>
@@ -830,7 +812,7 @@
           <p:cNvPr id="12" name="Straight Connector 11">
             <a:extLst>
               <a:ext uri="{FF2B5EF4-FFF2-40B4-BE49-F238E27FC236}">
-                <a16:creationId xmlns:a16="http://schemas.microsoft.com/office/drawing/2014/main" id="{A7EEBB7C-1679-4665-8688-1FA973E73DC1}"/>
+                <a16:creationId xmlns="" xmlns:a16="http://schemas.microsoft.com/office/drawing/2014/main" id="{A7EEBB7C-1679-4665-8688-1FA973E73DC1}"/>
               </a:ext>
             </a:extLst>
           </p:cNvPr>
@@ -882,7 +864,7 @@
           <p:cNvPr id="7" name="Rectangle 6">
             <a:extLst>
               <a:ext uri="{FF2B5EF4-FFF2-40B4-BE49-F238E27FC236}">
-                <a16:creationId xmlns:a16="http://schemas.microsoft.com/office/drawing/2014/main" id="{F1E3214F-3A93-4A1C-920D-D86BE35A58FB}"/>
+                <a16:creationId xmlns="" xmlns:a16="http://schemas.microsoft.com/office/drawing/2014/main" id="{F1E3214F-3A93-4A1C-920D-D86BE35A58FB}"/>
               </a:ext>
             </a:extLst>
           </p:cNvPr>
@@ -937,7 +919,7 @@
           <p:cNvPr id="3" name="Slide Number Placeholder 2">
             <a:extLst>
               <a:ext uri="{FF2B5EF4-FFF2-40B4-BE49-F238E27FC236}">
-                <a16:creationId xmlns:a16="http://schemas.microsoft.com/office/drawing/2014/main" id="{213E97E5-C83B-444A-8C07-35D699E7C342}"/>
+                <a16:creationId xmlns="" xmlns:a16="http://schemas.microsoft.com/office/drawing/2014/main" id="{213E97E5-C83B-444A-8C07-35D699E7C342}"/>
               </a:ext>
             </a:extLst>
           </p:cNvPr>
@@ -969,7 +951,7 @@
     </p:spTree>
     <p:extLst>
       <p:ext uri="{BB962C8B-B14F-4D97-AF65-F5344CB8AC3E}">
-        <p14:creationId xmlns:p14="http://schemas.microsoft.com/office/powerpoint/2010/main" val="2226532245"/>
+        <p14:creationId xmlns="" xmlns:p14="http://schemas.microsoft.com/office/powerpoint/2010/main" val="2226532245"/>
       </p:ext>
     </p:extLst>
   </p:cSld>
@@ -1001,7 +983,7 @@
           <p:cNvPr id="2" name="Title 1">
             <a:extLst>
               <a:ext uri="{FF2B5EF4-FFF2-40B4-BE49-F238E27FC236}">
-                <a16:creationId xmlns:a16="http://schemas.microsoft.com/office/drawing/2014/main" id="{0D1AB651-5612-4E6A-9B35-A555D082EC2F}"/>
+                <a16:creationId xmlns="" xmlns:a16="http://schemas.microsoft.com/office/drawing/2014/main" id="{0D1AB651-5612-4E6A-9B35-A555D082EC2F}"/>
               </a:ext>
             </a:extLst>
           </p:cNvPr>
@@ -1030,7 +1012,7 @@
           <p:cNvPr id="3" name="Content Placeholder 2">
             <a:extLst>
               <a:ext uri="{FF2B5EF4-FFF2-40B4-BE49-F238E27FC236}">
-                <a16:creationId xmlns:a16="http://schemas.microsoft.com/office/drawing/2014/main" id="{881389A2-D77B-40CA-AD1E-0178AEFAD15A}"/>
+                <a16:creationId xmlns="" xmlns:a16="http://schemas.microsoft.com/office/drawing/2014/main" id="{881389A2-D77B-40CA-AD1E-0178AEFAD15A}"/>
               </a:ext>
             </a:extLst>
           </p:cNvPr>
@@ -1111,7 +1093,7 @@
           <p:cNvPr id="4" name="Content Placeholder 3">
             <a:extLst>
               <a:ext uri="{FF2B5EF4-FFF2-40B4-BE49-F238E27FC236}">
-                <a16:creationId xmlns:a16="http://schemas.microsoft.com/office/drawing/2014/main" id="{A1DCA993-CBEA-48C5-BD35-50ABDFF64065}"/>
+                <a16:creationId xmlns="" xmlns:a16="http://schemas.microsoft.com/office/drawing/2014/main" id="{A1DCA993-CBEA-48C5-BD35-50ABDFF64065}"/>
               </a:ext>
             </a:extLst>
           </p:cNvPr>
@@ -1192,7 +1174,7 @@
           <p:cNvPr id="5" name="Slide Number Placeholder 4">
             <a:extLst>
               <a:ext uri="{FF2B5EF4-FFF2-40B4-BE49-F238E27FC236}">
-                <a16:creationId xmlns:a16="http://schemas.microsoft.com/office/drawing/2014/main" id="{B88ED8E0-95EC-469F-9B7E-562FBDFDE6CC}"/>
+                <a16:creationId xmlns="" xmlns:a16="http://schemas.microsoft.com/office/drawing/2014/main" id="{B88ED8E0-95EC-469F-9B7E-562FBDFDE6CC}"/>
               </a:ext>
             </a:extLst>
           </p:cNvPr>
@@ -1224,7 +1206,7 @@
     </p:spTree>
     <p:extLst>
       <p:ext uri="{BB962C8B-B14F-4D97-AF65-F5344CB8AC3E}">
-        <p14:creationId xmlns:p14="http://schemas.microsoft.com/office/powerpoint/2010/main" val="646344805"/>
+        <p14:creationId xmlns="" xmlns:p14="http://schemas.microsoft.com/office/powerpoint/2010/main" val="646344805"/>
       </p:ext>
     </p:extLst>
   </p:cSld>
@@ -1256,7 +1238,7 @@
           <p:cNvPr id="2" name="Title 1">
             <a:extLst>
               <a:ext uri="{FF2B5EF4-FFF2-40B4-BE49-F238E27FC236}">
-                <a16:creationId xmlns:a16="http://schemas.microsoft.com/office/drawing/2014/main" id="{EF776F88-2A37-410D-A685-E455AF3D07B4}"/>
+                <a16:creationId xmlns="" xmlns:a16="http://schemas.microsoft.com/office/drawing/2014/main" id="{EF776F88-2A37-410D-A685-E455AF3D07B4}"/>
               </a:ext>
             </a:extLst>
           </p:cNvPr>
@@ -1290,7 +1272,7 @@
           <p:cNvPr id="3" name="Text Placeholder 2">
             <a:extLst>
               <a:ext uri="{FF2B5EF4-FFF2-40B4-BE49-F238E27FC236}">
-                <a16:creationId xmlns:a16="http://schemas.microsoft.com/office/drawing/2014/main" id="{6C764B46-B015-44F7-8DC0-AFB8D275E486}"/>
+                <a16:creationId xmlns="" xmlns:a16="http://schemas.microsoft.com/office/drawing/2014/main" id="{6C764B46-B015-44F7-8DC0-AFB8D275E486}"/>
               </a:ext>
             </a:extLst>
           </p:cNvPr>
@@ -1361,7 +1343,7 @@
           <p:cNvPr id="4" name="Content Placeholder 3">
             <a:extLst>
               <a:ext uri="{FF2B5EF4-FFF2-40B4-BE49-F238E27FC236}">
-                <a16:creationId xmlns:a16="http://schemas.microsoft.com/office/drawing/2014/main" id="{2D3C8232-2077-497A-9142-B787E2B03A73}"/>
+                <a16:creationId xmlns="" xmlns:a16="http://schemas.microsoft.com/office/drawing/2014/main" id="{2D3C8232-2077-497A-9142-B787E2B03A73}"/>
               </a:ext>
             </a:extLst>
           </p:cNvPr>
@@ -1442,7 +1424,7 @@
           <p:cNvPr id="5" name="Text Placeholder 4">
             <a:extLst>
               <a:ext uri="{FF2B5EF4-FFF2-40B4-BE49-F238E27FC236}">
-                <a16:creationId xmlns:a16="http://schemas.microsoft.com/office/drawing/2014/main" id="{AAF6077C-D913-4FD0-B6E0-6D70BEFD40E6}"/>
+                <a16:creationId xmlns="" xmlns:a16="http://schemas.microsoft.com/office/drawing/2014/main" id="{AAF6077C-D913-4FD0-B6E0-6D70BEFD40E6}"/>
               </a:ext>
             </a:extLst>
           </p:cNvPr>
@@ -1513,7 +1495,7 @@
           <p:cNvPr id="6" name="Content Placeholder 5">
             <a:extLst>
               <a:ext uri="{FF2B5EF4-FFF2-40B4-BE49-F238E27FC236}">
-                <a16:creationId xmlns:a16="http://schemas.microsoft.com/office/drawing/2014/main" id="{43905DBB-3AA9-4435-AC97-732293FDE7EF}"/>
+                <a16:creationId xmlns="" xmlns:a16="http://schemas.microsoft.com/office/drawing/2014/main" id="{43905DBB-3AA9-4435-AC97-732293FDE7EF}"/>
               </a:ext>
             </a:extLst>
           </p:cNvPr>
@@ -1594,7 +1576,7 @@
           <p:cNvPr id="7" name="Slide Number Placeholder 6">
             <a:extLst>
               <a:ext uri="{FF2B5EF4-FFF2-40B4-BE49-F238E27FC236}">
-                <a16:creationId xmlns:a16="http://schemas.microsoft.com/office/drawing/2014/main" id="{1954C901-FCAF-4DFB-A621-6A969641CA73}"/>
+                <a16:creationId xmlns="" xmlns:a16="http://schemas.microsoft.com/office/drawing/2014/main" id="{1954C901-FCAF-4DFB-A621-6A969641CA73}"/>
               </a:ext>
             </a:extLst>
           </p:cNvPr>
@@ -1626,7 +1608,7 @@
     </p:spTree>
     <p:extLst>
       <p:ext uri="{BB962C8B-B14F-4D97-AF65-F5344CB8AC3E}">
-        <p14:creationId xmlns:p14="http://schemas.microsoft.com/office/powerpoint/2010/main" val="2292145525"/>
+        <p14:creationId xmlns="" xmlns:p14="http://schemas.microsoft.com/office/powerpoint/2010/main" val="2292145525"/>
       </p:ext>
     </p:extLst>
   </p:cSld>
@@ -1658,7 +1640,7 @@
           <p:cNvPr id="2" name="Title 1">
             <a:extLst>
               <a:ext uri="{FF2B5EF4-FFF2-40B4-BE49-F238E27FC236}">
-                <a16:creationId xmlns:a16="http://schemas.microsoft.com/office/drawing/2014/main" id="{99AF2623-2255-4BBA-9577-B3A3FD2AE8E8}"/>
+                <a16:creationId xmlns="" xmlns:a16="http://schemas.microsoft.com/office/drawing/2014/main" id="{99AF2623-2255-4BBA-9577-B3A3FD2AE8E8}"/>
               </a:ext>
             </a:extLst>
           </p:cNvPr>
@@ -1687,7 +1669,7 @@
           <p:cNvPr id="3" name="Slide Number Placeholder 2">
             <a:extLst>
               <a:ext uri="{FF2B5EF4-FFF2-40B4-BE49-F238E27FC236}">
-                <a16:creationId xmlns:a16="http://schemas.microsoft.com/office/drawing/2014/main" id="{5259F0F0-5E7C-4FC9-8E90-6ADCD7A714B6}"/>
+                <a16:creationId xmlns="" xmlns:a16="http://schemas.microsoft.com/office/drawing/2014/main" id="{5259F0F0-5E7C-4FC9-8E90-6ADCD7A714B6}"/>
               </a:ext>
             </a:extLst>
           </p:cNvPr>
@@ -1719,7 +1701,7 @@
     </p:spTree>
     <p:extLst>
       <p:ext uri="{BB962C8B-B14F-4D97-AF65-F5344CB8AC3E}">
-        <p14:creationId xmlns:p14="http://schemas.microsoft.com/office/powerpoint/2010/main" val="3105532259"/>
+        <p14:creationId xmlns="" xmlns:p14="http://schemas.microsoft.com/office/powerpoint/2010/main" val="3105532259"/>
       </p:ext>
     </p:extLst>
   </p:cSld>
@@ -1751,7 +1733,7 @@
           <p:cNvPr id="2" name="Slide Number Placeholder 1">
             <a:extLst>
               <a:ext uri="{FF2B5EF4-FFF2-40B4-BE49-F238E27FC236}">
-                <a16:creationId xmlns:a16="http://schemas.microsoft.com/office/drawing/2014/main" id="{0A9D3FFB-BE14-4D90-A515-10EDD1BEE6F1}"/>
+                <a16:creationId xmlns="" xmlns:a16="http://schemas.microsoft.com/office/drawing/2014/main" id="{0A9D3FFB-BE14-4D90-A515-10EDD1BEE6F1}"/>
               </a:ext>
             </a:extLst>
           </p:cNvPr>
@@ -1783,7 +1765,7 @@
     </p:spTree>
     <p:extLst>
       <p:ext uri="{BB962C8B-B14F-4D97-AF65-F5344CB8AC3E}">
-        <p14:creationId xmlns:p14="http://schemas.microsoft.com/office/powerpoint/2010/main" val="3627673970"/>
+        <p14:creationId xmlns="" xmlns:p14="http://schemas.microsoft.com/office/powerpoint/2010/main" val="3627673970"/>
       </p:ext>
     </p:extLst>
   </p:cSld>
@@ -1815,7 +1797,7 @@
           <p:cNvPr id="2" name="Title 1">
             <a:extLst>
               <a:ext uri="{FF2B5EF4-FFF2-40B4-BE49-F238E27FC236}">
-                <a16:creationId xmlns:a16="http://schemas.microsoft.com/office/drawing/2014/main" id="{A2451E51-BE82-4B1B-9CB6-89C26464DBE2}"/>
+                <a16:creationId xmlns="" xmlns:a16="http://schemas.microsoft.com/office/drawing/2014/main" id="{A2451E51-BE82-4B1B-9CB6-89C26464DBE2}"/>
               </a:ext>
             </a:extLst>
           </p:cNvPr>
@@ -1853,7 +1835,7 @@
           <p:cNvPr id="3" name="Content Placeholder 2">
             <a:extLst>
               <a:ext uri="{FF2B5EF4-FFF2-40B4-BE49-F238E27FC236}">
-                <a16:creationId xmlns:a16="http://schemas.microsoft.com/office/drawing/2014/main" id="{04CCBF8C-3CF7-47E6-9AB0-15584178B449}"/>
+                <a16:creationId xmlns="" xmlns:a16="http://schemas.microsoft.com/office/drawing/2014/main" id="{04CCBF8C-3CF7-47E6-9AB0-15584178B449}"/>
               </a:ext>
             </a:extLst>
           </p:cNvPr>
@@ -1944,7 +1926,7 @@
           <p:cNvPr id="4" name="Text Placeholder 3">
             <a:extLst>
               <a:ext uri="{FF2B5EF4-FFF2-40B4-BE49-F238E27FC236}">
-                <a16:creationId xmlns:a16="http://schemas.microsoft.com/office/drawing/2014/main" id="{3D07DA3C-0298-45CF-AFC3-41031C0763E3}"/>
+                <a16:creationId xmlns="" xmlns:a16="http://schemas.microsoft.com/office/drawing/2014/main" id="{3D07DA3C-0298-45CF-AFC3-41031C0763E3}"/>
               </a:ext>
             </a:extLst>
           </p:cNvPr>
@@ -2015,7 +1997,7 @@
           <p:cNvPr id="5" name="Slide Number Placeholder 4">
             <a:extLst>
               <a:ext uri="{FF2B5EF4-FFF2-40B4-BE49-F238E27FC236}">
-                <a16:creationId xmlns:a16="http://schemas.microsoft.com/office/drawing/2014/main" id="{F7C4FF87-D01E-416B-9EF8-E107C4EDDC42}"/>
+                <a16:creationId xmlns="" xmlns:a16="http://schemas.microsoft.com/office/drawing/2014/main" id="{F7C4FF87-D01E-416B-9EF8-E107C4EDDC42}"/>
               </a:ext>
             </a:extLst>
           </p:cNvPr>
@@ -2047,7 +2029,7 @@
     </p:spTree>
     <p:extLst>
       <p:ext uri="{BB962C8B-B14F-4D97-AF65-F5344CB8AC3E}">
-        <p14:creationId xmlns:p14="http://schemas.microsoft.com/office/powerpoint/2010/main" val="398533459"/>
+        <p14:creationId xmlns="" xmlns:p14="http://schemas.microsoft.com/office/powerpoint/2010/main" val="398533459"/>
       </p:ext>
     </p:extLst>
   </p:cSld>
@@ -2079,7 +2061,7 @@
           <p:cNvPr id="2" name="Title 1">
             <a:extLst>
               <a:ext uri="{FF2B5EF4-FFF2-40B4-BE49-F238E27FC236}">
-                <a16:creationId xmlns:a16="http://schemas.microsoft.com/office/drawing/2014/main" id="{E5798B13-3B32-4354-B2B5-3165F2F6E65F}"/>
+                <a16:creationId xmlns="" xmlns:a16="http://schemas.microsoft.com/office/drawing/2014/main" id="{E5798B13-3B32-4354-B2B5-3165F2F6E65F}"/>
               </a:ext>
             </a:extLst>
           </p:cNvPr>
@@ -2122,7 +2104,7 @@
           <p:cNvPr id="4" name="Text Placeholder 3">
             <a:extLst>
               <a:ext uri="{FF2B5EF4-FFF2-40B4-BE49-F238E27FC236}">
-                <a16:creationId xmlns:a16="http://schemas.microsoft.com/office/drawing/2014/main" id="{16BB88CF-DF4F-4857-8602-72BCF5DDCDA1}"/>
+                <a16:creationId xmlns="" xmlns:a16="http://schemas.microsoft.com/office/drawing/2014/main" id="{16BB88CF-DF4F-4857-8602-72BCF5DDCDA1}"/>
               </a:ext>
             </a:extLst>
           </p:cNvPr>
@@ -2193,7 +2175,7 @@
           <p:cNvPr id="12" name="Straight Connector 11">
             <a:extLst>
               <a:ext uri="{FF2B5EF4-FFF2-40B4-BE49-F238E27FC236}">
-                <a16:creationId xmlns:a16="http://schemas.microsoft.com/office/drawing/2014/main" id="{A7EEBB7C-1679-4665-8688-1FA973E73DC1}"/>
+                <a16:creationId xmlns="" xmlns:a16="http://schemas.microsoft.com/office/drawing/2014/main" id="{A7EEBB7C-1679-4665-8688-1FA973E73DC1}"/>
               </a:ext>
             </a:extLst>
           </p:cNvPr>
@@ -2245,7 +2227,7 @@
           <p:cNvPr id="7" name="Rectangle 6">
             <a:extLst>
               <a:ext uri="{FF2B5EF4-FFF2-40B4-BE49-F238E27FC236}">
-                <a16:creationId xmlns:a16="http://schemas.microsoft.com/office/drawing/2014/main" id="{F1E3214F-3A93-4A1C-920D-D86BE35A58FB}"/>
+                <a16:creationId xmlns="" xmlns:a16="http://schemas.microsoft.com/office/drawing/2014/main" id="{F1E3214F-3A93-4A1C-920D-D86BE35A58FB}"/>
               </a:ext>
             </a:extLst>
           </p:cNvPr>
@@ -2300,7 +2282,7 @@
           <p:cNvPr id="3" name="Slide Number Placeholder 2">
             <a:extLst>
               <a:ext uri="{FF2B5EF4-FFF2-40B4-BE49-F238E27FC236}">
-                <a16:creationId xmlns:a16="http://schemas.microsoft.com/office/drawing/2014/main" id="{213E97E5-C83B-444A-8C07-35D699E7C342}"/>
+                <a16:creationId xmlns="" xmlns:a16="http://schemas.microsoft.com/office/drawing/2014/main" id="{213E97E5-C83B-444A-8C07-35D699E7C342}"/>
               </a:ext>
             </a:extLst>
           </p:cNvPr>
@@ -2334,7 +2316,7 @@
           <p:cNvPr id="8" name="Picture Placeholder 2">
             <a:extLst>
               <a:ext uri="{FF2B5EF4-FFF2-40B4-BE49-F238E27FC236}">
-                <a16:creationId xmlns:a16="http://schemas.microsoft.com/office/drawing/2014/main" id="{2641ECAC-0557-4843-8433-067E4414E2F5}"/>
+                <a16:creationId xmlns="" xmlns:a16="http://schemas.microsoft.com/office/drawing/2014/main" id="{2641ECAC-0557-4843-8433-067E4414E2F5}"/>
               </a:ext>
             </a:extLst>
           </p:cNvPr>
@@ -2410,7 +2392,7 @@
     </p:spTree>
     <p:extLst>
       <p:ext uri="{BB962C8B-B14F-4D97-AF65-F5344CB8AC3E}">
-        <p14:creationId xmlns:p14="http://schemas.microsoft.com/office/powerpoint/2010/main" val="3394383312"/>
+        <p14:creationId xmlns="" xmlns:p14="http://schemas.microsoft.com/office/powerpoint/2010/main" val="3394383312"/>
       </p:ext>
     </p:extLst>
   </p:cSld>
@@ -2453,7 +2435,7 @@
           <p:cNvPr id="2" name="Title 1">
             <a:extLst>
               <a:ext uri="{FF2B5EF4-FFF2-40B4-BE49-F238E27FC236}">
-                <a16:creationId xmlns:a16="http://schemas.microsoft.com/office/drawing/2014/main" id="{FE91AD08-4E28-4191-9B62-EAD61608E5CF}"/>
+                <a16:creationId xmlns="" xmlns:a16="http://schemas.microsoft.com/office/drawing/2014/main" id="{FE91AD08-4E28-4191-9B62-EAD61608E5CF}"/>
               </a:ext>
             </a:extLst>
           </p:cNvPr>
@@ -2501,7 +2483,7 @@
           <p:cNvPr id="3" name="Content Placeholder 2">
             <a:extLst>
               <a:ext uri="{FF2B5EF4-FFF2-40B4-BE49-F238E27FC236}">
-                <a16:creationId xmlns:a16="http://schemas.microsoft.com/office/drawing/2014/main" id="{90BF853D-76DB-46F3-AF6C-1E77C8E06AA9}"/>
+                <a16:creationId xmlns="" xmlns:a16="http://schemas.microsoft.com/office/drawing/2014/main" id="{90BF853D-76DB-46F3-AF6C-1E77C8E06AA9}"/>
               </a:ext>
             </a:extLst>
           </p:cNvPr>
@@ -2582,7 +2564,7 @@
           <p:cNvPr id="4" name="Slide Number Placeholder 3">
             <a:extLst>
               <a:ext uri="{FF2B5EF4-FFF2-40B4-BE49-F238E27FC236}">
-                <a16:creationId xmlns:a16="http://schemas.microsoft.com/office/drawing/2014/main" id="{0660D61A-B9FD-4DFF-AC42-4069DAFE238C}"/>
+                <a16:creationId xmlns="" xmlns:a16="http://schemas.microsoft.com/office/drawing/2014/main" id="{0660D61A-B9FD-4DFF-AC42-4069DAFE238C}"/>
               </a:ext>
             </a:extLst>
           </p:cNvPr>
@@ -2614,7 +2596,7 @@
     </p:spTree>
     <p:extLst>
       <p:ext uri="{BB962C8B-B14F-4D97-AF65-F5344CB8AC3E}">
-        <p14:creationId xmlns:p14="http://schemas.microsoft.com/office/powerpoint/2010/main" val="3839236654"/>
+        <p14:creationId xmlns="" xmlns:p14="http://schemas.microsoft.com/office/powerpoint/2010/main" val="3839236654"/>
       </p:ext>
     </p:extLst>
   </p:cSld>
@@ -2657,7 +2639,7 @@
           <p:cNvPr id="2" name="Title 1">
             <a:extLst>
               <a:ext uri="{FF2B5EF4-FFF2-40B4-BE49-F238E27FC236}">
-                <a16:creationId xmlns:a16="http://schemas.microsoft.com/office/drawing/2014/main" id="{FE91AD08-4E28-4191-9B62-EAD61608E5CF}"/>
+                <a16:creationId xmlns="" xmlns:a16="http://schemas.microsoft.com/office/drawing/2014/main" id="{FE91AD08-4E28-4191-9B62-EAD61608E5CF}"/>
               </a:ext>
             </a:extLst>
           </p:cNvPr>
@@ -2707,7 +2689,7 @@
           <p:cNvPr id="3" name="Content Placeholder 2">
             <a:extLst>
               <a:ext uri="{FF2B5EF4-FFF2-40B4-BE49-F238E27FC236}">
-                <a16:creationId xmlns:a16="http://schemas.microsoft.com/office/drawing/2014/main" id="{90BF853D-76DB-46F3-AF6C-1E77C8E06AA9}"/>
+                <a16:creationId xmlns="" xmlns:a16="http://schemas.microsoft.com/office/drawing/2014/main" id="{90BF853D-76DB-46F3-AF6C-1E77C8E06AA9}"/>
               </a:ext>
             </a:extLst>
           </p:cNvPr>
@@ -2788,7 +2770,7 @@
           <p:cNvPr id="4" name="Slide Number Placeholder 3">
             <a:extLst>
               <a:ext uri="{FF2B5EF4-FFF2-40B4-BE49-F238E27FC236}">
-                <a16:creationId xmlns:a16="http://schemas.microsoft.com/office/drawing/2014/main" id="{0660D61A-B9FD-4DFF-AC42-4069DAFE238C}"/>
+                <a16:creationId xmlns="" xmlns:a16="http://schemas.microsoft.com/office/drawing/2014/main" id="{0660D61A-B9FD-4DFF-AC42-4069DAFE238C}"/>
               </a:ext>
             </a:extLst>
           </p:cNvPr>
@@ -2820,7 +2802,7 @@
     </p:spTree>
     <p:extLst>
       <p:ext uri="{BB962C8B-B14F-4D97-AF65-F5344CB8AC3E}">
-        <p14:creationId xmlns:p14="http://schemas.microsoft.com/office/powerpoint/2010/main" val="1594571051"/>
+        <p14:creationId xmlns="" xmlns:p14="http://schemas.microsoft.com/office/powerpoint/2010/main" val="1594571051"/>
       </p:ext>
     </p:extLst>
   </p:cSld>
@@ -2852,7 +2834,7 @@
           <p:cNvPr id="7" name="Picture Placeholder 2">
             <a:extLst>
               <a:ext uri="{FF2B5EF4-FFF2-40B4-BE49-F238E27FC236}">
-                <a16:creationId xmlns:a16="http://schemas.microsoft.com/office/drawing/2014/main" id="{6D3C5ED2-B01D-4104-B193-BC78D76A4646}"/>
+                <a16:creationId xmlns="" xmlns:a16="http://schemas.microsoft.com/office/drawing/2014/main" id="{6D3C5ED2-B01D-4104-B193-BC78D76A4646}"/>
               </a:ext>
             </a:extLst>
           </p:cNvPr>
@@ -2925,7 +2907,7 @@
           <p:cNvPr id="2" name="Title 1">
             <a:extLst>
               <a:ext uri="{FF2B5EF4-FFF2-40B4-BE49-F238E27FC236}">
-                <a16:creationId xmlns:a16="http://schemas.microsoft.com/office/drawing/2014/main" id="{FE91AD08-4E28-4191-9B62-EAD61608E5CF}"/>
+                <a16:creationId xmlns="" xmlns:a16="http://schemas.microsoft.com/office/drawing/2014/main" id="{FE91AD08-4E28-4191-9B62-EAD61608E5CF}"/>
               </a:ext>
             </a:extLst>
           </p:cNvPr>
@@ -2972,7 +2954,7 @@
           <p:cNvPr id="3" name="Content Placeholder 2">
             <a:extLst>
               <a:ext uri="{FF2B5EF4-FFF2-40B4-BE49-F238E27FC236}">
-                <a16:creationId xmlns:a16="http://schemas.microsoft.com/office/drawing/2014/main" id="{90BF853D-76DB-46F3-AF6C-1E77C8E06AA9}"/>
+                <a16:creationId xmlns="" xmlns:a16="http://schemas.microsoft.com/office/drawing/2014/main" id="{90BF853D-76DB-46F3-AF6C-1E77C8E06AA9}"/>
               </a:ext>
             </a:extLst>
           </p:cNvPr>
@@ -3053,7 +3035,7 @@
           <p:cNvPr id="4" name="Slide Number Placeholder 3">
             <a:extLst>
               <a:ext uri="{FF2B5EF4-FFF2-40B4-BE49-F238E27FC236}">
-                <a16:creationId xmlns:a16="http://schemas.microsoft.com/office/drawing/2014/main" id="{0660D61A-B9FD-4DFF-AC42-4069DAFE238C}"/>
+                <a16:creationId xmlns="" xmlns:a16="http://schemas.microsoft.com/office/drawing/2014/main" id="{0660D61A-B9FD-4DFF-AC42-4069DAFE238C}"/>
               </a:ext>
             </a:extLst>
           </p:cNvPr>
@@ -3090,7 +3072,7 @@
     </p:spTree>
     <p:extLst>
       <p:ext uri="{BB962C8B-B14F-4D97-AF65-F5344CB8AC3E}">
-        <p14:creationId xmlns:p14="http://schemas.microsoft.com/office/powerpoint/2010/main" val="1797904098"/>
+        <p14:creationId xmlns="" xmlns:p14="http://schemas.microsoft.com/office/powerpoint/2010/main" val="1797904098"/>
       </p:ext>
     </p:extLst>
   </p:cSld>
@@ -3122,7 +3104,7 @@
           <p:cNvPr id="2" name="Title 1">
             <a:extLst>
               <a:ext uri="{FF2B5EF4-FFF2-40B4-BE49-F238E27FC236}">
-                <a16:creationId xmlns:a16="http://schemas.microsoft.com/office/drawing/2014/main" id="{FE91AD08-4E28-4191-9B62-EAD61608E5CF}"/>
+                <a16:creationId xmlns="" xmlns:a16="http://schemas.microsoft.com/office/drawing/2014/main" id="{FE91AD08-4E28-4191-9B62-EAD61608E5CF}"/>
               </a:ext>
             </a:extLst>
           </p:cNvPr>
@@ -3182,7 +3164,7 @@
           <p:cNvPr id="3" name="Content Placeholder 2">
             <a:extLst>
               <a:ext uri="{FF2B5EF4-FFF2-40B4-BE49-F238E27FC236}">
-                <a16:creationId xmlns:a16="http://schemas.microsoft.com/office/drawing/2014/main" id="{90BF853D-76DB-46F3-AF6C-1E77C8E06AA9}"/>
+                <a16:creationId xmlns="" xmlns:a16="http://schemas.microsoft.com/office/drawing/2014/main" id="{90BF853D-76DB-46F3-AF6C-1E77C8E06AA9}"/>
               </a:ext>
             </a:extLst>
           </p:cNvPr>
@@ -3263,7 +3245,7 @@
           <p:cNvPr id="14" name="Slide Number Placeholder 13">
             <a:extLst>
               <a:ext uri="{FF2B5EF4-FFF2-40B4-BE49-F238E27FC236}">
-                <a16:creationId xmlns:a16="http://schemas.microsoft.com/office/drawing/2014/main" id="{7746CAFB-2B99-470B-B55B-9BF378E3A04B}"/>
+                <a16:creationId xmlns="" xmlns:a16="http://schemas.microsoft.com/office/drawing/2014/main" id="{7746CAFB-2B99-470B-B55B-9BF378E3A04B}"/>
               </a:ext>
             </a:extLst>
           </p:cNvPr>
@@ -3295,7 +3277,7 @@
     </p:spTree>
     <p:extLst>
       <p:ext uri="{BB962C8B-B14F-4D97-AF65-F5344CB8AC3E}">
-        <p14:creationId xmlns:p14="http://schemas.microsoft.com/office/powerpoint/2010/main" val="1160496352"/>
+        <p14:creationId xmlns="" xmlns:p14="http://schemas.microsoft.com/office/powerpoint/2010/main" val="1160496352"/>
       </p:ext>
     </p:extLst>
   </p:cSld>
@@ -3327,7 +3309,7 @@
           <p:cNvPr id="17" name="Title 16">
             <a:extLst>
               <a:ext uri="{FF2B5EF4-FFF2-40B4-BE49-F238E27FC236}">
-                <a16:creationId xmlns:a16="http://schemas.microsoft.com/office/drawing/2014/main" id="{65237DA4-112F-40B2-8C8C-EB23506D9C45}"/>
+                <a16:creationId xmlns="" xmlns:a16="http://schemas.microsoft.com/office/drawing/2014/main" id="{65237DA4-112F-40B2-8C8C-EB23506D9C45}"/>
               </a:ext>
             </a:extLst>
           </p:cNvPr>
@@ -3386,7 +3368,7 @@
           <p:cNvPr id="3" name="Content Placeholder 2">
             <a:extLst>
               <a:ext uri="{FF2B5EF4-FFF2-40B4-BE49-F238E27FC236}">
-                <a16:creationId xmlns:a16="http://schemas.microsoft.com/office/drawing/2014/main" id="{90BF853D-76DB-46F3-AF6C-1E77C8E06AA9}"/>
+                <a16:creationId xmlns="" xmlns:a16="http://schemas.microsoft.com/office/drawing/2014/main" id="{90BF853D-76DB-46F3-AF6C-1E77C8E06AA9}"/>
               </a:ext>
             </a:extLst>
           </p:cNvPr>
@@ -3449,7 +3431,7 @@
           <p:cNvPr id="14" name="Slide Number Placeholder 13">
             <a:extLst>
               <a:ext uri="{FF2B5EF4-FFF2-40B4-BE49-F238E27FC236}">
-                <a16:creationId xmlns:a16="http://schemas.microsoft.com/office/drawing/2014/main" id="{7746CAFB-2B99-470B-B55B-9BF378E3A04B}"/>
+                <a16:creationId xmlns="" xmlns:a16="http://schemas.microsoft.com/office/drawing/2014/main" id="{7746CAFB-2B99-470B-B55B-9BF378E3A04B}"/>
               </a:ext>
             </a:extLst>
           </p:cNvPr>
@@ -3498,7 +3480,7 @@
     </p:spTree>
     <p:extLst>
       <p:ext uri="{BB962C8B-B14F-4D97-AF65-F5344CB8AC3E}">
-        <p14:creationId xmlns:p14="http://schemas.microsoft.com/office/powerpoint/2010/main" val="364498605"/>
+        <p14:creationId xmlns="" xmlns:p14="http://schemas.microsoft.com/office/powerpoint/2010/main" val="364498605"/>
       </p:ext>
     </p:extLst>
   </p:cSld>
@@ -3530,7 +3512,7 @@
           <p:cNvPr id="4" name="Slide Number Placeholder 3">
             <a:extLst>
               <a:ext uri="{FF2B5EF4-FFF2-40B4-BE49-F238E27FC236}">
-                <a16:creationId xmlns:a16="http://schemas.microsoft.com/office/drawing/2014/main" id="{0660D61A-B9FD-4DFF-AC42-4069DAFE238C}"/>
+                <a16:creationId xmlns="" xmlns:a16="http://schemas.microsoft.com/office/drawing/2014/main" id="{0660D61A-B9FD-4DFF-AC42-4069DAFE238C}"/>
               </a:ext>
             </a:extLst>
           </p:cNvPr>
@@ -3564,7 +3546,7 @@
           <p:cNvPr id="5" name="Content Placeholder 2">
             <a:extLst>
               <a:ext uri="{FF2B5EF4-FFF2-40B4-BE49-F238E27FC236}">
-                <a16:creationId xmlns:a16="http://schemas.microsoft.com/office/drawing/2014/main" id="{D68E6EF2-4B2F-4D0D-9505-CE92872972F7}"/>
+                <a16:creationId xmlns="" xmlns:a16="http://schemas.microsoft.com/office/drawing/2014/main" id="{D68E6EF2-4B2F-4D0D-9505-CE92872972F7}"/>
               </a:ext>
             </a:extLst>
           </p:cNvPr>
@@ -3627,7 +3609,7 @@
           <p:cNvPr id="6" name="Title 1">
             <a:extLst>
               <a:ext uri="{FF2B5EF4-FFF2-40B4-BE49-F238E27FC236}">
-                <a16:creationId xmlns:a16="http://schemas.microsoft.com/office/drawing/2014/main" id="{D91A21B9-BA54-413B-940E-027C32E4D429}"/>
+                <a16:creationId xmlns="" xmlns:a16="http://schemas.microsoft.com/office/drawing/2014/main" id="{D91A21B9-BA54-413B-940E-027C32E4D429}"/>
               </a:ext>
             </a:extLst>
           </p:cNvPr>
@@ -3673,7 +3655,7 @@
     </p:spTree>
     <p:extLst>
       <p:ext uri="{BB962C8B-B14F-4D97-AF65-F5344CB8AC3E}">
-        <p14:creationId xmlns:p14="http://schemas.microsoft.com/office/powerpoint/2010/main" val="3610051244"/>
+        <p14:creationId xmlns="" xmlns:p14="http://schemas.microsoft.com/office/powerpoint/2010/main" val="3610051244"/>
       </p:ext>
     </p:extLst>
   </p:cSld>
@@ -3705,7 +3687,7 @@
           <p:cNvPr id="2" name="Title 1">
             <a:extLst>
               <a:ext uri="{FF2B5EF4-FFF2-40B4-BE49-F238E27FC236}">
-                <a16:creationId xmlns:a16="http://schemas.microsoft.com/office/drawing/2014/main" id="{9722BDA7-8BE9-42D5-ACF1-0F51423A206E}"/>
+                <a16:creationId xmlns="" xmlns:a16="http://schemas.microsoft.com/office/drawing/2014/main" id="{9722BDA7-8BE9-42D5-ACF1-0F51423A206E}"/>
               </a:ext>
             </a:extLst>
           </p:cNvPr>
@@ -3743,7 +3725,7 @@
           <p:cNvPr id="3" name="Text Placeholder 2">
             <a:extLst>
               <a:ext uri="{FF2B5EF4-FFF2-40B4-BE49-F238E27FC236}">
-                <a16:creationId xmlns:a16="http://schemas.microsoft.com/office/drawing/2014/main" id="{71CEF73F-3CCA-4312-8E9C-2B4629DA1F66}"/>
+                <a16:creationId xmlns="" xmlns:a16="http://schemas.microsoft.com/office/drawing/2014/main" id="{71CEF73F-3CCA-4312-8E9C-2B4629DA1F66}"/>
               </a:ext>
             </a:extLst>
           </p:cNvPr>
@@ -3868,7 +3850,7 @@
           <p:cNvPr id="4" name="Slide Number Placeholder 3">
             <a:extLst>
               <a:ext uri="{FF2B5EF4-FFF2-40B4-BE49-F238E27FC236}">
-                <a16:creationId xmlns:a16="http://schemas.microsoft.com/office/drawing/2014/main" id="{293BF716-502C-4821-A3A0-19C2C508EED1}"/>
+                <a16:creationId xmlns="" xmlns:a16="http://schemas.microsoft.com/office/drawing/2014/main" id="{293BF716-502C-4821-A3A0-19C2C508EED1}"/>
               </a:ext>
             </a:extLst>
           </p:cNvPr>
@@ -3900,7 +3882,7 @@
     </p:spTree>
     <p:extLst>
       <p:ext uri="{BB962C8B-B14F-4D97-AF65-F5344CB8AC3E}">
-        <p14:creationId xmlns:p14="http://schemas.microsoft.com/office/powerpoint/2010/main" val="2665983131"/>
+        <p14:creationId xmlns="" xmlns:p14="http://schemas.microsoft.com/office/powerpoint/2010/main" val="2665983131"/>
       </p:ext>
     </p:extLst>
   </p:cSld>
@@ -3943,7 +3925,7 @@
           <p:cNvPr id="5" name="Picture 4">
             <a:extLst>
               <a:ext uri="{FF2B5EF4-FFF2-40B4-BE49-F238E27FC236}">
-                <a16:creationId xmlns:a16="http://schemas.microsoft.com/office/drawing/2014/main" id="{448E4AFE-E166-4B84-B0C8-9205038D8033}"/>
+                <a16:creationId xmlns="" xmlns:a16="http://schemas.microsoft.com/office/drawing/2014/main" id="{448E4AFE-E166-4B84-B0C8-9205038D8033}"/>
               </a:ext>
             </a:extLst>
           </p:cNvPr>
@@ -3956,7 +3938,7 @@
           <a:blip r:embed="rId16" cstate="screen">
             <a:extLst>
               <a:ext uri="{28A0092B-C50C-407E-A947-70E740481C1C}">
-                <a14:useLocalDpi xmlns:a14="http://schemas.microsoft.com/office/drawing/2010/main"/>
+                <a14:useLocalDpi xmlns="" xmlns:a14="http://schemas.microsoft.com/office/drawing/2010/main"/>
               </a:ext>
             </a:extLst>
           </a:blip>
@@ -3979,7 +3961,7 @@
           <p:cNvPr id="2" name="Title Placeholder 1">
             <a:extLst>
               <a:ext uri="{FF2B5EF4-FFF2-40B4-BE49-F238E27FC236}">
-                <a16:creationId xmlns:a16="http://schemas.microsoft.com/office/drawing/2014/main" id="{6C617517-B672-49BA-AC6E-AB66D0639A58}"/>
+                <a16:creationId xmlns="" xmlns:a16="http://schemas.microsoft.com/office/drawing/2014/main" id="{6C617517-B672-49BA-AC6E-AB66D0639A58}"/>
               </a:ext>
             </a:extLst>
           </p:cNvPr>
@@ -4018,7 +4000,7 @@
           <p:cNvPr id="3" name="Text Placeholder 2">
             <a:extLst>
               <a:ext uri="{FF2B5EF4-FFF2-40B4-BE49-F238E27FC236}">
-                <a16:creationId xmlns:a16="http://schemas.microsoft.com/office/drawing/2014/main" id="{6EC92C27-7843-4B22-9200-B7304E6AE4CD}"/>
+                <a16:creationId xmlns="" xmlns:a16="http://schemas.microsoft.com/office/drawing/2014/main" id="{6EC92C27-7843-4B22-9200-B7304E6AE4CD}"/>
               </a:ext>
             </a:extLst>
           </p:cNvPr>
@@ -4086,7 +4068,7 @@
           <p:cNvPr id="6" name="Slide Number Placeholder 5">
             <a:extLst>
               <a:ext uri="{FF2B5EF4-FFF2-40B4-BE49-F238E27FC236}">
-                <a16:creationId xmlns:a16="http://schemas.microsoft.com/office/drawing/2014/main" id="{52DB4F10-F75B-41A8-B994-BFF68949E59A}"/>
+                <a16:creationId xmlns="" xmlns:a16="http://schemas.microsoft.com/office/drawing/2014/main" id="{52DB4F10-F75B-41A8-B994-BFF68949E59A}"/>
               </a:ext>
             </a:extLst>
           </p:cNvPr>
@@ -4142,7 +4124,7 @@
           <p:cNvPr id="7" name="Rectangle 6">
             <a:extLst>
               <a:ext uri="{FF2B5EF4-FFF2-40B4-BE49-F238E27FC236}">
-                <a16:creationId xmlns:a16="http://schemas.microsoft.com/office/drawing/2014/main" id="{512D21E2-8DEB-4F43-A26E-B8DA900A9230}"/>
+                <a16:creationId xmlns="" xmlns:a16="http://schemas.microsoft.com/office/drawing/2014/main" id="{512D21E2-8DEB-4F43-A26E-B8DA900A9230}"/>
               </a:ext>
             </a:extLst>
           </p:cNvPr>
@@ -4205,7 +4187,7 @@
           <p:cNvPr id="8" name="Rectangle 7">
             <a:extLst>
               <a:ext uri="{FF2B5EF4-FFF2-40B4-BE49-F238E27FC236}">
-                <a16:creationId xmlns:a16="http://schemas.microsoft.com/office/drawing/2014/main" id="{35CD3143-7FD1-40EA-AA4A-47C72380AEC2}"/>
+                <a16:creationId xmlns="" xmlns:a16="http://schemas.microsoft.com/office/drawing/2014/main" id="{35CD3143-7FD1-40EA-AA4A-47C72380AEC2}"/>
               </a:ext>
             </a:extLst>
           </p:cNvPr>
@@ -4255,7 +4237,7 @@
     </p:spTree>
     <p:extLst>
       <p:ext uri="{BB962C8B-B14F-4D97-AF65-F5344CB8AC3E}">
-        <p14:creationId xmlns:p14="http://schemas.microsoft.com/office/powerpoint/2010/main" val="3853920126"/>
+        <p14:creationId xmlns="" xmlns:p14="http://schemas.microsoft.com/office/powerpoint/2010/main" val="3853920126"/>
       </p:ext>
     </p:extLst>
   </p:cSld>
@@ -4585,7 +4567,7 @@
           <p:cNvPr id="4" name="Title 3">
             <a:extLst>
               <a:ext uri="{FF2B5EF4-FFF2-40B4-BE49-F238E27FC236}">
-                <a16:creationId xmlns:a16="http://schemas.microsoft.com/office/drawing/2014/main" id="{E10C5037-DA4A-44E2-A9FB-84B1498768A7}"/>
+                <a16:creationId xmlns="" xmlns:a16="http://schemas.microsoft.com/office/drawing/2014/main" id="{E10C5037-DA4A-44E2-A9FB-84B1498768A7}"/>
               </a:ext>
             </a:extLst>
           </p:cNvPr>
@@ -4622,7 +4604,7 @@
           <p:cNvPr id="15" name="Slide Number Placeholder 14">
             <a:extLst>
               <a:ext uri="{FF2B5EF4-FFF2-40B4-BE49-F238E27FC236}">
-                <a16:creationId xmlns:a16="http://schemas.microsoft.com/office/drawing/2014/main" id="{26F5C050-EB87-421A-8A5C-E6CB30102699}"/>
+                <a16:creationId xmlns="" xmlns:a16="http://schemas.microsoft.com/office/drawing/2014/main" id="{26F5C050-EB87-421A-8A5C-E6CB30102699}"/>
               </a:ext>
             </a:extLst>
           </p:cNvPr>
@@ -4656,7 +4638,7 @@
           <p:cNvPr id="29" name="Picture Placeholder 28" descr="Young student drawing on a whiteboard">
             <a:extLst>
               <a:ext uri="{FF2B5EF4-FFF2-40B4-BE49-F238E27FC236}">
-                <a16:creationId xmlns:a16="http://schemas.microsoft.com/office/drawing/2014/main" id="{AE2FE2E9-1D1E-404B-A659-DD19B5D66B5B}"/>
+                <a16:creationId xmlns="" xmlns:a16="http://schemas.microsoft.com/office/drawing/2014/main" id="{AE2FE2E9-1D1E-404B-A659-DD19B5D66B5B}"/>
               </a:ext>
             </a:extLst>
           </p:cNvPr>
@@ -4671,7 +4653,7 @@
           <a:blip r:embed="rId2" cstate="screen">
             <a:extLst>
               <a:ext uri="{28A0092B-C50C-407E-A947-70E740481C1C}">
-                <a14:useLocalDpi xmlns:a14="http://schemas.microsoft.com/office/drawing/2010/main"/>
+                <a14:useLocalDpi xmlns="" xmlns:a14="http://schemas.microsoft.com/office/drawing/2010/main"/>
               </a:ext>
             </a:extLst>
           </a:blip>
@@ -4690,7 +4672,7 @@
     </p:spTree>
     <p:extLst>
       <p:ext uri="{BB962C8B-B14F-4D97-AF65-F5344CB8AC3E}">
-        <p14:creationId xmlns:p14="http://schemas.microsoft.com/office/powerpoint/2010/main" val="1136250268"/>
+        <p14:creationId xmlns="" xmlns:p14="http://schemas.microsoft.com/office/powerpoint/2010/main" val="1136250268"/>
       </p:ext>
     </p:extLst>
   </p:cSld>
@@ -4729,7 +4711,7 @@
           <p:cNvPr id="2" name="Title 1">
             <a:extLst>
               <a:ext uri="{FF2B5EF4-FFF2-40B4-BE49-F238E27FC236}">
-                <a16:creationId xmlns:a16="http://schemas.microsoft.com/office/drawing/2014/main" id="{E199600F-A17E-4354-A7AB-0CC2A43A9354}"/>
+                <a16:creationId xmlns="" xmlns:a16="http://schemas.microsoft.com/office/drawing/2014/main" id="{E199600F-A17E-4354-A7AB-0CC2A43A9354}"/>
               </a:ext>
             </a:extLst>
           </p:cNvPr>
@@ -4742,8 +4724,8 @@
         </p:nvSpPr>
         <p:spPr>
           <a:xfrm>
-            <a:off x="838199" y="611081"/>
-            <a:ext cx="10337801" cy="833663"/>
+            <a:off x="838199" y="611079"/>
+            <a:ext cx="10515600" cy="833663"/>
           </a:xfrm>
         </p:spPr>
         <p:txBody>
@@ -4753,7 +4735,7 @@
             <a:pPr algn="ctr"/>
             <a:r>
               <a:rPr lang="en-US" dirty="0" smtClean="0"/>
-              <a:t>Class : User Defined data types</a:t>
+              <a:t>Few points to ponder</a:t>
             </a:r>
             <a:endParaRPr lang="en-US" dirty="0"/>
           </a:p>
@@ -4764,7 +4746,7 @@
           <p:cNvPr id="3" name="Content Placeholder 2">
             <a:extLst>
               <a:ext uri="{FF2B5EF4-FFF2-40B4-BE49-F238E27FC236}">
-                <a16:creationId xmlns:a16="http://schemas.microsoft.com/office/drawing/2014/main" id="{FA6A4B49-27C8-46B6-8B11-AD7E8F615E2C}"/>
+                <a16:creationId xmlns="" xmlns:a16="http://schemas.microsoft.com/office/drawing/2014/main" id="{FA6A4B49-27C8-46B6-8B11-AD7E8F615E2C}"/>
               </a:ext>
             </a:extLst>
           </p:cNvPr>
@@ -4777,8 +4759,8 @@
         </p:nvSpPr>
         <p:spPr>
           <a:xfrm>
-            <a:off x="838201" y="1825625"/>
-            <a:ext cx="5876636" cy="4351338"/>
+            <a:off x="838199" y="1825625"/>
+            <a:ext cx="10515599" cy="4351338"/>
           </a:xfrm>
         </p:spPr>
         <p:txBody>
@@ -4787,75 +4769,34 @@
           </a:bodyPr>
           <a:lstStyle/>
           <a:p>
+            <a:r>
+              <a:rPr lang="en-US" dirty="0" smtClean="0"/>
+              <a:t>Null &amp; void</a:t>
+            </a:r>
+          </a:p>
+          <a:p>
+            <a:r>
+              <a:rPr lang="en-US" dirty="0" smtClean="0"/>
+              <a:t>Identifiers &amp; their naming rules.</a:t>
+            </a:r>
+          </a:p>
+          <a:p>
+            <a:r>
+              <a:rPr lang="en-US" dirty="0" smtClean="0"/>
+              <a:t>Uninitialized &amp; default values</a:t>
+            </a:r>
+          </a:p>
+          <a:p>
             <a:endParaRPr lang="en-US" dirty="0" smtClean="0"/>
           </a:p>
           <a:p>
-            <a:r>
-              <a:rPr lang="en-US" dirty="0" smtClean="0"/>
-              <a:t>User </a:t>
-            </a:r>
-            <a:r>
-              <a:rPr lang="en-US" dirty="0"/>
-              <a:t>types are those that are built using the basic primitive data types in java.</a:t>
-            </a:r>
-          </a:p>
-          <a:p>
-            <a:r>
-              <a:rPr lang="en-US" dirty="0"/>
-              <a:t>A class defines data type which can combine one or more primitive data types or more </a:t>
-            </a:r>
-            <a:r>
-              <a:rPr lang="en-US" dirty="0" smtClean="0"/>
-              <a:t>user defined </a:t>
-            </a:r>
-            <a:r>
-              <a:rPr lang="en-US" dirty="0"/>
-              <a:t>data types.</a:t>
-            </a:r>
-          </a:p>
-          <a:p>
-            <a:r>
-              <a:rPr lang="en-US" dirty="0" smtClean="0"/>
-              <a:t>Objects are the instances of a class &amp;  a reference is used to point to that object . Think of the reference as a pointer to instances of the class.</a:t>
-            </a:r>
-          </a:p>
-          <a:p>
-            <a:r>
-              <a:rPr lang="en-US" dirty="0"/>
-              <a:t>Objects are created using </a:t>
-            </a:r>
-            <a:r>
-              <a:rPr lang="en-US" b="1" i="1" u="sng" dirty="0"/>
-              <a:t>new</a:t>
-            </a:r>
-            <a:r>
-              <a:rPr lang="en-US" dirty="0"/>
-              <a:t> keyword while primitive created just by specifying type of variable and its value</a:t>
-            </a:r>
-            <a:r>
-              <a:rPr lang="en-US" dirty="0" smtClean="0"/>
-              <a:t>.</a:t>
-            </a:r>
-          </a:p>
-          <a:p>
-            <a:r>
-              <a:rPr lang="en-US" dirty="0" smtClean="0"/>
-              <a:t>Figure needs to be added by </a:t>
-            </a:r>
-            <a:r>
-              <a:rPr lang="en-US" dirty="0" err="1" smtClean="0"/>
-              <a:t>ritika</a:t>
-            </a:r>
-            <a:r>
-              <a:rPr lang="en-US" dirty="0" smtClean="0"/>
-              <a:t> here</a:t>
-            </a:r>
-          </a:p>
-          <a:p>
             <a:endParaRPr lang="en-US" dirty="0" smtClean="0"/>
           </a:p>
           <a:p>
-            <a:endParaRPr lang="en-US" noProof="1"/>
+            <a:endParaRPr lang="en-US" dirty="0"/>
+          </a:p>
+          <a:p>
+            <a:endParaRPr lang="en-US" dirty="0" smtClean="0"/>
           </a:p>
         </p:txBody>
       </p:sp>
@@ -4864,7 +4805,7 @@
           <p:cNvPr id="4" name="Slide Number Placeholder 3">
             <a:extLst>
               <a:ext uri="{FF2B5EF4-FFF2-40B4-BE49-F238E27FC236}">
-                <a16:creationId xmlns:a16="http://schemas.microsoft.com/office/drawing/2014/main" id="{62B4CE3A-8C88-45AA-A849-57E5A7AC22C1}"/>
+                <a16:creationId xmlns="" xmlns:a16="http://schemas.microsoft.com/office/drawing/2014/main" id="{62B4CE3A-8C88-45AA-A849-57E5A7AC22C1}"/>
               </a:ext>
             </a:extLst>
           </p:cNvPr>
@@ -4903,10 +4844,10 @@
           <p:cNvPr id="11" name="Rectangle 10">
             <a:extLst>
               <a:ext uri="{FF2B5EF4-FFF2-40B4-BE49-F238E27FC236}">
-                <a16:creationId xmlns:a16="http://schemas.microsoft.com/office/drawing/2014/main" id="{5F253864-26FA-4AB1-9F0A-4F57D870EE85}"/>
+                <a16:creationId xmlns="" xmlns:a16="http://schemas.microsoft.com/office/drawing/2014/main" id="{5F253864-26FA-4AB1-9F0A-4F57D870EE85}"/>
               </a:ext>
               <a:ext uri="{C183D7F6-B498-43B3-948B-1728B52AA6E4}">
-                <adec:decorative xmlns="" xmlns:adec="http://schemas.microsoft.com/office/drawing/2017/decorative" val="1"/>
+                <adec:decorative xmlns:adec="http://schemas.microsoft.com/office/drawing/2017/decorative" xmlns="" val="1"/>
               </a:ext>
             </a:extLst>
           </p:cNvPr>
@@ -4959,7 +4900,7 @@
     </p:spTree>
     <p:extLst>
       <p:ext uri="{BB962C8B-B14F-4D97-AF65-F5344CB8AC3E}">
-        <p14:creationId xmlns:p14="http://schemas.microsoft.com/office/powerpoint/2010/main" val="650196804"/>
+        <p14:creationId xmlns="" xmlns:p14="http://schemas.microsoft.com/office/powerpoint/2010/main" val="1136810995"/>
       </p:ext>
     </p:extLst>
   </p:cSld>
@@ -4998,7 +4939,7 @@
           <p:cNvPr id="2" name="Title 1">
             <a:extLst>
               <a:ext uri="{FF2B5EF4-FFF2-40B4-BE49-F238E27FC236}">
-                <a16:creationId xmlns:a16="http://schemas.microsoft.com/office/drawing/2014/main" id="{E199600F-A17E-4354-A7AB-0CC2A43A9354}"/>
+                <a16:creationId xmlns="" xmlns:a16="http://schemas.microsoft.com/office/drawing/2014/main" id="{E199600F-A17E-4354-A7AB-0CC2A43A9354}"/>
               </a:ext>
             </a:extLst>
           </p:cNvPr>
@@ -5011,8 +4952,8 @@
         </p:nvSpPr>
         <p:spPr>
           <a:xfrm>
-            <a:off x="1015999" y="416132"/>
-            <a:ext cx="10337801" cy="833663"/>
+            <a:off x="838199" y="611079"/>
+            <a:ext cx="10515600" cy="833663"/>
           </a:xfrm>
         </p:spPr>
         <p:txBody>
@@ -5022,7 +4963,7 @@
             <a:pPr algn="ctr"/>
             <a:r>
               <a:rPr lang="en-US" dirty="0" smtClean="0"/>
-              <a:t>Types of variables</a:t>
+              <a:t>Widening &amp; Narrowing Conversions.</a:t>
             </a:r>
             <a:endParaRPr lang="en-US" dirty="0"/>
           </a:p>
@@ -5033,7 +4974,7 @@
           <p:cNvPr id="3" name="Content Placeholder 2">
             <a:extLst>
               <a:ext uri="{FF2B5EF4-FFF2-40B4-BE49-F238E27FC236}">
-                <a16:creationId xmlns:a16="http://schemas.microsoft.com/office/drawing/2014/main" id="{FA6A4B49-27C8-46B6-8B11-AD7E8F615E2C}"/>
+                <a16:creationId xmlns="" xmlns:a16="http://schemas.microsoft.com/office/drawing/2014/main" id="{FA6A4B49-27C8-46B6-8B11-AD7E8F615E2C}"/>
               </a:ext>
             </a:extLst>
           </p:cNvPr>
@@ -5046,8 +4987,8 @@
         </p:nvSpPr>
         <p:spPr>
           <a:xfrm>
-            <a:off x="838201" y="1634836"/>
-            <a:ext cx="5876636" cy="4542127"/>
+            <a:off x="838199" y="1825625"/>
+            <a:ext cx="10515599" cy="4351338"/>
           </a:xfrm>
         </p:spPr>
         <p:txBody>
@@ -5057,50 +4998,66 @@
           <a:lstStyle/>
           <a:p>
             <a:r>
-              <a:rPr lang="en-US" noProof="1" smtClean="0"/>
-              <a:t>There are two types of variables :</a:t>
-            </a:r>
-          </a:p>
-          <a:p>
-            <a:pPr lvl="1"/>
-            <a:r>
-              <a:rPr lang="en-US" noProof="1" smtClean="0"/>
-              <a:t>Primitives</a:t>
-            </a:r>
-          </a:p>
-          <a:p>
-            <a:pPr lvl="1"/>
-            <a:r>
-              <a:rPr lang="en-US" noProof="1" smtClean="0"/>
-              <a:t>References</a:t>
-            </a:r>
-          </a:p>
-          <a:p>
-            <a:r>
-              <a:rPr lang="en-US" noProof="1" smtClean="0"/>
-              <a:t>Primitives are the variables that hold the primitive type values. These are also referred to as value types.</a:t>
-            </a:r>
-          </a:p>
-          <a:p>
-            <a:r>
-              <a:rPr lang="en-US" noProof="1" smtClean="0"/>
-              <a:t>Reference variables are those that point to an object/instance of a user defined type.</a:t>
-            </a:r>
-          </a:p>
-          <a:p>
-            <a:r>
-              <a:rPr lang="en-US" noProof="1" smtClean="0"/>
-              <a:t>Just like primitive variables are containers of primitive values similarly object are the containers of user defined data type values and reference variables point to such an obects.</a:t>
-            </a:r>
-          </a:p>
-          <a:p>
-            <a:r>
-              <a:rPr lang="en-US" noProof="1" smtClean="0"/>
-              <a:t>Need a figure here</a:t>
-            </a:r>
-          </a:p>
-          <a:p>
-            <a:endParaRPr lang="en-US" noProof="1"/>
+              <a:rPr lang="en-US" dirty="0" smtClean="0"/>
+              <a:t>Assigning value to a higher data type from lower data type is called as </a:t>
+            </a:r>
+            <a:r>
+              <a:rPr lang="en-US" b="1" i="1" dirty="0" smtClean="0">
+                <a:solidFill>
+                  <a:srgbClr val="FFFF00"/>
+                </a:solidFill>
+              </a:rPr>
+              <a:t>widening conversion</a:t>
+            </a:r>
+            <a:r>
+              <a:rPr lang="en-US" dirty="0" smtClean="0"/>
+              <a:t>. Since the larger data type can hold values of a lower data type hence the compiler allows this conversion to happen implicitly. As a result its referred to as implicit widening conversions.</a:t>
+            </a:r>
+          </a:p>
+          <a:p>
+            <a:r>
+              <a:rPr lang="en-US" dirty="0" smtClean="0"/>
+              <a:t>On the other hand assigning a value from a lower data type to a higher data type is referred to as </a:t>
+            </a:r>
+            <a:r>
+              <a:rPr lang="en-US" b="1" i="1" dirty="0" smtClean="0">
+                <a:solidFill>
+                  <a:srgbClr val="FFFF00"/>
+                </a:solidFill>
+              </a:rPr>
+              <a:t>narrowing conversions</a:t>
+            </a:r>
+            <a:r>
+              <a:rPr lang="en-US" dirty="0" smtClean="0"/>
+              <a:t>. Since this type of conversion may result in a loss of information hence compiler does not allow such types of conversion implicitly. In order to make this assignment possible we need to explicitly tell the compiler to make that assignment. This explicit telling to the compiler happens by the way of ‘</a:t>
+            </a:r>
+            <a:r>
+              <a:rPr lang="en-US" b="1" i="1" dirty="0" smtClean="0">
+                <a:solidFill>
+                  <a:srgbClr val="FFFF00"/>
+                </a:solidFill>
+              </a:rPr>
+              <a:t>cast</a:t>
+            </a:r>
+            <a:r>
+              <a:rPr lang="en-US" dirty="0" smtClean="0"/>
+              <a:t>’.</a:t>
+            </a:r>
+          </a:p>
+          <a:p>
+            <a:r>
+              <a:rPr lang="en-US" dirty="0" smtClean="0"/>
+              <a:t>It might also be taken into consideration that if value of higher data type is within the range of the smaller data type then such type of assignment should be allowed. But the compiler has a problems here. The compiler is not the one executing the code &amp; hence it cannot determine the runtime value of the variable which is why it does not allow implicit narrowing here. The only time this happens when compiler finds a compile time constant.</a:t>
+            </a:r>
+          </a:p>
+          <a:p>
+            <a:endParaRPr lang="en-US" dirty="0" smtClean="0"/>
+          </a:p>
+          <a:p>
+            <a:endParaRPr lang="en-US" dirty="0"/>
+          </a:p>
+          <a:p>
+            <a:endParaRPr lang="en-US" dirty="0" smtClean="0"/>
           </a:p>
         </p:txBody>
       </p:sp>
@@ -5109,7 +5066,7 @@
           <p:cNvPr id="4" name="Slide Number Placeholder 3">
             <a:extLst>
               <a:ext uri="{FF2B5EF4-FFF2-40B4-BE49-F238E27FC236}">
-                <a16:creationId xmlns:a16="http://schemas.microsoft.com/office/drawing/2014/main" id="{62B4CE3A-8C88-45AA-A849-57E5A7AC22C1}"/>
+                <a16:creationId xmlns="" xmlns:a16="http://schemas.microsoft.com/office/drawing/2014/main" id="{62B4CE3A-8C88-45AA-A849-57E5A7AC22C1}"/>
               </a:ext>
             </a:extLst>
           </p:cNvPr>
@@ -5148,10 +5105,10 @@
           <p:cNvPr id="11" name="Rectangle 10">
             <a:extLst>
               <a:ext uri="{FF2B5EF4-FFF2-40B4-BE49-F238E27FC236}">
-                <a16:creationId xmlns:a16="http://schemas.microsoft.com/office/drawing/2014/main" id="{5F253864-26FA-4AB1-9F0A-4F57D870EE85}"/>
+                <a16:creationId xmlns="" xmlns:a16="http://schemas.microsoft.com/office/drawing/2014/main" id="{5F253864-26FA-4AB1-9F0A-4F57D870EE85}"/>
               </a:ext>
               <a:ext uri="{C183D7F6-B498-43B3-948B-1728B52AA6E4}">
-                <adec:decorative xmlns="" xmlns:adec="http://schemas.microsoft.com/office/drawing/2017/decorative" val="1"/>
+                <adec:decorative xmlns:adec="http://schemas.microsoft.com/office/drawing/2017/decorative" xmlns="" val="1"/>
               </a:ext>
             </a:extLst>
           </p:cNvPr>
@@ -5204,7 +5161,7 @@
     </p:spTree>
     <p:extLst>
       <p:ext uri="{BB962C8B-B14F-4D97-AF65-F5344CB8AC3E}">
-        <p14:creationId xmlns:p14="http://schemas.microsoft.com/office/powerpoint/2010/main" val="1663768507"/>
+        <p14:creationId xmlns="" xmlns:p14="http://schemas.microsoft.com/office/powerpoint/2010/main" val="1677225965"/>
       </p:ext>
     </p:extLst>
   </p:cSld>
@@ -5240,13 +5197,7 @@
       </p:grpSpPr>
       <p:sp>
         <p:nvSpPr>
-          <p:cNvPr id="2" name="Title 1">
-            <a:extLst>
-              <a:ext uri="{FF2B5EF4-FFF2-40B4-BE49-F238E27FC236}">
-                <a16:creationId xmlns:a16="http://schemas.microsoft.com/office/drawing/2014/main" id="{E199600F-A17E-4354-A7AB-0CC2A43A9354}"/>
-              </a:ext>
-            </a:extLst>
-          </p:cNvPr>
+          <p:cNvPr id="2" name="Title 1"/>
           <p:cNvSpPr>
             <a:spLocks noGrp="1"/>
           </p:cNvSpPr>
@@ -5256,8 +5207,8 @@
         </p:nvSpPr>
         <p:spPr>
           <a:xfrm>
-            <a:off x="838199" y="611081"/>
-            <a:ext cx="10337801" cy="833663"/>
+            <a:off x="838200" y="611076"/>
+            <a:ext cx="10565674" cy="833663"/>
           </a:xfrm>
         </p:spPr>
         <p:txBody>
@@ -5267,72 +5218,15 @@
             <a:pPr algn="ctr"/>
             <a:r>
               <a:rPr lang="en-US" dirty="0" smtClean="0"/>
-              <a:t>Reference Variables</a:t>
-            </a:r>
-            <a:endParaRPr lang="en-US" dirty="0"/>
-          </a:p>
-        </p:txBody>
-      </p:sp>
-      <p:sp>
-        <p:nvSpPr>
-          <p:cNvPr id="3" name="Content Placeholder 2">
-            <a:extLst>
-              <a:ext uri="{FF2B5EF4-FFF2-40B4-BE49-F238E27FC236}">
-                <a16:creationId xmlns:a16="http://schemas.microsoft.com/office/drawing/2014/main" id="{FA6A4B49-27C8-46B6-8B11-AD7E8F615E2C}"/>
-              </a:ext>
-            </a:extLst>
-          </p:cNvPr>
-          <p:cNvSpPr>
-            <a:spLocks noGrp="1"/>
-          </p:cNvSpPr>
-          <p:nvPr>
-            <p:ph idx="1"/>
-          </p:nvPr>
-        </p:nvSpPr>
-        <p:spPr>
-          <a:xfrm>
-            <a:off x="838201" y="1825625"/>
-            <a:ext cx="5876636" cy="4351338"/>
-          </a:xfrm>
-        </p:spPr>
-        <p:txBody>
-          <a:bodyPr>
-            <a:normAutofit/>
-          </a:bodyPr>
-          <a:lstStyle/>
-          <a:p>
-            <a:endParaRPr lang="en-US" noProof="1" smtClean="0"/>
-          </a:p>
-          <a:p>
-            <a:r>
-              <a:rPr lang="en-US" noProof="1" smtClean="0"/>
-              <a:t>Containers of user defined data types are referred to as object/instance. On the other hand reference variables are those that point to these objects.Reference varable do not “contain” the user defined data type values in the same sense as primitive data types.</a:t>
-            </a:r>
-          </a:p>
-          <a:p>
-            <a:r>
-              <a:rPr lang="en-US" noProof="1" smtClean="0"/>
-              <a:t>The relationship between reference variables and an object is similar to that of a kite and the holder of its thread.</a:t>
-            </a:r>
-          </a:p>
-          <a:p>
-            <a:r>
-              <a:rPr lang="en-US" noProof="1" smtClean="0"/>
-              <a:t>If you want to move the kite to the left, then you need to ask the holder of thr thread to pull the thread when the kite points to left direction.</a:t>
-            </a:r>
-            <a:endParaRPr lang="en-US" noProof="1"/>
-          </a:p>
-        </p:txBody>
-      </p:sp>
-      <p:sp>
-        <p:nvSpPr>
-          <p:cNvPr id="4" name="Slide Number Placeholder 3">
-            <a:extLst>
-              <a:ext uri="{FF2B5EF4-FFF2-40B4-BE49-F238E27FC236}">
-                <a16:creationId xmlns:a16="http://schemas.microsoft.com/office/drawing/2014/main" id="{62B4CE3A-8C88-45AA-A849-57E5A7AC22C1}"/>
-              </a:ext>
-            </a:extLst>
-          </p:cNvPr>
+              <a:t>Automatic Type Conversion</a:t>
+            </a:r>
+            <a:endParaRPr lang="en-IN" dirty="0"/>
+          </a:p>
+        </p:txBody>
+      </p:sp>
+      <p:sp>
+        <p:nvSpPr>
+          <p:cNvPr id="4" name="Slide Number Placeholder 3"/>
           <p:cNvSpPr>
             <a:spLocks noGrp="1"/>
           </p:cNvSpPr>
@@ -5340,18 +5234,13 @@
             <p:ph type="sldNum" sz="quarter" idx="10"/>
           </p:nvPr>
         </p:nvSpPr>
-        <p:spPr>
-          <a:xfrm>
-            <a:off x="11353800" y="6361475"/>
-            <a:ext cx="838200" cy="360000"/>
-          </a:xfrm>
-        </p:spPr>
+        <p:spPr/>
         <p:txBody>
           <a:bodyPr/>
           <a:lstStyle/>
           <a:p>
             <a:r>
-              <a:rPr lang="en-US" dirty="0"/>
+              <a:rPr lang="en-US" smtClean="0"/>
               <a:t>PAGE </a:t>
             </a:r>
             <a:fld id="{4A9B5881-4007-4345-955A-79C2656F0C49}" type="slidenum">
@@ -5363,122 +5252,35 @@
           </a:p>
         </p:txBody>
       </p:sp>
-      <p:sp>
-        <p:nvSpPr>
-          <p:cNvPr id="11" name="Rectangle 10">
-            <a:extLst>
-              <a:ext uri="{FF2B5EF4-FFF2-40B4-BE49-F238E27FC236}">
-                <a16:creationId xmlns:a16="http://schemas.microsoft.com/office/drawing/2014/main" id="{5F253864-26FA-4AB1-9F0A-4F57D870EE85}"/>
-              </a:ext>
-              <a:ext uri="{C183D7F6-B498-43B3-948B-1728B52AA6E4}">
-                <adec:decorative xmlns="" xmlns:adec="http://schemas.microsoft.com/office/drawing/2017/decorative" val="1"/>
-              </a:ext>
-            </a:extLst>
-          </p:cNvPr>
-          <p:cNvSpPr/>
-          <p:nvPr/>
-        </p:nvSpPr>
-        <p:spPr>
-          <a:xfrm>
-            <a:off x="6249555" y="6562004"/>
-            <a:ext cx="2552123" cy="159471"/>
-          </a:xfrm>
-          <a:prstGeom prst="rect">
-            <a:avLst/>
-          </a:prstGeom>
-          <a:solidFill>
-            <a:schemeClr val="tx1">
-              <a:lumMod val="85000"/>
-              <a:lumOff val="15000"/>
-            </a:schemeClr>
-          </a:solidFill>
-          <a:ln>
-            <a:noFill/>
-          </a:ln>
-        </p:spPr>
-        <p:style>
-          <a:lnRef idx="2">
-            <a:schemeClr val="accent1">
-              <a:shade val="50000"/>
-            </a:schemeClr>
-          </a:lnRef>
-          <a:fillRef idx="1">
-            <a:schemeClr val="accent1"/>
-          </a:fillRef>
-          <a:effectRef idx="0">
-            <a:schemeClr val="accent1"/>
-          </a:effectRef>
-          <a:fontRef idx="minor">
-            <a:schemeClr val="lt1"/>
-          </a:fontRef>
-        </p:style>
-        <p:txBody>
-          <a:bodyPr anchor="ctr"/>
-          <a:lstStyle/>
-          <a:p>
-            <a:pPr algn="ctr"/>
-            <a:endParaRPr lang="en-US" sz="1200" dirty="0"/>
-          </a:p>
-        </p:txBody>
-      </p:sp>
       <p:pic>
         <p:nvPicPr>
-          <p:cNvPr id="1028" name="Picture 4" descr="Check Out These Amazing Places To Fly Kites This Sankranti ..."/>
+          <p:cNvPr id="6" name="Picture 5" descr="Automatic Type Conversion.png"/>
           <p:cNvPicPr>
-            <a:picLocks noChangeAspect="1" noChangeArrowheads="1"/>
+            <a:picLocks noChangeAspect="1"/>
           </p:cNvPicPr>
           <p:nvPr/>
         </p:nvPicPr>
         <p:blipFill>
-          <a:blip r:embed="rId2" cstate="hqprint">
-            <a:extLst>
-              <a:ext uri="{28A0092B-C50C-407E-A947-70E740481C1C}">
-                <a14:useLocalDpi xmlns:a14="http://schemas.microsoft.com/office/drawing/2010/main" val="0"/>
-              </a:ext>
-            </a:extLst>
-          </a:blip>
-          <a:srcRect/>
+          <a:blip r:embed="rId2"/>
           <a:stretch>
             <a:fillRect/>
           </a:stretch>
         </p:blipFill>
-        <p:spPr bwMode="auto">
-          <a:xfrm flipH="1">
-            <a:off x="6947954" y="2329644"/>
-            <a:ext cx="4228046" cy="3624115"/>
+        <p:spPr>
+          <a:xfrm>
+            <a:off x="1410790" y="2013239"/>
+            <a:ext cx="9379130" cy="4320686"/>
           </a:xfrm>
           <a:prstGeom prst="rect">
             <a:avLst/>
           </a:prstGeom>
-          <a:noFill/>
-          <a:extLst>
-            <a:ext uri="{909E8E84-426E-40DD-AFC4-6F175D3DCCD1}">
-              <a14:hiddenFill xmlns:a14="http://schemas.microsoft.com/office/drawing/2010/main">
-                <a:solidFill>
-                  <a:srgbClr val="FFFFFF"/>
-                </a:solidFill>
-              </a14:hiddenFill>
-            </a:ext>
-          </a:extLst>
         </p:spPr>
       </p:pic>
     </p:spTree>
-    <p:extLst>
-      <p:ext uri="{BB962C8B-B14F-4D97-AF65-F5344CB8AC3E}">
-        <p14:creationId xmlns:p14="http://schemas.microsoft.com/office/powerpoint/2010/main" val="2887177356"/>
-      </p:ext>
-    </p:extLst>
   </p:cSld>
   <p:clrMapOvr>
     <a:masterClrMapping/>
   </p:clrMapOvr>
-  <p:timing>
-    <p:tnLst>
-      <p:par>
-        <p:cTn id="1" dur="indefinite" restart="never" nodeType="tmRoot"/>
-      </p:par>
-    </p:tnLst>
-  </p:timing>
 </p:sld>
 </file>
 
@@ -5504,7 +5306,7 @@
           <p:cNvPr id="2" name="Title 1">
             <a:extLst>
               <a:ext uri="{FF2B5EF4-FFF2-40B4-BE49-F238E27FC236}">
-                <a16:creationId xmlns:a16="http://schemas.microsoft.com/office/drawing/2014/main" id="{E199600F-A17E-4354-A7AB-0CC2A43A9354}"/>
+                <a16:creationId xmlns="" xmlns:a16="http://schemas.microsoft.com/office/drawing/2014/main" id="{E199600F-A17E-4354-A7AB-0CC2A43A9354}"/>
               </a:ext>
             </a:extLst>
           </p:cNvPr>
@@ -5517,8 +5319,8 @@
         </p:nvSpPr>
         <p:spPr>
           <a:xfrm>
-            <a:off x="838199" y="611081"/>
-            <a:ext cx="10337801" cy="833663"/>
+            <a:off x="838199" y="611080"/>
+            <a:ext cx="10515600" cy="833663"/>
           </a:xfrm>
         </p:spPr>
         <p:txBody>
@@ -5528,7 +5330,7 @@
             <a:pPr algn="ctr"/>
             <a:r>
               <a:rPr lang="en-US" dirty="0" smtClean="0"/>
-              <a:t>Literals &amp; Keywords</a:t>
+              <a:t>Compile time constants</a:t>
             </a:r>
             <a:endParaRPr lang="en-US" dirty="0"/>
           </a:p>
@@ -5539,7 +5341,7 @@
           <p:cNvPr id="3" name="Content Placeholder 2">
             <a:extLst>
               <a:ext uri="{FF2B5EF4-FFF2-40B4-BE49-F238E27FC236}">
-                <a16:creationId xmlns:a16="http://schemas.microsoft.com/office/drawing/2014/main" id="{FA6A4B49-27C8-46B6-8B11-AD7E8F615E2C}"/>
+                <a16:creationId xmlns="" xmlns:a16="http://schemas.microsoft.com/office/drawing/2014/main" id="{FA6A4B49-27C8-46B6-8B11-AD7E8F615E2C}"/>
               </a:ext>
             </a:extLst>
           </p:cNvPr>
@@ -5550,166 +5352,82 @@
             <p:ph idx="1"/>
           </p:nvPr>
         </p:nvSpPr>
-        <p:spPr>
-          <a:xfrm>
-            <a:off x="838201" y="1717964"/>
-            <a:ext cx="5876636" cy="4458999"/>
-          </a:xfrm>
-        </p:spPr>
+        <p:spPr/>
         <p:txBody>
           <a:bodyPr>
-            <a:normAutofit/>
+            <a:normAutofit fontScale="92500" lnSpcReduction="20000"/>
           </a:bodyPr>
           <a:lstStyle/>
           <a:p>
             <a:r>
-              <a:rPr lang="en-US" noProof="1" smtClean="0"/>
-              <a:t>Literals are constant values in Java.</a:t>
-            </a:r>
-          </a:p>
-          <a:p>
-            <a:r>
-              <a:rPr lang="en-US" noProof="1" smtClean="0"/>
-              <a:t>Every data type have their own ways of writing literals.</a:t>
-            </a:r>
-          </a:p>
-          <a:p>
-            <a:r>
-              <a:rPr lang="en-US" noProof="1" smtClean="0"/>
-              <a:t>Integral literals</a:t>
-            </a:r>
-          </a:p>
-          <a:p>
-            <a:pPr lvl="1"/>
-            <a:r>
-              <a:rPr lang="en-US" noProof="1"/>
-              <a:t>b</a:t>
-            </a:r>
-            <a:r>
-              <a:rPr lang="en-US" noProof="1" smtClean="0"/>
-              <a:t>yte , short, char ,int data types.</a:t>
-            </a:r>
-          </a:p>
-          <a:p>
-            <a:pPr lvl="1"/>
-            <a:r>
-              <a:rPr lang="en-US" noProof="1"/>
-              <a:t>i</a:t>
-            </a:r>
-            <a:r>
-              <a:rPr lang="en-US" noProof="1" smtClean="0"/>
-              <a:t>nt is the default.</a:t>
-            </a:r>
-          </a:p>
-          <a:p>
-            <a:pPr lvl="1"/>
-            <a:r>
-              <a:rPr lang="en-US" noProof="1" smtClean="0"/>
-              <a:t>Default is demal number systesm.</a:t>
-            </a:r>
-          </a:p>
-          <a:p>
-            <a:pPr lvl="1"/>
-            <a:r>
-              <a:rPr lang="en-US" noProof="1" smtClean="0"/>
-              <a:t>Can also write numbers in octal (034) and hexadecimal number system.</a:t>
-            </a:r>
-          </a:p>
-          <a:p>
-            <a:pPr lvl="1"/>
-            <a:r>
-              <a:rPr lang="en-US" noProof="1" smtClean="0"/>
-              <a:t>long values prefixed with a small l.</a:t>
-            </a:r>
-          </a:p>
-          <a:p>
-            <a:r>
-              <a:rPr lang="en-US" noProof="1" smtClean="0"/>
-              <a:t>Float literals.</a:t>
-            </a:r>
-          </a:p>
-          <a:p>
-            <a:pPr lvl="1"/>
-            <a:r>
-              <a:rPr lang="en-US" noProof="1" smtClean="0"/>
-              <a:t>float and double data types.</a:t>
-            </a:r>
-          </a:p>
-          <a:p>
-            <a:pPr lvl="1"/>
-            <a:r>
-              <a:rPr lang="en-US" noProof="1" smtClean="0"/>
-              <a:t>Default is double.</a:t>
-            </a:r>
-          </a:p>
-          <a:p>
-            <a:endParaRPr lang="en-US" sz="1800" noProof="1" smtClean="0"/>
-          </a:p>
-          <a:p>
-            <a:endParaRPr lang="en-US" noProof="1"/>
-          </a:p>
-          <a:p>
-            <a:endParaRPr lang="en-US" noProof="1" smtClean="0"/>
-          </a:p>
-          <a:p>
-            <a:endParaRPr lang="en-US" noProof="1"/>
-          </a:p>
-          <a:p>
-            <a:endParaRPr lang="en-US" noProof="1" smtClean="0"/>
-          </a:p>
-          <a:p>
-            <a:endParaRPr lang="en-US" noProof="1"/>
-          </a:p>
-          <a:p>
-            <a:endParaRPr lang="en-US" noProof="1" smtClean="0"/>
-          </a:p>
-          <a:p>
-            <a:endParaRPr lang="en-US" noProof="1"/>
-          </a:p>
-          <a:p>
-            <a:endParaRPr lang="en-US" noProof="1" smtClean="0"/>
-          </a:p>
-          <a:p>
-            <a:endParaRPr lang="en-US" noProof="1"/>
-          </a:p>
-          <a:p>
-            <a:endParaRPr lang="en-US" noProof="1" smtClean="0"/>
-          </a:p>
-          <a:p>
-            <a:endParaRPr lang="en-US" noProof="1"/>
-          </a:p>
-          <a:p>
-            <a:endParaRPr lang="en-US" noProof="1" smtClean="0"/>
-          </a:p>
-          <a:p>
-            <a:endParaRPr lang="en-US" noProof="1"/>
-          </a:p>
-          <a:p>
-            <a:endParaRPr lang="en-US" noProof="1" smtClean="0"/>
-          </a:p>
-          <a:p>
-            <a:endParaRPr lang="en-US" noProof="1"/>
-          </a:p>
-          <a:p>
-            <a:endParaRPr lang="en-US" noProof="1" smtClean="0"/>
-          </a:p>
-          <a:p>
-            <a:endParaRPr lang="en-US" noProof="1"/>
-          </a:p>
-          <a:p>
-            <a:endParaRPr lang="en-US" noProof="1" smtClean="0"/>
-          </a:p>
-          <a:p>
-            <a:endParaRPr lang="en-US" noProof="1"/>
-          </a:p>
-          <a:p>
-            <a:endParaRPr lang="en-US" noProof="1" smtClean="0"/>
-          </a:p>
-          <a:p>
-            <a:endParaRPr lang="en-US" noProof="1"/>
-          </a:p>
-          <a:p>
-            <a:endParaRPr lang="en-US" noProof="1"/>
+              <a:rPr lang="en-US" dirty="0" smtClean="0"/>
+              <a:t>Compile time constants are variables whose values do not change throughout the course of the program. Hence compiler can definitely know the value of such a value at any point in the program.</a:t>
+            </a:r>
+          </a:p>
+          <a:p>
+            <a:r>
+              <a:rPr lang="en-US" dirty="0" smtClean="0"/>
+              <a:t>Since the value of such a variable is known at the compile time hence compiler allows implicit narrowing in cases where larger data type value lies within the range of lower data type value.</a:t>
+            </a:r>
+          </a:p>
+          <a:p>
+            <a:r>
+              <a:rPr lang="en-US" dirty="0" smtClean="0"/>
+              <a:t>A compile time constant in java is declared using the final keyword.</a:t>
+            </a:r>
+          </a:p>
+          <a:p>
+            <a:r>
+              <a:rPr lang="en-US" dirty="0" smtClean="0"/>
+              <a:t>Ex. final </a:t>
+            </a:r>
+            <a:r>
+              <a:rPr lang="en-US" dirty="0" err="1" smtClean="0"/>
+              <a:t>int</a:t>
+            </a:r>
+            <a:r>
+              <a:rPr lang="en-US" dirty="0" smtClean="0"/>
+              <a:t> </a:t>
+            </a:r>
+            <a:r>
+              <a:rPr lang="en-US" dirty="0" err="1" smtClean="0"/>
+              <a:t>constantInt</a:t>
+            </a:r>
+            <a:r>
+              <a:rPr lang="en-US" dirty="0" smtClean="0"/>
+              <a:t> = 10;</a:t>
+            </a:r>
+          </a:p>
+          <a:p>
+            <a:r>
+              <a:rPr lang="en-US" dirty="0" smtClean="0"/>
+              <a:t>In the above </a:t>
+            </a:r>
+            <a:r>
+              <a:rPr lang="en-US" dirty="0"/>
+              <a:t>example value of </a:t>
+            </a:r>
+            <a:r>
+              <a:rPr lang="en-US" dirty="0" err="1" smtClean="0"/>
+              <a:t>constantInt</a:t>
+            </a:r>
+            <a:r>
+              <a:rPr lang="en-US" dirty="0" smtClean="0"/>
+              <a:t> is set as final , hence  it is a constant variable and it will hold the value 10 throughout the life time of the program</a:t>
+            </a:r>
+          </a:p>
+          <a:p>
+            <a:r>
+              <a:rPr lang="en-US" dirty="0" smtClean="0"/>
+              <a:t>Wherever the constant variable is used in a program the compiler replaces it with exact value of the constant variable. This is depicted in the picture </a:t>
+            </a:r>
+            <a:r>
+              <a:rPr lang="en-US" smtClean="0"/>
+              <a:t>as shown.</a:t>
+            </a:r>
+          </a:p>
+          <a:p>
+            <a:endParaRPr lang="en-US" dirty="0" smtClean="0"/>
           </a:p>
         </p:txBody>
       </p:sp>
@@ -5718,7 +5436,7 @@
           <p:cNvPr id="4" name="Slide Number Placeholder 3">
             <a:extLst>
               <a:ext uri="{FF2B5EF4-FFF2-40B4-BE49-F238E27FC236}">
-                <a16:creationId xmlns:a16="http://schemas.microsoft.com/office/drawing/2014/main" id="{62B4CE3A-8C88-45AA-A849-57E5A7AC22C1}"/>
+                <a16:creationId xmlns="" xmlns:a16="http://schemas.microsoft.com/office/drawing/2014/main" id="{62B4CE3A-8C88-45AA-A849-57E5A7AC22C1}"/>
               </a:ext>
             </a:extLst>
           </p:cNvPr>
@@ -5757,10 +5475,10 @@
           <p:cNvPr id="11" name="Rectangle 10">
             <a:extLst>
               <a:ext uri="{FF2B5EF4-FFF2-40B4-BE49-F238E27FC236}">
-                <a16:creationId xmlns:a16="http://schemas.microsoft.com/office/drawing/2014/main" id="{5F253864-26FA-4AB1-9F0A-4F57D870EE85}"/>
+                <a16:creationId xmlns="" xmlns:a16="http://schemas.microsoft.com/office/drawing/2014/main" id="{5F253864-26FA-4AB1-9F0A-4F57D870EE85}"/>
               </a:ext>
               <a:ext uri="{C183D7F6-B498-43B3-948B-1728B52AA6E4}">
-                <adec:decorative xmlns="" xmlns:adec="http://schemas.microsoft.com/office/drawing/2017/decorative" val="1"/>
+                <adec:decorative xmlns:adec="http://schemas.microsoft.com/office/drawing/2017/decorative" xmlns="" val="1"/>
               </a:ext>
             </a:extLst>
           </p:cNvPr>
@@ -5819,15 +5537,51 @@
           <p:nvPr/>
         </p:nvPicPr>
         <p:blipFill>
-          <a:blip r:embed="rId2"/>
+          <a:blip r:embed="rId2">
+            <a:extLst>
+              <a:ext uri="{28A0092B-C50C-407E-A947-70E740481C1C}">
+                <a14:useLocalDpi xmlns="" xmlns:a14="http://schemas.microsoft.com/office/drawing/2010/main" val="0"/>
+              </a:ext>
+            </a:extLst>
+          </a:blip>
           <a:stretch>
             <a:fillRect/>
           </a:stretch>
         </p:blipFill>
         <p:spPr>
           <a:xfrm>
-            <a:off x="7222836" y="2881746"/>
-            <a:ext cx="3953164" cy="1918422"/>
+            <a:off x="7836384" y="1825625"/>
+            <a:ext cx="3594285" cy="2044411"/>
+          </a:xfrm>
+          <a:prstGeom prst="rect">
+            <a:avLst/>
+          </a:prstGeom>
+        </p:spPr>
+      </p:pic>
+      <p:pic>
+        <p:nvPicPr>
+          <p:cNvPr id="7" name="Picture 6"/>
+          <p:cNvPicPr>
+            <a:picLocks noChangeAspect="1"/>
+          </p:cNvPicPr>
+          <p:nvPr/>
+        </p:nvPicPr>
+        <p:blipFill>
+          <a:blip r:embed="rId3">
+            <a:extLst>
+              <a:ext uri="{28A0092B-C50C-407E-A947-70E740481C1C}">
+                <a14:useLocalDpi xmlns="" xmlns:a14="http://schemas.microsoft.com/office/drawing/2010/main" val="0"/>
+              </a:ext>
+            </a:extLst>
+          </a:blip>
+          <a:stretch>
+            <a:fillRect/>
+          </a:stretch>
+        </p:blipFill>
+        <p:spPr>
+          <a:xfrm>
+            <a:off x="7836384" y="4442691"/>
+            <a:ext cx="3594285" cy="1734272"/>
           </a:xfrm>
           <a:prstGeom prst="rect">
             <a:avLst/>
@@ -5837,7 +5591,7 @@
     </p:spTree>
     <p:extLst>
       <p:ext uri="{BB962C8B-B14F-4D97-AF65-F5344CB8AC3E}">
-        <p14:creationId xmlns:p14="http://schemas.microsoft.com/office/powerpoint/2010/main" val="3747761987"/>
+        <p14:creationId xmlns="" xmlns:p14="http://schemas.microsoft.com/office/powerpoint/2010/main" val="2944664186"/>
       </p:ext>
     </p:extLst>
   </p:cSld>
@@ -5876,7 +5630,7 @@
           <p:cNvPr id="2" name="Title 1">
             <a:extLst>
               <a:ext uri="{FF2B5EF4-FFF2-40B4-BE49-F238E27FC236}">
-                <a16:creationId xmlns:a16="http://schemas.microsoft.com/office/drawing/2014/main" id="{E199600F-A17E-4354-A7AB-0CC2A43A9354}"/>
+                <a16:creationId xmlns="" xmlns:a16="http://schemas.microsoft.com/office/drawing/2014/main" id="{C8F58AE6-56F6-44E8-8BBF-23277B1773E4}"/>
               </a:ext>
             </a:extLst>
           </p:cNvPr>
@@ -5887,89 +5641,55 @@
             <p:ph type="title"/>
           </p:nvPr>
         </p:nvSpPr>
-        <p:spPr>
-          <a:xfrm>
-            <a:off x="838199" y="611081"/>
-            <a:ext cx="10337801" cy="833663"/>
-          </a:xfrm>
-        </p:spPr>
+        <p:spPr/>
         <p:txBody>
           <a:bodyPr/>
           <a:lstStyle/>
           <a:p>
             <a:pPr algn="ctr"/>
             <a:r>
-              <a:rPr lang="en-US" dirty="0"/>
-              <a:t>Declaring &amp; Initializing Variables</a:t>
-            </a:r>
-          </a:p>
-        </p:txBody>
-      </p:sp>
-      <p:sp>
-        <p:nvSpPr>
-          <p:cNvPr id="3" name="Content Placeholder 2">
-            <a:extLst>
-              <a:ext uri="{FF2B5EF4-FFF2-40B4-BE49-F238E27FC236}">
-                <a16:creationId xmlns:a16="http://schemas.microsoft.com/office/drawing/2014/main" id="{FA6A4B49-27C8-46B6-8B11-AD7E8F615E2C}"/>
-              </a:ext>
-            </a:extLst>
-          </p:cNvPr>
-          <p:cNvSpPr>
-            <a:spLocks noGrp="1"/>
-          </p:cNvSpPr>
+              <a:rPr lang="en-US" dirty="0" smtClean="0"/>
+              <a:t>Questions ??</a:t>
+            </a:r>
+            <a:endParaRPr lang="en-US" dirty="0"/>
+          </a:p>
+        </p:txBody>
+      </p:sp>
+      <p:pic>
+        <p:nvPicPr>
+          <p:cNvPr id="3" name="Content Placeholder 2"/>
+          <p:cNvPicPr>
+            <a:picLocks noGrp="1" noChangeAspect="1"/>
+          </p:cNvPicPr>
           <p:nvPr>
             <p:ph idx="1"/>
           </p:nvPr>
-        </p:nvSpPr>
-        <p:spPr>
-          <a:xfrm>
-            <a:off x="838201" y="1825625"/>
-            <a:ext cx="5876636" cy="4351338"/>
-          </a:xfrm>
-        </p:spPr>
-        <p:txBody>
-          <a:bodyPr>
-            <a:normAutofit/>
-          </a:bodyPr>
-          <a:lstStyle/>
-          <a:p>
-            <a:endParaRPr lang="en-US" dirty="0" smtClean="0"/>
-          </a:p>
-          <a:p>
-            <a:endParaRPr lang="en-US" dirty="0"/>
-          </a:p>
-          <a:p>
-            <a:endParaRPr lang="en-US" dirty="0" smtClean="0"/>
-          </a:p>
-          <a:p>
-            <a:r>
-              <a:rPr lang="en-US" dirty="0" smtClean="0"/>
-              <a:t>There </a:t>
-            </a:r>
-            <a:r>
-              <a:rPr lang="en-US" dirty="0"/>
-              <a:t>are many ways we can declare and initialize variables in java.</a:t>
-            </a:r>
-          </a:p>
-          <a:p>
-            <a:r>
-              <a:rPr lang="en-US" dirty="0"/>
-              <a:t>We can just declare variables without giving them any value or can assign </a:t>
-            </a:r>
-            <a:r>
-              <a:rPr lang="en-US" dirty="0" smtClean="0"/>
-              <a:t>them.</a:t>
-            </a:r>
-            <a:endParaRPr lang="en-US" dirty="0"/>
-          </a:p>
-        </p:txBody>
-      </p:sp>
-      <p:sp>
-        <p:nvSpPr>
-          <p:cNvPr id="4" name="Slide Number Placeholder 3">
-            <a:extLst>
-              <a:ext uri="{FF2B5EF4-FFF2-40B4-BE49-F238E27FC236}">
-                <a16:creationId xmlns:a16="http://schemas.microsoft.com/office/drawing/2014/main" id="{62B4CE3A-8C88-45AA-A849-57E5A7AC22C1}"/>
+        </p:nvPicPr>
+        <p:blipFill>
+          <a:blip r:embed="rId2">
+            <a:extLst>
+              <a:ext uri="{28A0092B-C50C-407E-A947-70E740481C1C}">
+                <a14:useLocalDpi xmlns="" xmlns:a14="http://schemas.microsoft.com/office/drawing/2010/main" val="0"/>
+              </a:ext>
+            </a:extLst>
+          </a:blip>
+          <a:stretch>
+            <a:fillRect/>
+          </a:stretch>
+        </p:blipFill>
+        <p:spPr>
+          <a:xfrm>
+            <a:off x="4705350" y="1487686"/>
+            <a:ext cx="6648450" cy="3739753"/>
+          </a:xfrm>
+        </p:spPr>
+      </p:pic>
+      <p:sp>
+        <p:nvSpPr>
+          <p:cNvPr id="20" name="Slide Number Placeholder 19">
+            <a:extLst>
+              <a:ext uri="{FF2B5EF4-FFF2-40B4-BE49-F238E27FC236}">
+                <a16:creationId xmlns="" xmlns:a16="http://schemas.microsoft.com/office/drawing/2014/main" id="{3AEC0301-E9AA-4478-9E23-C372DBDCE653}"/>
               </a:ext>
             </a:extLst>
           </p:cNvPr>
@@ -5982,7 +5702,7 @@
         </p:nvSpPr>
         <p:spPr>
           <a:xfrm>
-            <a:off x="11353800" y="6361475"/>
+            <a:off x="10717695" y="6363134"/>
             <a:ext cx="838200" cy="360000"/>
           </a:xfrm>
         </p:spPr>
@@ -6005,13 +5725,13 @@
       </p:sp>
       <p:sp>
         <p:nvSpPr>
-          <p:cNvPr id="11" name="Rectangle 10">
-            <a:extLst>
-              <a:ext uri="{FF2B5EF4-FFF2-40B4-BE49-F238E27FC236}">
-                <a16:creationId xmlns:a16="http://schemas.microsoft.com/office/drawing/2014/main" id="{5F253864-26FA-4AB1-9F0A-4F57D870EE85}"/>
+          <p:cNvPr id="10" name="Isosceles Triangle 9">
+            <a:extLst>
+              <a:ext uri="{FF2B5EF4-FFF2-40B4-BE49-F238E27FC236}">
+                <a16:creationId xmlns="" xmlns:a16="http://schemas.microsoft.com/office/drawing/2014/main" id="{792980D7-ED01-4955-83DB-59BA18C94FBA}"/>
               </a:ext>
               <a:ext uri="{C183D7F6-B498-43B3-948B-1728B52AA6E4}">
-                <adec:decorative xmlns="" xmlns:adec="http://schemas.microsoft.com/office/drawing/2017/decorative" val="1"/>
+                <adec:decorative xmlns:adec="http://schemas.microsoft.com/office/drawing/2017/decorative" xmlns="" val="1"/>
               </a:ext>
             </a:extLst>
           </p:cNvPr>
@@ -6019,18 +5739,15 @@
           <p:nvPr/>
         </p:nvSpPr>
         <p:spPr>
-          <a:xfrm>
-            <a:off x="6249555" y="6562004"/>
-            <a:ext cx="2552123" cy="159471"/>
-          </a:xfrm>
-          <a:prstGeom prst="rect">
+          <a:xfrm rot="10800000">
+            <a:off x="10006315" y="6271566"/>
+            <a:ext cx="142847" cy="91567"/>
+          </a:xfrm>
+          <a:prstGeom prst="triangle">
             <a:avLst/>
           </a:prstGeom>
           <a:solidFill>
-            <a:schemeClr val="tx1">
-              <a:lumMod val="85000"/>
-              <a:lumOff val="15000"/>
-            </a:schemeClr>
+            <a:schemeClr val="bg1"/>
           </a:solidFill>
           <a:ln>
             <a:noFill/>
@@ -6053,1143 +5770,48 @@
           </a:fontRef>
         </p:style>
         <p:txBody>
-          <a:bodyPr anchor="ctr"/>
+          <a:bodyPr rtlCol="0" anchor="ctr"/>
           <a:lstStyle/>
           <a:p>
             <a:pPr algn="ctr"/>
-            <a:endParaRPr lang="en-US" sz="1200" dirty="0"/>
-          </a:p>
-        </p:txBody>
-      </p:sp>
-      <p:pic>
-        <p:nvPicPr>
-          <p:cNvPr id="7" name="Picture 4" descr="Hub Overhaul and Adjustment: Cup and Cone Style | Park Tool"/>
-          <p:cNvPicPr>
-            <a:picLocks noChangeAspect="1" noChangeArrowheads="1"/>
-          </p:cNvPicPr>
+            <a:endParaRPr lang="en-US" dirty="0"/>
+          </a:p>
+        </p:txBody>
+      </p:sp>
+      <p:sp>
+        <p:nvSpPr>
+          <p:cNvPr id="4" name="Rectangle 3"/>
+          <p:cNvSpPr/>
           <p:nvPr/>
-        </p:nvPicPr>
-        <p:blipFill>
-          <a:blip r:embed="rId2">
-            <a:extLst>
-              <a:ext uri="{28A0092B-C50C-407E-A947-70E740481C1C}">
-                <a14:useLocalDpi xmlns:a14="http://schemas.microsoft.com/office/drawing/2010/main" val="0"/>
-              </a:ext>
-            </a:extLst>
-          </a:blip>
-          <a:srcRect/>
-          <a:stretch>
-            <a:fillRect/>
-          </a:stretch>
-        </p:blipFill>
-        <p:spPr bwMode="auto">
-          <a:xfrm>
-            <a:off x="7325360" y="1930399"/>
-            <a:ext cx="3850640" cy="4246563"/>
+        </p:nvSpPr>
+        <p:spPr>
+          <a:xfrm>
+            <a:off x="5785658" y="3244334"/>
+            <a:ext cx="620683" cy="369332"/>
           </a:xfrm>
           <a:prstGeom prst="rect">
             <a:avLst/>
           </a:prstGeom>
-          <a:noFill/>
-          <a:extLst>
-            <a:ext uri="{909E8E84-426E-40DD-AFC4-6F175D3DCCD1}">
-              <a14:hiddenFill xmlns:a14="http://schemas.microsoft.com/office/drawing/2010/main">
-                <a:solidFill>
-                  <a:srgbClr val="FFFFFF"/>
-                </a:solidFill>
-              </a14:hiddenFill>
-            </a:ext>
-          </a:extLst>
-        </p:spPr>
-      </p:pic>
+        </p:spPr>
+        <p:txBody>
+          <a:bodyPr wrap="none">
+            <a:spAutoFit/>
+          </a:bodyPr>
+          <a:lstStyle/>
+          <a:p>
+            <a:r>
+              <a:rPr lang="en-US" dirty="0"/>
+              <a:t>a b c</a:t>
+            </a:r>
+          </a:p>
+        </p:txBody>
+      </p:sp>
     </p:spTree>
     <p:extLst>
       <p:ext uri="{BB962C8B-B14F-4D97-AF65-F5344CB8AC3E}">
-        <p14:creationId xmlns:p14="http://schemas.microsoft.com/office/powerpoint/2010/main" val="3787861069"/>
+        <p14:creationId xmlns="" xmlns:p14="http://schemas.microsoft.com/office/powerpoint/2010/main" val="1704949556"/>
       </p:ext>
     </p:extLst>
-  </p:cSld>
-  <p:clrMapOvr>
-    <a:masterClrMapping/>
-  </p:clrMapOvr>
-  <p:timing>
-    <p:tnLst>
-      <p:par>
-        <p:cTn id="1" dur="indefinite" restart="never" nodeType="tmRoot"/>
-      </p:par>
-    </p:tnLst>
-  </p:timing>
-</p:sld>
-</file>
-
-<file path=ppt/slides/slide15.xml><?xml version="1.0" encoding="utf-8"?>
-<p:sld xmlns:a="http://schemas.openxmlformats.org/drawingml/2006/main" xmlns:r="http://schemas.openxmlformats.org/officeDocument/2006/relationships" xmlns:p="http://schemas.openxmlformats.org/presentationml/2006/main">
-  <p:cSld>
-    <p:spTree>
-      <p:nvGrpSpPr>
-        <p:cNvPr id="1" name=""/>
-        <p:cNvGrpSpPr/>
-        <p:nvPr/>
-      </p:nvGrpSpPr>
-      <p:grpSpPr>
-        <a:xfrm>
-          <a:off x="0" y="0"/>
-          <a:ext cx="0" cy="0"/>
-          <a:chOff x="0" y="0"/>
-          <a:chExt cx="0" cy="0"/>
-        </a:xfrm>
-      </p:grpSpPr>
-      <p:sp>
-        <p:nvSpPr>
-          <p:cNvPr id="2" name="Title 1">
-            <a:extLst>
-              <a:ext uri="{FF2B5EF4-FFF2-40B4-BE49-F238E27FC236}">
-                <a16:creationId xmlns:a16="http://schemas.microsoft.com/office/drawing/2014/main" id="{E199600F-A17E-4354-A7AB-0CC2A43A9354}"/>
-              </a:ext>
-            </a:extLst>
-          </p:cNvPr>
-          <p:cNvSpPr>
-            <a:spLocks noGrp="1"/>
-          </p:cNvSpPr>
-          <p:nvPr>
-            <p:ph type="title"/>
-          </p:nvPr>
-        </p:nvSpPr>
-        <p:spPr>
-          <a:xfrm>
-            <a:off x="838199" y="611081"/>
-            <a:ext cx="10337801" cy="833663"/>
-          </a:xfrm>
-        </p:spPr>
-        <p:txBody>
-          <a:bodyPr/>
-          <a:lstStyle/>
-          <a:p>
-            <a:pPr algn="ctr"/>
-            <a:r>
-              <a:rPr lang="en-US" dirty="0" smtClean="0"/>
-              <a:t>Default Values</a:t>
-            </a:r>
-            <a:endParaRPr lang="en-US" dirty="0"/>
-          </a:p>
-        </p:txBody>
-      </p:sp>
-      <p:sp>
-        <p:nvSpPr>
-          <p:cNvPr id="3" name="Content Placeholder 2">
-            <a:extLst>
-              <a:ext uri="{FF2B5EF4-FFF2-40B4-BE49-F238E27FC236}">
-                <a16:creationId xmlns:a16="http://schemas.microsoft.com/office/drawing/2014/main" id="{FA6A4B49-27C8-46B6-8B11-AD7E8F615E2C}"/>
-              </a:ext>
-            </a:extLst>
-          </p:cNvPr>
-          <p:cNvSpPr>
-            <a:spLocks noGrp="1"/>
-          </p:cNvSpPr>
-          <p:nvPr>
-            <p:ph idx="1"/>
-          </p:nvPr>
-        </p:nvSpPr>
-        <p:spPr>
-          <a:xfrm>
-            <a:off x="838201" y="1825625"/>
-            <a:ext cx="5876636" cy="4351338"/>
-          </a:xfrm>
-        </p:spPr>
-        <p:txBody>
-          <a:bodyPr>
-            <a:normAutofit/>
-          </a:bodyPr>
-          <a:lstStyle/>
-          <a:p>
-            <a:endParaRPr lang="en-US" dirty="0" smtClean="0"/>
-          </a:p>
-          <a:p>
-            <a:endParaRPr lang="en-US" dirty="0"/>
-          </a:p>
-          <a:p>
-            <a:endParaRPr lang="en-US" dirty="0" smtClean="0"/>
-          </a:p>
-          <a:p>
-            <a:r>
-              <a:rPr lang="en-US" dirty="0" smtClean="0"/>
-              <a:t>All data members of a User defined data type or a class are set to their default values.</a:t>
-            </a:r>
-          </a:p>
-          <a:p>
-            <a:r>
-              <a:rPr lang="en-US" dirty="0" smtClean="0"/>
-              <a:t>Default values are like default factory settings that our phones have. These are the set of most healthy and initial settings that worked.</a:t>
-            </a:r>
-            <a:endParaRPr lang="en-US" dirty="0"/>
-          </a:p>
-        </p:txBody>
-      </p:sp>
-      <p:sp>
-        <p:nvSpPr>
-          <p:cNvPr id="4" name="Slide Number Placeholder 3">
-            <a:extLst>
-              <a:ext uri="{FF2B5EF4-FFF2-40B4-BE49-F238E27FC236}">
-                <a16:creationId xmlns:a16="http://schemas.microsoft.com/office/drawing/2014/main" id="{62B4CE3A-8C88-45AA-A849-57E5A7AC22C1}"/>
-              </a:ext>
-            </a:extLst>
-          </p:cNvPr>
-          <p:cNvSpPr>
-            <a:spLocks noGrp="1"/>
-          </p:cNvSpPr>
-          <p:nvPr>
-            <p:ph type="sldNum" sz="quarter" idx="10"/>
-          </p:nvPr>
-        </p:nvSpPr>
-        <p:spPr>
-          <a:xfrm>
-            <a:off x="11353800" y="6361475"/>
-            <a:ext cx="838200" cy="360000"/>
-          </a:xfrm>
-        </p:spPr>
-        <p:txBody>
-          <a:bodyPr/>
-          <a:lstStyle/>
-          <a:p>
-            <a:r>
-              <a:rPr lang="en-US" dirty="0"/>
-              <a:t>PAGE </a:t>
-            </a:r>
-            <a:fld id="{4A9B5881-4007-4345-955A-79C2656F0C49}" type="slidenum">
-              <a:rPr lang="en-US" smtClean="0"/>
-              <a:pPr/>
-              <a:t>15</a:t>
-            </a:fld>
-            <a:endParaRPr lang="en-US" dirty="0"/>
-          </a:p>
-        </p:txBody>
-      </p:sp>
-      <p:sp>
-        <p:nvSpPr>
-          <p:cNvPr id="11" name="Rectangle 10">
-            <a:extLst>
-              <a:ext uri="{FF2B5EF4-FFF2-40B4-BE49-F238E27FC236}">
-                <a16:creationId xmlns:a16="http://schemas.microsoft.com/office/drawing/2014/main" id="{5F253864-26FA-4AB1-9F0A-4F57D870EE85}"/>
-              </a:ext>
-              <a:ext uri="{C183D7F6-B498-43B3-948B-1728B52AA6E4}">
-                <adec:decorative xmlns="" xmlns:adec="http://schemas.microsoft.com/office/drawing/2017/decorative" val="1"/>
-              </a:ext>
-            </a:extLst>
-          </p:cNvPr>
-          <p:cNvSpPr/>
-          <p:nvPr/>
-        </p:nvSpPr>
-        <p:spPr>
-          <a:xfrm>
-            <a:off x="6249555" y="6562004"/>
-            <a:ext cx="2552123" cy="159471"/>
-          </a:xfrm>
-          <a:prstGeom prst="rect">
-            <a:avLst/>
-          </a:prstGeom>
-          <a:solidFill>
-            <a:schemeClr val="tx1">
-              <a:lumMod val="85000"/>
-              <a:lumOff val="15000"/>
-            </a:schemeClr>
-          </a:solidFill>
-          <a:ln>
-            <a:noFill/>
-          </a:ln>
-        </p:spPr>
-        <p:style>
-          <a:lnRef idx="2">
-            <a:schemeClr val="accent1">
-              <a:shade val="50000"/>
-            </a:schemeClr>
-          </a:lnRef>
-          <a:fillRef idx="1">
-            <a:schemeClr val="accent1"/>
-          </a:fillRef>
-          <a:effectRef idx="0">
-            <a:schemeClr val="accent1"/>
-          </a:effectRef>
-          <a:fontRef idx="minor">
-            <a:schemeClr val="lt1"/>
-          </a:fontRef>
-        </p:style>
-        <p:txBody>
-          <a:bodyPr anchor="ctr"/>
-          <a:lstStyle/>
-          <a:p>
-            <a:pPr algn="ctr"/>
-            <a:endParaRPr lang="en-US" sz="1200" dirty="0"/>
-          </a:p>
-        </p:txBody>
-      </p:sp>
-      <p:pic>
-        <p:nvPicPr>
-          <p:cNvPr id="3074" name="Picture 2" descr="How to fix the most common smartphone problems | Popular Science"/>
-          <p:cNvPicPr>
-            <a:picLocks noChangeAspect="1" noChangeArrowheads="1"/>
-          </p:cNvPicPr>
-          <p:nvPr/>
-        </p:nvPicPr>
-        <p:blipFill>
-          <a:blip r:embed="rId2">
-            <a:extLst>
-              <a:ext uri="{28A0092B-C50C-407E-A947-70E740481C1C}">
-                <a14:useLocalDpi xmlns:a14="http://schemas.microsoft.com/office/drawing/2010/main" val="0"/>
-              </a:ext>
-            </a:extLst>
-          </a:blip>
-          <a:srcRect/>
-          <a:stretch>
-            <a:fillRect/>
-          </a:stretch>
-        </p:blipFill>
-        <p:spPr bwMode="auto">
-          <a:xfrm>
-            <a:off x="7044690" y="1825625"/>
-            <a:ext cx="4131310" cy="4351338"/>
-          </a:xfrm>
-          <a:prstGeom prst="rect">
-            <a:avLst/>
-          </a:prstGeom>
-          <a:noFill/>
-          <a:extLst>
-            <a:ext uri="{909E8E84-426E-40DD-AFC4-6F175D3DCCD1}">
-              <a14:hiddenFill xmlns:a14="http://schemas.microsoft.com/office/drawing/2010/main">
-                <a:solidFill>
-                  <a:srgbClr val="FFFFFF"/>
-                </a:solidFill>
-              </a14:hiddenFill>
-            </a:ext>
-          </a:extLst>
-        </p:spPr>
-      </p:pic>
-    </p:spTree>
-    <p:extLst>
-      <p:ext uri="{BB962C8B-B14F-4D97-AF65-F5344CB8AC3E}">
-        <p14:creationId xmlns:p14="http://schemas.microsoft.com/office/powerpoint/2010/main" val="2611308758"/>
-      </p:ext>
-    </p:extLst>
-  </p:cSld>
-  <p:clrMapOvr>
-    <a:masterClrMapping/>
-  </p:clrMapOvr>
-  <p:timing>
-    <p:tnLst>
-      <p:par>
-        <p:cTn id="1" dur="indefinite" restart="never" nodeType="tmRoot"/>
-      </p:par>
-    </p:tnLst>
-  </p:timing>
-</p:sld>
-</file>
-
-<file path=ppt/slides/slide16.xml><?xml version="1.0" encoding="utf-8"?>
-<p:sld xmlns:a="http://schemas.openxmlformats.org/drawingml/2006/main" xmlns:r="http://schemas.openxmlformats.org/officeDocument/2006/relationships" xmlns:p="http://schemas.openxmlformats.org/presentationml/2006/main">
-  <p:cSld>
-    <p:spTree>
-      <p:nvGrpSpPr>
-        <p:cNvPr id="1" name=""/>
-        <p:cNvGrpSpPr/>
-        <p:nvPr/>
-      </p:nvGrpSpPr>
-      <p:grpSpPr>
-        <a:xfrm>
-          <a:off x="0" y="0"/>
-          <a:ext cx="0" cy="0"/>
-          <a:chOff x="0" y="0"/>
-          <a:chExt cx="0" cy="0"/>
-        </a:xfrm>
-      </p:grpSpPr>
-      <p:sp>
-        <p:nvSpPr>
-          <p:cNvPr id="2" name="Title 1">
-            <a:extLst>
-              <a:ext uri="{FF2B5EF4-FFF2-40B4-BE49-F238E27FC236}">
-                <a16:creationId xmlns:a16="http://schemas.microsoft.com/office/drawing/2014/main" id="{E199600F-A17E-4354-A7AB-0CC2A43A9354}"/>
-              </a:ext>
-            </a:extLst>
-          </p:cNvPr>
-          <p:cNvSpPr>
-            <a:spLocks noGrp="1"/>
-          </p:cNvSpPr>
-          <p:nvPr>
-            <p:ph type="title"/>
-          </p:nvPr>
-        </p:nvSpPr>
-        <p:spPr>
-          <a:xfrm>
-            <a:off x="838199" y="611081"/>
-            <a:ext cx="10337801" cy="833663"/>
-          </a:xfrm>
-        </p:spPr>
-        <p:txBody>
-          <a:bodyPr/>
-          <a:lstStyle/>
-          <a:p>
-            <a:pPr algn="ctr"/>
-            <a:r>
-              <a:rPr lang="en-US" dirty="0" smtClean="0"/>
-              <a:t>Primitive Assignments</a:t>
-            </a:r>
-            <a:endParaRPr lang="en-US" dirty="0"/>
-          </a:p>
-        </p:txBody>
-      </p:sp>
-      <p:sp>
-        <p:nvSpPr>
-          <p:cNvPr id="3" name="Content Placeholder 2">
-            <a:extLst>
-              <a:ext uri="{FF2B5EF4-FFF2-40B4-BE49-F238E27FC236}">
-                <a16:creationId xmlns:a16="http://schemas.microsoft.com/office/drawing/2014/main" id="{FA6A4B49-27C8-46B6-8B11-AD7E8F615E2C}"/>
-              </a:ext>
-            </a:extLst>
-          </p:cNvPr>
-          <p:cNvSpPr>
-            <a:spLocks noGrp="1"/>
-          </p:cNvSpPr>
-          <p:nvPr>
-            <p:ph idx="1"/>
-          </p:nvPr>
-        </p:nvSpPr>
-        <p:spPr>
-          <a:xfrm>
-            <a:off x="838201" y="1625600"/>
-            <a:ext cx="5876636" cy="4551363"/>
-          </a:xfrm>
-        </p:spPr>
-        <p:txBody>
-          <a:bodyPr>
-            <a:normAutofit/>
-          </a:bodyPr>
-          <a:lstStyle/>
-          <a:p>
-            <a:r>
-              <a:rPr lang="en-US" dirty="0" smtClean="0"/>
-              <a:t>Figure showing 3 types of assignments. It also shows narrowing/widening , implicit/explicit.</a:t>
-            </a:r>
-          </a:p>
-          <a:p>
-            <a:endParaRPr lang="en-US" dirty="0"/>
-          </a:p>
-        </p:txBody>
-      </p:sp>
-      <p:sp>
-        <p:nvSpPr>
-          <p:cNvPr id="4" name="Slide Number Placeholder 3">
-            <a:extLst>
-              <a:ext uri="{FF2B5EF4-FFF2-40B4-BE49-F238E27FC236}">
-                <a16:creationId xmlns:a16="http://schemas.microsoft.com/office/drawing/2014/main" id="{62B4CE3A-8C88-45AA-A849-57E5A7AC22C1}"/>
-              </a:ext>
-            </a:extLst>
-          </p:cNvPr>
-          <p:cNvSpPr>
-            <a:spLocks noGrp="1"/>
-          </p:cNvSpPr>
-          <p:nvPr>
-            <p:ph type="sldNum" sz="quarter" idx="10"/>
-          </p:nvPr>
-        </p:nvSpPr>
-        <p:spPr>
-          <a:xfrm>
-            <a:off x="11353800" y="6361475"/>
-            <a:ext cx="838200" cy="360000"/>
-          </a:xfrm>
-        </p:spPr>
-        <p:txBody>
-          <a:bodyPr/>
-          <a:lstStyle/>
-          <a:p>
-            <a:r>
-              <a:rPr lang="en-US" dirty="0"/>
-              <a:t>PAGE </a:t>
-            </a:r>
-            <a:fld id="{4A9B5881-4007-4345-955A-79C2656F0C49}" type="slidenum">
-              <a:rPr lang="en-US" smtClean="0"/>
-              <a:pPr/>
-              <a:t>16</a:t>
-            </a:fld>
-            <a:endParaRPr lang="en-US" dirty="0"/>
-          </a:p>
-        </p:txBody>
-      </p:sp>
-      <p:sp>
-        <p:nvSpPr>
-          <p:cNvPr id="11" name="Rectangle 10">
-            <a:extLst>
-              <a:ext uri="{FF2B5EF4-FFF2-40B4-BE49-F238E27FC236}">
-                <a16:creationId xmlns:a16="http://schemas.microsoft.com/office/drawing/2014/main" id="{5F253864-26FA-4AB1-9F0A-4F57D870EE85}"/>
-              </a:ext>
-              <a:ext uri="{C183D7F6-B498-43B3-948B-1728B52AA6E4}">
-                <adec:decorative xmlns="" xmlns:adec="http://schemas.microsoft.com/office/drawing/2017/decorative" val="1"/>
-              </a:ext>
-            </a:extLst>
-          </p:cNvPr>
-          <p:cNvSpPr/>
-          <p:nvPr/>
-        </p:nvSpPr>
-        <p:spPr>
-          <a:xfrm>
-            <a:off x="6249555" y="6562004"/>
-            <a:ext cx="2552123" cy="159471"/>
-          </a:xfrm>
-          <a:prstGeom prst="rect">
-            <a:avLst/>
-          </a:prstGeom>
-          <a:solidFill>
-            <a:schemeClr val="tx1">
-              <a:lumMod val="85000"/>
-              <a:lumOff val="15000"/>
-            </a:schemeClr>
-          </a:solidFill>
-          <a:ln>
-            <a:noFill/>
-          </a:ln>
-        </p:spPr>
-        <p:style>
-          <a:lnRef idx="2">
-            <a:schemeClr val="accent1">
-              <a:shade val="50000"/>
-            </a:schemeClr>
-          </a:lnRef>
-          <a:fillRef idx="1">
-            <a:schemeClr val="accent1"/>
-          </a:fillRef>
-          <a:effectRef idx="0">
-            <a:schemeClr val="accent1"/>
-          </a:effectRef>
-          <a:fontRef idx="minor">
-            <a:schemeClr val="lt1"/>
-          </a:fontRef>
-        </p:style>
-        <p:txBody>
-          <a:bodyPr anchor="ctr"/>
-          <a:lstStyle/>
-          <a:p>
-            <a:pPr algn="ctr"/>
-            <a:endParaRPr lang="en-US" sz="1200" dirty="0"/>
-          </a:p>
-        </p:txBody>
-      </p:sp>
-    </p:spTree>
-    <p:extLst>
-      <p:ext uri="{BB962C8B-B14F-4D97-AF65-F5344CB8AC3E}">
-        <p14:creationId xmlns:p14="http://schemas.microsoft.com/office/powerpoint/2010/main" val="2565240697"/>
-      </p:ext>
-    </p:extLst>
-  </p:cSld>
-  <p:clrMapOvr>
-    <a:masterClrMapping/>
-  </p:clrMapOvr>
-  <p:timing>
-    <p:tnLst>
-      <p:par>
-        <p:cTn id="1" dur="indefinite" restart="never" nodeType="tmRoot"/>
-      </p:par>
-    </p:tnLst>
-  </p:timing>
-</p:sld>
-</file>
-
-<file path=ppt/slides/slide17.xml><?xml version="1.0" encoding="utf-8"?>
-<p:sld xmlns:a="http://schemas.openxmlformats.org/drawingml/2006/main" xmlns:r="http://schemas.openxmlformats.org/officeDocument/2006/relationships" xmlns:p="http://schemas.openxmlformats.org/presentationml/2006/main">
-  <p:cSld>
-    <p:spTree>
-      <p:nvGrpSpPr>
-        <p:cNvPr id="1" name=""/>
-        <p:cNvGrpSpPr/>
-        <p:nvPr/>
-      </p:nvGrpSpPr>
-      <p:grpSpPr>
-        <a:xfrm>
-          <a:off x="0" y="0"/>
-          <a:ext cx="0" cy="0"/>
-          <a:chOff x="0" y="0"/>
-          <a:chExt cx="0" cy="0"/>
-        </a:xfrm>
-      </p:grpSpPr>
-      <p:sp>
-        <p:nvSpPr>
-          <p:cNvPr id="2" name="Title 1">
-            <a:extLst>
-              <a:ext uri="{FF2B5EF4-FFF2-40B4-BE49-F238E27FC236}">
-                <a16:creationId xmlns:a16="http://schemas.microsoft.com/office/drawing/2014/main" id="{E199600F-A17E-4354-A7AB-0CC2A43A9354}"/>
-              </a:ext>
-            </a:extLst>
-          </p:cNvPr>
-          <p:cNvSpPr>
-            <a:spLocks noGrp="1"/>
-          </p:cNvSpPr>
-          <p:nvPr>
-            <p:ph type="title"/>
-          </p:nvPr>
-        </p:nvSpPr>
-        <p:spPr>
-          <a:xfrm>
-            <a:off x="838200" y="641855"/>
-            <a:ext cx="10515600" cy="772107"/>
-          </a:xfrm>
-        </p:spPr>
-        <p:txBody>
-          <a:bodyPr/>
-          <a:lstStyle/>
-          <a:p>
-            <a:pPr algn="ctr"/>
-            <a:r>
-              <a:rPr lang="en-US" dirty="0" smtClean="0"/>
-              <a:t>Primitive value Assignment.</a:t>
-            </a:r>
-            <a:endParaRPr lang="en-US" dirty="0"/>
-          </a:p>
-        </p:txBody>
-      </p:sp>
-      <p:sp>
-        <p:nvSpPr>
-          <p:cNvPr id="6" name="Content Placeholder 5"/>
-          <p:cNvSpPr>
-            <a:spLocks noGrp="1"/>
-          </p:cNvSpPr>
-          <p:nvPr>
-            <p:ph idx="1"/>
-          </p:nvPr>
-        </p:nvSpPr>
-        <p:spPr>
-          <a:xfrm>
-            <a:off x="838200" y="1671782"/>
-            <a:ext cx="10515600" cy="4505181"/>
-          </a:xfrm>
-        </p:spPr>
-        <p:txBody>
-          <a:bodyPr>
-            <a:normAutofit/>
-          </a:bodyPr>
-          <a:lstStyle/>
-          <a:p>
-            <a:endParaRPr lang="en-US" sz="2400" dirty="0" smtClean="0"/>
-          </a:p>
-          <a:p>
-            <a:endParaRPr lang="en-US" sz="2400" dirty="0"/>
-          </a:p>
-          <a:p>
-            <a:r>
-              <a:rPr lang="en-US" sz="2400" dirty="0" smtClean="0"/>
-              <a:t>Assignment can 3 possibilities :</a:t>
-            </a:r>
-          </a:p>
-          <a:p>
-            <a:pPr lvl="1"/>
-            <a:r>
-              <a:rPr lang="en-US" sz="2200" dirty="0" smtClean="0"/>
-              <a:t>Both sides are of equal capacity.</a:t>
-            </a:r>
-          </a:p>
-          <a:p>
-            <a:pPr lvl="1"/>
-            <a:r>
-              <a:rPr lang="en-US" sz="2200" dirty="0" smtClean="0"/>
-              <a:t>Left hand side is larger capacity and righ</a:t>
-            </a:r>
-            <a:r>
-              <a:rPr lang="en-US" sz="2200" dirty="0" smtClean="0"/>
-              <a:t>t hand side is smaller</a:t>
-            </a:r>
-            <a:r>
-              <a:rPr lang="en-US" sz="2200" dirty="0" smtClean="0"/>
-              <a:t>.</a:t>
-            </a:r>
-          </a:p>
-          <a:p>
-            <a:pPr lvl="1"/>
-            <a:r>
-              <a:rPr lang="en-US" sz="2200" dirty="0" smtClean="0"/>
-              <a:t>Right hand side is larger capacity and left hand side is smaller.</a:t>
-            </a:r>
-          </a:p>
-          <a:p>
-            <a:r>
-              <a:rPr lang="en-US" sz="2400" dirty="0" smtClean="0"/>
-              <a:t>Case 2 is referred to as widening.</a:t>
-            </a:r>
-          </a:p>
-          <a:p>
-            <a:r>
-              <a:rPr lang="en-US" sz="2400" dirty="0" smtClean="0"/>
-              <a:t>Case 3 is referred to as narrowing.</a:t>
-            </a:r>
-          </a:p>
-        </p:txBody>
-      </p:sp>
-      <p:sp>
-        <p:nvSpPr>
-          <p:cNvPr id="4" name="Slide Number Placeholder 3">
-            <a:extLst>
-              <a:ext uri="{FF2B5EF4-FFF2-40B4-BE49-F238E27FC236}">
-                <a16:creationId xmlns:a16="http://schemas.microsoft.com/office/drawing/2014/main" id="{62B4CE3A-8C88-45AA-A849-57E5A7AC22C1}"/>
-              </a:ext>
-            </a:extLst>
-          </p:cNvPr>
-          <p:cNvSpPr>
-            <a:spLocks noGrp="1"/>
-          </p:cNvSpPr>
-          <p:nvPr>
-            <p:ph type="sldNum" sz="quarter" idx="10"/>
-          </p:nvPr>
-        </p:nvSpPr>
-        <p:spPr/>
-        <p:txBody>
-          <a:bodyPr/>
-          <a:lstStyle/>
-          <a:p>
-            <a:r>
-              <a:rPr lang="en-US" dirty="0"/>
-              <a:t>PAGE </a:t>
-            </a:r>
-            <a:fld id="{4A9B5881-4007-4345-955A-79C2656F0C49}" type="slidenum">
-              <a:rPr lang="en-US" smtClean="0"/>
-              <a:pPr/>
-              <a:t>17</a:t>
-            </a:fld>
-            <a:endParaRPr lang="en-US" dirty="0"/>
-          </a:p>
-        </p:txBody>
-      </p:sp>
-      <p:sp>
-        <p:nvSpPr>
-          <p:cNvPr id="11" name="Rectangle 10">
-            <a:extLst>
-              <a:ext uri="{FF2B5EF4-FFF2-40B4-BE49-F238E27FC236}">
-                <a16:creationId xmlns:a16="http://schemas.microsoft.com/office/drawing/2014/main" id="{5F253864-26FA-4AB1-9F0A-4F57D870EE85}"/>
-              </a:ext>
-              <a:ext uri="{C183D7F6-B498-43B3-948B-1728B52AA6E4}">
-                <adec:decorative xmlns="" xmlns:adec="http://schemas.microsoft.com/office/drawing/2017/decorative" val="1"/>
-              </a:ext>
-            </a:extLst>
-          </p:cNvPr>
-          <p:cNvSpPr/>
-          <p:nvPr/>
-        </p:nvSpPr>
-        <p:spPr>
-          <a:xfrm>
-            <a:off x="6249555" y="6562004"/>
-            <a:ext cx="2552123" cy="159471"/>
-          </a:xfrm>
-          <a:prstGeom prst="rect">
-            <a:avLst/>
-          </a:prstGeom>
-          <a:solidFill>
-            <a:schemeClr val="tx1">
-              <a:lumMod val="85000"/>
-              <a:lumOff val="15000"/>
-            </a:schemeClr>
-          </a:solidFill>
-          <a:ln>
-            <a:noFill/>
-          </a:ln>
-        </p:spPr>
-        <p:style>
-          <a:lnRef idx="2">
-            <a:schemeClr val="accent1">
-              <a:shade val="50000"/>
-            </a:schemeClr>
-          </a:lnRef>
-          <a:fillRef idx="1">
-            <a:schemeClr val="accent1"/>
-          </a:fillRef>
-          <a:effectRef idx="0">
-            <a:schemeClr val="accent1"/>
-          </a:effectRef>
-          <a:fontRef idx="minor">
-            <a:schemeClr val="lt1"/>
-          </a:fontRef>
-        </p:style>
-        <p:txBody>
-          <a:bodyPr anchor="ctr"/>
-          <a:lstStyle/>
-          <a:p>
-            <a:pPr algn="ctr"/>
-            <a:endParaRPr lang="en-US" sz="1200" dirty="0"/>
-          </a:p>
-        </p:txBody>
-      </p:sp>
-    </p:spTree>
-    <p:extLst>
-      <p:ext uri="{BB962C8B-B14F-4D97-AF65-F5344CB8AC3E}">
-        <p14:creationId xmlns:p14="http://schemas.microsoft.com/office/powerpoint/2010/main" val="3610515386"/>
-      </p:ext>
-    </p:extLst>
-  </p:cSld>
-  <p:clrMapOvr>
-    <a:masterClrMapping/>
-  </p:clrMapOvr>
-  <p:timing>
-    <p:tnLst>
-      <p:par>
-        <p:cTn id="1" dur="indefinite" restart="never" nodeType="tmRoot"/>
-      </p:par>
-    </p:tnLst>
-  </p:timing>
-</p:sld>
-</file>
-
-<file path=ppt/slides/slide18.xml><?xml version="1.0" encoding="utf-8"?>
-<p:sld xmlns:a="http://schemas.openxmlformats.org/drawingml/2006/main" xmlns:r="http://schemas.openxmlformats.org/officeDocument/2006/relationships" xmlns:p="http://schemas.openxmlformats.org/presentationml/2006/main">
-  <p:cSld>
-    <p:spTree>
-      <p:nvGrpSpPr>
-        <p:cNvPr id="1" name=""/>
-        <p:cNvGrpSpPr/>
-        <p:nvPr/>
-      </p:nvGrpSpPr>
-      <p:grpSpPr>
-        <a:xfrm>
-          <a:off x="0" y="0"/>
-          <a:ext cx="0" cy="0"/>
-          <a:chOff x="0" y="0"/>
-          <a:chExt cx="0" cy="0"/>
-        </a:xfrm>
-      </p:grpSpPr>
-      <p:sp>
-        <p:nvSpPr>
-          <p:cNvPr id="2" name="Title 1">
-            <a:extLst>
-              <a:ext uri="{FF2B5EF4-FFF2-40B4-BE49-F238E27FC236}">
-                <a16:creationId xmlns:a16="http://schemas.microsoft.com/office/drawing/2014/main" id="{E199600F-A17E-4354-A7AB-0CC2A43A9354}"/>
-              </a:ext>
-            </a:extLst>
-          </p:cNvPr>
-          <p:cNvSpPr>
-            <a:spLocks noGrp="1"/>
-          </p:cNvSpPr>
-          <p:nvPr>
-            <p:ph type="title"/>
-          </p:nvPr>
-        </p:nvSpPr>
-        <p:spPr>
-          <a:xfrm>
-            <a:off x="838199" y="611079"/>
-            <a:ext cx="10515600" cy="833663"/>
-          </a:xfrm>
-        </p:spPr>
-        <p:txBody>
-          <a:bodyPr/>
-          <a:lstStyle/>
-          <a:p>
-            <a:pPr algn="ctr"/>
-            <a:r>
-              <a:rPr lang="en-US" dirty="0" smtClean="0"/>
-              <a:t>Widening &amp; Narrowing Conversions.</a:t>
-            </a:r>
-            <a:endParaRPr lang="en-US" dirty="0"/>
-          </a:p>
-        </p:txBody>
-      </p:sp>
-      <p:sp>
-        <p:nvSpPr>
-          <p:cNvPr id="3" name="Content Placeholder 2">
-            <a:extLst>
-              <a:ext uri="{FF2B5EF4-FFF2-40B4-BE49-F238E27FC236}">
-                <a16:creationId xmlns:a16="http://schemas.microsoft.com/office/drawing/2014/main" id="{FA6A4B49-27C8-46B6-8B11-AD7E8F615E2C}"/>
-              </a:ext>
-            </a:extLst>
-          </p:cNvPr>
-          <p:cNvSpPr>
-            <a:spLocks noGrp="1"/>
-          </p:cNvSpPr>
-          <p:nvPr>
-            <p:ph idx="1"/>
-          </p:nvPr>
-        </p:nvSpPr>
-        <p:spPr>
-          <a:xfrm>
-            <a:off x="838199" y="1825625"/>
-            <a:ext cx="10515599" cy="4351338"/>
-          </a:xfrm>
-        </p:spPr>
-        <p:txBody>
-          <a:bodyPr>
-            <a:normAutofit/>
-          </a:bodyPr>
-          <a:lstStyle/>
-          <a:p>
-            <a:r>
-              <a:rPr lang="en-US" dirty="0" smtClean="0"/>
-              <a:t>Assigning value to a higher data type from lower data type is called as </a:t>
-            </a:r>
-            <a:r>
-              <a:rPr lang="en-US" b="1" i="1" dirty="0" smtClean="0">
-                <a:solidFill>
-                  <a:srgbClr val="FFFF00"/>
-                </a:solidFill>
-              </a:rPr>
-              <a:t>widening conversion</a:t>
-            </a:r>
-            <a:r>
-              <a:rPr lang="en-US" dirty="0" smtClean="0"/>
-              <a:t>. Since the larger data type can hold values of a lower data type hence the compiler allows this conversion to happen implicitly. As a result its referred to as implicit widening conversions.</a:t>
-            </a:r>
-          </a:p>
-          <a:p>
-            <a:r>
-              <a:rPr lang="en-US" dirty="0" smtClean="0"/>
-              <a:t>On the other hand assigning a value from a lower data type to a higher data type is referred to as </a:t>
-            </a:r>
-            <a:r>
-              <a:rPr lang="en-US" b="1" i="1" dirty="0" smtClean="0">
-                <a:solidFill>
-                  <a:srgbClr val="FFFF00"/>
-                </a:solidFill>
-              </a:rPr>
-              <a:t>narrowing conversions</a:t>
-            </a:r>
-            <a:r>
-              <a:rPr lang="en-US" dirty="0" smtClean="0"/>
-              <a:t>. Since this type of conversion may result in a loss of information hence compiler does not allow such types of conversion implicitly. In order to make this assignment possible we need to explicitly tell the compiler to make that assignment. This explicit telling to the compiler happens by the way of ‘</a:t>
-            </a:r>
-            <a:r>
-              <a:rPr lang="en-US" b="1" i="1" dirty="0" smtClean="0">
-                <a:solidFill>
-                  <a:srgbClr val="FFFF00"/>
-                </a:solidFill>
-              </a:rPr>
-              <a:t>cast</a:t>
-            </a:r>
-            <a:r>
-              <a:rPr lang="en-US" dirty="0" smtClean="0"/>
-              <a:t>’.</a:t>
-            </a:r>
-          </a:p>
-          <a:p>
-            <a:r>
-              <a:rPr lang="en-US" dirty="0" smtClean="0"/>
-              <a:t>It might also be taken into consideration that if value of higher data type is within the range of the smaller data type then such type of assignment should be allowed. But the compiler has a problems here. The compiler is not the one executing the code &amp; hence it cannot determine the runtime value of the variable which is why it does not allow implicit narrowing here. The only time this happens when compiler finds a compile time constant.</a:t>
-            </a:r>
-          </a:p>
-          <a:p>
-            <a:endParaRPr lang="en-US" dirty="0" smtClean="0"/>
-          </a:p>
-          <a:p>
-            <a:endParaRPr lang="en-US" dirty="0"/>
-          </a:p>
-          <a:p>
-            <a:endParaRPr lang="en-US" dirty="0" smtClean="0"/>
-          </a:p>
-        </p:txBody>
-      </p:sp>
-      <p:sp>
-        <p:nvSpPr>
-          <p:cNvPr id="4" name="Slide Number Placeholder 3">
-            <a:extLst>
-              <a:ext uri="{FF2B5EF4-FFF2-40B4-BE49-F238E27FC236}">
-                <a16:creationId xmlns:a16="http://schemas.microsoft.com/office/drawing/2014/main" id="{62B4CE3A-8C88-45AA-A849-57E5A7AC22C1}"/>
-              </a:ext>
-            </a:extLst>
-          </p:cNvPr>
-          <p:cNvSpPr>
-            <a:spLocks noGrp="1"/>
-          </p:cNvSpPr>
-          <p:nvPr>
-            <p:ph type="sldNum" sz="quarter" idx="10"/>
-          </p:nvPr>
-        </p:nvSpPr>
-        <p:spPr>
-          <a:xfrm>
-            <a:off x="11353800" y="6361475"/>
-            <a:ext cx="838200" cy="360000"/>
-          </a:xfrm>
-        </p:spPr>
-        <p:txBody>
-          <a:bodyPr/>
-          <a:lstStyle/>
-          <a:p>
-            <a:r>
-              <a:rPr lang="en-US" dirty="0"/>
-              <a:t>PAGE </a:t>
-            </a:r>
-            <a:fld id="{4A9B5881-4007-4345-955A-79C2656F0C49}" type="slidenum">
-              <a:rPr lang="en-US" smtClean="0"/>
-              <a:pPr/>
-              <a:t>18</a:t>
-            </a:fld>
-            <a:endParaRPr lang="en-US" dirty="0"/>
-          </a:p>
-        </p:txBody>
-      </p:sp>
-      <p:sp>
-        <p:nvSpPr>
-          <p:cNvPr id="11" name="Rectangle 10">
-            <a:extLst>
-              <a:ext uri="{FF2B5EF4-FFF2-40B4-BE49-F238E27FC236}">
-                <a16:creationId xmlns:a16="http://schemas.microsoft.com/office/drawing/2014/main" id="{5F253864-26FA-4AB1-9F0A-4F57D870EE85}"/>
-              </a:ext>
-              <a:ext uri="{C183D7F6-B498-43B3-948B-1728B52AA6E4}">
-                <adec:decorative xmlns="" xmlns:adec="http://schemas.microsoft.com/office/drawing/2017/decorative" val="1"/>
-              </a:ext>
-            </a:extLst>
-          </p:cNvPr>
-          <p:cNvSpPr/>
-          <p:nvPr/>
-        </p:nvSpPr>
-        <p:spPr>
-          <a:xfrm>
-            <a:off x="6249555" y="6562004"/>
-            <a:ext cx="2552123" cy="159471"/>
-          </a:xfrm>
-          <a:prstGeom prst="rect">
-            <a:avLst/>
-          </a:prstGeom>
-          <a:solidFill>
-            <a:schemeClr val="tx1">
-              <a:lumMod val="85000"/>
-              <a:lumOff val="15000"/>
-            </a:schemeClr>
-          </a:solidFill>
-          <a:ln>
-            <a:noFill/>
-          </a:ln>
-        </p:spPr>
-        <p:style>
-          <a:lnRef idx="2">
-            <a:schemeClr val="accent1">
-              <a:shade val="50000"/>
-            </a:schemeClr>
-          </a:lnRef>
-          <a:fillRef idx="1">
-            <a:schemeClr val="accent1"/>
-          </a:fillRef>
-          <a:effectRef idx="0">
-            <a:schemeClr val="accent1"/>
-          </a:effectRef>
-          <a:fontRef idx="minor">
-            <a:schemeClr val="lt1"/>
-          </a:fontRef>
-        </p:style>
-        <p:txBody>
-          <a:bodyPr anchor="ctr"/>
-          <a:lstStyle/>
-          <a:p>
-            <a:pPr algn="ctr"/>
-            <a:endParaRPr lang="en-US" sz="1200" dirty="0"/>
-          </a:p>
-        </p:txBody>
-      </p:sp>
-    </p:spTree>
-    <p:extLst>
-      <p:ext uri="{BB962C8B-B14F-4D97-AF65-F5344CB8AC3E}">
-        <p14:creationId xmlns:p14="http://schemas.microsoft.com/office/powerpoint/2010/main" val="1677225965"/>
-      </p:ext>
-    </p:extLst>
-  </p:cSld>
-  <p:clrMapOvr>
-    <a:masterClrMapping/>
-  </p:clrMapOvr>
-  <p:timing>
-    <p:tnLst>
-      <p:par>
-        <p:cTn id="1" dur="indefinite" restart="never" nodeType="tmRoot"/>
-      </p:par>
-    </p:tnLst>
-  </p:timing>
-</p:sld>
-</file>
-
-<file path=ppt/slides/slide19.xml><?xml version="1.0" encoding="utf-8"?>
-<p:sld xmlns:a="http://schemas.openxmlformats.org/drawingml/2006/main" xmlns:r="http://schemas.openxmlformats.org/officeDocument/2006/relationships" xmlns:p="http://schemas.openxmlformats.org/presentationml/2006/main">
-  <p:cSld>
-    <p:spTree>
-      <p:nvGrpSpPr>
-        <p:cNvPr id="1" name=""/>
-        <p:cNvGrpSpPr/>
-        <p:nvPr/>
-      </p:nvGrpSpPr>
-      <p:grpSpPr>
-        <a:xfrm>
-          <a:off x="0" y="0"/>
-          <a:ext cx="0" cy="0"/>
-          <a:chOff x="0" y="0"/>
-          <a:chExt cx="0" cy="0"/>
-        </a:xfrm>
-      </p:grpSpPr>
-      <p:sp>
-        <p:nvSpPr>
-          <p:cNvPr id="2" name="Title 1"/>
-          <p:cNvSpPr>
-            <a:spLocks noGrp="1"/>
-          </p:cNvSpPr>
-          <p:nvPr>
-            <p:ph type="title"/>
-          </p:nvPr>
-        </p:nvSpPr>
-        <p:spPr>
-          <a:xfrm>
-            <a:off x="838200" y="611076"/>
-            <a:ext cx="10565674" cy="833663"/>
-          </a:xfrm>
-        </p:spPr>
-        <p:txBody>
-          <a:bodyPr/>
-          <a:lstStyle/>
-          <a:p>
-            <a:pPr algn="ctr"/>
-            <a:r>
-              <a:rPr lang="en-US" dirty="0" smtClean="0"/>
-              <a:t>Automatic Type Conversion</a:t>
-            </a:r>
-            <a:endParaRPr lang="en-IN" dirty="0"/>
-          </a:p>
-        </p:txBody>
-      </p:sp>
-      <p:sp>
-        <p:nvSpPr>
-          <p:cNvPr id="4" name="Slide Number Placeholder 3"/>
-          <p:cNvSpPr>
-            <a:spLocks noGrp="1"/>
-          </p:cNvSpPr>
-          <p:nvPr>
-            <p:ph type="sldNum" sz="quarter" idx="10"/>
-          </p:nvPr>
-        </p:nvSpPr>
-        <p:spPr/>
-        <p:txBody>
-          <a:bodyPr/>
-          <a:lstStyle/>
-          <a:p>
-            <a:r>
-              <a:rPr lang="en-US" smtClean="0"/>
-              <a:t>PAGE </a:t>
-            </a:r>
-            <a:fld id="{4A9B5881-4007-4345-955A-79C2656F0C49}" type="slidenum">
-              <a:rPr lang="en-US" smtClean="0"/>
-              <a:pPr/>
-              <a:t>19</a:t>
-            </a:fld>
-            <a:endParaRPr lang="en-US" dirty="0"/>
-          </a:p>
-        </p:txBody>
-      </p:sp>
-      <p:pic>
-        <p:nvPicPr>
-          <p:cNvPr id="6" name="Picture 5" descr="Automatic Type Conversion.png"/>
-          <p:cNvPicPr>
-            <a:picLocks noChangeAspect="1"/>
-          </p:cNvPicPr>
-          <p:nvPr/>
-        </p:nvPicPr>
-        <p:blipFill>
-          <a:blip r:embed="rId2"/>
-          <a:stretch>
-            <a:fillRect/>
-          </a:stretch>
-        </p:blipFill>
-        <p:spPr>
-          <a:xfrm>
-            <a:off x="1410790" y="2013239"/>
-            <a:ext cx="9379130" cy="4320686"/>
-          </a:xfrm>
-          <a:prstGeom prst="rect">
-            <a:avLst/>
-          </a:prstGeom>
-        </p:spPr>
-      </p:pic>
-    </p:spTree>
   </p:cSld>
   <p:clrMapOvr>
     <a:masterClrMapping/>
@@ -7226,7 +5848,7 @@
           <p:cNvPr id="2" name="Title 1">
             <a:extLst>
               <a:ext uri="{FF2B5EF4-FFF2-40B4-BE49-F238E27FC236}">
-                <a16:creationId xmlns:a16="http://schemas.microsoft.com/office/drawing/2014/main" id="{E199600F-A17E-4354-A7AB-0CC2A43A9354}"/>
+                <a16:creationId xmlns="" xmlns:a16="http://schemas.microsoft.com/office/drawing/2014/main" id="{E199600F-A17E-4354-A7AB-0CC2A43A9354}"/>
               </a:ext>
             </a:extLst>
           </p:cNvPr>
@@ -7261,7 +5883,7 @@
           <p:cNvPr id="3" name="Content Placeholder 2">
             <a:extLst>
               <a:ext uri="{FF2B5EF4-FFF2-40B4-BE49-F238E27FC236}">
-                <a16:creationId xmlns:a16="http://schemas.microsoft.com/office/drawing/2014/main" id="{FA6A4B49-27C8-46B6-8B11-AD7E8F615E2C}"/>
+                <a16:creationId xmlns="" xmlns:a16="http://schemas.microsoft.com/office/drawing/2014/main" id="{FA6A4B49-27C8-46B6-8B11-AD7E8F615E2C}"/>
               </a:ext>
             </a:extLst>
           </p:cNvPr>
@@ -7292,12 +5914,10 @@
           <a:p>
             <a:r>
               <a:rPr lang="en-IN" sz="2400" b="1" dirty="0" smtClean="0"/>
-              <a:t>Working With Java Primitive </a:t>
-            </a:r>
-            <a:r>
-              <a:rPr lang="en-IN" sz="2400" b="1" smtClean="0"/>
-              <a:t>Data Types</a:t>
-            </a:r>
+              <a:t>Working With Java Primitive Data Types</a:t>
+            </a:r>
+          </a:p>
+          <a:p>
             <a:endParaRPr lang="en-US" sz="2400" dirty="0" smtClean="0"/>
           </a:p>
           <a:p>
@@ -7332,7 +5952,7 @@
           <p:cNvPr id="4" name="Slide Number Placeholder 3">
             <a:extLst>
               <a:ext uri="{FF2B5EF4-FFF2-40B4-BE49-F238E27FC236}">
-                <a16:creationId xmlns:a16="http://schemas.microsoft.com/office/drawing/2014/main" id="{62B4CE3A-8C88-45AA-A849-57E5A7AC22C1}"/>
+                <a16:creationId xmlns="" xmlns:a16="http://schemas.microsoft.com/office/drawing/2014/main" id="{62B4CE3A-8C88-45AA-A849-57E5A7AC22C1}"/>
               </a:ext>
             </a:extLst>
           </p:cNvPr>
@@ -7371,10 +5991,10 @@
           <p:cNvPr id="11" name="Rectangle 10">
             <a:extLst>
               <a:ext uri="{FF2B5EF4-FFF2-40B4-BE49-F238E27FC236}">
-                <a16:creationId xmlns:a16="http://schemas.microsoft.com/office/drawing/2014/main" id="{5F253864-26FA-4AB1-9F0A-4F57D870EE85}"/>
+                <a16:creationId xmlns="" xmlns:a16="http://schemas.microsoft.com/office/drawing/2014/main" id="{5F253864-26FA-4AB1-9F0A-4F57D870EE85}"/>
               </a:ext>
               <a:ext uri="{C183D7F6-B498-43B3-948B-1728B52AA6E4}">
-                <adec:decorative xmlns="" xmlns:adec="http://schemas.microsoft.com/office/drawing/2017/decorative" val="1"/>
+                <adec:decorative xmlns:adec="http://schemas.microsoft.com/office/drawing/2017/decorative" xmlns="" val="1"/>
               </a:ext>
             </a:extLst>
           </p:cNvPr>
@@ -7451,545 +6071,7 @@
     </p:spTree>
     <p:extLst>
       <p:ext uri="{BB962C8B-B14F-4D97-AF65-F5344CB8AC3E}">
-        <p14:creationId xmlns:p14="http://schemas.microsoft.com/office/powerpoint/2010/main" val="1281103274"/>
-      </p:ext>
-    </p:extLst>
-  </p:cSld>
-  <p:clrMapOvr>
-    <a:masterClrMapping/>
-  </p:clrMapOvr>
-  <p:timing>
-    <p:tnLst>
-      <p:par>
-        <p:cTn id="1" dur="indefinite" restart="never" nodeType="tmRoot"/>
-      </p:par>
-    </p:tnLst>
-  </p:timing>
-</p:sld>
-</file>
-
-<file path=ppt/slides/slide20.xml><?xml version="1.0" encoding="utf-8"?>
-<p:sld xmlns:a="http://schemas.openxmlformats.org/drawingml/2006/main" xmlns:r="http://schemas.openxmlformats.org/officeDocument/2006/relationships" xmlns:p="http://schemas.openxmlformats.org/presentationml/2006/main">
-  <p:cSld>
-    <p:spTree>
-      <p:nvGrpSpPr>
-        <p:cNvPr id="1" name=""/>
-        <p:cNvGrpSpPr/>
-        <p:nvPr/>
-      </p:nvGrpSpPr>
-      <p:grpSpPr>
-        <a:xfrm>
-          <a:off x="0" y="0"/>
-          <a:ext cx="0" cy="0"/>
-          <a:chOff x="0" y="0"/>
-          <a:chExt cx="0" cy="0"/>
-        </a:xfrm>
-      </p:grpSpPr>
-      <p:sp>
-        <p:nvSpPr>
-          <p:cNvPr id="2" name="Title 1">
-            <a:extLst>
-              <a:ext uri="{FF2B5EF4-FFF2-40B4-BE49-F238E27FC236}">
-                <a16:creationId xmlns:a16="http://schemas.microsoft.com/office/drawing/2014/main" id="{E199600F-A17E-4354-A7AB-0CC2A43A9354}"/>
-              </a:ext>
-            </a:extLst>
-          </p:cNvPr>
-          <p:cNvSpPr>
-            <a:spLocks noGrp="1"/>
-          </p:cNvSpPr>
-          <p:nvPr>
-            <p:ph type="title"/>
-          </p:nvPr>
-        </p:nvSpPr>
-        <p:spPr>
-          <a:xfrm>
-            <a:off x="838199" y="611080"/>
-            <a:ext cx="10515600" cy="833663"/>
-          </a:xfrm>
-        </p:spPr>
-        <p:txBody>
-          <a:bodyPr/>
-          <a:lstStyle/>
-          <a:p>
-            <a:pPr algn="ctr"/>
-            <a:r>
-              <a:rPr lang="en-US" dirty="0" smtClean="0"/>
-              <a:t>Compile time constants</a:t>
-            </a:r>
-            <a:endParaRPr lang="en-US" dirty="0"/>
-          </a:p>
-        </p:txBody>
-      </p:sp>
-      <p:sp>
-        <p:nvSpPr>
-          <p:cNvPr id="3" name="Content Placeholder 2">
-            <a:extLst>
-              <a:ext uri="{FF2B5EF4-FFF2-40B4-BE49-F238E27FC236}">
-                <a16:creationId xmlns:a16="http://schemas.microsoft.com/office/drawing/2014/main" id="{FA6A4B49-27C8-46B6-8B11-AD7E8F615E2C}"/>
-              </a:ext>
-            </a:extLst>
-          </p:cNvPr>
-          <p:cNvSpPr>
-            <a:spLocks noGrp="1"/>
-          </p:cNvSpPr>
-          <p:nvPr>
-            <p:ph idx="1"/>
-          </p:nvPr>
-        </p:nvSpPr>
-        <p:spPr/>
-        <p:txBody>
-          <a:bodyPr>
-            <a:normAutofit fontScale="92500" lnSpcReduction="20000"/>
-          </a:bodyPr>
-          <a:lstStyle/>
-          <a:p>
-            <a:r>
-              <a:rPr lang="en-US" dirty="0" smtClean="0"/>
-              <a:t>Compile time constants are variables whose values do not change throughout the course of the program. Hence compiler can definitely know the value of such a value at any point in the program.</a:t>
-            </a:r>
-          </a:p>
-          <a:p>
-            <a:r>
-              <a:rPr lang="en-US" dirty="0" smtClean="0"/>
-              <a:t>Since the value of such a variable is known at the compile time hence compiler allows implicit narrowing in cases where larger data type value lies within the range of lower data type value.</a:t>
-            </a:r>
-          </a:p>
-          <a:p>
-            <a:r>
-              <a:rPr lang="en-US" dirty="0" smtClean="0"/>
-              <a:t>A compile time constant in java is declared using the final keyword.</a:t>
-            </a:r>
-          </a:p>
-          <a:p>
-            <a:r>
-              <a:rPr lang="en-US" dirty="0" smtClean="0"/>
-              <a:t>Ex. final </a:t>
-            </a:r>
-            <a:r>
-              <a:rPr lang="en-US" dirty="0" err="1" smtClean="0"/>
-              <a:t>int</a:t>
-            </a:r>
-            <a:r>
-              <a:rPr lang="en-US" dirty="0" smtClean="0"/>
-              <a:t> </a:t>
-            </a:r>
-            <a:r>
-              <a:rPr lang="en-US" dirty="0" err="1" smtClean="0"/>
-              <a:t>constantInt</a:t>
-            </a:r>
-            <a:r>
-              <a:rPr lang="en-US" dirty="0" smtClean="0"/>
-              <a:t> = 10;</a:t>
-            </a:r>
-          </a:p>
-          <a:p>
-            <a:r>
-              <a:rPr lang="en-US" dirty="0" smtClean="0"/>
-              <a:t>In the above </a:t>
-            </a:r>
-            <a:r>
-              <a:rPr lang="en-US" dirty="0"/>
-              <a:t>example value of </a:t>
-            </a:r>
-            <a:r>
-              <a:rPr lang="en-US" dirty="0" err="1" smtClean="0"/>
-              <a:t>constantInt</a:t>
-            </a:r>
-            <a:r>
-              <a:rPr lang="en-US" dirty="0" smtClean="0"/>
-              <a:t> is set as final , hence  it is a constant variable and it will hold the value 10 throughout the life time of the program</a:t>
-            </a:r>
-          </a:p>
-          <a:p>
-            <a:r>
-              <a:rPr lang="en-US" dirty="0" smtClean="0"/>
-              <a:t>Wherever the constant variable is used in a program the compiler replaces it with exact value of the constant variable. This is depicted in the picture as shown.</a:t>
-            </a:r>
-          </a:p>
-          <a:p>
-            <a:endParaRPr lang="en-US" dirty="0" smtClean="0"/>
-          </a:p>
-        </p:txBody>
-      </p:sp>
-      <p:sp>
-        <p:nvSpPr>
-          <p:cNvPr id="4" name="Slide Number Placeholder 3">
-            <a:extLst>
-              <a:ext uri="{FF2B5EF4-FFF2-40B4-BE49-F238E27FC236}">
-                <a16:creationId xmlns:a16="http://schemas.microsoft.com/office/drawing/2014/main" id="{62B4CE3A-8C88-45AA-A849-57E5A7AC22C1}"/>
-              </a:ext>
-            </a:extLst>
-          </p:cNvPr>
-          <p:cNvSpPr>
-            <a:spLocks noGrp="1"/>
-          </p:cNvSpPr>
-          <p:nvPr>
-            <p:ph type="sldNum" sz="quarter" idx="10"/>
-          </p:nvPr>
-        </p:nvSpPr>
-        <p:spPr>
-          <a:xfrm>
-            <a:off x="11353800" y="6361475"/>
-            <a:ext cx="838200" cy="360000"/>
-          </a:xfrm>
-        </p:spPr>
-        <p:txBody>
-          <a:bodyPr/>
-          <a:lstStyle/>
-          <a:p>
-            <a:r>
-              <a:rPr lang="en-US" dirty="0"/>
-              <a:t>PAGE </a:t>
-            </a:r>
-            <a:fld id="{4A9B5881-4007-4345-955A-79C2656F0C49}" type="slidenum">
-              <a:rPr lang="en-US" smtClean="0"/>
-              <a:pPr/>
-              <a:t>20</a:t>
-            </a:fld>
-            <a:endParaRPr lang="en-US" dirty="0"/>
-          </a:p>
-        </p:txBody>
-      </p:sp>
-      <p:sp>
-        <p:nvSpPr>
-          <p:cNvPr id="11" name="Rectangle 10">
-            <a:extLst>
-              <a:ext uri="{FF2B5EF4-FFF2-40B4-BE49-F238E27FC236}">
-                <a16:creationId xmlns:a16="http://schemas.microsoft.com/office/drawing/2014/main" id="{5F253864-26FA-4AB1-9F0A-4F57D870EE85}"/>
-              </a:ext>
-              <a:ext uri="{C183D7F6-B498-43B3-948B-1728B52AA6E4}">
-                <adec:decorative xmlns="" xmlns:adec="http://schemas.microsoft.com/office/drawing/2017/decorative" val="1"/>
-              </a:ext>
-            </a:extLst>
-          </p:cNvPr>
-          <p:cNvSpPr/>
-          <p:nvPr/>
-        </p:nvSpPr>
-        <p:spPr>
-          <a:xfrm>
-            <a:off x="6249555" y="6562004"/>
-            <a:ext cx="2552123" cy="159471"/>
-          </a:xfrm>
-          <a:prstGeom prst="rect">
-            <a:avLst/>
-          </a:prstGeom>
-          <a:solidFill>
-            <a:schemeClr val="tx1">
-              <a:lumMod val="85000"/>
-              <a:lumOff val="15000"/>
-            </a:schemeClr>
-          </a:solidFill>
-          <a:ln>
-            <a:noFill/>
-          </a:ln>
-        </p:spPr>
-        <p:style>
-          <a:lnRef idx="2">
-            <a:schemeClr val="accent1">
-              <a:shade val="50000"/>
-            </a:schemeClr>
-          </a:lnRef>
-          <a:fillRef idx="1">
-            <a:schemeClr val="accent1"/>
-          </a:fillRef>
-          <a:effectRef idx="0">
-            <a:schemeClr val="accent1"/>
-          </a:effectRef>
-          <a:fontRef idx="minor">
-            <a:schemeClr val="lt1"/>
-          </a:fontRef>
-        </p:style>
-        <p:txBody>
-          <a:bodyPr anchor="ctr"/>
-          <a:lstStyle/>
-          <a:p>
-            <a:pPr algn="ctr"/>
-            <a:endParaRPr lang="en-US" sz="1200" dirty="0"/>
-          </a:p>
-        </p:txBody>
-      </p:sp>
-      <p:pic>
-        <p:nvPicPr>
-          <p:cNvPr id="5" name="Picture 4"/>
-          <p:cNvPicPr>
-            <a:picLocks noChangeAspect="1"/>
-          </p:cNvPicPr>
-          <p:nvPr/>
-        </p:nvPicPr>
-        <p:blipFill>
-          <a:blip r:embed="rId2">
-            <a:extLst>
-              <a:ext uri="{28A0092B-C50C-407E-A947-70E740481C1C}">
-                <a14:useLocalDpi xmlns:a14="http://schemas.microsoft.com/office/drawing/2010/main" val="0"/>
-              </a:ext>
-            </a:extLst>
-          </a:blip>
-          <a:stretch>
-            <a:fillRect/>
-          </a:stretch>
-        </p:blipFill>
-        <p:spPr>
-          <a:xfrm>
-            <a:off x="7836384" y="1825625"/>
-            <a:ext cx="3594285" cy="2044411"/>
-          </a:xfrm>
-          <a:prstGeom prst="rect">
-            <a:avLst/>
-          </a:prstGeom>
-        </p:spPr>
-      </p:pic>
-      <p:pic>
-        <p:nvPicPr>
-          <p:cNvPr id="7" name="Picture 6"/>
-          <p:cNvPicPr>
-            <a:picLocks noChangeAspect="1"/>
-          </p:cNvPicPr>
-          <p:nvPr/>
-        </p:nvPicPr>
-        <p:blipFill>
-          <a:blip r:embed="rId3">
-            <a:extLst>
-              <a:ext uri="{28A0092B-C50C-407E-A947-70E740481C1C}">
-                <a14:useLocalDpi xmlns:a14="http://schemas.microsoft.com/office/drawing/2010/main" val="0"/>
-              </a:ext>
-            </a:extLst>
-          </a:blip>
-          <a:stretch>
-            <a:fillRect/>
-          </a:stretch>
-        </p:blipFill>
-        <p:spPr>
-          <a:xfrm>
-            <a:off x="7836384" y="4442691"/>
-            <a:ext cx="3594285" cy="1734272"/>
-          </a:xfrm>
-          <a:prstGeom prst="rect">
-            <a:avLst/>
-          </a:prstGeom>
-        </p:spPr>
-      </p:pic>
-    </p:spTree>
-    <p:extLst>
-      <p:ext uri="{BB962C8B-B14F-4D97-AF65-F5344CB8AC3E}">
-        <p14:creationId xmlns:p14="http://schemas.microsoft.com/office/powerpoint/2010/main" val="2944664186"/>
-      </p:ext>
-    </p:extLst>
-  </p:cSld>
-  <p:clrMapOvr>
-    <a:masterClrMapping/>
-  </p:clrMapOvr>
-  <p:timing>
-    <p:tnLst>
-      <p:par>
-        <p:cTn id="1" dur="indefinite" restart="never" nodeType="tmRoot"/>
-      </p:par>
-    </p:tnLst>
-  </p:timing>
-</p:sld>
-</file>
-
-<file path=ppt/slides/slide21.xml><?xml version="1.0" encoding="utf-8"?>
-<p:sld xmlns:a="http://schemas.openxmlformats.org/drawingml/2006/main" xmlns:r="http://schemas.openxmlformats.org/officeDocument/2006/relationships" xmlns:p="http://schemas.openxmlformats.org/presentationml/2006/main">
-  <p:cSld>
-    <p:spTree>
-      <p:nvGrpSpPr>
-        <p:cNvPr id="1" name=""/>
-        <p:cNvGrpSpPr/>
-        <p:nvPr/>
-      </p:nvGrpSpPr>
-      <p:grpSpPr>
-        <a:xfrm>
-          <a:off x="0" y="0"/>
-          <a:ext cx="0" cy="0"/>
-          <a:chOff x="0" y="0"/>
-          <a:chExt cx="0" cy="0"/>
-        </a:xfrm>
-      </p:grpSpPr>
-      <p:sp>
-        <p:nvSpPr>
-          <p:cNvPr id="2" name="Title 1">
-            <a:extLst>
-              <a:ext uri="{FF2B5EF4-FFF2-40B4-BE49-F238E27FC236}">
-                <a16:creationId xmlns:a16="http://schemas.microsoft.com/office/drawing/2014/main" id="{C8F58AE6-56F6-44E8-8BBF-23277B1773E4}"/>
-              </a:ext>
-            </a:extLst>
-          </p:cNvPr>
-          <p:cNvSpPr>
-            <a:spLocks noGrp="1"/>
-          </p:cNvSpPr>
-          <p:nvPr>
-            <p:ph type="title"/>
-          </p:nvPr>
-        </p:nvSpPr>
-        <p:spPr/>
-        <p:txBody>
-          <a:bodyPr/>
-          <a:lstStyle/>
-          <a:p>
-            <a:pPr algn="ctr"/>
-            <a:r>
-              <a:rPr lang="en-US" dirty="0" smtClean="0"/>
-              <a:t>Questions ??</a:t>
-            </a:r>
-            <a:endParaRPr lang="en-US" dirty="0"/>
-          </a:p>
-        </p:txBody>
-      </p:sp>
-      <p:pic>
-        <p:nvPicPr>
-          <p:cNvPr id="3" name="Content Placeholder 2"/>
-          <p:cNvPicPr>
-            <a:picLocks noGrp="1" noChangeAspect="1"/>
-          </p:cNvPicPr>
-          <p:nvPr>
-            <p:ph idx="1"/>
-          </p:nvPr>
-        </p:nvPicPr>
-        <p:blipFill>
-          <a:blip r:embed="rId2">
-            <a:extLst>
-              <a:ext uri="{28A0092B-C50C-407E-A947-70E740481C1C}">
-                <a14:useLocalDpi xmlns:a14="http://schemas.microsoft.com/office/drawing/2010/main" val="0"/>
-              </a:ext>
-            </a:extLst>
-          </a:blip>
-          <a:stretch>
-            <a:fillRect/>
-          </a:stretch>
-        </p:blipFill>
-        <p:spPr>
-          <a:xfrm>
-            <a:off x="4705350" y="1487686"/>
-            <a:ext cx="6648450" cy="3739753"/>
-          </a:xfrm>
-        </p:spPr>
-      </p:pic>
-      <p:sp>
-        <p:nvSpPr>
-          <p:cNvPr id="20" name="Slide Number Placeholder 19">
-            <a:extLst>
-              <a:ext uri="{FF2B5EF4-FFF2-40B4-BE49-F238E27FC236}">
-                <a16:creationId xmlns:a16="http://schemas.microsoft.com/office/drawing/2014/main" id="{3AEC0301-E9AA-4478-9E23-C372DBDCE653}"/>
-              </a:ext>
-            </a:extLst>
-          </p:cNvPr>
-          <p:cNvSpPr>
-            <a:spLocks noGrp="1"/>
-          </p:cNvSpPr>
-          <p:nvPr>
-            <p:ph type="sldNum" sz="quarter" idx="10"/>
-          </p:nvPr>
-        </p:nvSpPr>
-        <p:spPr>
-          <a:xfrm>
-            <a:off x="10717695" y="6363134"/>
-            <a:ext cx="838200" cy="360000"/>
-          </a:xfrm>
-        </p:spPr>
-        <p:txBody>
-          <a:bodyPr/>
-          <a:lstStyle/>
-          <a:p>
-            <a:r>
-              <a:rPr lang="en-US" dirty="0"/>
-              <a:t>PAGE </a:t>
-            </a:r>
-            <a:fld id="{4A9B5881-4007-4345-955A-79C2656F0C49}" type="slidenum">
-              <a:rPr lang="en-US" smtClean="0"/>
-              <a:pPr/>
-              <a:t>21</a:t>
-            </a:fld>
-            <a:endParaRPr lang="en-US" dirty="0"/>
-          </a:p>
-        </p:txBody>
-      </p:sp>
-      <p:sp>
-        <p:nvSpPr>
-          <p:cNvPr id="10" name="Isosceles Triangle 9">
-            <a:extLst>
-              <a:ext uri="{FF2B5EF4-FFF2-40B4-BE49-F238E27FC236}">
-                <a16:creationId xmlns:a16="http://schemas.microsoft.com/office/drawing/2014/main" id="{792980D7-ED01-4955-83DB-59BA18C94FBA}"/>
-              </a:ext>
-              <a:ext uri="{C183D7F6-B498-43B3-948B-1728B52AA6E4}">
-                <adec:decorative xmlns="" xmlns:adec="http://schemas.microsoft.com/office/drawing/2017/decorative" val="1"/>
-              </a:ext>
-            </a:extLst>
-          </p:cNvPr>
-          <p:cNvSpPr/>
-          <p:nvPr/>
-        </p:nvSpPr>
-        <p:spPr>
-          <a:xfrm rot="10800000">
-            <a:off x="10006315" y="6271566"/>
-            <a:ext cx="142847" cy="91567"/>
-          </a:xfrm>
-          <a:prstGeom prst="triangle">
-            <a:avLst/>
-          </a:prstGeom>
-          <a:solidFill>
-            <a:schemeClr val="bg1"/>
-          </a:solidFill>
-          <a:ln>
-            <a:noFill/>
-          </a:ln>
-        </p:spPr>
-        <p:style>
-          <a:lnRef idx="2">
-            <a:schemeClr val="accent1">
-              <a:shade val="50000"/>
-            </a:schemeClr>
-          </a:lnRef>
-          <a:fillRef idx="1">
-            <a:schemeClr val="accent1"/>
-          </a:fillRef>
-          <a:effectRef idx="0">
-            <a:schemeClr val="accent1"/>
-          </a:effectRef>
-          <a:fontRef idx="minor">
-            <a:schemeClr val="lt1"/>
-          </a:fontRef>
-        </p:style>
-        <p:txBody>
-          <a:bodyPr rtlCol="0" anchor="ctr"/>
-          <a:lstStyle/>
-          <a:p>
-            <a:pPr algn="ctr"/>
-            <a:endParaRPr lang="en-US" dirty="0"/>
-          </a:p>
-        </p:txBody>
-      </p:sp>
-      <p:sp>
-        <p:nvSpPr>
-          <p:cNvPr id="4" name="Rectangle 3"/>
-          <p:cNvSpPr/>
-          <p:nvPr/>
-        </p:nvSpPr>
-        <p:spPr>
-          <a:xfrm>
-            <a:off x="5785658" y="3244334"/>
-            <a:ext cx="620683" cy="369332"/>
-          </a:xfrm>
-          <a:prstGeom prst="rect">
-            <a:avLst/>
-          </a:prstGeom>
-        </p:spPr>
-        <p:txBody>
-          <a:bodyPr wrap="none">
-            <a:spAutoFit/>
-          </a:bodyPr>
-          <a:lstStyle/>
-          <a:p>
-            <a:r>
-              <a:rPr lang="en-US" dirty="0"/>
-              <a:t>a b c</a:t>
-            </a:r>
-          </a:p>
-        </p:txBody>
-      </p:sp>
-    </p:spTree>
-    <p:extLst>
-      <p:ext uri="{BB962C8B-B14F-4D97-AF65-F5344CB8AC3E}">
-        <p14:creationId xmlns:p14="http://schemas.microsoft.com/office/powerpoint/2010/main" val="1704949556"/>
+        <p14:creationId xmlns="" xmlns:p14="http://schemas.microsoft.com/office/powerpoint/2010/main" val="1281103274"/>
       </p:ext>
     </p:extLst>
   </p:cSld>
@@ -8028,7 +6110,7 @@
           <p:cNvPr id="2" name="Title 1">
             <a:extLst>
               <a:ext uri="{FF2B5EF4-FFF2-40B4-BE49-F238E27FC236}">
-                <a16:creationId xmlns:a16="http://schemas.microsoft.com/office/drawing/2014/main" id="{E199600F-A17E-4354-A7AB-0CC2A43A9354}"/>
+                <a16:creationId xmlns="" xmlns:a16="http://schemas.microsoft.com/office/drawing/2014/main" id="{E199600F-A17E-4354-A7AB-0CC2A43A9354}"/>
               </a:ext>
             </a:extLst>
           </p:cNvPr>
@@ -8041,8 +6123,8 @@
         </p:nvSpPr>
         <p:spPr>
           <a:xfrm>
-            <a:off x="838199" y="611079"/>
-            <a:ext cx="10515600" cy="833663"/>
+            <a:off x="838200" y="641855"/>
+            <a:ext cx="10515600" cy="772107"/>
           </a:xfrm>
         </p:spPr>
         <p:txBody>
@@ -8052,7 +6134,7 @@
             <a:pPr algn="ctr"/>
             <a:r>
               <a:rPr lang="en-US" dirty="0" smtClean="0"/>
-              <a:t>Standard Weights</a:t>
+              <a:t>Data &amp; Types</a:t>
             </a:r>
             <a:endParaRPr lang="en-US" dirty="0"/>
           </a:p>
@@ -8060,13 +6142,7 @@
       </p:sp>
       <p:sp>
         <p:nvSpPr>
-          <p:cNvPr id="3" name="Content Placeholder 2">
-            <a:extLst>
-              <a:ext uri="{FF2B5EF4-FFF2-40B4-BE49-F238E27FC236}">
-                <a16:creationId xmlns:a16="http://schemas.microsoft.com/office/drawing/2014/main" id="{FA6A4B49-27C8-46B6-8B11-AD7E8F615E2C}"/>
-              </a:ext>
-            </a:extLst>
-          </p:cNvPr>
+          <p:cNvPr id="6" name="Content Placeholder 5"/>
           <p:cNvSpPr>
             <a:spLocks noGrp="1"/>
           </p:cNvSpPr>
@@ -8077,14 +6153,95 @@
         <p:spPr/>
         <p:txBody>
           <a:bodyPr>
-            <a:normAutofit/>
+            <a:normAutofit fontScale="92500" lnSpcReduction="10000"/>
           </a:bodyPr>
           <a:lstStyle/>
           <a:p>
-            <a:endParaRPr lang="en-US" dirty="0" smtClean="0"/>
-          </a:p>
-          <a:p>
-            <a:endParaRPr lang="en-US" dirty="0"/>
+            <a:endParaRPr lang="en-US" sz="2400" dirty="0" smtClean="0"/>
+          </a:p>
+          <a:p>
+            <a:r>
+              <a:rPr lang="en-US" sz="2400" dirty="0" smtClean="0"/>
+              <a:t>A program is nothing but an exercise in manipulating the data represented by variables and objects.</a:t>
+            </a:r>
+          </a:p>
+          <a:p>
+            <a:r>
+              <a:rPr lang="en-US" sz="2400" dirty="0" smtClean="0"/>
+              <a:t>In order to work with data, every language defines certain basic data types.</a:t>
+            </a:r>
+          </a:p>
+          <a:p>
+            <a:r>
+              <a:rPr lang="en-US" sz="2400" dirty="0" smtClean="0"/>
+              <a:t>Java defines primitive data types :</a:t>
+            </a:r>
+          </a:p>
+          <a:p>
+            <a:pPr lvl="1"/>
+            <a:r>
+              <a:rPr lang="en-US" sz="2400" dirty="0" smtClean="0"/>
+              <a:t>byte</a:t>
+            </a:r>
+          </a:p>
+          <a:p>
+            <a:pPr lvl="1"/>
+            <a:r>
+              <a:rPr lang="en-US" sz="2400" dirty="0" smtClean="0"/>
+              <a:t>short </a:t>
+            </a:r>
+          </a:p>
+          <a:p>
+            <a:pPr lvl="1"/>
+            <a:r>
+              <a:rPr lang="en-US" sz="2400" dirty="0" smtClean="0"/>
+              <a:t>char</a:t>
+            </a:r>
+          </a:p>
+          <a:p>
+            <a:pPr lvl="1"/>
+            <a:r>
+              <a:rPr lang="en-US" sz="2400" dirty="0" err="1" smtClean="0"/>
+              <a:t>int</a:t>
+            </a:r>
+            <a:endParaRPr lang="en-US" sz="2400" dirty="0" smtClean="0"/>
+          </a:p>
+          <a:p>
+            <a:pPr lvl="1"/>
+            <a:r>
+              <a:rPr lang="en-US" sz="2400" dirty="0" smtClean="0"/>
+              <a:t>float</a:t>
+            </a:r>
+          </a:p>
+          <a:p>
+            <a:pPr lvl="1"/>
+            <a:r>
+              <a:rPr lang="en-US" sz="2400" dirty="0" smtClean="0"/>
+              <a:t>double</a:t>
+            </a:r>
+          </a:p>
+          <a:p>
+            <a:pPr lvl="1"/>
+            <a:r>
+              <a:rPr lang="en-US" sz="2400" dirty="0" err="1" smtClean="0"/>
+              <a:t>boolean</a:t>
+            </a:r>
+            <a:endParaRPr lang="en-US" sz="2400" dirty="0" smtClean="0"/>
+          </a:p>
+          <a:p>
+            <a:pPr lvl="1"/>
+            <a:endParaRPr lang="en-US" sz="2200" dirty="0" smtClean="0"/>
+          </a:p>
+          <a:p>
+            <a:pPr lvl="1"/>
+            <a:endParaRPr lang="en-US" sz="2200" dirty="0" smtClean="0"/>
+          </a:p>
+          <a:p>
+            <a:pPr lvl="1"/>
+            <a:endParaRPr lang="en-US" sz="2200" dirty="0" smtClean="0"/>
+          </a:p>
+          <a:p>
+            <a:endParaRPr lang="en-US" sz="2400" dirty="0" smtClean="0"/>
           </a:p>
         </p:txBody>
       </p:sp>
@@ -8093,7 +6250,7 @@
           <p:cNvPr id="4" name="Slide Number Placeholder 3">
             <a:extLst>
               <a:ext uri="{FF2B5EF4-FFF2-40B4-BE49-F238E27FC236}">
-                <a16:creationId xmlns:a16="http://schemas.microsoft.com/office/drawing/2014/main" id="{62B4CE3A-8C88-45AA-A849-57E5A7AC22C1}"/>
+                <a16:creationId xmlns="" xmlns:a16="http://schemas.microsoft.com/office/drawing/2014/main" id="{62B4CE3A-8C88-45AA-A849-57E5A7AC22C1}"/>
               </a:ext>
             </a:extLst>
           </p:cNvPr>
@@ -8104,12 +6261,7 @@
             <p:ph type="sldNum" sz="quarter" idx="10"/>
           </p:nvPr>
         </p:nvSpPr>
-        <p:spPr>
-          <a:xfrm>
-            <a:off x="11353800" y="6361475"/>
-            <a:ext cx="838200" cy="360000"/>
-          </a:xfrm>
-        </p:spPr>
+        <p:spPr/>
         <p:txBody>
           <a:bodyPr/>
           <a:lstStyle/>
@@ -8132,10 +6284,10 @@
           <p:cNvPr id="11" name="Rectangle 10">
             <a:extLst>
               <a:ext uri="{FF2B5EF4-FFF2-40B4-BE49-F238E27FC236}">
-                <a16:creationId xmlns:a16="http://schemas.microsoft.com/office/drawing/2014/main" id="{5F253864-26FA-4AB1-9F0A-4F57D870EE85}"/>
+                <a16:creationId xmlns="" xmlns:a16="http://schemas.microsoft.com/office/drawing/2014/main" id="{5F253864-26FA-4AB1-9F0A-4F57D870EE85}"/>
               </a:ext>
               <a:ext uri="{C183D7F6-B498-43B3-948B-1728B52AA6E4}">
-                <adec:decorative xmlns="" xmlns:adec="http://schemas.microsoft.com/office/drawing/2017/decorative" val="1"/>
+                <adec:decorative xmlns:adec="http://schemas.microsoft.com/office/drawing/2017/decorative" xmlns="" val="1"/>
               </a:ext>
             </a:extLst>
           </p:cNvPr>
@@ -8185,34 +6337,10 @@
           </a:p>
         </p:txBody>
       </p:sp>
-      <p:pic>
-        <p:nvPicPr>
-          <p:cNvPr id="5" name="Picture 4"/>
-          <p:cNvPicPr>
-            <a:picLocks noChangeAspect="1"/>
-          </p:cNvPicPr>
-          <p:nvPr/>
-        </p:nvPicPr>
-        <p:blipFill>
-          <a:blip r:embed="rId2"/>
-          <a:stretch>
-            <a:fillRect/>
-          </a:stretch>
-        </p:blipFill>
-        <p:spPr>
-          <a:xfrm>
-            <a:off x="2853892" y="2331483"/>
-            <a:ext cx="6791325" cy="3143250"/>
-          </a:xfrm>
-          <a:prstGeom prst="rect">
-            <a:avLst/>
-          </a:prstGeom>
-        </p:spPr>
-      </p:pic>
     </p:spTree>
     <p:extLst>
       <p:ext uri="{BB962C8B-B14F-4D97-AF65-F5344CB8AC3E}">
-        <p14:creationId xmlns:p14="http://schemas.microsoft.com/office/powerpoint/2010/main" val="1894288286"/>
+        <p14:creationId xmlns="" xmlns:p14="http://schemas.microsoft.com/office/powerpoint/2010/main" val="1287735390"/>
       </p:ext>
     </p:extLst>
   </p:cSld>
@@ -8251,7 +6379,7 @@
           <p:cNvPr id="2" name="Title 1">
             <a:extLst>
               <a:ext uri="{FF2B5EF4-FFF2-40B4-BE49-F238E27FC236}">
-                <a16:creationId xmlns:a16="http://schemas.microsoft.com/office/drawing/2014/main" id="{E199600F-A17E-4354-A7AB-0CC2A43A9354}"/>
+                <a16:creationId xmlns="" xmlns:a16="http://schemas.microsoft.com/office/drawing/2014/main" id="{E199600F-A17E-4354-A7AB-0CC2A43A9354}"/>
               </a:ext>
             </a:extLst>
           </p:cNvPr>
@@ -8264,8 +6392,8 @@
         </p:nvSpPr>
         <p:spPr>
           <a:xfrm>
-            <a:off x="838200" y="641855"/>
-            <a:ext cx="10515600" cy="772107"/>
+            <a:off x="838199" y="611079"/>
+            <a:ext cx="10515600" cy="833663"/>
           </a:xfrm>
         </p:spPr>
         <p:txBody>
@@ -8274,8 +6402,8 @@
           <a:p>
             <a:pPr algn="ctr"/>
             <a:r>
-              <a:rPr lang="en-US" smtClean="0"/>
-              <a:t>Data Types</a:t>
+              <a:rPr lang="en-US" dirty="0" smtClean="0"/>
+              <a:t>Package</a:t>
             </a:r>
             <a:endParaRPr lang="en-US" dirty="0"/>
           </a:p>
@@ -8283,7 +6411,13 @@
       </p:sp>
       <p:sp>
         <p:nvSpPr>
-          <p:cNvPr id="6" name="Content Placeholder 5"/>
+          <p:cNvPr id="3" name="Content Placeholder 2">
+            <a:extLst>
+              <a:ext uri="{FF2B5EF4-FFF2-40B4-BE49-F238E27FC236}">
+                <a16:creationId xmlns="" xmlns:a16="http://schemas.microsoft.com/office/drawing/2014/main" id="{FA6A4B49-27C8-46B6-8B11-AD7E8F615E2C}"/>
+              </a:ext>
+            </a:extLst>
+          </p:cNvPr>
           <p:cNvSpPr>
             <a:spLocks noGrp="1"/>
           </p:cNvSpPr>
@@ -8294,95 +6428,14 @@
         <p:spPr/>
         <p:txBody>
           <a:bodyPr>
-            <a:normAutofit fontScale="92500" lnSpcReduction="10000"/>
+            <a:normAutofit/>
           </a:bodyPr>
           <a:lstStyle/>
           <a:p>
-            <a:endParaRPr lang="en-US" sz="2400" dirty="0" smtClean="0"/>
-          </a:p>
-          <a:p>
-            <a:r>
-              <a:rPr lang="en-US" sz="2400" dirty="0" smtClean="0"/>
-              <a:t>A program is nothing but an exercise in manipulating the data represented by variables and objects.</a:t>
-            </a:r>
-          </a:p>
-          <a:p>
-            <a:r>
-              <a:rPr lang="en-US" sz="2400" dirty="0" smtClean="0"/>
-              <a:t>In order to work with data, every language defines certain basic data types.</a:t>
-            </a:r>
-          </a:p>
-          <a:p>
-            <a:r>
-              <a:rPr lang="en-US" sz="2400" dirty="0" smtClean="0"/>
-              <a:t>Java defines primitive data types :</a:t>
-            </a:r>
-          </a:p>
-          <a:p>
-            <a:pPr lvl="1"/>
-            <a:r>
-              <a:rPr lang="en-US" sz="2400" dirty="0" smtClean="0"/>
-              <a:t>byte</a:t>
-            </a:r>
-          </a:p>
-          <a:p>
-            <a:pPr lvl="1"/>
-            <a:r>
-              <a:rPr lang="en-US" sz="2400" dirty="0" smtClean="0"/>
-              <a:t>short </a:t>
-            </a:r>
-          </a:p>
-          <a:p>
-            <a:pPr lvl="1"/>
-            <a:r>
-              <a:rPr lang="en-US" sz="2400" dirty="0" smtClean="0"/>
-              <a:t>char</a:t>
-            </a:r>
-          </a:p>
-          <a:p>
-            <a:pPr lvl="1"/>
-            <a:r>
-              <a:rPr lang="en-US" sz="2400" dirty="0" err="1" smtClean="0"/>
-              <a:t>int</a:t>
-            </a:r>
-            <a:endParaRPr lang="en-US" sz="2400" dirty="0" smtClean="0"/>
-          </a:p>
-          <a:p>
-            <a:pPr lvl="1"/>
-            <a:r>
-              <a:rPr lang="en-US" sz="2400" dirty="0" smtClean="0"/>
-              <a:t>float</a:t>
-            </a:r>
-          </a:p>
-          <a:p>
-            <a:pPr lvl="1"/>
-            <a:r>
-              <a:rPr lang="en-US" sz="2400" dirty="0" smtClean="0"/>
-              <a:t>double</a:t>
-            </a:r>
-          </a:p>
-          <a:p>
-            <a:pPr lvl="1"/>
-            <a:r>
-              <a:rPr lang="en-US" sz="2400" dirty="0" err="1" smtClean="0"/>
-              <a:t>boolean</a:t>
-            </a:r>
-            <a:endParaRPr lang="en-US" sz="2400" dirty="0" smtClean="0"/>
-          </a:p>
-          <a:p>
-            <a:pPr lvl="1"/>
-            <a:endParaRPr lang="en-US" sz="2200" dirty="0" smtClean="0"/>
-          </a:p>
-          <a:p>
-            <a:pPr lvl="1"/>
-            <a:endParaRPr lang="en-US" sz="2200" dirty="0" smtClean="0"/>
-          </a:p>
-          <a:p>
-            <a:pPr lvl="1"/>
-            <a:endParaRPr lang="en-US" sz="2200" dirty="0" smtClean="0"/>
-          </a:p>
-          <a:p>
-            <a:endParaRPr lang="en-US" sz="2400" dirty="0" smtClean="0"/>
+            <a:endParaRPr lang="en-US" dirty="0" smtClean="0"/>
+          </a:p>
+          <a:p>
+            <a:endParaRPr lang="en-US" dirty="0"/>
           </a:p>
         </p:txBody>
       </p:sp>
@@ -8391,7 +6444,7 @@
           <p:cNvPr id="4" name="Slide Number Placeholder 3">
             <a:extLst>
               <a:ext uri="{FF2B5EF4-FFF2-40B4-BE49-F238E27FC236}">
-                <a16:creationId xmlns:a16="http://schemas.microsoft.com/office/drawing/2014/main" id="{62B4CE3A-8C88-45AA-A849-57E5A7AC22C1}"/>
+                <a16:creationId xmlns="" xmlns:a16="http://schemas.microsoft.com/office/drawing/2014/main" id="{62B4CE3A-8C88-45AA-A849-57E5A7AC22C1}"/>
               </a:ext>
             </a:extLst>
           </p:cNvPr>
@@ -8402,7 +6455,12 @@
             <p:ph type="sldNum" sz="quarter" idx="10"/>
           </p:nvPr>
         </p:nvSpPr>
-        <p:spPr/>
+        <p:spPr>
+          <a:xfrm>
+            <a:off x="11353800" y="6361475"/>
+            <a:ext cx="838200" cy="360000"/>
+          </a:xfrm>
+        </p:spPr>
         <p:txBody>
           <a:bodyPr/>
           <a:lstStyle/>
@@ -8425,10 +6483,10 @@
           <p:cNvPr id="11" name="Rectangle 10">
             <a:extLst>
               <a:ext uri="{FF2B5EF4-FFF2-40B4-BE49-F238E27FC236}">
-                <a16:creationId xmlns:a16="http://schemas.microsoft.com/office/drawing/2014/main" id="{5F253864-26FA-4AB1-9F0A-4F57D870EE85}"/>
+                <a16:creationId xmlns="" xmlns:a16="http://schemas.microsoft.com/office/drawing/2014/main" id="{5F253864-26FA-4AB1-9F0A-4F57D870EE85}"/>
               </a:ext>
               <a:ext uri="{C183D7F6-B498-43B3-948B-1728B52AA6E4}">
-                <adec:decorative xmlns="" xmlns:adec="http://schemas.microsoft.com/office/drawing/2017/decorative" val="1"/>
+                <adec:decorative xmlns:adec="http://schemas.microsoft.com/office/drawing/2017/decorative" xmlns="" val="1"/>
               </a:ext>
             </a:extLst>
           </p:cNvPr>
@@ -8478,10 +6536,40 @@
           </a:p>
         </p:txBody>
       </p:sp>
+      <p:pic>
+        <p:nvPicPr>
+          <p:cNvPr id="6" name="Picture 5"/>
+          <p:cNvPicPr>
+            <a:picLocks noChangeAspect="1"/>
+          </p:cNvPicPr>
+          <p:nvPr/>
+        </p:nvPicPr>
+        <p:blipFill>
+          <a:blip r:embed="rId2">
+            <a:extLst>
+              <a:ext uri="{28A0092B-C50C-407E-A947-70E740481C1C}">
+                <a14:useLocalDpi xmlns="" xmlns:a14="http://schemas.microsoft.com/office/drawing/2010/main" val="0"/>
+              </a:ext>
+            </a:extLst>
+          </a:blip>
+          <a:stretch>
+            <a:fillRect/>
+          </a:stretch>
+        </p:blipFill>
+        <p:spPr>
+          <a:xfrm>
+            <a:off x="1865745" y="1745673"/>
+            <a:ext cx="7786255" cy="4525818"/>
+          </a:xfrm>
+          <a:prstGeom prst="rect">
+            <a:avLst/>
+          </a:prstGeom>
+        </p:spPr>
+      </p:pic>
     </p:spTree>
     <p:extLst>
       <p:ext uri="{BB962C8B-B14F-4D97-AF65-F5344CB8AC3E}">
-        <p14:creationId xmlns:p14="http://schemas.microsoft.com/office/powerpoint/2010/main" val="1287735390"/>
+        <p14:creationId xmlns="" xmlns:p14="http://schemas.microsoft.com/office/powerpoint/2010/main" val="1894288286"/>
       </p:ext>
     </p:extLst>
   </p:cSld>
@@ -8520,7 +6608,7 @@
           <p:cNvPr id="2" name="Title 1">
             <a:extLst>
               <a:ext uri="{FF2B5EF4-FFF2-40B4-BE49-F238E27FC236}">
-                <a16:creationId xmlns:a16="http://schemas.microsoft.com/office/drawing/2014/main" id="{E199600F-A17E-4354-A7AB-0CC2A43A9354}"/>
+                <a16:creationId xmlns="" xmlns:a16="http://schemas.microsoft.com/office/drawing/2014/main" id="{E199600F-A17E-4354-A7AB-0CC2A43A9354}"/>
               </a:ext>
             </a:extLst>
           </p:cNvPr>
@@ -8533,8 +6621,8 @@
         </p:nvSpPr>
         <p:spPr>
           <a:xfrm>
-            <a:off x="838199" y="611079"/>
-            <a:ext cx="10515600" cy="833663"/>
+            <a:off x="838199" y="611081"/>
+            <a:ext cx="10337801" cy="833663"/>
           </a:xfrm>
         </p:spPr>
         <p:txBody>
@@ -8544,7 +6632,7 @@
             <a:pPr algn="ctr"/>
             <a:r>
               <a:rPr lang="en-US" dirty="0" smtClean="0"/>
-              <a:t>Data type hierarchy</a:t>
+              <a:t>Integral Data Types</a:t>
             </a:r>
             <a:endParaRPr lang="en-US" dirty="0"/>
           </a:p>
@@ -8555,7 +6643,7 @@
           <p:cNvPr id="3" name="Content Placeholder 2">
             <a:extLst>
               <a:ext uri="{FF2B5EF4-FFF2-40B4-BE49-F238E27FC236}">
-                <a16:creationId xmlns:a16="http://schemas.microsoft.com/office/drawing/2014/main" id="{FA6A4B49-27C8-46B6-8B11-AD7E8F615E2C}"/>
+                <a16:creationId xmlns="" xmlns:a16="http://schemas.microsoft.com/office/drawing/2014/main" id="{FA6A4B49-27C8-46B6-8B11-AD7E8F615E2C}"/>
               </a:ext>
             </a:extLst>
           </p:cNvPr>
@@ -8569,14 +6657,71 @@
         <p:spPr/>
         <p:txBody>
           <a:bodyPr>
-            <a:normAutofit/>
+            <a:normAutofit fontScale="92500" lnSpcReduction="10000"/>
           </a:bodyPr>
           <a:lstStyle/>
           <a:p>
+            <a:r>
+              <a:rPr lang="en-US" sz="2800" dirty="0"/>
+              <a:t>Integral values are represented as signed two’s </a:t>
+            </a:r>
+            <a:r>
+              <a:rPr lang="en-US" sz="2800" dirty="0" smtClean="0"/>
+              <a:t>compliment except for character values. </a:t>
+            </a:r>
+          </a:p>
+          <a:p>
+            <a:r>
+              <a:rPr lang="en-US" sz="2800" dirty="0"/>
+              <a:t>Good to know but  not required for exam.</a:t>
+            </a:r>
+          </a:p>
+          <a:p>
+            <a:endParaRPr lang="en-US" sz="2800" dirty="0"/>
+          </a:p>
+          <a:p>
+            <a:r>
+              <a:rPr lang="en-US" sz="2800" dirty="0" smtClean="0"/>
+              <a:t>byte</a:t>
+            </a:r>
+          </a:p>
+          <a:p>
+            <a:r>
+              <a:rPr lang="en-US" sz="2800" dirty="0" smtClean="0"/>
+              <a:t>short</a:t>
+            </a:r>
+          </a:p>
+          <a:p>
+            <a:r>
+              <a:rPr lang="en-US" sz="2800" dirty="0" smtClean="0"/>
+              <a:t>char (unsigned)</a:t>
+            </a:r>
+          </a:p>
+          <a:p>
+            <a:r>
+              <a:rPr lang="en-US" sz="2800" dirty="0" err="1" smtClean="0"/>
+              <a:t>int</a:t>
+            </a:r>
+            <a:endParaRPr lang="en-US" sz="2800" dirty="0" smtClean="0"/>
+          </a:p>
+          <a:p>
+            <a:r>
+              <a:rPr lang="en-US" sz="2800" dirty="0" smtClean="0"/>
+              <a:t>long</a:t>
+            </a:r>
+            <a:endParaRPr lang="en-US" sz="2800" dirty="0"/>
+          </a:p>
+          <a:p>
             <a:endParaRPr lang="en-US" dirty="0" smtClean="0"/>
           </a:p>
           <a:p>
-            <a:endParaRPr lang="en-US" dirty="0"/>
+            <a:endParaRPr lang="en-US" dirty="0" smtClean="0"/>
+          </a:p>
+          <a:p>
+            <a:endParaRPr lang="en-US" dirty="0" smtClean="0"/>
+          </a:p>
+          <a:p>
+            <a:endParaRPr lang="en-US" noProof="1"/>
           </a:p>
         </p:txBody>
       </p:sp>
@@ -8585,7 +6730,7 @@
           <p:cNvPr id="4" name="Slide Number Placeholder 3">
             <a:extLst>
               <a:ext uri="{FF2B5EF4-FFF2-40B4-BE49-F238E27FC236}">
-                <a16:creationId xmlns:a16="http://schemas.microsoft.com/office/drawing/2014/main" id="{62B4CE3A-8C88-45AA-A849-57E5A7AC22C1}"/>
+                <a16:creationId xmlns="" xmlns:a16="http://schemas.microsoft.com/office/drawing/2014/main" id="{62B4CE3A-8C88-45AA-A849-57E5A7AC22C1}"/>
               </a:ext>
             </a:extLst>
           </p:cNvPr>
@@ -8624,10 +6769,10 @@
           <p:cNvPr id="11" name="Rectangle 10">
             <a:extLst>
               <a:ext uri="{FF2B5EF4-FFF2-40B4-BE49-F238E27FC236}">
-                <a16:creationId xmlns:a16="http://schemas.microsoft.com/office/drawing/2014/main" id="{5F253864-26FA-4AB1-9F0A-4F57D870EE85}"/>
+                <a16:creationId xmlns="" xmlns:a16="http://schemas.microsoft.com/office/drawing/2014/main" id="{5F253864-26FA-4AB1-9F0A-4F57D870EE85}"/>
               </a:ext>
               <a:ext uri="{C183D7F6-B498-43B3-948B-1728B52AA6E4}">
-                <adec:decorative xmlns="" xmlns:adec="http://schemas.microsoft.com/office/drawing/2017/decorative" val="1"/>
+                <adec:decorative xmlns:adec="http://schemas.microsoft.com/office/drawing/2017/decorative" xmlns="" val="1"/>
               </a:ext>
             </a:extLst>
           </p:cNvPr>
@@ -8679,7 +6824,7 @@
       </p:sp>
       <p:pic>
         <p:nvPicPr>
-          <p:cNvPr id="6" name="Picture 5"/>
+          <p:cNvPr id="9" name="Picture 8"/>
           <p:cNvPicPr>
             <a:picLocks noChangeAspect="1"/>
           </p:cNvPicPr>
@@ -8689,7 +6834,7 @@
           <a:blip r:embed="rId2">
             <a:extLst>
               <a:ext uri="{28A0092B-C50C-407E-A947-70E740481C1C}">
-                <a14:useLocalDpi xmlns:a14="http://schemas.microsoft.com/office/drawing/2010/main" val="0"/>
+                <a14:useLocalDpi xmlns="" xmlns:a14="http://schemas.microsoft.com/office/drawing/2010/main" val="0"/>
               </a:ext>
             </a:extLst>
           </a:blip>
@@ -8699,8 +6844,8 @@
         </p:blipFill>
         <p:spPr>
           <a:xfrm>
-            <a:off x="1865745" y="1745673"/>
-            <a:ext cx="7786255" cy="4525818"/>
+            <a:off x="6834908" y="1858530"/>
+            <a:ext cx="4341091" cy="4318433"/>
           </a:xfrm>
           <a:prstGeom prst="rect">
             <a:avLst/>
@@ -8710,7 +6855,7 @@
     </p:spTree>
     <p:extLst>
       <p:ext uri="{BB962C8B-B14F-4D97-AF65-F5344CB8AC3E}">
-        <p14:creationId xmlns:p14="http://schemas.microsoft.com/office/powerpoint/2010/main" val="1282530777"/>
+        <p14:creationId xmlns="" xmlns:p14="http://schemas.microsoft.com/office/powerpoint/2010/main" val="1533683092"/>
       </p:ext>
     </p:extLst>
   </p:cSld>
@@ -8749,7 +6894,7 @@
           <p:cNvPr id="2" name="Title 1">
             <a:extLst>
               <a:ext uri="{FF2B5EF4-FFF2-40B4-BE49-F238E27FC236}">
-                <a16:creationId xmlns:a16="http://schemas.microsoft.com/office/drawing/2014/main" id="{E199600F-A17E-4354-A7AB-0CC2A43A9354}"/>
+                <a16:creationId xmlns="" xmlns:a16="http://schemas.microsoft.com/office/drawing/2014/main" id="{E199600F-A17E-4354-A7AB-0CC2A43A9354}"/>
               </a:ext>
             </a:extLst>
           </p:cNvPr>
@@ -8773,7 +6918,7 @@
             <a:pPr algn="ctr"/>
             <a:r>
               <a:rPr lang="en-US" dirty="0" smtClean="0"/>
-              <a:t>Numeric Data Types</a:t>
+              <a:t>Char: A special case.</a:t>
             </a:r>
             <a:endParaRPr lang="en-US" dirty="0"/>
           </a:p>
@@ -8784,7 +6929,7 @@
           <p:cNvPr id="3" name="Content Placeholder 2">
             <a:extLst>
               <a:ext uri="{FF2B5EF4-FFF2-40B4-BE49-F238E27FC236}">
-                <a16:creationId xmlns:a16="http://schemas.microsoft.com/office/drawing/2014/main" id="{FA6A4B49-27C8-46B6-8B11-AD7E8F615E2C}"/>
+                <a16:creationId xmlns="" xmlns:a16="http://schemas.microsoft.com/office/drawing/2014/main" id="{FA6A4B49-27C8-46B6-8B11-AD7E8F615E2C}"/>
               </a:ext>
             </a:extLst>
           </p:cNvPr>
@@ -8795,82 +6940,47 @@
             <p:ph idx="1"/>
           </p:nvPr>
         </p:nvSpPr>
-        <p:spPr>
-          <a:xfrm>
-            <a:off x="838200" y="1825625"/>
-            <a:ext cx="5775036" cy="4351338"/>
-          </a:xfrm>
-        </p:spPr>
+        <p:spPr/>
         <p:txBody>
           <a:bodyPr>
-            <a:normAutofit/>
+            <a:normAutofit fontScale="77500" lnSpcReduction="20000"/>
           </a:bodyPr>
           <a:lstStyle/>
           <a:p>
             <a:r>
               <a:rPr lang="en-US" sz="2800" dirty="0" smtClean="0"/>
-              <a:t>Java numeric data types :</a:t>
-            </a:r>
-          </a:p>
-          <a:p>
-            <a:pPr lvl="1"/>
-            <a:r>
-              <a:rPr lang="en-US" sz="2600" dirty="0" smtClean="0"/>
-              <a:t>byte</a:t>
-            </a:r>
-          </a:p>
-          <a:p>
-            <a:pPr lvl="1"/>
-            <a:r>
-              <a:rPr lang="en-US" sz="2600" dirty="0" smtClean="0"/>
-              <a:t>short</a:t>
-            </a:r>
-          </a:p>
-          <a:p>
-            <a:pPr lvl="1"/>
-            <a:r>
-              <a:rPr lang="en-US" sz="2600" dirty="0" smtClean="0"/>
-              <a:t>char (unsigned)</a:t>
-            </a:r>
-          </a:p>
-          <a:p>
-            <a:pPr lvl="1"/>
-            <a:r>
-              <a:rPr lang="en-US" sz="2600" dirty="0" err="1" smtClean="0"/>
-              <a:t>int</a:t>
-            </a:r>
-            <a:endParaRPr lang="en-US" sz="2600" dirty="0" smtClean="0"/>
-          </a:p>
-          <a:p>
-            <a:pPr lvl="1"/>
-            <a:r>
-              <a:rPr lang="en-US" sz="2600" dirty="0" smtClean="0"/>
-              <a:t>long</a:t>
-            </a:r>
-          </a:p>
-          <a:p>
-            <a:pPr lvl="1"/>
-            <a:endParaRPr lang="en-US" sz="2600" dirty="0" smtClean="0"/>
-          </a:p>
-          <a:p>
-            <a:r>
-              <a:rPr lang="en-US" sz="2800" dirty="0"/>
-              <a:t>Good to know but  not required for exam.</a:t>
-            </a:r>
-          </a:p>
-          <a:p>
-            <a:endParaRPr lang="en-US" sz="2800" dirty="0"/>
-          </a:p>
-          <a:p>
+              <a:t>Computers understand numbers , so how do we fit in characters. In order to solve this problem ASCII &amp; Unicode character sets were used.</a:t>
+            </a:r>
+          </a:p>
+          <a:p>
+            <a:r>
+              <a:rPr lang="en-US" sz="2800" dirty="0" smtClean="0"/>
+              <a:t>ASCII is a 7-bit character set which means it can have maximum of 128 character representations.</a:t>
+            </a:r>
+          </a:p>
+          <a:p>
+            <a:r>
+              <a:rPr lang="en-US" sz="2800" dirty="0" smtClean="0"/>
+              <a:t>Problem grew larger because number of possible characters was large which includes characters from other languages. To incorporate larger number of character sets Unicode was used to cater to even larger character set with a common standard.</a:t>
+            </a:r>
+          </a:p>
+          <a:p>
+            <a:r>
+              <a:rPr lang="en-US" sz="2800" dirty="0" smtClean="0"/>
+              <a:t>Unicode is written as UTF-8 for 8 bits ,UTF-16 for 16 bits &amp; UTF-32 for 32 bits.</a:t>
+            </a:r>
+          </a:p>
+          <a:p>
+            <a:r>
+              <a:rPr lang="en-US" sz="2800" dirty="0" smtClean="0"/>
+              <a:t>Java uses UTF-16 for character representation.</a:t>
+            </a:r>
             <a:endParaRPr lang="en-US" dirty="0" smtClean="0"/>
           </a:p>
           <a:p>
             <a:endParaRPr lang="en-US" dirty="0" smtClean="0"/>
           </a:p>
           <a:p>
-            <a:endParaRPr lang="en-US" dirty="0" smtClean="0"/>
-          </a:p>
-          <a:p>
             <a:endParaRPr lang="en-US" noProof="1"/>
           </a:p>
         </p:txBody>
@@ -8880,7 +6990,7 @@
           <p:cNvPr id="4" name="Slide Number Placeholder 3">
             <a:extLst>
               <a:ext uri="{FF2B5EF4-FFF2-40B4-BE49-F238E27FC236}">
-                <a16:creationId xmlns:a16="http://schemas.microsoft.com/office/drawing/2014/main" id="{62B4CE3A-8C88-45AA-A849-57E5A7AC22C1}"/>
+                <a16:creationId xmlns="" xmlns:a16="http://schemas.microsoft.com/office/drawing/2014/main" id="{62B4CE3A-8C88-45AA-A849-57E5A7AC22C1}"/>
               </a:ext>
             </a:extLst>
           </p:cNvPr>
@@ -8919,10 +7029,10 @@
           <p:cNvPr id="11" name="Rectangle 10">
             <a:extLst>
               <a:ext uri="{FF2B5EF4-FFF2-40B4-BE49-F238E27FC236}">
-                <a16:creationId xmlns:a16="http://schemas.microsoft.com/office/drawing/2014/main" id="{5F253864-26FA-4AB1-9F0A-4F57D870EE85}"/>
+                <a16:creationId xmlns="" xmlns:a16="http://schemas.microsoft.com/office/drawing/2014/main" id="{5F253864-26FA-4AB1-9F0A-4F57D870EE85}"/>
               </a:ext>
               <a:ext uri="{C183D7F6-B498-43B3-948B-1728B52AA6E4}">
-                <adec:decorative xmlns="" xmlns:adec="http://schemas.microsoft.com/office/drawing/2017/decorative" val="1"/>
+                <adec:decorative xmlns:adec="http://schemas.microsoft.com/office/drawing/2017/decorative" xmlns="" val="1"/>
               </a:ext>
             </a:extLst>
           </p:cNvPr>
@@ -8974,7 +7084,7 @@
       </p:sp>
       <p:pic>
         <p:nvPicPr>
-          <p:cNvPr id="9" name="Picture 8"/>
+          <p:cNvPr id="6" name="Picture 5"/>
           <p:cNvPicPr>
             <a:picLocks noChangeAspect="1"/>
           </p:cNvPicPr>
@@ -8984,7 +7094,7 @@
           <a:blip r:embed="rId2">
             <a:extLst>
               <a:ext uri="{28A0092B-C50C-407E-A947-70E740481C1C}">
-                <a14:useLocalDpi xmlns:a14="http://schemas.microsoft.com/office/drawing/2010/main" val="0"/>
+                <a14:useLocalDpi xmlns="" xmlns:a14="http://schemas.microsoft.com/office/drawing/2010/main" val="0"/>
               </a:ext>
             </a:extLst>
           </a:blip>
@@ -8994,8 +7104,8 @@
         </p:blipFill>
         <p:spPr>
           <a:xfrm>
-            <a:off x="6834908" y="1858530"/>
-            <a:ext cx="4341091" cy="4318433"/>
+            <a:off x="7296726" y="2678546"/>
+            <a:ext cx="3879273" cy="2318327"/>
           </a:xfrm>
           <a:prstGeom prst="rect">
             <a:avLst/>
@@ -9005,7 +7115,7 @@
     </p:spTree>
     <p:extLst>
       <p:ext uri="{BB962C8B-B14F-4D97-AF65-F5344CB8AC3E}">
-        <p14:creationId xmlns:p14="http://schemas.microsoft.com/office/powerpoint/2010/main" val="1533683092"/>
+        <p14:creationId xmlns="" xmlns:p14="http://schemas.microsoft.com/office/powerpoint/2010/main" val="4068483233"/>
       </p:ext>
     </p:extLst>
   </p:cSld>
@@ -9044,7 +7154,7 @@
           <p:cNvPr id="2" name="Title 1">
             <a:extLst>
               <a:ext uri="{FF2B5EF4-FFF2-40B4-BE49-F238E27FC236}">
-                <a16:creationId xmlns:a16="http://schemas.microsoft.com/office/drawing/2014/main" id="{E199600F-A17E-4354-A7AB-0CC2A43A9354}"/>
+                <a16:creationId xmlns="" xmlns:a16="http://schemas.microsoft.com/office/drawing/2014/main" id="{E199600F-A17E-4354-A7AB-0CC2A43A9354}"/>
               </a:ext>
             </a:extLst>
           </p:cNvPr>
@@ -9068,7 +7178,7 @@
             <a:pPr algn="ctr"/>
             <a:r>
               <a:rPr lang="en-US" dirty="0" smtClean="0"/>
-              <a:t>Char: A special case.</a:t>
+              <a:t>Floating Data Types</a:t>
             </a:r>
             <a:endParaRPr lang="en-US" dirty="0"/>
           </a:p>
@@ -9079,7 +7189,7 @@
           <p:cNvPr id="3" name="Content Placeholder 2">
             <a:extLst>
               <a:ext uri="{FF2B5EF4-FFF2-40B4-BE49-F238E27FC236}">
-                <a16:creationId xmlns:a16="http://schemas.microsoft.com/office/drawing/2014/main" id="{FA6A4B49-27C8-46B6-8B11-AD7E8F615E2C}"/>
+                <a16:creationId xmlns="" xmlns:a16="http://schemas.microsoft.com/office/drawing/2014/main" id="{FA6A4B49-27C8-46B6-8B11-AD7E8F615E2C}"/>
               </a:ext>
             </a:extLst>
           </p:cNvPr>
@@ -9097,41 +7207,51 @@
           </a:bodyPr>
           <a:lstStyle/>
           <a:p>
-            <a:r>
-              <a:rPr lang="en-US" sz="2800" dirty="0" smtClean="0"/>
-              <a:t>Data type char is also an integral data type. It only stores positive integral values.</a:t>
-            </a:r>
-          </a:p>
-          <a:p>
-            <a:r>
-              <a:rPr lang="en-US" sz="2800" dirty="0" smtClean="0"/>
-              <a:t>Numbers stored in char are represented as Unicode character set.</a:t>
-            </a:r>
-          </a:p>
-          <a:p>
-            <a:r>
-              <a:rPr lang="en-US" sz="2800" dirty="0" smtClean="0"/>
-              <a:t>Unicode is written as UTF-8 for </a:t>
-            </a:r>
-            <a:br>
-              <a:rPr lang="en-US" sz="2800" dirty="0" smtClean="0"/>
-            </a:br>
-            <a:r>
-              <a:rPr lang="en-US" sz="2800" dirty="0" smtClean="0"/>
-              <a:t>8 bits,UTF-16 for 16 bits &amp; UTF-32 for 32 bits.</a:t>
-            </a:r>
-          </a:p>
-          <a:p>
-            <a:r>
-              <a:rPr lang="en-US" sz="2800" dirty="0" smtClean="0"/>
-              <a:t>Java uses UTF-16 for character representation.</a:t>
-            </a:r>
+            <a:endParaRPr lang="en-US" dirty="0"/>
+          </a:p>
+          <a:p>
+            <a:r>
+              <a:rPr lang="en-US" sz="2800" b="1" dirty="0" smtClean="0"/>
+              <a:t>Java follows IEEE-754 standard for representation of floating point numbers.</a:t>
+            </a:r>
+          </a:p>
+          <a:p>
+            <a:r>
+              <a:rPr lang="en-US" sz="2800" b="1" dirty="0"/>
+              <a:t>Good to know but not </a:t>
+            </a:r>
+            <a:r>
+              <a:rPr lang="en-US" sz="2800" b="1" dirty="0" smtClean="0"/>
+              <a:t>required for exam</a:t>
+            </a:r>
+            <a:endParaRPr lang="en-US" sz="2800" b="1" dirty="0"/>
+          </a:p>
+          <a:p>
+            <a:endParaRPr lang="en-US" sz="2800" b="1" dirty="0" smtClean="0"/>
+          </a:p>
+          <a:p>
+            <a:r>
+              <a:rPr lang="en-US" sz="2800" b="1" dirty="0" smtClean="0"/>
+              <a:t>float</a:t>
+            </a:r>
+            <a:endParaRPr lang="en-US" sz="2800" b="1" dirty="0"/>
+          </a:p>
+          <a:p>
+            <a:r>
+              <a:rPr lang="en-US" sz="2800" b="1" dirty="0" smtClean="0"/>
+              <a:t>double</a:t>
+            </a:r>
+          </a:p>
+          <a:p>
             <a:endParaRPr lang="en-US" dirty="0" smtClean="0"/>
           </a:p>
           <a:p>
             <a:endParaRPr lang="en-US" dirty="0" smtClean="0"/>
           </a:p>
           <a:p>
+            <a:endParaRPr lang="en-US" dirty="0" smtClean="0"/>
+          </a:p>
+          <a:p>
             <a:endParaRPr lang="en-US" noProof="1"/>
           </a:p>
         </p:txBody>
@@ -9141,7 +7261,7 @@
           <p:cNvPr id="4" name="Slide Number Placeholder 3">
             <a:extLst>
               <a:ext uri="{FF2B5EF4-FFF2-40B4-BE49-F238E27FC236}">
-                <a16:creationId xmlns:a16="http://schemas.microsoft.com/office/drawing/2014/main" id="{62B4CE3A-8C88-45AA-A849-57E5A7AC22C1}"/>
+                <a16:creationId xmlns="" xmlns:a16="http://schemas.microsoft.com/office/drawing/2014/main" id="{62B4CE3A-8C88-45AA-A849-57E5A7AC22C1}"/>
               </a:ext>
             </a:extLst>
           </p:cNvPr>
@@ -9180,10 +7300,10 @@
           <p:cNvPr id="11" name="Rectangle 10">
             <a:extLst>
               <a:ext uri="{FF2B5EF4-FFF2-40B4-BE49-F238E27FC236}">
-                <a16:creationId xmlns:a16="http://schemas.microsoft.com/office/drawing/2014/main" id="{5F253864-26FA-4AB1-9F0A-4F57D870EE85}"/>
+                <a16:creationId xmlns="" xmlns:a16="http://schemas.microsoft.com/office/drawing/2014/main" id="{5F253864-26FA-4AB1-9F0A-4F57D870EE85}"/>
               </a:ext>
               <a:ext uri="{C183D7F6-B498-43B3-948B-1728B52AA6E4}">
-                <adec:decorative xmlns="" xmlns:adec="http://schemas.microsoft.com/office/drawing/2017/decorative" val="1"/>
+                <adec:decorative xmlns:adec="http://schemas.microsoft.com/office/drawing/2017/decorative" xmlns="" val="1"/>
               </a:ext>
             </a:extLst>
           </p:cNvPr>
@@ -9235,7 +7355,7 @@
       </p:sp>
       <p:pic>
         <p:nvPicPr>
-          <p:cNvPr id="6" name="Picture 5"/>
+          <p:cNvPr id="5" name="Picture 4"/>
           <p:cNvPicPr>
             <a:picLocks noChangeAspect="1"/>
           </p:cNvPicPr>
@@ -9245,7 +7365,7 @@
           <a:blip r:embed="rId2">
             <a:extLst>
               <a:ext uri="{28A0092B-C50C-407E-A947-70E740481C1C}">
-                <a14:useLocalDpi xmlns:a14="http://schemas.microsoft.com/office/drawing/2010/main" val="0"/>
+                <a14:useLocalDpi xmlns="" xmlns:a14="http://schemas.microsoft.com/office/drawing/2010/main" val="0"/>
               </a:ext>
             </a:extLst>
           </a:blip>
@@ -9255,8 +7375,8 @@
         </p:blipFill>
         <p:spPr>
           <a:xfrm>
-            <a:off x="7296726" y="2216727"/>
-            <a:ext cx="3879273" cy="3435927"/>
+            <a:off x="6391564" y="2050473"/>
+            <a:ext cx="4727286" cy="3805382"/>
           </a:xfrm>
           <a:prstGeom prst="rect">
             <a:avLst/>
@@ -9266,7 +7386,7 @@
     </p:spTree>
     <p:extLst>
       <p:ext uri="{BB962C8B-B14F-4D97-AF65-F5344CB8AC3E}">
-        <p14:creationId xmlns:p14="http://schemas.microsoft.com/office/powerpoint/2010/main" val="4068483233"/>
+        <p14:creationId xmlns="" xmlns:p14="http://schemas.microsoft.com/office/powerpoint/2010/main" val="134744934"/>
       </p:ext>
     </p:extLst>
   </p:cSld>
@@ -9305,7 +7425,7 @@
           <p:cNvPr id="2" name="Title 1">
             <a:extLst>
               <a:ext uri="{FF2B5EF4-FFF2-40B4-BE49-F238E27FC236}">
-                <a16:creationId xmlns:a16="http://schemas.microsoft.com/office/drawing/2014/main" id="{E199600F-A17E-4354-A7AB-0CC2A43A9354}"/>
+                <a16:creationId xmlns="" xmlns:a16="http://schemas.microsoft.com/office/drawing/2014/main" id="{E199600F-A17E-4354-A7AB-0CC2A43A9354}"/>
               </a:ext>
             </a:extLst>
           </p:cNvPr>
@@ -9329,7 +7449,7 @@
             <a:pPr algn="ctr"/>
             <a:r>
               <a:rPr lang="en-US" dirty="0" smtClean="0"/>
-              <a:t>Floating Data Types</a:t>
+              <a:t>Boolean Data type</a:t>
             </a:r>
             <a:endParaRPr lang="en-US" dirty="0"/>
           </a:p>
@@ -9340,7 +7460,7 @@
           <p:cNvPr id="3" name="Content Placeholder 2">
             <a:extLst>
               <a:ext uri="{FF2B5EF4-FFF2-40B4-BE49-F238E27FC236}">
-                <a16:creationId xmlns:a16="http://schemas.microsoft.com/office/drawing/2014/main" id="{FA6A4B49-27C8-46B6-8B11-AD7E8F615E2C}"/>
+                <a16:creationId xmlns="" xmlns:a16="http://schemas.microsoft.com/office/drawing/2014/main" id="{FA6A4B49-27C8-46B6-8B11-AD7E8F615E2C}"/>
               </a:ext>
             </a:extLst>
           </p:cNvPr>
@@ -9354,7 +7474,7 @@
         <p:spPr>
           <a:xfrm>
             <a:off x="838200" y="1825625"/>
-            <a:ext cx="5553364" cy="4351338"/>
+            <a:ext cx="10337800" cy="4351338"/>
           </a:xfrm>
         </p:spPr>
         <p:txBody>
@@ -9368,46 +7488,46 @@
           <a:p>
             <a:r>
               <a:rPr lang="en-US" sz="2800" b="1" dirty="0" smtClean="0"/>
-              <a:t>Java follows IEEE-754 standard for representation of floating point numbers.</a:t>
-            </a:r>
-          </a:p>
-          <a:p>
-            <a:r>
-              <a:rPr lang="en-US" sz="2800" b="1" dirty="0"/>
-              <a:t>Good to know but not </a:t>
-            </a:r>
+              <a:t>A Boolean data type represent value in the form of: </a:t>
+            </a:r>
+          </a:p>
+          <a:p>
+            <a:pPr lvl="1"/>
+            <a:r>
+              <a:rPr lang="en-US" sz="2600" b="1" dirty="0" smtClean="0"/>
+              <a:t>true</a:t>
+            </a:r>
+          </a:p>
+          <a:p>
+            <a:pPr lvl="1"/>
+            <a:r>
+              <a:rPr lang="en-US" sz="2600" b="1" dirty="0" smtClean="0"/>
+              <a:t>False</a:t>
+            </a:r>
+          </a:p>
+          <a:p>
+            <a:pPr lvl="1"/>
+            <a:endParaRPr lang="en-US" sz="2600" b="1" dirty="0"/>
+          </a:p>
+          <a:p>
+            <a:pPr lvl="1"/>
+            <a:endParaRPr lang="en-US" sz="2600" b="1" dirty="0" smtClean="0"/>
+          </a:p>
+          <a:p>
+            <a:pPr lvl="1"/>
+            <a:endParaRPr lang="en-US" sz="2600" b="1" dirty="0" smtClean="0"/>
+          </a:p>
+          <a:p>
             <a:r>
               <a:rPr lang="en-US" sz="2800" b="1" dirty="0" smtClean="0"/>
-              <a:t>required for exam</a:t>
-            </a:r>
-            <a:endParaRPr lang="en-US" sz="2800" b="1" dirty="0"/>
-          </a:p>
-          <a:p>
-            <a:endParaRPr lang="en-US" sz="2800" b="1" dirty="0" smtClean="0"/>
-          </a:p>
-          <a:p>
-            <a:r>
-              <a:rPr lang="en-US" sz="2800" b="1" dirty="0" smtClean="0"/>
-              <a:t>float</a:t>
-            </a:r>
-            <a:endParaRPr lang="en-US" sz="2800" b="1" dirty="0"/>
-          </a:p>
-          <a:p>
-            <a:r>
-              <a:rPr lang="en-US" sz="2800" b="1" dirty="0" smtClean="0"/>
-              <a:t>double</a:t>
-            </a:r>
-          </a:p>
-          <a:p>
+              <a:t>It majorly used while taking decision and testing for a certain value to be true or false.</a:t>
+            </a:r>
             <a:endParaRPr lang="en-US" dirty="0" smtClean="0"/>
           </a:p>
           <a:p>
             <a:endParaRPr lang="en-US" dirty="0" smtClean="0"/>
           </a:p>
           <a:p>
-            <a:endParaRPr lang="en-US" dirty="0" smtClean="0"/>
-          </a:p>
-          <a:p>
             <a:endParaRPr lang="en-US" noProof="1"/>
           </a:p>
         </p:txBody>
@@ -9417,7 +7537,7 @@
           <p:cNvPr id="4" name="Slide Number Placeholder 3">
             <a:extLst>
               <a:ext uri="{FF2B5EF4-FFF2-40B4-BE49-F238E27FC236}">
-                <a16:creationId xmlns:a16="http://schemas.microsoft.com/office/drawing/2014/main" id="{62B4CE3A-8C88-45AA-A849-57E5A7AC22C1}"/>
+                <a16:creationId xmlns="" xmlns:a16="http://schemas.microsoft.com/office/drawing/2014/main" id="{62B4CE3A-8C88-45AA-A849-57E5A7AC22C1}"/>
               </a:ext>
             </a:extLst>
           </p:cNvPr>
@@ -9456,10 +7576,10 @@
           <p:cNvPr id="11" name="Rectangle 10">
             <a:extLst>
               <a:ext uri="{FF2B5EF4-FFF2-40B4-BE49-F238E27FC236}">
-                <a16:creationId xmlns:a16="http://schemas.microsoft.com/office/drawing/2014/main" id="{5F253864-26FA-4AB1-9F0A-4F57D870EE85}"/>
+                <a16:creationId xmlns="" xmlns:a16="http://schemas.microsoft.com/office/drawing/2014/main" id="{5F253864-26FA-4AB1-9F0A-4F57D870EE85}"/>
               </a:ext>
               <a:ext uri="{C183D7F6-B498-43B3-948B-1728B52AA6E4}">
-                <adec:decorative xmlns="" xmlns:adec="http://schemas.microsoft.com/office/drawing/2017/decorative" val="1"/>
+                <adec:decorative xmlns:adec="http://schemas.microsoft.com/office/drawing/2017/decorative" xmlns="" val="1"/>
               </a:ext>
             </a:extLst>
           </p:cNvPr>
@@ -9511,7 +7631,7 @@
       </p:sp>
       <p:pic>
         <p:nvPicPr>
-          <p:cNvPr id="5" name="Picture 4"/>
+          <p:cNvPr id="8" name="Picture 7"/>
           <p:cNvPicPr>
             <a:picLocks noChangeAspect="1"/>
           </p:cNvPicPr>
@@ -9521,7 +7641,7 @@
           <a:blip r:embed="rId2">
             <a:extLst>
               <a:ext uri="{28A0092B-C50C-407E-A947-70E740481C1C}">
-                <a14:useLocalDpi xmlns:a14="http://schemas.microsoft.com/office/drawing/2010/main" val="0"/>
+                <a14:useLocalDpi xmlns="" xmlns:a14="http://schemas.microsoft.com/office/drawing/2010/main" val="0"/>
               </a:ext>
             </a:extLst>
           </a:blip>
@@ -9531,8 +7651,8 @@
         </p:blipFill>
         <p:spPr>
           <a:xfrm>
-            <a:off x="6391564" y="2050473"/>
-            <a:ext cx="4727286" cy="3805382"/>
+            <a:off x="4289857" y="2869766"/>
+            <a:ext cx="2466975" cy="1857375"/>
           </a:xfrm>
           <a:prstGeom prst="rect">
             <a:avLst/>
@@ -9542,7 +7662,7 @@
     </p:spTree>
     <p:extLst>
       <p:ext uri="{BB962C8B-B14F-4D97-AF65-F5344CB8AC3E}">
-        <p14:creationId xmlns:p14="http://schemas.microsoft.com/office/powerpoint/2010/main" val="134744934"/>
+        <p14:creationId xmlns="" xmlns:p14="http://schemas.microsoft.com/office/powerpoint/2010/main" val="2966179024"/>
       </p:ext>
     </p:extLst>
   </p:cSld>
@@ -9581,7 +7701,7 @@
           <p:cNvPr id="2" name="Title 1">
             <a:extLst>
               <a:ext uri="{FF2B5EF4-FFF2-40B4-BE49-F238E27FC236}">
-                <a16:creationId xmlns:a16="http://schemas.microsoft.com/office/drawing/2014/main" id="{E199600F-A17E-4354-A7AB-0CC2A43A9354}"/>
+                <a16:creationId xmlns="" xmlns:a16="http://schemas.microsoft.com/office/drawing/2014/main" id="{E199600F-A17E-4354-A7AB-0CC2A43A9354}"/>
               </a:ext>
             </a:extLst>
           </p:cNvPr>
@@ -9605,7 +7725,7 @@
             <a:pPr algn="ctr"/>
             <a:r>
               <a:rPr lang="en-US" dirty="0" smtClean="0"/>
-              <a:t>Boolean Data type</a:t>
+              <a:t>Class : Complex Data types</a:t>
             </a:r>
             <a:endParaRPr lang="en-US" dirty="0"/>
           </a:p>
@@ -9616,7 +7736,7 @@
           <p:cNvPr id="3" name="Content Placeholder 2">
             <a:extLst>
               <a:ext uri="{FF2B5EF4-FFF2-40B4-BE49-F238E27FC236}">
-                <a16:creationId xmlns:a16="http://schemas.microsoft.com/office/drawing/2014/main" id="{FA6A4B49-27C8-46B6-8B11-AD7E8F615E2C}"/>
+                <a16:creationId xmlns="" xmlns:a16="http://schemas.microsoft.com/office/drawing/2014/main" id="{FA6A4B49-27C8-46B6-8B11-AD7E8F615E2C}"/>
               </a:ext>
             </a:extLst>
           </p:cNvPr>
@@ -9630,7 +7750,7 @@
         <p:spPr>
           <a:xfrm>
             <a:off x="838200" y="1825625"/>
-            <a:ext cx="10337800" cy="4351338"/>
+            <a:ext cx="6032863" cy="4351338"/>
           </a:xfrm>
         </p:spPr>
         <p:txBody>
@@ -9639,51 +7759,33 @@
           </a:bodyPr>
           <a:lstStyle/>
           <a:p>
-            <a:endParaRPr lang="en-US" dirty="0"/>
-          </a:p>
-          <a:p>
-            <a:r>
-              <a:rPr lang="en-US" sz="2800" b="1" dirty="0" smtClean="0"/>
-              <a:t>A Boolean data type represent value in the form of: </a:t>
-            </a:r>
-          </a:p>
-          <a:p>
-            <a:pPr lvl="1"/>
-            <a:r>
-              <a:rPr lang="en-US" sz="2600" b="1" dirty="0" smtClean="0"/>
-              <a:t>true</a:t>
-            </a:r>
-          </a:p>
-          <a:p>
-            <a:pPr lvl="1"/>
-            <a:r>
-              <a:rPr lang="en-US" sz="2600" b="1" dirty="0" smtClean="0"/>
-              <a:t>False</a:t>
-            </a:r>
-          </a:p>
-          <a:p>
-            <a:pPr lvl="1"/>
-            <a:endParaRPr lang="en-US" sz="2600" b="1" dirty="0"/>
-          </a:p>
-          <a:p>
-            <a:pPr lvl="1"/>
-            <a:endParaRPr lang="en-US" sz="2600" b="1" dirty="0" smtClean="0"/>
-          </a:p>
-          <a:p>
-            <a:pPr lvl="1"/>
-            <a:endParaRPr lang="en-US" sz="2600" b="1" dirty="0" smtClean="0"/>
-          </a:p>
-          <a:p>
-            <a:r>
-              <a:rPr lang="en-US" sz="2800" b="1" dirty="0" smtClean="0"/>
-              <a:t>It majorly used while taking decision and testing for a certain value to be true or false.</a:t>
-            </a:r>
+            <a:r>
+              <a:rPr lang="en-US" sz="2400" dirty="0"/>
+              <a:t>Complex types are those that are built using the basic primitive data types in java.</a:t>
+            </a:r>
+          </a:p>
+          <a:p>
+            <a:r>
+              <a:rPr lang="en-US" sz="2400" dirty="0"/>
+              <a:t>A class defines data type which can combine one or more primitive data types or more complex data types.</a:t>
+            </a:r>
+          </a:p>
+          <a:p>
+            <a:r>
+              <a:rPr lang="en-US" sz="2400" dirty="0" smtClean="0"/>
+              <a:t>Objects are the instances of a class &amp;  a reference is used to point to that object . Think of the reference as a pointer to instances of the class.</a:t>
+            </a:r>
+          </a:p>
+          <a:p>
+            <a:r>
+              <a:rPr lang="en-US" sz="2400" dirty="0" smtClean="0"/>
+              <a:t>Size of a complex data type ?????? Guess.</a:t>
+            </a:r>
+          </a:p>
+          <a:p>
             <a:endParaRPr lang="en-US" dirty="0" smtClean="0"/>
           </a:p>
           <a:p>
-            <a:endParaRPr lang="en-US" dirty="0" smtClean="0"/>
-          </a:p>
-          <a:p>
             <a:endParaRPr lang="en-US" noProof="1"/>
           </a:p>
         </p:txBody>
@@ -9693,7 +7795,7 @@
           <p:cNvPr id="4" name="Slide Number Placeholder 3">
             <a:extLst>
               <a:ext uri="{FF2B5EF4-FFF2-40B4-BE49-F238E27FC236}">
-                <a16:creationId xmlns:a16="http://schemas.microsoft.com/office/drawing/2014/main" id="{62B4CE3A-8C88-45AA-A849-57E5A7AC22C1}"/>
+                <a16:creationId xmlns="" xmlns:a16="http://schemas.microsoft.com/office/drawing/2014/main" id="{62B4CE3A-8C88-45AA-A849-57E5A7AC22C1}"/>
               </a:ext>
             </a:extLst>
           </p:cNvPr>
@@ -9732,10 +7834,10 @@
           <p:cNvPr id="11" name="Rectangle 10">
             <a:extLst>
               <a:ext uri="{FF2B5EF4-FFF2-40B4-BE49-F238E27FC236}">
-                <a16:creationId xmlns:a16="http://schemas.microsoft.com/office/drawing/2014/main" id="{5F253864-26FA-4AB1-9F0A-4F57D870EE85}"/>
+                <a16:creationId xmlns="" xmlns:a16="http://schemas.microsoft.com/office/drawing/2014/main" id="{5F253864-26FA-4AB1-9F0A-4F57D870EE85}"/>
               </a:ext>
               <a:ext uri="{C183D7F6-B498-43B3-948B-1728B52AA6E4}">
-                <adec:decorative xmlns="" xmlns:adec="http://schemas.microsoft.com/office/drawing/2017/decorative" val="1"/>
+                <adec:decorative xmlns:adec="http://schemas.microsoft.com/office/drawing/2017/decorative" xmlns="" val="1"/>
               </a:ext>
             </a:extLst>
           </p:cNvPr>
@@ -9787,7 +7889,7 @@
       </p:sp>
       <p:pic>
         <p:nvPicPr>
-          <p:cNvPr id="8" name="Picture 7"/>
+          <p:cNvPr id="5" name="Picture 4"/>
           <p:cNvPicPr>
             <a:picLocks noChangeAspect="1"/>
           </p:cNvPicPr>
@@ -9797,7 +7899,7 @@
           <a:blip r:embed="rId2">
             <a:extLst>
               <a:ext uri="{28A0092B-C50C-407E-A947-70E740481C1C}">
-                <a14:useLocalDpi xmlns:a14="http://schemas.microsoft.com/office/drawing/2010/main" val="0"/>
+                <a14:useLocalDpi xmlns="" xmlns:a14="http://schemas.microsoft.com/office/drawing/2010/main" val="0"/>
               </a:ext>
             </a:extLst>
           </a:blip>
@@ -9807,8 +7909,38 @@
         </p:blipFill>
         <p:spPr>
           <a:xfrm>
-            <a:off x="4289857" y="2869766"/>
-            <a:ext cx="2466975" cy="1857375"/>
+            <a:off x="6862618" y="1825625"/>
+            <a:ext cx="4313382" cy="1730375"/>
+          </a:xfrm>
+          <a:prstGeom prst="rect">
+            <a:avLst/>
+          </a:prstGeom>
+        </p:spPr>
+      </p:pic>
+      <p:pic>
+        <p:nvPicPr>
+          <p:cNvPr id="6" name="Picture 5"/>
+          <p:cNvPicPr>
+            <a:picLocks noChangeAspect="1"/>
+          </p:cNvPicPr>
+          <p:nvPr/>
+        </p:nvPicPr>
+        <p:blipFill>
+          <a:blip r:embed="rId3">
+            <a:extLst>
+              <a:ext uri="{28A0092B-C50C-407E-A947-70E740481C1C}">
+                <a14:useLocalDpi xmlns="" xmlns:a14="http://schemas.microsoft.com/office/drawing/2010/main" val="0"/>
+              </a:ext>
+            </a:extLst>
+          </a:blip>
+          <a:stretch>
+            <a:fillRect/>
+          </a:stretch>
+        </p:blipFill>
+        <p:spPr>
+          <a:xfrm>
+            <a:off x="6862617" y="4001294"/>
+            <a:ext cx="4349009" cy="1847945"/>
           </a:xfrm>
           <a:prstGeom prst="rect">
             <a:avLst/>
@@ -9818,7 +7950,7 @@
     </p:spTree>
     <p:extLst>
       <p:ext uri="{BB962C8B-B14F-4D97-AF65-F5344CB8AC3E}">
-        <p14:creationId xmlns:p14="http://schemas.microsoft.com/office/powerpoint/2010/main" val="2966179024"/>
+        <p14:creationId xmlns="" xmlns:p14="http://schemas.microsoft.com/office/powerpoint/2010/main" val="650196804"/>
       </p:ext>
     </p:extLst>
   </p:cSld>
@@ -10030,7 +8162,7 @@
   <a:extraClrSchemeLst/>
   <a:extLst>
     <a:ext uri="{05A4C25C-085E-4340-85A3-A5531E510DB2}">
-      <thm15:themeFamily xmlns:thm15="http://schemas.microsoft.com/office/thememl/2012/main" name="Classic-Corporate_Teach a Course_Win32_SB - v2" id="{AAA48AC2-5F99-4B13-8624-B64D50F70391}" vid="{7E93EDBA-CDC2-40D2-AD59-7619D791F782}"/>
+      <thm15:themeFamily xmlns="" xmlns:thm15="http://schemas.microsoft.com/office/thememl/2012/main" name="Classic-Corporate_Teach a Course_Win32_SB - v2" id="{AAA48AC2-5F99-4B13-8624-B64D50F70391}" vid="{7E93EDBA-CDC2-40D2-AD59-7619D791F782}"/>
     </a:ext>
   </a:extLst>
 </a:theme>
@@ -10325,7 +8457,7 @@
   <a:extraClrSchemeLst/>
   <a:extLst>
     <a:ext uri="{05A4C25C-085E-4340-85A3-A5531E510DB2}">
-      <thm15:themeFamily xmlns:thm15="http://schemas.microsoft.com/office/thememl/2012/main" name="Office Theme" id="{62F939B6-93AF-4DB8-9C6B-D6C7DFDC589F}" vid="{4A3C46E8-61CC-4603-A589-7422A47A8E4A}"/>
+      <thm15:themeFamily xmlns="" xmlns:thm15="http://schemas.microsoft.com/office/thememl/2012/main" name="Office Theme" id="{62F939B6-93AF-4DB8-9C6B-D6C7DFDC589F}" vid="{4A3C46E8-61CC-4603-A589-7422A47A8E4A}"/>
     </a:ext>
   </a:extLst>
 </a:theme>
@@ -10620,7 +8752,7 @@
   <a:extraClrSchemeLst/>
   <a:extLst>
     <a:ext uri="{05A4C25C-085E-4340-85A3-A5531E510DB2}">
-      <thm15:themeFamily xmlns:thm15="http://schemas.microsoft.com/office/thememl/2012/main" name="Office Theme" id="{62F939B6-93AF-4DB8-9C6B-D6C7DFDC589F}" vid="{4A3C46E8-61CC-4603-A589-7422A47A8E4A}"/>
+      <thm15:themeFamily xmlns="" xmlns:thm15="http://schemas.microsoft.com/office/thememl/2012/main" name="Office Theme" id="{62F939B6-93AF-4DB8-9C6B-D6C7DFDC589F}" vid="{4A3C46E8-61CC-4603-A589-7422A47A8E4A}"/>
     </a:ext>
   </a:extLst>
 </a:theme>
@@ -10934,21 +9066,21 @@
 </file>
 
 <file path=customXml/item2.xml><?xml version="1.0" encoding="utf-8"?>
+<p:properties xmlns:p="http://schemas.microsoft.com/office/2006/metadata/properties" xmlns:xsi="http://www.w3.org/2001/XMLSchema-instance" xmlns:pc="http://schemas.microsoft.com/office/infopath/2007/PartnerControls">
+  <documentManagement>
+    <Status xmlns="71af3243-3dd4-4a8d-8c0d-dd76da1f02a5">Not started</Status>
+    <MediaServiceKeyPoints xmlns="71af3243-3dd4-4a8d-8c0d-dd76da1f02a5" xsi:nil="true"/>
+  </documentManagement>
+</p:properties>
+</file>
+
+<file path=customXml/item3.xml><?xml version="1.0" encoding="utf-8"?>
 <?mso-contentType ?>
 <FormTemplates xmlns="http://schemas.microsoft.com/sharepoint/v3/contenttype/forms">
   <Display>DocumentLibraryForm</Display>
   <Edit>DocumentLibraryForm</Edit>
   <New>DocumentLibraryForm</New>
 </FormTemplates>
-</file>
-
-<file path=customXml/item3.xml><?xml version="1.0" encoding="utf-8"?>
-<p:properties xmlns:p="http://schemas.microsoft.com/office/2006/metadata/properties" xmlns:xsi="http://www.w3.org/2001/XMLSchema-instance" xmlns:pc="http://schemas.microsoft.com/office/infopath/2007/PartnerControls">
-  <documentManagement>
-    <Status xmlns="71af3243-3dd4-4a8d-8c0d-dd76da1f02a5">Not started</Status>
-    <MediaServiceKeyPoints xmlns="71af3243-3dd4-4a8d-8c0d-dd76da1f02a5" xsi:nil="true"/>
-  </documentManagement>
-</p:properties>
 </file>
 
 <file path=customXml/itemProps1.xml><?xml version="1.0" encoding="utf-8"?>
@@ -10971,14 +9103,6 @@
 </file>
 
 <file path=customXml/itemProps2.xml><?xml version="1.0" encoding="utf-8"?>
-<ds:datastoreItem xmlns:ds="http://schemas.openxmlformats.org/officeDocument/2006/customXml" ds:itemID="{EBB7C387-AFDC-4FE3-A658-984B7F35F155}">
-  <ds:schemaRefs>
-    <ds:schemaRef ds:uri="http://schemas.microsoft.com/sharepoint/v3/contenttype/forms"/>
-  </ds:schemaRefs>
-</ds:datastoreItem>
-</file>
-
-<file path=customXml/itemProps3.xml><?xml version="1.0" encoding="utf-8"?>
 <ds:datastoreItem xmlns:ds="http://schemas.openxmlformats.org/officeDocument/2006/customXml" ds:itemID="{F4E32C0B-4052-44CB-9341-8AD8B2CC4712}">
   <ds:schemaRefs>
     <ds:schemaRef ds:uri="http://schemas.microsoft.com/office/2006/metadata/properties"/>
@@ -10986,4 +9110,12 @@
     <ds:schemaRef ds:uri="71af3243-3dd4-4a8d-8c0d-dd76da1f02a5"/>
   </ds:schemaRefs>
 </ds:datastoreItem>
+</file>
+
+<file path=customXml/itemProps3.xml><?xml version="1.0" encoding="utf-8"?>
+<ds:datastoreItem xmlns:ds="http://schemas.openxmlformats.org/officeDocument/2006/customXml" ds:itemID="{EBB7C387-AFDC-4FE3-A658-984B7F35F155}">
+  <ds:schemaRefs>
+    <ds:schemaRef ds:uri="http://schemas.microsoft.com/sharepoint/v3/contenttype/forms"/>
+  </ds:schemaRefs>
+</ds:datastoreItem>
 </file>